--- a/엘든링 역기획서/엘든링_전회컨텐츠_역기획서.pptx
+++ b/엘든링 역기획서/엘든링_전회컨텐츠_역기획서.pptx
@@ -5,19 +5,18 @@
     <p:sldMasterId id="2147483648" r:id="rId1"/>
   </p:sldMasterIdLst>
   <p:notesMasterIdLst>
-    <p:notesMasterId r:id="rId12"/>
+    <p:notesMasterId r:id="rId11"/>
   </p:notesMasterIdLst>
   <p:sldIdLst>
     <p:sldId id="269" r:id="rId2"/>
     <p:sldId id="267" r:id="rId3"/>
-    <p:sldId id="279" r:id="rId4"/>
-    <p:sldId id="281" r:id="rId5"/>
-    <p:sldId id="280" r:id="rId6"/>
-    <p:sldId id="282" r:id="rId7"/>
-    <p:sldId id="283" r:id="rId8"/>
-    <p:sldId id="284" r:id="rId9"/>
-    <p:sldId id="285" r:id="rId10"/>
-    <p:sldId id="286" r:id="rId11"/>
+    <p:sldId id="288" r:id="rId4"/>
+    <p:sldId id="287" r:id="rId5"/>
+    <p:sldId id="282" r:id="rId6"/>
+    <p:sldId id="283" r:id="rId7"/>
+    <p:sldId id="284" r:id="rId8"/>
+    <p:sldId id="285" r:id="rId9"/>
+    <p:sldId id="286" r:id="rId10"/>
   </p:sldIdLst>
   <p:sldSz cx="12192000" cy="6858000"/>
   <p:notesSz cx="6858000" cy="9144000"/>
@@ -217,7 +216,7 @@
           <a:p>
             <a:fld id="{15B808FB-3DDB-4DAD-BDEB-AB123B9F7CC1}" type="datetimeFigureOut">
               <a:rPr lang="ko-KR" altLang="en-US" smtClean="0"/>
-              <a:t>2024-10-10</a:t>
+              <a:t>2024-10-11</a:t>
             </a:fld>
             <a:endParaRPr lang="ko-KR" altLang="en-US"/>
           </a:p>
@@ -717,7 +716,7 @@
           <a:p>
             <a:fld id="{8CA72C27-D0A0-472F-B7CB-FAB4645A1F36}" type="slidenum">
               <a:rPr lang="ko-KR" altLang="en-US" smtClean="0"/>
-              <a:t>10</a:t>
+              <a:t>9</a:t>
             </a:fld>
             <a:endParaRPr lang="ko-KR" altLang="en-US"/>
           </a:p>
@@ -883,7 +882,7 @@
           <a:p>
             <a:fld id="{3F4C7EE5-2743-4615-BAAD-BA1738C57346}" type="datetime1">
               <a:rPr lang="ko-KR" altLang="en-US" smtClean="0"/>
-              <a:t>2024-10-10</a:t>
+              <a:t>2024-10-11</a:t>
             </a:fld>
             <a:endParaRPr lang="ko-KR" altLang="en-US"/>
           </a:p>
@@ -1282,7 +1281,7 @@
           <a:p>
             <a:fld id="{6F948A0A-5631-425F-970D-62D9E160BB4A}" type="datetime1">
               <a:rPr lang="ko-KR" altLang="en-US" smtClean="0"/>
-              <a:t>2024-10-10</a:t>
+              <a:t>2024-10-11</a:t>
             </a:fld>
             <a:endParaRPr lang="ko-KR" altLang="en-US"/>
           </a:p>
@@ -1431,7 +1430,7 @@
           <a:p>
             <a:fld id="{A7125F7D-C933-4823-B16C-E8329223FCA2}" type="datetime1">
               <a:rPr lang="ko-KR" altLang="en-US" smtClean="0"/>
-              <a:t>2024-10-10</a:t>
+              <a:t>2024-10-11</a:t>
             </a:fld>
             <a:endParaRPr lang="ko-KR" altLang="en-US"/>
           </a:p>
@@ -1552,7 +1551,7 @@
           <a:p>
             <a:fld id="{172AEC7A-CF56-4355-B69C-99E70FFD0594}" type="datetime1">
               <a:rPr lang="ko-KR" altLang="en-US" smtClean="0"/>
-              <a:t>2024-10-10</a:t>
+              <a:t>2024-10-11</a:t>
             </a:fld>
             <a:endParaRPr lang="ko-KR" altLang="en-US"/>
           </a:p>
@@ -1871,7 +1870,7 @@
           <a:p>
             <a:fld id="{03DE2A23-3ACA-4377-BDEC-B489E6A52A6D}" type="datetime1">
               <a:rPr lang="ko-KR" altLang="en-US" smtClean="0"/>
-              <a:t>2024-10-10</a:t>
+              <a:t>2024-10-11</a:t>
             </a:fld>
             <a:endParaRPr lang="ko-KR" altLang="en-US"/>
           </a:p>
@@ -2167,7 +2166,7 @@
           <a:p>
             <a:fld id="{8966ED2F-EA66-41FD-A40A-834EEC507310}" type="datetime1">
               <a:rPr lang="ko-KR" altLang="en-US" smtClean="0"/>
-              <a:t>2024-10-10</a:t>
+              <a:t>2024-10-11</a:t>
             </a:fld>
             <a:endParaRPr lang="ko-KR" altLang="en-US"/>
           </a:p>
@@ -2373,7 +2372,7 @@
           <a:p>
             <a:fld id="{DE92472D-1AC6-48F8-AF0A-6DFA71752292}" type="datetime1">
               <a:rPr lang="ko-KR" altLang="en-US" smtClean="0"/>
-              <a:t>2024-10-10</a:t>
+              <a:t>2024-10-11</a:t>
             </a:fld>
             <a:endParaRPr lang="ko-KR" altLang="en-US"/>
           </a:p>
@@ -2589,7 +2588,7 @@
           <a:p>
             <a:fld id="{DB8DDC07-8A93-4907-ADFC-E2BFCDD8943C}" type="datetime1">
               <a:rPr lang="ko-KR" altLang="en-US" smtClean="0"/>
-              <a:t>2024-10-10</a:t>
+              <a:t>2024-10-11</a:t>
             </a:fld>
             <a:endParaRPr lang="ko-KR" altLang="en-US"/>
           </a:p>
@@ -2795,7 +2794,7 @@
           <a:p>
             <a:fld id="{D27242A3-85E8-4FB9-A509-65F17906E306}" type="datetime1">
               <a:rPr lang="ko-KR" altLang="en-US" smtClean="0"/>
-              <a:t>2024-10-10</a:t>
+              <a:t>2024-10-11</a:t>
             </a:fld>
             <a:endParaRPr lang="ko-KR" altLang="en-US"/>
           </a:p>
@@ -2882,7 +2881,7 @@
             </a:extLst>
           </p:cNvPr>
           <p:cNvSpPr>
-            <a:spLocks/>
+            <a:spLocks noGrp="1"/>
           </p:cNvSpPr>
           <p:nvPr>
             <p:ph type="sldNum" sz="quarter" idx="4"/>
@@ -3331,8 +3330,8 @@
         </p:nvSpPr>
         <p:spPr>
           <a:xfrm>
-            <a:off x="310827" y="1948226"/>
-            <a:ext cx="986167" cy="276999"/>
+            <a:off x="483149" y="1948226"/>
+            <a:ext cx="641522" cy="276999"/>
           </a:xfrm>
           <a:prstGeom prst="rect">
             <a:avLst/>
@@ -3365,7 +3364,7 @@
                 <a:ea typeface="빛의 계승자 Bold" panose="020B0600000101010101" pitchFamily="50" charset="-127"/>
                 <a:cs typeface="+mn-cs"/>
               </a:rPr>
-              <a:t>컨텐츠 소개</a:t>
+              <a:t>컨텐츠</a:t>
             </a:r>
           </a:p>
         </p:txBody>
@@ -3454,8 +3453,8 @@
         </p:nvSpPr>
         <p:spPr>
           <a:xfrm>
-            <a:off x="310827" y="2451376"/>
-            <a:ext cx="986167" cy="276999"/>
+            <a:off x="483149" y="2451376"/>
+            <a:ext cx="641522" cy="276999"/>
           </a:xfrm>
           <a:prstGeom prst="rect">
             <a:avLst/>
@@ -3488,7 +3487,7 @@
                 <a:ea typeface="빛의 계승자 Bold" panose="020B0600000101010101" pitchFamily="50" charset="-127"/>
                 <a:cs typeface="+mn-cs"/>
               </a:rPr>
-              <a:t>시스템 소개</a:t>
+              <a:t>시스템</a:t>
             </a:r>
           </a:p>
         </p:txBody>
@@ -4757,61 +4756,6 @@
           </a:fontRef>
         </p:style>
       </p:cxnSp>
-      <p:sp>
-        <p:nvSpPr>
-          <p:cNvPr id="26" name="TextBox 25">
-            <a:extLst>
-              <a:ext uri="{FF2B5EF4-FFF2-40B4-BE49-F238E27FC236}">
-                <a16:creationId xmlns:a16="http://schemas.microsoft.com/office/drawing/2014/main" id="{5DFAA5D2-1A9C-4CBF-FCA6-39CDA2789A4C}"/>
-              </a:ext>
-            </a:extLst>
-          </p:cNvPr>
-          <p:cNvSpPr txBox="1">
-            <a:spLocks/>
-          </p:cNvSpPr>
-          <p:nvPr userDrawn="1"/>
-        </p:nvSpPr>
-        <p:spPr>
-          <a:xfrm>
-            <a:off x="310827" y="2451376"/>
-            <a:ext cx="986167" cy="276999"/>
-          </a:xfrm>
-          <a:prstGeom prst="rect">
-            <a:avLst/>
-          </a:prstGeom>
-          <a:noFill/>
-          <a:ln w="6350">
-            <a:noFill/>
-          </a:ln>
-        </p:spPr>
-        <p:txBody>
-          <a:bodyPr wrap="none" rtlCol="0">
-            <a:spAutoFit/>
-          </a:bodyPr>
-          <a:lstStyle/>
-          <a:p>
-            <a:pPr marL="0" algn="ctr" defTabSz="914400" rtl="0" eaLnBrk="1" latinLnBrk="1" hangingPunct="1"/>
-            <a:r>
-              <a:rPr lang="ko-KR" altLang="en-US" sz="1200" b="0" kern="1200" dirty="0">
-                <a:solidFill>
-                  <a:schemeClr val="bg1"/>
-                </a:solidFill>
-                <a:effectLst>
-                  <a:glow rad="101600">
-                    <a:schemeClr val="tx1">
-                      <a:alpha val="60000"/>
-                    </a:schemeClr>
-                  </a:glow>
-                </a:effectLst>
-                <a:latin typeface="빛의 계승자 Bold" panose="020B0600000101010101" pitchFamily="50" charset="-127"/>
-                <a:ea typeface="빛의 계승자 Bold" panose="020B0600000101010101" pitchFamily="50" charset="-127"/>
-                <a:cs typeface="+mn-cs"/>
-              </a:rPr>
-              <a:t>시스템 소개</a:t>
-            </a:r>
-          </a:p>
-        </p:txBody>
-      </p:sp>
       <p:cxnSp>
         <p:nvCxnSpPr>
           <p:cNvPr id="27" name="직선 연결선 26">
@@ -5339,61 +5283,6 @@
           <a:p>
             <a:pPr algn="ctr"/>
             <a:endParaRPr lang="ko-KR" altLang="en-US"/>
-          </a:p>
-        </p:txBody>
-      </p:sp>
-      <p:sp>
-        <p:nvSpPr>
-          <p:cNvPr id="24" name="TextBox 23">
-            <a:extLst>
-              <a:ext uri="{FF2B5EF4-FFF2-40B4-BE49-F238E27FC236}">
-                <a16:creationId xmlns:a16="http://schemas.microsoft.com/office/drawing/2014/main" id="{1E7075B3-95E9-C424-6086-C226770BE969}"/>
-              </a:ext>
-            </a:extLst>
-          </p:cNvPr>
-          <p:cNvSpPr txBox="1">
-            <a:spLocks/>
-          </p:cNvSpPr>
-          <p:nvPr userDrawn="1"/>
-        </p:nvSpPr>
-        <p:spPr>
-          <a:xfrm>
-            <a:off x="310827" y="1948226"/>
-            <a:ext cx="986167" cy="276999"/>
-          </a:xfrm>
-          <a:prstGeom prst="rect">
-            <a:avLst/>
-          </a:prstGeom>
-          <a:noFill/>
-          <a:ln w="6350">
-            <a:noFill/>
-          </a:ln>
-        </p:spPr>
-        <p:txBody>
-          <a:bodyPr wrap="none" rtlCol="0">
-            <a:spAutoFit/>
-          </a:bodyPr>
-          <a:lstStyle/>
-          <a:p>
-            <a:pPr marL="0" algn="ctr" defTabSz="914400" rtl="0" eaLnBrk="1" latinLnBrk="1" hangingPunct="1"/>
-            <a:r>
-              <a:rPr lang="ko-KR" altLang="en-US" sz="1200" b="0" kern="1200" dirty="0">
-                <a:solidFill>
-                  <a:schemeClr val="bg1"/>
-                </a:solidFill>
-                <a:effectLst>
-                  <a:glow rad="101600">
-                    <a:schemeClr val="tx1">
-                      <a:alpha val="60000"/>
-                    </a:schemeClr>
-                  </a:glow>
-                </a:effectLst>
-                <a:latin typeface="빛의 계승자 Bold" panose="020B0600000101010101" pitchFamily="50" charset="-127"/>
-                <a:ea typeface="빛의 계승자 Bold" panose="020B0600000101010101" pitchFamily="50" charset="-127"/>
-                <a:cs typeface="+mn-cs"/>
-              </a:rPr>
-              <a:t>컨텐츠 소개</a:t>
-            </a:r>
           </a:p>
         </p:txBody>
       </p:sp>
@@ -5664,6 +5553,116 @@
           </a:p>
         </p:txBody>
       </p:sp>
+      <p:sp>
+        <p:nvSpPr>
+          <p:cNvPr id="10" name="TextBox 9">
+            <a:extLst>
+              <a:ext uri="{FF2B5EF4-FFF2-40B4-BE49-F238E27FC236}">
+                <a16:creationId xmlns:a16="http://schemas.microsoft.com/office/drawing/2014/main" id="{577C0862-A466-864D-5EBB-B8C11A4CC55C}"/>
+              </a:ext>
+            </a:extLst>
+          </p:cNvPr>
+          <p:cNvSpPr txBox="1">
+            <a:spLocks/>
+          </p:cNvSpPr>
+          <p:nvPr userDrawn="1"/>
+        </p:nvSpPr>
+        <p:spPr>
+          <a:xfrm>
+            <a:off x="483149" y="1948226"/>
+            <a:ext cx="641522" cy="276999"/>
+          </a:xfrm>
+          <a:prstGeom prst="rect">
+            <a:avLst/>
+          </a:prstGeom>
+          <a:noFill/>
+          <a:ln w="6350">
+            <a:noFill/>
+          </a:ln>
+        </p:spPr>
+        <p:txBody>
+          <a:bodyPr wrap="none" rtlCol="0">
+            <a:spAutoFit/>
+          </a:bodyPr>
+          <a:lstStyle/>
+          <a:p>
+            <a:pPr marL="0" algn="ctr" defTabSz="914400" rtl="0" eaLnBrk="1" latinLnBrk="1" hangingPunct="1"/>
+            <a:r>
+              <a:rPr lang="ko-KR" altLang="en-US" sz="1200" b="0" kern="1200" dirty="0">
+                <a:solidFill>
+                  <a:schemeClr val="bg1"/>
+                </a:solidFill>
+                <a:effectLst>
+                  <a:glow rad="101600">
+                    <a:schemeClr val="tx1">
+                      <a:alpha val="60000"/>
+                    </a:schemeClr>
+                  </a:glow>
+                </a:effectLst>
+                <a:latin typeface="빛의 계승자 Bold" panose="020B0600000101010101" pitchFamily="50" charset="-127"/>
+                <a:ea typeface="빛의 계승자 Bold" panose="020B0600000101010101" pitchFamily="50" charset="-127"/>
+                <a:cs typeface="+mn-cs"/>
+              </a:rPr>
+              <a:t>컨텐츠</a:t>
+            </a:r>
+          </a:p>
+        </p:txBody>
+      </p:sp>
+      <p:sp>
+        <p:nvSpPr>
+          <p:cNvPr id="11" name="TextBox 10">
+            <a:extLst>
+              <a:ext uri="{FF2B5EF4-FFF2-40B4-BE49-F238E27FC236}">
+                <a16:creationId xmlns:a16="http://schemas.microsoft.com/office/drawing/2014/main" id="{8E478B64-BA6F-DF83-5119-4AE8CFF88530}"/>
+              </a:ext>
+            </a:extLst>
+          </p:cNvPr>
+          <p:cNvSpPr txBox="1">
+            <a:spLocks/>
+          </p:cNvSpPr>
+          <p:nvPr userDrawn="1"/>
+        </p:nvSpPr>
+        <p:spPr>
+          <a:xfrm>
+            <a:off x="483149" y="2451376"/>
+            <a:ext cx="641522" cy="276999"/>
+          </a:xfrm>
+          <a:prstGeom prst="rect">
+            <a:avLst/>
+          </a:prstGeom>
+          <a:noFill/>
+          <a:ln w="6350">
+            <a:noFill/>
+          </a:ln>
+        </p:spPr>
+        <p:txBody>
+          <a:bodyPr wrap="none" rtlCol="0">
+            <a:spAutoFit/>
+          </a:bodyPr>
+          <a:lstStyle/>
+          <a:p>
+            <a:pPr marL="0" algn="ctr" defTabSz="914400" rtl="0" eaLnBrk="1" latinLnBrk="1" hangingPunct="1"/>
+            <a:r>
+              <a:rPr lang="ko-KR" altLang="en-US" sz="1200" b="0" kern="1200" dirty="0">
+                <a:solidFill>
+                  <a:schemeClr val="bg1"/>
+                </a:solidFill>
+                <a:effectLst>
+                  <a:glow rad="101600">
+                    <a:schemeClr val="tx1">
+                      <a:alpha val="60000"/>
+                    </a:schemeClr>
+                  </a:glow>
+                </a:effectLst>
+                <a:latin typeface="빛의 계승자 Bold" panose="020B0600000101010101" pitchFamily="50" charset="-127"/>
+                <a:ea typeface="빛의 계승자 Bold" panose="020B0600000101010101" pitchFamily="50" charset="-127"/>
+                <a:cs typeface="+mn-cs"/>
+              </a:rPr>
+              <a:t>시스템</a:t>
+            </a:r>
+          </a:p>
+        </p:txBody>
+      </p:sp>
     </p:spTree>
     <p:extLst>
       <p:ext uri="{BB962C8B-B14F-4D97-AF65-F5344CB8AC3E}">
@@ -6108,61 +6107,6 @@
           </a:fontRef>
         </p:style>
       </p:cxnSp>
-      <p:sp>
-        <p:nvSpPr>
-          <p:cNvPr id="24" name="TextBox 23">
-            <a:extLst>
-              <a:ext uri="{FF2B5EF4-FFF2-40B4-BE49-F238E27FC236}">
-                <a16:creationId xmlns:a16="http://schemas.microsoft.com/office/drawing/2014/main" id="{1E7075B3-95E9-C424-6086-C226770BE969}"/>
-              </a:ext>
-            </a:extLst>
-          </p:cNvPr>
-          <p:cNvSpPr txBox="1">
-            <a:spLocks/>
-          </p:cNvSpPr>
-          <p:nvPr userDrawn="1"/>
-        </p:nvSpPr>
-        <p:spPr>
-          <a:xfrm>
-            <a:off x="310827" y="1948226"/>
-            <a:ext cx="986167" cy="276999"/>
-          </a:xfrm>
-          <a:prstGeom prst="rect">
-            <a:avLst/>
-          </a:prstGeom>
-          <a:noFill/>
-          <a:ln w="6350">
-            <a:noFill/>
-          </a:ln>
-        </p:spPr>
-        <p:txBody>
-          <a:bodyPr wrap="none" rtlCol="0">
-            <a:spAutoFit/>
-          </a:bodyPr>
-          <a:lstStyle/>
-          <a:p>
-            <a:pPr marL="0" algn="ctr" defTabSz="914400" rtl="0" eaLnBrk="1" latinLnBrk="1" hangingPunct="1"/>
-            <a:r>
-              <a:rPr lang="ko-KR" altLang="en-US" sz="1200" b="0" kern="1200" dirty="0">
-                <a:solidFill>
-                  <a:schemeClr val="bg1"/>
-                </a:solidFill>
-                <a:effectLst>
-                  <a:glow rad="101600">
-                    <a:schemeClr val="tx1">
-                      <a:alpha val="60000"/>
-                    </a:schemeClr>
-                  </a:glow>
-                </a:effectLst>
-                <a:latin typeface="빛의 계승자 Bold" panose="020B0600000101010101" pitchFamily="50" charset="-127"/>
-                <a:ea typeface="빛의 계승자 Bold" panose="020B0600000101010101" pitchFamily="50" charset="-127"/>
-                <a:cs typeface="+mn-cs"/>
-              </a:rPr>
-              <a:t>컨텐츠 소개</a:t>
-            </a:r>
-          </a:p>
-        </p:txBody>
-      </p:sp>
       <p:cxnSp>
         <p:nvCxnSpPr>
           <p:cNvPr id="25" name="직선 연결선 24">
@@ -6758,61 +6702,6 @@
           <a:p>
             <a:pPr algn="ctr"/>
             <a:endParaRPr lang="ko-KR" altLang="en-US"/>
-          </a:p>
-        </p:txBody>
-      </p:sp>
-      <p:sp>
-        <p:nvSpPr>
-          <p:cNvPr id="26" name="TextBox 25">
-            <a:extLst>
-              <a:ext uri="{FF2B5EF4-FFF2-40B4-BE49-F238E27FC236}">
-                <a16:creationId xmlns:a16="http://schemas.microsoft.com/office/drawing/2014/main" id="{5DFAA5D2-1A9C-4CBF-FCA6-39CDA2789A4C}"/>
-              </a:ext>
-            </a:extLst>
-          </p:cNvPr>
-          <p:cNvSpPr txBox="1">
-            <a:spLocks/>
-          </p:cNvSpPr>
-          <p:nvPr userDrawn="1"/>
-        </p:nvSpPr>
-        <p:spPr>
-          <a:xfrm>
-            <a:off x="310827" y="2451376"/>
-            <a:ext cx="986167" cy="276999"/>
-          </a:xfrm>
-          <a:prstGeom prst="rect">
-            <a:avLst/>
-          </a:prstGeom>
-          <a:noFill/>
-          <a:ln w="6350">
-            <a:noFill/>
-          </a:ln>
-        </p:spPr>
-        <p:txBody>
-          <a:bodyPr wrap="none" rtlCol="0">
-            <a:spAutoFit/>
-          </a:bodyPr>
-          <a:lstStyle/>
-          <a:p>
-            <a:pPr marL="0" algn="ctr" defTabSz="914400" rtl="0" eaLnBrk="1" latinLnBrk="1" hangingPunct="1"/>
-            <a:r>
-              <a:rPr lang="ko-KR" altLang="en-US" sz="1200" b="0" kern="1200" dirty="0">
-                <a:solidFill>
-                  <a:schemeClr val="bg1"/>
-                </a:solidFill>
-                <a:effectLst>
-                  <a:glow rad="101600">
-                    <a:schemeClr val="tx1">
-                      <a:alpha val="60000"/>
-                    </a:schemeClr>
-                  </a:glow>
-                </a:effectLst>
-                <a:latin typeface="빛의 계승자 Bold" panose="020B0600000101010101" pitchFamily="50" charset="-127"/>
-                <a:ea typeface="빛의 계승자 Bold" panose="020B0600000101010101" pitchFamily="50" charset="-127"/>
-                <a:cs typeface="+mn-cs"/>
-              </a:rPr>
-              <a:t>시스템 소개</a:t>
-            </a:r>
           </a:p>
         </p:txBody>
       </p:sp>
@@ -7083,6 +6972,116 @@
           </a:p>
         </p:txBody>
       </p:sp>
+      <p:sp>
+        <p:nvSpPr>
+          <p:cNvPr id="10" name="TextBox 9">
+            <a:extLst>
+              <a:ext uri="{FF2B5EF4-FFF2-40B4-BE49-F238E27FC236}">
+                <a16:creationId xmlns:a16="http://schemas.microsoft.com/office/drawing/2014/main" id="{FB016D44-6D74-D699-8E41-DDA30F6B829F}"/>
+              </a:ext>
+            </a:extLst>
+          </p:cNvPr>
+          <p:cNvSpPr txBox="1">
+            <a:spLocks/>
+          </p:cNvSpPr>
+          <p:nvPr userDrawn="1"/>
+        </p:nvSpPr>
+        <p:spPr>
+          <a:xfrm>
+            <a:off x="483149" y="1948226"/>
+            <a:ext cx="641522" cy="276999"/>
+          </a:xfrm>
+          <a:prstGeom prst="rect">
+            <a:avLst/>
+          </a:prstGeom>
+          <a:noFill/>
+          <a:ln w="6350">
+            <a:noFill/>
+          </a:ln>
+        </p:spPr>
+        <p:txBody>
+          <a:bodyPr wrap="none" rtlCol="0">
+            <a:spAutoFit/>
+          </a:bodyPr>
+          <a:lstStyle/>
+          <a:p>
+            <a:pPr marL="0" algn="ctr" defTabSz="914400" rtl="0" eaLnBrk="1" latinLnBrk="1" hangingPunct="1"/>
+            <a:r>
+              <a:rPr lang="ko-KR" altLang="en-US" sz="1200" b="0" kern="1200" dirty="0">
+                <a:solidFill>
+                  <a:schemeClr val="bg1"/>
+                </a:solidFill>
+                <a:effectLst>
+                  <a:glow rad="101600">
+                    <a:schemeClr val="tx1">
+                      <a:alpha val="60000"/>
+                    </a:schemeClr>
+                  </a:glow>
+                </a:effectLst>
+                <a:latin typeface="빛의 계승자 Bold" panose="020B0600000101010101" pitchFamily="50" charset="-127"/>
+                <a:ea typeface="빛의 계승자 Bold" panose="020B0600000101010101" pitchFamily="50" charset="-127"/>
+                <a:cs typeface="+mn-cs"/>
+              </a:rPr>
+              <a:t>컨텐츠</a:t>
+            </a:r>
+          </a:p>
+        </p:txBody>
+      </p:sp>
+      <p:sp>
+        <p:nvSpPr>
+          <p:cNvPr id="11" name="TextBox 10">
+            <a:extLst>
+              <a:ext uri="{FF2B5EF4-FFF2-40B4-BE49-F238E27FC236}">
+                <a16:creationId xmlns:a16="http://schemas.microsoft.com/office/drawing/2014/main" id="{1F0504B7-C587-A735-F9EF-9C0A3C28F87A}"/>
+              </a:ext>
+            </a:extLst>
+          </p:cNvPr>
+          <p:cNvSpPr txBox="1">
+            <a:spLocks/>
+          </p:cNvSpPr>
+          <p:nvPr userDrawn="1"/>
+        </p:nvSpPr>
+        <p:spPr>
+          <a:xfrm>
+            <a:off x="483149" y="2451376"/>
+            <a:ext cx="641522" cy="276999"/>
+          </a:xfrm>
+          <a:prstGeom prst="rect">
+            <a:avLst/>
+          </a:prstGeom>
+          <a:noFill/>
+          <a:ln w="6350">
+            <a:noFill/>
+          </a:ln>
+        </p:spPr>
+        <p:txBody>
+          <a:bodyPr wrap="none" rtlCol="0">
+            <a:spAutoFit/>
+          </a:bodyPr>
+          <a:lstStyle/>
+          <a:p>
+            <a:pPr marL="0" algn="ctr" defTabSz="914400" rtl="0" eaLnBrk="1" latinLnBrk="1" hangingPunct="1"/>
+            <a:r>
+              <a:rPr lang="ko-KR" altLang="en-US" sz="1200" b="0" kern="1200" dirty="0">
+                <a:solidFill>
+                  <a:schemeClr val="bg1"/>
+                </a:solidFill>
+                <a:effectLst>
+                  <a:glow rad="101600">
+                    <a:schemeClr val="tx1">
+                      <a:alpha val="60000"/>
+                    </a:schemeClr>
+                  </a:glow>
+                </a:effectLst>
+                <a:latin typeface="빛의 계승자 Bold" panose="020B0600000101010101" pitchFamily="50" charset="-127"/>
+                <a:ea typeface="빛의 계승자 Bold" panose="020B0600000101010101" pitchFamily="50" charset="-127"/>
+                <a:cs typeface="+mn-cs"/>
+              </a:rPr>
+              <a:t>시스템</a:t>
+            </a:r>
+          </a:p>
+        </p:txBody>
+      </p:sp>
     </p:spTree>
     <p:extLst>
       <p:ext uri="{BB962C8B-B14F-4D97-AF65-F5344CB8AC3E}">
@@ -7527,61 +7526,6 @@
           </a:fontRef>
         </p:style>
       </p:cxnSp>
-      <p:sp>
-        <p:nvSpPr>
-          <p:cNvPr id="24" name="TextBox 23">
-            <a:extLst>
-              <a:ext uri="{FF2B5EF4-FFF2-40B4-BE49-F238E27FC236}">
-                <a16:creationId xmlns:a16="http://schemas.microsoft.com/office/drawing/2014/main" id="{1E7075B3-95E9-C424-6086-C226770BE969}"/>
-              </a:ext>
-            </a:extLst>
-          </p:cNvPr>
-          <p:cNvSpPr txBox="1">
-            <a:spLocks/>
-          </p:cNvSpPr>
-          <p:nvPr userDrawn="1"/>
-        </p:nvSpPr>
-        <p:spPr>
-          <a:xfrm>
-            <a:off x="310827" y="1948226"/>
-            <a:ext cx="986167" cy="276999"/>
-          </a:xfrm>
-          <a:prstGeom prst="rect">
-            <a:avLst/>
-          </a:prstGeom>
-          <a:noFill/>
-          <a:ln w="6350">
-            <a:noFill/>
-          </a:ln>
-        </p:spPr>
-        <p:txBody>
-          <a:bodyPr wrap="none" rtlCol="0">
-            <a:spAutoFit/>
-          </a:bodyPr>
-          <a:lstStyle/>
-          <a:p>
-            <a:pPr marL="0" algn="ctr" defTabSz="914400" rtl="0" eaLnBrk="1" latinLnBrk="1" hangingPunct="1"/>
-            <a:r>
-              <a:rPr lang="ko-KR" altLang="en-US" sz="1200" b="0" kern="1200" dirty="0">
-                <a:solidFill>
-                  <a:schemeClr val="bg1"/>
-                </a:solidFill>
-                <a:effectLst>
-                  <a:glow rad="101600">
-                    <a:schemeClr val="tx1">
-                      <a:alpha val="60000"/>
-                    </a:schemeClr>
-                  </a:glow>
-                </a:effectLst>
-                <a:latin typeface="빛의 계승자 Bold" panose="020B0600000101010101" pitchFamily="50" charset="-127"/>
-                <a:ea typeface="빛의 계승자 Bold" panose="020B0600000101010101" pitchFamily="50" charset="-127"/>
-                <a:cs typeface="+mn-cs"/>
-              </a:rPr>
-              <a:t>컨텐츠 소개</a:t>
-            </a:r>
-          </a:p>
-        </p:txBody>
-      </p:sp>
       <p:cxnSp>
         <p:nvCxnSpPr>
           <p:cNvPr id="25" name="직선 연결선 24">
@@ -7650,61 +7594,6 @@
           </a:fontRef>
         </p:style>
       </p:cxnSp>
-      <p:sp>
-        <p:nvSpPr>
-          <p:cNvPr id="26" name="TextBox 25">
-            <a:extLst>
-              <a:ext uri="{FF2B5EF4-FFF2-40B4-BE49-F238E27FC236}">
-                <a16:creationId xmlns:a16="http://schemas.microsoft.com/office/drawing/2014/main" id="{5DFAA5D2-1A9C-4CBF-FCA6-39CDA2789A4C}"/>
-              </a:ext>
-            </a:extLst>
-          </p:cNvPr>
-          <p:cNvSpPr txBox="1">
-            <a:spLocks/>
-          </p:cNvSpPr>
-          <p:nvPr userDrawn="1"/>
-        </p:nvSpPr>
-        <p:spPr>
-          <a:xfrm>
-            <a:off x="310827" y="2451376"/>
-            <a:ext cx="986167" cy="276999"/>
-          </a:xfrm>
-          <a:prstGeom prst="rect">
-            <a:avLst/>
-          </a:prstGeom>
-          <a:noFill/>
-          <a:ln w="6350">
-            <a:noFill/>
-          </a:ln>
-        </p:spPr>
-        <p:txBody>
-          <a:bodyPr wrap="none" rtlCol="0">
-            <a:spAutoFit/>
-          </a:bodyPr>
-          <a:lstStyle/>
-          <a:p>
-            <a:pPr marL="0" algn="ctr" defTabSz="914400" rtl="0" eaLnBrk="1" latinLnBrk="1" hangingPunct="1"/>
-            <a:r>
-              <a:rPr lang="ko-KR" altLang="en-US" sz="1200" b="0" kern="1200" dirty="0">
-                <a:solidFill>
-                  <a:schemeClr val="bg1"/>
-                </a:solidFill>
-                <a:effectLst>
-                  <a:glow rad="101600">
-                    <a:schemeClr val="tx1">
-                      <a:alpha val="60000"/>
-                    </a:schemeClr>
-                  </a:glow>
-                </a:effectLst>
-                <a:latin typeface="빛의 계승자 Bold" panose="020B0600000101010101" pitchFamily="50" charset="-127"/>
-                <a:ea typeface="빛의 계승자 Bold" panose="020B0600000101010101" pitchFamily="50" charset="-127"/>
-                <a:cs typeface="+mn-cs"/>
-              </a:rPr>
-              <a:t>시스템 소개</a:t>
-            </a:r>
-          </a:p>
-        </p:txBody>
-      </p:sp>
       <p:cxnSp>
         <p:nvCxnSpPr>
           <p:cNvPr id="27" name="직선 연결선 26">
@@ -8502,6 +8391,116 @@
           </a:p>
         </p:txBody>
       </p:sp>
+      <p:sp>
+        <p:nvSpPr>
+          <p:cNvPr id="10" name="TextBox 9">
+            <a:extLst>
+              <a:ext uri="{FF2B5EF4-FFF2-40B4-BE49-F238E27FC236}">
+                <a16:creationId xmlns:a16="http://schemas.microsoft.com/office/drawing/2014/main" id="{23E4E12A-6A9F-4F7C-31E9-9ACF7E421E8D}"/>
+              </a:ext>
+            </a:extLst>
+          </p:cNvPr>
+          <p:cNvSpPr txBox="1">
+            <a:spLocks/>
+          </p:cNvSpPr>
+          <p:nvPr userDrawn="1"/>
+        </p:nvSpPr>
+        <p:spPr>
+          <a:xfrm>
+            <a:off x="483149" y="1948226"/>
+            <a:ext cx="641522" cy="276999"/>
+          </a:xfrm>
+          <a:prstGeom prst="rect">
+            <a:avLst/>
+          </a:prstGeom>
+          <a:noFill/>
+          <a:ln w="6350">
+            <a:noFill/>
+          </a:ln>
+        </p:spPr>
+        <p:txBody>
+          <a:bodyPr wrap="none" rtlCol="0">
+            <a:spAutoFit/>
+          </a:bodyPr>
+          <a:lstStyle/>
+          <a:p>
+            <a:pPr marL="0" algn="ctr" defTabSz="914400" rtl="0" eaLnBrk="1" latinLnBrk="1" hangingPunct="1"/>
+            <a:r>
+              <a:rPr lang="ko-KR" altLang="en-US" sz="1200" b="0" kern="1200" dirty="0">
+                <a:solidFill>
+                  <a:schemeClr val="bg1"/>
+                </a:solidFill>
+                <a:effectLst>
+                  <a:glow rad="101600">
+                    <a:schemeClr val="tx1">
+                      <a:alpha val="60000"/>
+                    </a:schemeClr>
+                  </a:glow>
+                </a:effectLst>
+                <a:latin typeface="빛의 계승자 Bold" panose="020B0600000101010101" pitchFamily="50" charset="-127"/>
+                <a:ea typeface="빛의 계승자 Bold" panose="020B0600000101010101" pitchFamily="50" charset="-127"/>
+                <a:cs typeface="+mn-cs"/>
+              </a:rPr>
+              <a:t>컨텐츠</a:t>
+            </a:r>
+          </a:p>
+        </p:txBody>
+      </p:sp>
+      <p:sp>
+        <p:nvSpPr>
+          <p:cNvPr id="11" name="TextBox 10">
+            <a:extLst>
+              <a:ext uri="{FF2B5EF4-FFF2-40B4-BE49-F238E27FC236}">
+                <a16:creationId xmlns:a16="http://schemas.microsoft.com/office/drawing/2014/main" id="{F57A6265-D6D0-05A4-389E-8C82551CAA4A}"/>
+              </a:ext>
+            </a:extLst>
+          </p:cNvPr>
+          <p:cNvSpPr txBox="1">
+            <a:spLocks/>
+          </p:cNvSpPr>
+          <p:nvPr userDrawn="1"/>
+        </p:nvSpPr>
+        <p:spPr>
+          <a:xfrm>
+            <a:off x="483149" y="2451376"/>
+            <a:ext cx="641522" cy="276999"/>
+          </a:xfrm>
+          <a:prstGeom prst="rect">
+            <a:avLst/>
+          </a:prstGeom>
+          <a:noFill/>
+          <a:ln w="6350">
+            <a:noFill/>
+          </a:ln>
+        </p:spPr>
+        <p:txBody>
+          <a:bodyPr wrap="none" rtlCol="0">
+            <a:spAutoFit/>
+          </a:bodyPr>
+          <a:lstStyle/>
+          <a:p>
+            <a:pPr marL="0" algn="ctr" defTabSz="914400" rtl="0" eaLnBrk="1" latinLnBrk="1" hangingPunct="1"/>
+            <a:r>
+              <a:rPr lang="ko-KR" altLang="en-US" sz="1200" b="0" kern="1200" dirty="0">
+                <a:solidFill>
+                  <a:schemeClr val="bg1"/>
+                </a:solidFill>
+                <a:effectLst>
+                  <a:glow rad="101600">
+                    <a:schemeClr val="tx1">
+                      <a:alpha val="60000"/>
+                    </a:schemeClr>
+                  </a:glow>
+                </a:effectLst>
+                <a:latin typeface="빛의 계승자 Bold" panose="020B0600000101010101" pitchFamily="50" charset="-127"/>
+                <a:ea typeface="빛의 계승자 Bold" panose="020B0600000101010101" pitchFamily="50" charset="-127"/>
+                <a:cs typeface="+mn-cs"/>
+              </a:rPr>
+              <a:t>시스템</a:t>
+            </a:r>
+          </a:p>
+        </p:txBody>
+      </p:sp>
     </p:spTree>
     <p:extLst>
       <p:ext uri="{BB962C8B-B14F-4D97-AF65-F5344CB8AC3E}">
@@ -8946,61 +8945,6 @@
           </a:fontRef>
         </p:style>
       </p:cxnSp>
-      <p:sp>
-        <p:nvSpPr>
-          <p:cNvPr id="24" name="TextBox 23">
-            <a:extLst>
-              <a:ext uri="{FF2B5EF4-FFF2-40B4-BE49-F238E27FC236}">
-                <a16:creationId xmlns:a16="http://schemas.microsoft.com/office/drawing/2014/main" id="{1E7075B3-95E9-C424-6086-C226770BE969}"/>
-              </a:ext>
-            </a:extLst>
-          </p:cNvPr>
-          <p:cNvSpPr txBox="1">
-            <a:spLocks/>
-          </p:cNvSpPr>
-          <p:nvPr userDrawn="1"/>
-        </p:nvSpPr>
-        <p:spPr>
-          <a:xfrm>
-            <a:off x="310827" y="1948226"/>
-            <a:ext cx="986167" cy="276999"/>
-          </a:xfrm>
-          <a:prstGeom prst="rect">
-            <a:avLst/>
-          </a:prstGeom>
-          <a:noFill/>
-          <a:ln w="6350">
-            <a:noFill/>
-          </a:ln>
-        </p:spPr>
-        <p:txBody>
-          <a:bodyPr wrap="none" rtlCol="0">
-            <a:spAutoFit/>
-          </a:bodyPr>
-          <a:lstStyle/>
-          <a:p>
-            <a:pPr marL="0" algn="ctr" defTabSz="914400" rtl="0" eaLnBrk="1" latinLnBrk="1" hangingPunct="1"/>
-            <a:r>
-              <a:rPr lang="ko-KR" altLang="en-US" sz="1200" b="0" kern="1200" dirty="0">
-                <a:solidFill>
-                  <a:schemeClr val="bg1"/>
-                </a:solidFill>
-                <a:effectLst>
-                  <a:glow rad="101600">
-                    <a:schemeClr val="tx1">
-                      <a:alpha val="60000"/>
-                    </a:schemeClr>
-                  </a:glow>
-                </a:effectLst>
-                <a:latin typeface="빛의 계승자 Bold" panose="020B0600000101010101" pitchFamily="50" charset="-127"/>
-                <a:ea typeface="빛의 계승자 Bold" panose="020B0600000101010101" pitchFamily="50" charset="-127"/>
-                <a:cs typeface="+mn-cs"/>
-              </a:rPr>
-              <a:t>컨텐츠 소개</a:t>
-            </a:r>
-          </a:p>
-        </p:txBody>
-      </p:sp>
       <p:cxnSp>
         <p:nvCxnSpPr>
           <p:cNvPr id="25" name="직선 연결선 24">
@@ -9069,61 +9013,6 @@
           </a:fontRef>
         </p:style>
       </p:cxnSp>
-      <p:sp>
-        <p:nvSpPr>
-          <p:cNvPr id="26" name="TextBox 25">
-            <a:extLst>
-              <a:ext uri="{FF2B5EF4-FFF2-40B4-BE49-F238E27FC236}">
-                <a16:creationId xmlns:a16="http://schemas.microsoft.com/office/drawing/2014/main" id="{5DFAA5D2-1A9C-4CBF-FCA6-39CDA2789A4C}"/>
-              </a:ext>
-            </a:extLst>
-          </p:cNvPr>
-          <p:cNvSpPr txBox="1">
-            <a:spLocks/>
-          </p:cNvSpPr>
-          <p:nvPr userDrawn="1"/>
-        </p:nvSpPr>
-        <p:spPr>
-          <a:xfrm>
-            <a:off x="310827" y="2451376"/>
-            <a:ext cx="986167" cy="276999"/>
-          </a:xfrm>
-          <a:prstGeom prst="rect">
-            <a:avLst/>
-          </a:prstGeom>
-          <a:noFill/>
-          <a:ln w="6350">
-            <a:noFill/>
-          </a:ln>
-        </p:spPr>
-        <p:txBody>
-          <a:bodyPr wrap="none" rtlCol="0">
-            <a:spAutoFit/>
-          </a:bodyPr>
-          <a:lstStyle/>
-          <a:p>
-            <a:pPr marL="0" algn="ctr" defTabSz="914400" rtl="0" eaLnBrk="1" latinLnBrk="1" hangingPunct="1"/>
-            <a:r>
-              <a:rPr lang="ko-KR" altLang="en-US" sz="1200" b="0" kern="1200" dirty="0">
-                <a:solidFill>
-                  <a:schemeClr val="bg1"/>
-                </a:solidFill>
-                <a:effectLst>
-                  <a:glow rad="101600">
-                    <a:schemeClr val="tx1">
-                      <a:alpha val="60000"/>
-                    </a:schemeClr>
-                  </a:glow>
-                </a:effectLst>
-                <a:latin typeface="빛의 계승자 Bold" panose="020B0600000101010101" pitchFamily="50" charset="-127"/>
-                <a:ea typeface="빛의 계승자 Bold" panose="020B0600000101010101" pitchFamily="50" charset="-127"/>
-                <a:cs typeface="+mn-cs"/>
-              </a:rPr>
-              <a:t>시스템 소개</a:t>
-            </a:r>
-          </a:p>
-        </p:txBody>
-      </p:sp>
       <p:cxnSp>
         <p:nvCxnSpPr>
           <p:cNvPr id="27" name="직선 연결선 26">
@@ -9921,6 +9810,116 @@
           </a:p>
         </p:txBody>
       </p:sp>
+      <p:sp>
+        <p:nvSpPr>
+          <p:cNvPr id="10" name="TextBox 9">
+            <a:extLst>
+              <a:ext uri="{FF2B5EF4-FFF2-40B4-BE49-F238E27FC236}">
+                <a16:creationId xmlns:a16="http://schemas.microsoft.com/office/drawing/2014/main" id="{DC7A8AF2-66D7-1306-18AA-8EA583899316}"/>
+              </a:ext>
+            </a:extLst>
+          </p:cNvPr>
+          <p:cNvSpPr txBox="1">
+            <a:spLocks/>
+          </p:cNvSpPr>
+          <p:nvPr userDrawn="1"/>
+        </p:nvSpPr>
+        <p:spPr>
+          <a:xfrm>
+            <a:off x="483149" y="1948226"/>
+            <a:ext cx="641522" cy="276999"/>
+          </a:xfrm>
+          <a:prstGeom prst="rect">
+            <a:avLst/>
+          </a:prstGeom>
+          <a:noFill/>
+          <a:ln w="6350">
+            <a:noFill/>
+          </a:ln>
+        </p:spPr>
+        <p:txBody>
+          <a:bodyPr wrap="none" rtlCol="0">
+            <a:spAutoFit/>
+          </a:bodyPr>
+          <a:lstStyle/>
+          <a:p>
+            <a:pPr marL="0" algn="ctr" defTabSz="914400" rtl="0" eaLnBrk="1" latinLnBrk="1" hangingPunct="1"/>
+            <a:r>
+              <a:rPr lang="ko-KR" altLang="en-US" sz="1200" b="0" kern="1200" dirty="0">
+                <a:solidFill>
+                  <a:schemeClr val="bg1"/>
+                </a:solidFill>
+                <a:effectLst>
+                  <a:glow rad="101600">
+                    <a:schemeClr val="tx1">
+                      <a:alpha val="60000"/>
+                    </a:schemeClr>
+                  </a:glow>
+                </a:effectLst>
+                <a:latin typeface="빛의 계승자 Bold" panose="020B0600000101010101" pitchFamily="50" charset="-127"/>
+                <a:ea typeface="빛의 계승자 Bold" panose="020B0600000101010101" pitchFamily="50" charset="-127"/>
+                <a:cs typeface="+mn-cs"/>
+              </a:rPr>
+              <a:t>컨텐츠</a:t>
+            </a:r>
+          </a:p>
+        </p:txBody>
+      </p:sp>
+      <p:sp>
+        <p:nvSpPr>
+          <p:cNvPr id="11" name="TextBox 10">
+            <a:extLst>
+              <a:ext uri="{FF2B5EF4-FFF2-40B4-BE49-F238E27FC236}">
+                <a16:creationId xmlns:a16="http://schemas.microsoft.com/office/drawing/2014/main" id="{B899481C-9C7B-3B06-5FC1-47B81599A36C}"/>
+              </a:ext>
+            </a:extLst>
+          </p:cNvPr>
+          <p:cNvSpPr txBox="1">
+            <a:spLocks/>
+          </p:cNvSpPr>
+          <p:nvPr userDrawn="1"/>
+        </p:nvSpPr>
+        <p:spPr>
+          <a:xfrm>
+            <a:off x="483149" y="2451376"/>
+            <a:ext cx="641522" cy="276999"/>
+          </a:xfrm>
+          <a:prstGeom prst="rect">
+            <a:avLst/>
+          </a:prstGeom>
+          <a:noFill/>
+          <a:ln w="6350">
+            <a:noFill/>
+          </a:ln>
+        </p:spPr>
+        <p:txBody>
+          <a:bodyPr wrap="none" rtlCol="0">
+            <a:spAutoFit/>
+          </a:bodyPr>
+          <a:lstStyle/>
+          <a:p>
+            <a:pPr marL="0" algn="ctr" defTabSz="914400" rtl="0" eaLnBrk="1" latinLnBrk="1" hangingPunct="1"/>
+            <a:r>
+              <a:rPr lang="ko-KR" altLang="en-US" sz="1200" b="0" kern="1200" dirty="0">
+                <a:solidFill>
+                  <a:schemeClr val="bg1"/>
+                </a:solidFill>
+                <a:effectLst>
+                  <a:glow rad="101600">
+                    <a:schemeClr val="tx1">
+                      <a:alpha val="60000"/>
+                    </a:schemeClr>
+                  </a:glow>
+                </a:effectLst>
+                <a:latin typeface="빛의 계승자 Bold" panose="020B0600000101010101" pitchFamily="50" charset="-127"/>
+                <a:ea typeface="빛의 계승자 Bold" panose="020B0600000101010101" pitchFamily="50" charset="-127"/>
+                <a:cs typeface="+mn-cs"/>
+              </a:rPr>
+              <a:t>시스템</a:t>
+            </a:r>
+          </a:p>
+        </p:txBody>
+      </p:sp>
     </p:spTree>
     <p:extLst>
       <p:ext uri="{BB962C8B-B14F-4D97-AF65-F5344CB8AC3E}">
@@ -10152,7 +10151,7 @@
           <a:p>
             <a:fld id="{1FDABBEF-3A66-4EDA-82FD-36CD13E39C1E}" type="datetime1">
               <a:rPr lang="ko-KR" altLang="en-US" smtClean="0"/>
-              <a:t>2024-10-10</a:t>
+              <a:t>2024-10-11</a:t>
             </a:fld>
             <a:endParaRPr lang="ko-KR" altLang="en-US"/>
           </a:p>
@@ -10451,7 +10450,7 @@
           <a:p>
             <a:fld id="{DB5A3179-E8A8-4EAA-8BCC-23E75FA148A0}" type="datetime1">
               <a:rPr lang="ko-KR" altLang="en-US" smtClean="0"/>
-              <a:t>2024-10-10</a:t>
+              <a:t>2024-10-11</a:t>
             </a:fld>
             <a:endParaRPr lang="ko-KR" altLang="en-US"/>
           </a:p>
@@ -10713,7 +10712,7 @@
           <a:p>
             <a:fld id="{8EC0F441-5CE1-4B59-8EBB-432B3AF1BE37}" type="datetime1">
               <a:rPr lang="ko-KR" altLang="en-US" smtClean="0"/>
-              <a:t>2024-10-10</a:t>
+              <a:t>2024-10-11</a:t>
             </a:fld>
             <a:endParaRPr lang="ko-KR" altLang="en-US"/>
           </a:p>
@@ -11535,7 +11534,5146 @@
 </p:sld>
 </file>
 
-<file path=ppt/slides/slide10.xml><?xml version="1.0" encoding="utf-8"?>
+<file path=ppt/slides/slide2.xml><?xml version="1.0" encoding="utf-8"?>
+<p:sld xmlns:a="http://schemas.openxmlformats.org/drawingml/2006/main" xmlns:r="http://schemas.openxmlformats.org/officeDocument/2006/relationships" xmlns:p="http://schemas.openxmlformats.org/presentationml/2006/main">
+  <p:cSld>
+    <p:spTree>
+      <p:nvGrpSpPr>
+        <p:cNvPr id="1" name=""/>
+        <p:cNvGrpSpPr/>
+        <p:nvPr/>
+      </p:nvGrpSpPr>
+      <p:grpSpPr>
+        <a:xfrm>
+          <a:off x="0" y="0"/>
+          <a:ext cx="0" cy="0"/>
+          <a:chOff x="0" y="0"/>
+          <a:chExt cx="0" cy="0"/>
+        </a:xfrm>
+      </p:grpSpPr>
+      <p:pic>
+        <p:nvPicPr>
+          <p:cNvPr id="36" name="그림 35" descr="어둠, 밤이(가) 표시된 사진&#10;&#10;자동 생성된 설명">
+            <a:extLst>
+              <a:ext uri="{FF2B5EF4-FFF2-40B4-BE49-F238E27FC236}">
+                <a16:creationId xmlns:a16="http://schemas.microsoft.com/office/drawing/2014/main" id="{96E5BF46-CAB5-B761-F857-70842B94FF56}"/>
+              </a:ext>
+            </a:extLst>
+          </p:cNvPr>
+          <p:cNvPicPr>
+            <a:picLocks noChangeAspect="1"/>
+          </p:cNvPicPr>
+          <p:nvPr/>
+        </p:nvPicPr>
+        <p:blipFill>
+          <a:blip r:embed="rId3">
+            <a:alphaModFix/>
+            <a:extLst>
+              <a:ext uri="{28A0092B-C50C-407E-A947-70E740481C1C}">
+                <a14:useLocalDpi xmlns:a14="http://schemas.microsoft.com/office/drawing/2010/main" val="0"/>
+              </a:ext>
+            </a:extLst>
+          </a:blip>
+          <a:srcRect l="28457" t="6583" r="26748" b="6362"/>
+          <a:stretch/>
+        </p:blipFill>
+        <p:spPr>
+          <a:xfrm>
+            <a:off x="6096000" y="701425"/>
+            <a:ext cx="5461352" cy="5964865"/>
+          </a:xfrm>
+          <a:prstGeom prst="rect">
+            <a:avLst/>
+          </a:prstGeom>
+        </p:spPr>
+      </p:pic>
+      <p:sp>
+        <p:nvSpPr>
+          <p:cNvPr id="31" name="TextBox 30">
+            <a:extLst>
+              <a:ext uri="{FF2B5EF4-FFF2-40B4-BE49-F238E27FC236}">
+                <a16:creationId xmlns:a16="http://schemas.microsoft.com/office/drawing/2014/main" id="{621E40F9-1C2D-34A7-10B5-F878AF99E4B9}"/>
+              </a:ext>
+            </a:extLst>
+          </p:cNvPr>
+          <p:cNvSpPr txBox="1"/>
+          <p:nvPr/>
+        </p:nvSpPr>
+        <p:spPr>
+          <a:xfrm>
+            <a:off x="1417782" y="829038"/>
+            <a:ext cx="2997200" cy="1046440"/>
+          </a:xfrm>
+          <a:prstGeom prst="rect">
+            <a:avLst/>
+          </a:prstGeom>
+          <a:noFill/>
+        </p:spPr>
+        <p:txBody>
+          <a:bodyPr wrap="square" lIns="0" tIns="0" rIns="0" bIns="0" rtlCol="0" anchor="ctr" anchorCtr="0">
+            <a:spAutoFit/>
+          </a:bodyPr>
+          <a:lstStyle/>
+          <a:p>
+            <a:pPr algn="ctr"/>
+            <a:r>
+              <a:rPr lang="en-US" altLang="ko-KR" sz="6800" b="1" dirty="0">
+                <a:ln>
+                  <a:solidFill>
+                    <a:srgbClr val="D1B973"/>
+                  </a:solidFill>
+                </a:ln>
+                <a:gradFill>
+                  <a:gsLst>
+                    <a:gs pos="20000">
+                      <a:srgbClr val="E8DFC2">
+                        <a:lumMod val="98000"/>
+                        <a:lumOff val="2000"/>
+                      </a:srgbClr>
+                    </a:gs>
+                    <a:gs pos="2000">
+                      <a:srgbClr val="F2EDDE"/>
+                    </a:gs>
+                    <a:gs pos="60000">
+                      <a:srgbClr val="D1B973"/>
+                    </a:gs>
+                    <a:gs pos="40000">
+                      <a:srgbClr val="E6D9B4"/>
+                    </a:gs>
+                    <a:gs pos="76000">
+                      <a:srgbClr val="D1B973"/>
+                    </a:gs>
+                    <a:gs pos="100000">
+                      <a:srgbClr val="E6D9B4"/>
+                    </a:gs>
+                  </a:gsLst>
+                  <a:path path="circle">
+                    <a:fillToRect l="50000" t="50000" r="50000" b="50000"/>
+                  </a:path>
+                </a:gradFill>
+                <a:effectLst>
+                  <a:glow rad="63500">
+                    <a:schemeClr val="tx1">
+                      <a:alpha val="60000"/>
+                    </a:schemeClr>
+                  </a:glow>
+                </a:effectLst>
+                <a:latin typeface="빛의 계승자 Regular" panose="020B0600000101010101" pitchFamily="50" charset="-127"/>
+                <a:ea typeface="빛의 계승자 Regular" panose="020B0600000101010101" pitchFamily="50" charset="-127"/>
+              </a:rPr>
+              <a:t>INDEX</a:t>
+            </a:r>
+            <a:endParaRPr lang="ko-KR" altLang="en-US" sz="6800" b="1" dirty="0">
+              <a:ln>
+                <a:solidFill>
+                  <a:srgbClr val="D1B973"/>
+                </a:solidFill>
+              </a:ln>
+              <a:gradFill>
+                <a:gsLst>
+                  <a:gs pos="20000">
+                    <a:srgbClr val="E8DFC2">
+                      <a:lumMod val="98000"/>
+                      <a:lumOff val="2000"/>
+                    </a:srgbClr>
+                  </a:gs>
+                  <a:gs pos="2000">
+                    <a:srgbClr val="F2EDDE"/>
+                  </a:gs>
+                  <a:gs pos="60000">
+                    <a:srgbClr val="D1B973"/>
+                  </a:gs>
+                  <a:gs pos="40000">
+                    <a:srgbClr val="E6D9B4"/>
+                  </a:gs>
+                  <a:gs pos="76000">
+                    <a:srgbClr val="D1B973"/>
+                  </a:gs>
+                  <a:gs pos="100000">
+                    <a:srgbClr val="E6D9B4"/>
+                  </a:gs>
+                </a:gsLst>
+                <a:path path="circle">
+                  <a:fillToRect l="50000" t="50000" r="50000" b="50000"/>
+                </a:path>
+              </a:gradFill>
+              <a:effectLst>
+                <a:glow rad="63500">
+                  <a:schemeClr val="tx1">
+                    <a:alpha val="60000"/>
+                  </a:schemeClr>
+                </a:glow>
+              </a:effectLst>
+              <a:latin typeface="빛의 계승자 Regular" panose="020B0600000101010101" pitchFamily="50" charset="-127"/>
+              <a:ea typeface="빛의 계승자 Regular" panose="020B0600000101010101" pitchFamily="50" charset="-127"/>
+            </a:endParaRPr>
+          </a:p>
+        </p:txBody>
+      </p:sp>
+      <p:grpSp>
+        <p:nvGrpSpPr>
+          <p:cNvPr id="3" name="그룹 2">
+            <a:extLst>
+              <a:ext uri="{FF2B5EF4-FFF2-40B4-BE49-F238E27FC236}">
+                <a16:creationId xmlns:a16="http://schemas.microsoft.com/office/drawing/2014/main" id="{0DDB2820-4A4C-54B4-AF0A-55E5617FC368}"/>
+              </a:ext>
+            </a:extLst>
+          </p:cNvPr>
+          <p:cNvGrpSpPr/>
+          <p:nvPr/>
+        </p:nvGrpSpPr>
+        <p:grpSpPr>
+          <a:xfrm>
+            <a:off x="2000105" y="2592890"/>
+            <a:ext cx="1590499" cy="3163543"/>
+            <a:chOff x="5179726" y="3174787"/>
+            <a:chExt cx="1590499" cy="3163543"/>
+          </a:xfrm>
+        </p:grpSpPr>
+        <p:sp>
+          <p:nvSpPr>
+            <p:cNvPr id="22" name="TextBox 21">
+              <a:extLst>
+                <a:ext uri="{FF2B5EF4-FFF2-40B4-BE49-F238E27FC236}">
+                  <a16:creationId xmlns:a16="http://schemas.microsoft.com/office/drawing/2014/main" id="{CBA7554A-FA64-F1C3-C7AB-E739657CD663}"/>
+                </a:ext>
+              </a:extLst>
+            </p:cNvPr>
+            <p:cNvSpPr txBox="1"/>
+            <p:nvPr/>
+          </p:nvSpPr>
+          <p:spPr>
+            <a:xfrm>
+              <a:off x="5179726" y="4556503"/>
+              <a:ext cx="1257075" cy="400110"/>
+            </a:xfrm>
+            <a:prstGeom prst="rect">
+              <a:avLst/>
+            </a:prstGeom>
+            <a:noFill/>
+          </p:spPr>
+          <p:txBody>
+            <a:bodyPr wrap="none" rtlCol="0">
+              <a:spAutoFit/>
+            </a:bodyPr>
+            <a:lstStyle/>
+            <a:p>
+              <a:r>
+                <a:rPr lang="en-US" altLang="ko-KR" sz="2000" b="1" dirty="0">
+                  <a:solidFill>
+                    <a:schemeClr val="bg1"/>
+                  </a:solidFill>
+                  <a:effectLst>
+                    <a:glow rad="101600">
+                      <a:schemeClr val="tx1">
+                        <a:alpha val="60000"/>
+                      </a:schemeClr>
+                    </a:glow>
+                  </a:effectLst>
+                  <a:latin typeface="빛의 계승자 Regular" panose="020B0600000101010101" pitchFamily="50" charset="-127"/>
+                  <a:ea typeface="빛의 계승자 Regular" panose="020B0600000101010101" pitchFamily="50" charset="-127"/>
+                </a:rPr>
+                <a:t>3. </a:t>
+              </a:r>
+              <a:r>
+                <a:rPr lang="ko-KR" altLang="en-US" sz="2000" b="1" dirty="0">
+                  <a:solidFill>
+                    <a:schemeClr val="bg1"/>
+                  </a:solidFill>
+                  <a:effectLst>
+                    <a:glow rad="101600">
+                      <a:schemeClr val="tx1">
+                        <a:alpha val="60000"/>
+                      </a:schemeClr>
+                    </a:glow>
+                  </a:effectLst>
+                  <a:latin typeface="빛의 계승자 Regular" panose="020B0600000101010101" pitchFamily="50" charset="-127"/>
+                  <a:ea typeface="빛의 계승자 Regular" panose="020B0600000101010101" pitchFamily="50" charset="-127"/>
+                </a:rPr>
+                <a:t>시스템</a:t>
+              </a:r>
+            </a:p>
+          </p:txBody>
+        </p:sp>
+        <p:sp>
+          <p:nvSpPr>
+            <p:cNvPr id="25" name="TextBox 24">
+              <a:extLst>
+                <a:ext uri="{FF2B5EF4-FFF2-40B4-BE49-F238E27FC236}">
+                  <a16:creationId xmlns:a16="http://schemas.microsoft.com/office/drawing/2014/main" id="{DE944362-EC0C-F37B-E238-66905C9A505E}"/>
+                </a:ext>
+              </a:extLst>
+            </p:cNvPr>
+            <p:cNvSpPr txBox="1"/>
+            <p:nvPr/>
+          </p:nvSpPr>
+          <p:spPr>
+            <a:xfrm>
+              <a:off x="5192549" y="5247361"/>
+              <a:ext cx="1577676" cy="400110"/>
+            </a:xfrm>
+            <a:prstGeom prst="rect">
+              <a:avLst/>
+            </a:prstGeom>
+            <a:noFill/>
+          </p:spPr>
+          <p:txBody>
+            <a:bodyPr wrap="none" rtlCol="0">
+              <a:spAutoFit/>
+            </a:bodyPr>
+            <a:lstStyle/>
+            <a:p>
+              <a:r>
+                <a:rPr lang="en-US" altLang="ko-KR" sz="2000" b="1" dirty="0">
+                  <a:solidFill>
+                    <a:schemeClr val="bg1"/>
+                  </a:solidFill>
+                  <a:effectLst>
+                    <a:glow rad="101600">
+                      <a:schemeClr val="tx1">
+                        <a:alpha val="60000"/>
+                      </a:schemeClr>
+                    </a:glow>
+                  </a:effectLst>
+                  <a:latin typeface="빛의 계승자 Regular" panose="020B0600000101010101" pitchFamily="50" charset="-127"/>
+                  <a:ea typeface="빛의 계승자 Regular" panose="020B0600000101010101" pitchFamily="50" charset="-127"/>
+                </a:rPr>
+                <a:t>4. </a:t>
+              </a:r>
+              <a:r>
+                <a:rPr lang="ko-KR" altLang="en-US" sz="2000" b="1" dirty="0">
+                  <a:solidFill>
+                    <a:schemeClr val="bg1"/>
+                  </a:solidFill>
+                  <a:effectLst>
+                    <a:glow rad="101600">
+                      <a:schemeClr val="tx1">
+                        <a:alpha val="60000"/>
+                      </a:schemeClr>
+                    </a:glow>
+                  </a:effectLst>
+                  <a:latin typeface="빛의 계승자 Regular" panose="020B0600000101010101" pitchFamily="50" charset="-127"/>
+                  <a:ea typeface="빛의 계승자 Regular" panose="020B0600000101010101" pitchFamily="50" charset="-127"/>
+                </a:rPr>
+                <a:t>전회 예시</a:t>
+              </a:r>
+            </a:p>
+          </p:txBody>
+        </p:sp>
+        <p:sp>
+          <p:nvSpPr>
+            <p:cNvPr id="26" name="TextBox 25">
+              <a:extLst>
+                <a:ext uri="{FF2B5EF4-FFF2-40B4-BE49-F238E27FC236}">
+                  <a16:creationId xmlns:a16="http://schemas.microsoft.com/office/drawing/2014/main" id="{191460A9-1988-7044-658B-4C4ABAD8E528}"/>
+                </a:ext>
+              </a:extLst>
+            </p:cNvPr>
+            <p:cNvSpPr txBox="1"/>
+            <p:nvPr/>
+          </p:nvSpPr>
+          <p:spPr>
+            <a:xfrm>
+              <a:off x="5179726" y="3865645"/>
+              <a:ext cx="1257075" cy="400110"/>
+            </a:xfrm>
+            <a:prstGeom prst="rect">
+              <a:avLst/>
+            </a:prstGeom>
+            <a:noFill/>
+          </p:spPr>
+          <p:txBody>
+            <a:bodyPr wrap="none" rtlCol="0">
+              <a:spAutoFit/>
+            </a:bodyPr>
+            <a:lstStyle/>
+            <a:p>
+              <a:r>
+                <a:rPr lang="en-US" altLang="ko-KR" sz="2000" b="1" dirty="0">
+                  <a:solidFill>
+                    <a:schemeClr val="bg1"/>
+                  </a:solidFill>
+                  <a:effectLst>
+                    <a:glow rad="101600">
+                      <a:schemeClr val="tx1">
+                        <a:alpha val="60000"/>
+                      </a:schemeClr>
+                    </a:glow>
+                  </a:effectLst>
+                  <a:latin typeface="빛의 계승자 Regular" panose="020B0600000101010101" pitchFamily="50" charset="-127"/>
+                  <a:ea typeface="빛의 계승자 Regular" panose="020B0600000101010101" pitchFamily="50" charset="-127"/>
+                </a:rPr>
+                <a:t>2. </a:t>
+              </a:r>
+              <a:r>
+                <a:rPr lang="ko-KR" altLang="en-US" sz="2000" b="1" dirty="0">
+                  <a:solidFill>
+                    <a:schemeClr val="bg1"/>
+                  </a:solidFill>
+                  <a:effectLst>
+                    <a:glow rad="101600">
+                      <a:schemeClr val="tx1">
+                        <a:alpha val="60000"/>
+                      </a:schemeClr>
+                    </a:glow>
+                  </a:effectLst>
+                  <a:latin typeface="빛의 계승자 Regular" panose="020B0600000101010101" pitchFamily="50" charset="-127"/>
+                  <a:ea typeface="빛의 계승자 Regular" panose="020B0600000101010101" pitchFamily="50" charset="-127"/>
+                </a:rPr>
+                <a:t>컨텐츠</a:t>
+              </a:r>
+            </a:p>
+          </p:txBody>
+        </p:sp>
+        <p:sp>
+          <p:nvSpPr>
+            <p:cNvPr id="27" name="TextBox 26">
+              <a:extLst>
+                <a:ext uri="{FF2B5EF4-FFF2-40B4-BE49-F238E27FC236}">
+                  <a16:creationId xmlns:a16="http://schemas.microsoft.com/office/drawing/2014/main" id="{B19CCC01-3141-AE1B-433D-6D12C88ECA2B}"/>
+                </a:ext>
+              </a:extLst>
+            </p:cNvPr>
+            <p:cNvSpPr txBox="1"/>
+            <p:nvPr/>
+          </p:nvSpPr>
+          <p:spPr>
+            <a:xfrm>
+              <a:off x="5220602" y="3174787"/>
+              <a:ext cx="1002198" cy="400110"/>
+            </a:xfrm>
+            <a:prstGeom prst="rect">
+              <a:avLst/>
+            </a:prstGeom>
+            <a:noFill/>
+          </p:spPr>
+          <p:txBody>
+            <a:bodyPr wrap="none" rtlCol="0">
+              <a:spAutoFit/>
+            </a:bodyPr>
+            <a:lstStyle/>
+            <a:p>
+              <a:r>
+                <a:rPr lang="en-US" altLang="ko-KR" sz="2000" b="1" dirty="0">
+                  <a:solidFill>
+                    <a:schemeClr val="bg1"/>
+                  </a:solidFill>
+                  <a:effectLst>
+                    <a:glow rad="101600">
+                      <a:schemeClr val="tx1">
+                        <a:alpha val="60000"/>
+                      </a:schemeClr>
+                    </a:glow>
+                  </a:effectLst>
+                  <a:latin typeface="빛의 계승자 Regular" panose="020B0600000101010101" pitchFamily="50" charset="-127"/>
+                  <a:ea typeface="빛의 계승자 Regular" panose="020B0600000101010101" pitchFamily="50" charset="-127"/>
+                </a:rPr>
+                <a:t>1. </a:t>
+              </a:r>
+              <a:r>
+                <a:rPr lang="ko-KR" altLang="en-US" sz="2000" b="1" dirty="0">
+                  <a:solidFill>
+                    <a:schemeClr val="bg1"/>
+                  </a:solidFill>
+                  <a:effectLst>
+                    <a:glow rad="101600">
+                      <a:schemeClr val="tx1">
+                        <a:alpha val="60000"/>
+                      </a:schemeClr>
+                    </a:glow>
+                  </a:effectLst>
+                  <a:latin typeface="빛의 계승자 Regular" panose="020B0600000101010101" pitchFamily="50" charset="-127"/>
+                  <a:ea typeface="빛의 계승자 Regular" panose="020B0600000101010101" pitchFamily="50" charset="-127"/>
+                </a:rPr>
+                <a:t>개요</a:t>
+              </a:r>
+            </a:p>
+          </p:txBody>
+        </p:sp>
+        <p:sp>
+          <p:nvSpPr>
+            <p:cNvPr id="2" name="TextBox 1">
+              <a:extLst>
+                <a:ext uri="{FF2B5EF4-FFF2-40B4-BE49-F238E27FC236}">
+                  <a16:creationId xmlns:a16="http://schemas.microsoft.com/office/drawing/2014/main" id="{0CE4A983-0CD9-F614-C8AA-DE6D1AA64196}"/>
+                </a:ext>
+              </a:extLst>
+            </p:cNvPr>
+            <p:cNvSpPr txBox="1"/>
+            <p:nvPr/>
+          </p:nvSpPr>
+          <p:spPr>
+            <a:xfrm>
+              <a:off x="5192549" y="5938220"/>
+              <a:ext cx="1577676" cy="400110"/>
+            </a:xfrm>
+            <a:prstGeom prst="rect">
+              <a:avLst/>
+            </a:prstGeom>
+            <a:noFill/>
+          </p:spPr>
+          <p:txBody>
+            <a:bodyPr wrap="none" rtlCol="0">
+              <a:spAutoFit/>
+            </a:bodyPr>
+            <a:lstStyle/>
+            <a:p>
+              <a:r>
+                <a:rPr lang="en-US" altLang="ko-KR" sz="2000" b="1" dirty="0">
+                  <a:solidFill>
+                    <a:schemeClr val="bg1"/>
+                  </a:solidFill>
+                  <a:effectLst>
+                    <a:glow rad="101600">
+                      <a:schemeClr val="tx1">
+                        <a:alpha val="60000"/>
+                      </a:schemeClr>
+                    </a:glow>
+                  </a:effectLst>
+                  <a:latin typeface="빛의 계승자 Regular" panose="020B0600000101010101" pitchFamily="50" charset="-127"/>
+                  <a:ea typeface="빛의 계승자 Regular" panose="020B0600000101010101" pitchFamily="50" charset="-127"/>
+                </a:rPr>
+                <a:t>5. </a:t>
+              </a:r>
+              <a:r>
+                <a:rPr lang="ko-KR" altLang="en-US" sz="2000" b="1" dirty="0">
+                  <a:solidFill>
+                    <a:schemeClr val="bg1"/>
+                  </a:solidFill>
+                  <a:effectLst>
+                    <a:glow rad="101600">
+                      <a:schemeClr val="tx1">
+                        <a:alpha val="60000"/>
+                      </a:schemeClr>
+                    </a:glow>
+                  </a:effectLst>
+                  <a:latin typeface="빛의 계승자 Regular" panose="020B0600000101010101" pitchFamily="50" charset="-127"/>
+                  <a:ea typeface="빛의 계승자 Regular" panose="020B0600000101010101" pitchFamily="50" charset="-127"/>
+                </a:rPr>
+                <a:t>개선 사항</a:t>
+              </a:r>
+            </a:p>
+          </p:txBody>
+        </p:sp>
+      </p:grpSp>
+    </p:spTree>
+    <p:extLst>
+      <p:ext uri="{BB962C8B-B14F-4D97-AF65-F5344CB8AC3E}">
+        <p14:creationId xmlns:p14="http://schemas.microsoft.com/office/powerpoint/2010/main" val="3931535513"/>
+      </p:ext>
+    </p:extLst>
+  </p:cSld>
+  <p:clrMapOvr>
+    <a:masterClrMapping/>
+  </p:clrMapOvr>
+</p:sld>
+</file>
+
+<file path=ppt/slides/slide3.xml><?xml version="1.0" encoding="utf-8"?>
+<p:sld xmlns:a="http://schemas.openxmlformats.org/drawingml/2006/main" xmlns:r="http://schemas.openxmlformats.org/officeDocument/2006/relationships" xmlns:p="http://schemas.openxmlformats.org/presentationml/2006/main">
+  <p:cSld>
+    <p:spTree>
+      <p:nvGrpSpPr>
+        <p:cNvPr id="1" name=""/>
+        <p:cNvGrpSpPr/>
+        <p:nvPr/>
+      </p:nvGrpSpPr>
+      <p:grpSpPr>
+        <a:xfrm>
+          <a:off x="0" y="0"/>
+          <a:ext cx="0" cy="0"/>
+          <a:chOff x="0" y="0"/>
+          <a:chExt cx="0" cy="0"/>
+        </a:xfrm>
+      </p:grpSpPr>
+      <p:sp>
+        <p:nvSpPr>
+          <p:cNvPr id="22" name="슬라이드 번호 개체 틀 21">
+            <a:extLst>
+              <a:ext uri="{FF2B5EF4-FFF2-40B4-BE49-F238E27FC236}">
+                <a16:creationId xmlns:a16="http://schemas.microsoft.com/office/drawing/2014/main" id="{90D289AE-0582-ACB5-D7DF-D047A2950AA8}"/>
+              </a:ext>
+            </a:extLst>
+          </p:cNvPr>
+          <p:cNvSpPr>
+            <a:spLocks noGrp="1"/>
+          </p:cNvSpPr>
+          <p:nvPr>
+            <p:ph type="sldNum" sz="quarter" idx="4"/>
+          </p:nvPr>
+        </p:nvSpPr>
+        <p:spPr/>
+        <p:txBody>
+          <a:bodyPr/>
+          <a:lstStyle/>
+          <a:p>
+            <a:r>
+              <a:rPr lang="en-US" altLang="ko-KR" dirty="0"/>
+              <a:t>p. </a:t>
+            </a:r>
+            <a:fld id="{1F335F12-2F84-4C53-9DF5-2927535D2C2D}" type="slidenum">
+              <a:rPr lang="ko-KR" altLang="en-US" smtClean="0"/>
+              <a:pPr/>
+              <a:t>3</a:t>
+            </a:fld>
+            <a:r>
+              <a:rPr lang="en-US" altLang="ko-KR" dirty="0"/>
+              <a:t>/20</a:t>
+            </a:r>
+            <a:endParaRPr lang="ko-KR" altLang="en-US" dirty="0"/>
+          </a:p>
+        </p:txBody>
+      </p:sp>
+      <p:grpSp>
+        <p:nvGrpSpPr>
+          <p:cNvPr id="5" name="그룹 4">
+            <a:extLst>
+              <a:ext uri="{FF2B5EF4-FFF2-40B4-BE49-F238E27FC236}">
+                <a16:creationId xmlns:a16="http://schemas.microsoft.com/office/drawing/2014/main" id="{F9F2CC47-802D-204A-0C3A-FDC2C897CF32}"/>
+              </a:ext>
+            </a:extLst>
+          </p:cNvPr>
+          <p:cNvGrpSpPr/>
+          <p:nvPr/>
+        </p:nvGrpSpPr>
+        <p:grpSpPr>
+          <a:xfrm>
+            <a:off x="1704516" y="219855"/>
+            <a:ext cx="10487484" cy="392234"/>
+            <a:chOff x="1704516" y="219855"/>
+            <a:chExt cx="10487484" cy="392234"/>
+          </a:xfrm>
+        </p:grpSpPr>
+        <p:grpSp>
+          <p:nvGrpSpPr>
+            <p:cNvPr id="4" name="그룹 3">
+              <a:extLst>
+                <a:ext uri="{FF2B5EF4-FFF2-40B4-BE49-F238E27FC236}">
+                  <a16:creationId xmlns:a16="http://schemas.microsoft.com/office/drawing/2014/main" id="{E0442B5F-0C67-0392-9941-4E47F3013860}"/>
+                </a:ext>
+              </a:extLst>
+            </p:cNvPr>
+            <p:cNvGrpSpPr/>
+            <p:nvPr/>
+          </p:nvGrpSpPr>
+          <p:grpSpPr>
+            <a:xfrm>
+              <a:off x="1704516" y="219855"/>
+              <a:ext cx="10487484" cy="392234"/>
+              <a:chOff x="1704516" y="219855"/>
+              <a:chExt cx="10487484" cy="392234"/>
+            </a:xfrm>
+          </p:grpSpPr>
+          <p:sp>
+            <p:nvSpPr>
+              <p:cNvPr id="50" name="직사각형 49">
+                <a:extLst>
+                  <a:ext uri="{FF2B5EF4-FFF2-40B4-BE49-F238E27FC236}">
+                    <a16:creationId xmlns:a16="http://schemas.microsoft.com/office/drawing/2014/main" id="{18E75AE0-0CC8-DDFD-A838-2520BF641D05}"/>
+                  </a:ext>
+                </a:extLst>
+              </p:cNvPr>
+              <p:cNvSpPr>
+                <a:spLocks/>
+              </p:cNvSpPr>
+              <p:nvPr/>
+            </p:nvSpPr>
+            <p:spPr>
+              <a:xfrm>
+                <a:off x="1704516" y="219855"/>
+                <a:ext cx="10487484" cy="392234"/>
+              </a:xfrm>
+              <a:prstGeom prst="rect">
+                <a:avLst/>
+              </a:prstGeom>
+              <a:gradFill flip="none" rotWithShape="1">
+                <a:gsLst>
+                  <a:gs pos="58000">
+                    <a:srgbClr val="464437">
+                      <a:alpha val="70000"/>
+                    </a:srgbClr>
+                  </a:gs>
+                  <a:gs pos="2000">
+                    <a:srgbClr val="464437">
+                      <a:alpha val="80000"/>
+                    </a:srgbClr>
+                  </a:gs>
+                  <a:gs pos="100000">
+                    <a:srgbClr val="48443A">
+                      <a:alpha val="30000"/>
+                    </a:srgbClr>
+                  </a:gs>
+                </a:gsLst>
+                <a:lin ang="0" scaled="1"/>
+                <a:tileRect/>
+              </a:gradFill>
+              <a:ln>
+                <a:noFill/>
+              </a:ln>
+            </p:spPr>
+            <p:style>
+              <a:lnRef idx="2">
+                <a:schemeClr val="accent1">
+                  <a:shade val="15000"/>
+                </a:schemeClr>
+              </a:lnRef>
+              <a:fillRef idx="1">
+                <a:schemeClr val="accent1"/>
+              </a:fillRef>
+              <a:effectRef idx="0">
+                <a:schemeClr val="accent1"/>
+              </a:effectRef>
+              <a:fontRef idx="minor">
+                <a:schemeClr val="lt1"/>
+              </a:fontRef>
+            </p:style>
+            <p:txBody>
+              <a:bodyPr rtlCol="0" anchor="ctr"/>
+              <a:lstStyle/>
+              <a:p>
+                <a:pPr algn="ctr"/>
+                <a:endParaRPr lang="ko-KR" altLang="en-US" dirty="0"/>
+              </a:p>
+            </p:txBody>
+          </p:sp>
+          <p:cxnSp>
+            <p:nvCxnSpPr>
+              <p:cNvPr id="8" name="직선 연결선 7">
+                <a:extLst>
+                  <a:ext uri="{FF2B5EF4-FFF2-40B4-BE49-F238E27FC236}">
+                    <a16:creationId xmlns:a16="http://schemas.microsoft.com/office/drawing/2014/main" id="{D23C8A04-CEC4-1D92-9982-792BC1C41948}"/>
+                  </a:ext>
+                </a:extLst>
+              </p:cNvPr>
+              <p:cNvCxnSpPr>
+                <a:cxnSpLocks/>
+              </p:cNvCxnSpPr>
+              <p:nvPr/>
+            </p:nvCxnSpPr>
+            <p:spPr>
+              <a:xfrm>
+                <a:off x="1992916" y="588667"/>
+                <a:ext cx="9829562" cy="0"/>
+              </a:xfrm>
+              <a:prstGeom prst="line">
+                <a:avLst/>
+              </a:prstGeom>
+              <a:ln w="28575">
+                <a:gradFill flip="none" rotWithShape="1">
+                  <a:gsLst>
+                    <a:gs pos="0">
+                      <a:srgbClr val="464437">
+                        <a:alpha val="70000"/>
+                      </a:srgbClr>
+                    </a:gs>
+                    <a:gs pos="47000">
+                      <a:srgbClr val="464437">
+                        <a:alpha val="50000"/>
+                      </a:srgbClr>
+                    </a:gs>
+                    <a:gs pos="83000">
+                      <a:srgbClr val="464437">
+                        <a:alpha val="50000"/>
+                      </a:srgbClr>
+                    </a:gs>
+                    <a:gs pos="100000">
+                      <a:srgbClr val="464437">
+                        <a:alpha val="0"/>
+                      </a:srgbClr>
+                    </a:gs>
+                  </a:gsLst>
+                  <a:path path="circle">
+                    <a:fillToRect l="50000" t="50000" r="50000" b="50000"/>
+                  </a:path>
+                  <a:tileRect/>
+                </a:gradFill>
+              </a:ln>
+            </p:spPr>
+            <p:style>
+              <a:lnRef idx="2">
+                <a:schemeClr val="accent1"/>
+              </a:lnRef>
+              <a:fillRef idx="0">
+                <a:schemeClr val="accent1"/>
+              </a:fillRef>
+              <a:effectRef idx="1">
+                <a:schemeClr val="accent1"/>
+              </a:effectRef>
+              <a:fontRef idx="minor">
+                <a:schemeClr val="tx1"/>
+              </a:fontRef>
+            </p:style>
+          </p:cxnSp>
+        </p:grpSp>
+        <p:sp>
+          <p:nvSpPr>
+            <p:cNvPr id="51" name="TextBox 50">
+              <a:extLst>
+                <a:ext uri="{FF2B5EF4-FFF2-40B4-BE49-F238E27FC236}">
+                  <a16:creationId xmlns:a16="http://schemas.microsoft.com/office/drawing/2014/main" id="{B7655D1D-E793-35FA-6F39-9F5166483300}"/>
+                </a:ext>
+              </a:extLst>
+            </p:cNvPr>
+            <p:cNvSpPr txBox="1">
+              <a:spLocks/>
+            </p:cNvSpPr>
+            <p:nvPr/>
+          </p:nvSpPr>
+          <p:spPr>
+            <a:xfrm>
+              <a:off x="1704516" y="246695"/>
+              <a:ext cx="1051891" cy="338554"/>
+            </a:xfrm>
+            <a:prstGeom prst="rect">
+              <a:avLst/>
+            </a:prstGeom>
+            <a:noFill/>
+            <a:ln w="6350">
+              <a:noFill/>
+            </a:ln>
+          </p:spPr>
+          <p:txBody>
+            <a:bodyPr wrap="none" rtlCol="0">
+              <a:spAutoFit/>
+            </a:bodyPr>
+            <a:lstStyle/>
+            <a:p>
+              <a:r>
+                <a:rPr lang="ko-KR" altLang="en-US" sz="1600" dirty="0">
+                  <a:solidFill>
+                    <a:schemeClr val="bg1"/>
+                  </a:solidFill>
+                  <a:effectLst>
+                    <a:glow rad="101600">
+                      <a:schemeClr val="tx1">
+                        <a:alpha val="60000"/>
+                      </a:schemeClr>
+                    </a:glow>
+                  </a:effectLst>
+                  <a:latin typeface="빛의 계승자 Bold" panose="020B0600000101010101" pitchFamily="50" charset="-127"/>
+                  <a:ea typeface="빛의 계승자 Bold" panose="020B0600000101010101" pitchFamily="50" charset="-127"/>
+                </a:rPr>
+                <a:t>기획 의도</a:t>
+              </a:r>
+            </a:p>
+          </p:txBody>
+        </p:sp>
+      </p:grpSp>
+      <p:sp>
+        <p:nvSpPr>
+          <p:cNvPr id="54" name="페이지 표시">
+            <a:extLst>
+              <a:ext uri="{FF2B5EF4-FFF2-40B4-BE49-F238E27FC236}">
+                <a16:creationId xmlns:a16="http://schemas.microsoft.com/office/drawing/2014/main" id="{A6E207D9-0014-1589-6D7E-99CF876B7CA0}"/>
+              </a:ext>
+            </a:extLst>
+          </p:cNvPr>
+          <p:cNvSpPr txBox="1">
+            <a:spLocks/>
+          </p:cNvSpPr>
+          <p:nvPr/>
+        </p:nvSpPr>
+        <p:spPr>
+          <a:xfrm>
+            <a:off x="10482994" y="6696766"/>
+            <a:ext cx="835165" cy="123111"/>
+          </a:xfrm>
+          <a:prstGeom prst="rect">
+            <a:avLst/>
+          </a:prstGeom>
+          <a:noFill/>
+        </p:spPr>
+        <p:txBody>
+          <a:bodyPr wrap="none" lIns="0" tIns="0" rIns="0" bIns="0" rtlCol="0" anchor="ctr" anchorCtr="0">
+            <a:spAutoFit/>
+          </a:bodyPr>
+          <a:lstStyle/>
+          <a:p>
+            <a:pPr algn="r"/>
+            <a:r>
+              <a:rPr lang="en-US" altLang="ko-KR" sz="800" i="1" dirty="0">
+                <a:solidFill>
+                  <a:schemeClr val="bg1"/>
+                </a:solidFill>
+                <a:latin typeface="빛의 계승자 Bold" panose="020B0600000101010101" pitchFamily="50" charset="-127"/>
+                <a:ea typeface="빛의 계승자 Bold" panose="020B0600000101010101" pitchFamily="50" charset="-127"/>
+              </a:rPr>
+              <a:t>1.</a:t>
+            </a:r>
+            <a:r>
+              <a:rPr lang="ko-KR" altLang="en-US" sz="800" i="1" dirty="0">
+                <a:solidFill>
+                  <a:schemeClr val="bg1"/>
+                </a:solidFill>
+                <a:latin typeface="빛의 계승자 Bold" panose="020B0600000101010101" pitchFamily="50" charset="-127"/>
+                <a:ea typeface="빛의 계승자 Bold" panose="020B0600000101010101" pitchFamily="50" charset="-127"/>
+              </a:rPr>
+              <a:t>개요 </a:t>
+            </a:r>
+            <a:r>
+              <a:rPr lang="en-US" altLang="ko-KR" sz="800" i="1" dirty="0">
+                <a:solidFill>
+                  <a:schemeClr val="bg1"/>
+                </a:solidFill>
+                <a:latin typeface="빛의 계승자 Bold" panose="020B0600000101010101" pitchFamily="50" charset="-127"/>
+                <a:ea typeface="빛의 계승자 Bold" panose="020B0600000101010101" pitchFamily="50" charset="-127"/>
+              </a:rPr>
+              <a:t>- </a:t>
+            </a:r>
+            <a:r>
+              <a:rPr lang="ko-KR" altLang="en-US" sz="800" i="1" dirty="0">
+                <a:solidFill>
+                  <a:schemeClr val="bg1"/>
+                </a:solidFill>
+                <a:latin typeface="빛의 계승자 Bold" panose="020B0600000101010101" pitchFamily="50" charset="-127"/>
+                <a:ea typeface="빛의 계승자 Bold" panose="020B0600000101010101" pitchFamily="50" charset="-127"/>
+              </a:rPr>
+              <a:t>기획 의도</a:t>
+            </a:r>
+            <a:endParaRPr lang="en-US" altLang="ko-KR" sz="800" i="1" dirty="0">
+              <a:solidFill>
+                <a:schemeClr val="bg1"/>
+              </a:solidFill>
+              <a:latin typeface="빛의 계승자 Bold" panose="020B0600000101010101" pitchFamily="50" charset="-127"/>
+              <a:ea typeface="빛의 계승자 Bold" panose="020B0600000101010101" pitchFamily="50" charset="-127"/>
+            </a:endParaRPr>
+          </a:p>
+        </p:txBody>
+      </p:sp>
+      <p:sp>
+        <p:nvSpPr>
+          <p:cNvPr id="25" name="직사각형 24">
+            <a:extLst>
+              <a:ext uri="{FF2B5EF4-FFF2-40B4-BE49-F238E27FC236}">
+                <a16:creationId xmlns:a16="http://schemas.microsoft.com/office/drawing/2014/main" id="{16734103-FEBB-0560-013E-3922ED28C3F9}"/>
+              </a:ext>
+            </a:extLst>
+          </p:cNvPr>
+          <p:cNvSpPr>
+            <a:spLocks/>
+          </p:cNvSpPr>
+          <p:nvPr/>
+        </p:nvSpPr>
+        <p:spPr>
+          <a:xfrm>
+            <a:off x="11909965" y="988246"/>
+            <a:ext cx="46800" cy="4896000"/>
+          </a:xfrm>
+          <a:prstGeom prst="rect">
+            <a:avLst/>
+          </a:prstGeom>
+          <a:solidFill>
+            <a:srgbClr val="676555"/>
+          </a:solidFill>
+          <a:ln>
+            <a:noFill/>
+          </a:ln>
+        </p:spPr>
+        <p:style>
+          <a:lnRef idx="2">
+            <a:schemeClr val="accent1">
+              <a:shade val="15000"/>
+            </a:schemeClr>
+          </a:lnRef>
+          <a:fillRef idx="1">
+            <a:schemeClr val="accent1"/>
+          </a:fillRef>
+          <a:effectRef idx="0">
+            <a:schemeClr val="accent1"/>
+          </a:effectRef>
+          <a:fontRef idx="minor">
+            <a:schemeClr val="lt1"/>
+          </a:fontRef>
+        </p:style>
+        <p:txBody>
+          <a:bodyPr rtlCol="0" anchor="ctr"/>
+          <a:lstStyle/>
+          <a:p>
+            <a:pPr algn="ctr"/>
+            <a:endParaRPr lang="ko-KR" altLang="en-US"/>
+          </a:p>
+        </p:txBody>
+      </p:sp>
+      <p:sp>
+        <p:nvSpPr>
+          <p:cNvPr id="17" name="TextBox 16">
+            <a:extLst>
+              <a:ext uri="{FF2B5EF4-FFF2-40B4-BE49-F238E27FC236}">
+                <a16:creationId xmlns:a16="http://schemas.microsoft.com/office/drawing/2014/main" id="{64EA75A8-9B50-D515-943E-E88C9F08AC63}"/>
+              </a:ext>
+            </a:extLst>
+          </p:cNvPr>
+          <p:cNvSpPr txBox="1"/>
+          <p:nvPr/>
+        </p:nvSpPr>
+        <p:spPr>
+          <a:xfrm>
+            <a:off x="2205525" y="1454419"/>
+            <a:ext cx="4836580" cy="553998"/>
+          </a:xfrm>
+          <a:prstGeom prst="rect">
+            <a:avLst/>
+          </a:prstGeom>
+          <a:noFill/>
+        </p:spPr>
+        <p:txBody>
+          <a:bodyPr wrap="none" rtlCol="0">
+            <a:spAutoFit/>
+          </a:bodyPr>
+          <a:lstStyle/>
+          <a:p>
+            <a:pPr marL="171450" indent="-171450">
+              <a:buFontTx/>
+              <a:buChar char="-"/>
+            </a:pPr>
+            <a:r>
+              <a:rPr lang="ko-KR" altLang="en-US" sz="1000" dirty="0">
+                <a:solidFill>
+                  <a:schemeClr val="bg1"/>
+                </a:solidFill>
+                <a:latin typeface="나눔고딕" panose="020D0604000000000000" pitchFamily="50" charset="-127"/>
+                <a:ea typeface="나눔고딕" panose="020D0604000000000000" pitchFamily="50" charset="-127"/>
+              </a:rPr>
+              <a:t>다양한 전회를 무기에 부여하여 유저 스스로 난이도를 조절할 수 있습니다</a:t>
+            </a:r>
+            <a:r>
+              <a:rPr lang="en-US" altLang="ko-KR" sz="1000" dirty="0">
+                <a:solidFill>
+                  <a:schemeClr val="bg1"/>
+                </a:solidFill>
+                <a:latin typeface="나눔고딕" panose="020D0604000000000000" pitchFamily="50" charset="-127"/>
+                <a:ea typeface="나눔고딕" panose="020D0604000000000000" pitchFamily="50" charset="-127"/>
+              </a:rPr>
+              <a:t>.</a:t>
+            </a:r>
+          </a:p>
+          <a:p>
+            <a:pPr marL="171450" indent="-171450">
+              <a:buFontTx/>
+              <a:buChar char="-"/>
+            </a:pPr>
+            <a:endParaRPr lang="en-US" altLang="ko-KR" sz="1000" dirty="0">
+              <a:solidFill>
+                <a:schemeClr val="bg1"/>
+              </a:solidFill>
+              <a:latin typeface="나눔고딕" panose="020D0604000000000000" pitchFamily="50" charset="-127"/>
+              <a:ea typeface="나눔고딕" panose="020D0604000000000000" pitchFamily="50" charset="-127"/>
+            </a:endParaRPr>
+          </a:p>
+          <a:p>
+            <a:pPr marL="171450" indent="-171450">
+              <a:buFontTx/>
+              <a:buChar char="-"/>
+            </a:pPr>
+            <a:r>
+              <a:rPr lang="ko-KR" altLang="en-US" sz="1000" dirty="0" err="1">
+                <a:solidFill>
+                  <a:schemeClr val="bg1"/>
+                </a:solidFill>
+                <a:latin typeface="나눔고딕" panose="020D0604000000000000" pitchFamily="50" charset="-127"/>
+                <a:ea typeface="나눔고딕" panose="020D0604000000000000" pitchFamily="50" charset="-127"/>
+              </a:rPr>
+              <a:t>소울라이크</a:t>
+            </a:r>
+            <a:r>
+              <a:rPr lang="ko-KR" altLang="en-US" sz="1000" dirty="0">
+                <a:solidFill>
+                  <a:schemeClr val="bg1"/>
+                </a:solidFill>
+                <a:latin typeface="나눔고딕" panose="020D0604000000000000" pitchFamily="50" charset="-127"/>
+                <a:ea typeface="나눔고딕" panose="020D0604000000000000" pitchFamily="50" charset="-127"/>
+              </a:rPr>
+              <a:t> 장르에 익숙하지 않은 유저도 게임에 도전할 수 있는 기회를 제공합니다</a:t>
+            </a:r>
+            <a:r>
+              <a:rPr lang="en-US" altLang="ko-KR" sz="1000" dirty="0">
+                <a:solidFill>
+                  <a:schemeClr val="bg1"/>
+                </a:solidFill>
+                <a:latin typeface="나눔고딕" panose="020D0604000000000000" pitchFamily="50" charset="-127"/>
+                <a:ea typeface="나눔고딕" panose="020D0604000000000000" pitchFamily="50" charset="-127"/>
+              </a:rPr>
+              <a:t>.</a:t>
+            </a:r>
+          </a:p>
+        </p:txBody>
+      </p:sp>
+      <p:grpSp>
+        <p:nvGrpSpPr>
+          <p:cNvPr id="37" name="그룹 36">
+            <a:extLst>
+              <a:ext uri="{FF2B5EF4-FFF2-40B4-BE49-F238E27FC236}">
+                <a16:creationId xmlns:a16="http://schemas.microsoft.com/office/drawing/2014/main" id="{8F92391C-5AC7-C61D-0F9D-2A2304AD77C0}"/>
+              </a:ext>
+            </a:extLst>
+          </p:cNvPr>
+          <p:cNvGrpSpPr/>
+          <p:nvPr/>
+        </p:nvGrpSpPr>
+        <p:grpSpPr>
+          <a:xfrm>
+            <a:off x="1992916" y="954061"/>
+            <a:ext cx="2831662" cy="367200"/>
+            <a:chOff x="2500453" y="1274905"/>
+            <a:chExt cx="2831662" cy="367200"/>
+          </a:xfrm>
+        </p:grpSpPr>
+        <p:pic>
+          <p:nvPicPr>
+            <p:cNvPr id="3076" name="Picture 4">
+              <a:extLst>
+                <a:ext uri="{FF2B5EF4-FFF2-40B4-BE49-F238E27FC236}">
+                  <a16:creationId xmlns:a16="http://schemas.microsoft.com/office/drawing/2014/main" id="{DA3BEAF4-A60B-29E4-87C1-34BA3D3B0E88}"/>
+                </a:ext>
+              </a:extLst>
+            </p:cNvPr>
+            <p:cNvPicPr>
+              <a:picLocks noChangeArrowheads="1"/>
+            </p:cNvPicPr>
+            <p:nvPr/>
+          </p:nvPicPr>
+          <p:blipFill rotWithShape="1">
+            <a:blip r:embed="rId2">
+              <a:clrChange>
+                <a:clrFrom>
+                  <a:srgbClr val="000000"/>
+                </a:clrFrom>
+                <a:clrTo>
+                  <a:srgbClr val="000000">
+                    <a:alpha val="0"/>
+                  </a:srgbClr>
+                </a:clrTo>
+              </a:clrChange>
+              <a:extLst>
+                <a:ext uri="{28A0092B-C50C-407E-A947-70E740481C1C}">
+                  <a14:useLocalDpi xmlns:a14="http://schemas.microsoft.com/office/drawing/2010/main" val="0"/>
+                </a:ext>
+              </a:extLst>
+            </a:blip>
+            <a:srcRect l="39323" t="43581" r="59826" b="39566"/>
+            <a:stretch/>
+          </p:blipFill>
+          <p:spPr bwMode="auto">
+            <a:xfrm>
+              <a:off x="2500453" y="1274905"/>
+              <a:ext cx="36000" cy="367200"/>
+            </a:xfrm>
+            <a:prstGeom prst="rect">
+              <a:avLst/>
+            </a:prstGeom>
+            <a:noFill/>
+            <a:extLst>
+              <a:ext uri="{909E8E84-426E-40DD-AFC4-6F175D3DCCD1}">
+                <a14:hiddenFill xmlns:a14="http://schemas.microsoft.com/office/drawing/2010/main">
+                  <a:solidFill>
+                    <a:srgbClr val="FFFFFF"/>
+                  </a:solidFill>
+                </a14:hiddenFill>
+              </a:ext>
+            </a:extLst>
+          </p:spPr>
+        </p:pic>
+        <p:grpSp>
+          <p:nvGrpSpPr>
+            <p:cNvPr id="31" name="그룹 30">
+              <a:extLst>
+                <a:ext uri="{FF2B5EF4-FFF2-40B4-BE49-F238E27FC236}">
+                  <a16:creationId xmlns:a16="http://schemas.microsoft.com/office/drawing/2014/main" id="{A9B671DA-6498-E320-D3A5-36406F2A7B24}"/>
+                </a:ext>
+              </a:extLst>
+            </p:cNvPr>
+            <p:cNvGrpSpPr/>
+            <p:nvPr/>
+          </p:nvGrpSpPr>
+          <p:grpSpPr>
+            <a:xfrm>
+              <a:off x="2536453" y="1287843"/>
+              <a:ext cx="2795662" cy="343894"/>
+              <a:chOff x="4774676" y="2919518"/>
+              <a:chExt cx="2734338" cy="336351"/>
+            </a:xfrm>
+          </p:grpSpPr>
+          <p:sp>
+            <p:nvSpPr>
+              <p:cNvPr id="32" name="직사각형 31">
+                <a:extLst>
+                  <a:ext uri="{FF2B5EF4-FFF2-40B4-BE49-F238E27FC236}">
+                    <a16:creationId xmlns:a16="http://schemas.microsoft.com/office/drawing/2014/main" id="{7519EAAF-B4AD-75B0-3473-EE4981831CBE}"/>
+                  </a:ext>
+                </a:extLst>
+              </p:cNvPr>
+              <p:cNvSpPr>
+                <a:spLocks/>
+              </p:cNvSpPr>
+              <p:nvPr/>
+            </p:nvSpPr>
+            <p:spPr>
+              <a:xfrm>
+                <a:off x="4774676" y="2919518"/>
+                <a:ext cx="2734338" cy="336351"/>
+              </a:xfrm>
+              <a:prstGeom prst="rect">
+                <a:avLst/>
+              </a:prstGeom>
+              <a:gradFill flip="none" rotWithShape="1">
+                <a:gsLst>
+                  <a:gs pos="59000">
+                    <a:srgbClr val="1A1810">
+                      <a:alpha val="70000"/>
+                    </a:srgbClr>
+                  </a:gs>
+                  <a:gs pos="3000">
+                    <a:srgbClr val="1A1810">
+                      <a:alpha val="90000"/>
+                    </a:srgbClr>
+                  </a:gs>
+                  <a:gs pos="100000">
+                    <a:srgbClr val="1A1810">
+                      <a:alpha val="0"/>
+                    </a:srgbClr>
+                  </a:gs>
+                </a:gsLst>
+                <a:lin ang="0" scaled="1"/>
+                <a:tileRect/>
+              </a:gradFill>
+              <a:ln>
+                <a:noFill/>
+              </a:ln>
+              <a:effectLst/>
+            </p:spPr>
+            <p:style>
+              <a:lnRef idx="2">
+                <a:schemeClr val="accent1">
+                  <a:shade val="15000"/>
+                </a:schemeClr>
+              </a:lnRef>
+              <a:fillRef idx="1">
+                <a:schemeClr val="accent1"/>
+              </a:fillRef>
+              <a:effectRef idx="0">
+                <a:schemeClr val="accent1"/>
+              </a:effectRef>
+              <a:fontRef idx="minor">
+                <a:schemeClr val="lt1"/>
+              </a:fontRef>
+            </p:style>
+            <p:txBody>
+              <a:bodyPr rtlCol="0" anchor="ctr"/>
+              <a:lstStyle/>
+              <a:p>
+                <a:pPr algn="ctr"/>
+                <a:endParaRPr lang="ko-KR" altLang="en-US" dirty="0"/>
+              </a:p>
+            </p:txBody>
+          </p:sp>
+          <p:cxnSp>
+            <p:nvCxnSpPr>
+              <p:cNvPr id="33" name="직선 연결선 32">
+                <a:extLst>
+                  <a:ext uri="{FF2B5EF4-FFF2-40B4-BE49-F238E27FC236}">
+                    <a16:creationId xmlns:a16="http://schemas.microsoft.com/office/drawing/2014/main" id="{50516C1D-3C14-D3A7-FE1A-5A2935B5C237}"/>
+                  </a:ext>
+                </a:extLst>
+              </p:cNvPr>
+              <p:cNvCxnSpPr>
+                <a:cxnSpLocks/>
+              </p:cNvCxnSpPr>
+              <p:nvPr/>
+            </p:nvCxnSpPr>
+            <p:spPr>
+              <a:xfrm flipH="1">
+                <a:off x="4774676" y="3255869"/>
+                <a:ext cx="2734338" cy="0"/>
+              </a:xfrm>
+              <a:prstGeom prst="line">
+                <a:avLst/>
+              </a:prstGeom>
+              <a:ln>
+                <a:gradFill flip="none" rotWithShape="1">
+                  <a:gsLst>
+                    <a:gs pos="0">
+                      <a:srgbClr val="33332B"/>
+                    </a:gs>
+                    <a:gs pos="31000">
+                      <a:srgbClr val="33332B">
+                        <a:alpha val="70000"/>
+                      </a:srgbClr>
+                    </a:gs>
+                    <a:gs pos="54000">
+                      <a:srgbClr val="33332B">
+                        <a:alpha val="30000"/>
+                      </a:srgbClr>
+                    </a:gs>
+                    <a:gs pos="100000">
+                      <a:srgbClr val="33332B">
+                        <a:alpha val="0"/>
+                      </a:srgbClr>
+                    </a:gs>
+                  </a:gsLst>
+                  <a:lin ang="10800000" scaled="1"/>
+                  <a:tileRect/>
+                </a:gradFill>
+              </a:ln>
+              <a:effectLst/>
+            </p:spPr>
+            <p:style>
+              <a:lnRef idx="2">
+                <a:schemeClr val="accent1"/>
+              </a:lnRef>
+              <a:fillRef idx="0">
+                <a:schemeClr val="accent1"/>
+              </a:fillRef>
+              <a:effectRef idx="1">
+                <a:schemeClr val="accent1"/>
+              </a:effectRef>
+              <a:fontRef idx="minor">
+                <a:schemeClr val="tx1"/>
+              </a:fontRef>
+            </p:style>
+          </p:cxnSp>
+          <p:cxnSp>
+            <p:nvCxnSpPr>
+              <p:cNvPr id="35" name="직선 연결선 34">
+                <a:extLst>
+                  <a:ext uri="{FF2B5EF4-FFF2-40B4-BE49-F238E27FC236}">
+                    <a16:creationId xmlns:a16="http://schemas.microsoft.com/office/drawing/2014/main" id="{4671B640-0CAE-C2E7-7C7A-9005BD94FF7F}"/>
+                  </a:ext>
+                </a:extLst>
+              </p:cNvPr>
+              <p:cNvCxnSpPr>
+                <a:cxnSpLocks/>
+              </p:cNvCxnSpPr>
+              <p:nvPr/>
+            </p:nvCxnSpPr>
+            <p:spPr>
+              <a:xfrm flipH="1">
+                <a:off x="4774676" y="2919518"/>
+                <a:ext cx="2734338" cy="0"/>
+              </a:xfrm>
+              <a:prstGeom prst="line">
+                <a:avLst/>
+              </a:prstGeom>
+              <a:ln>
+                <a:gradFill flip="none" rotWithShape="1">
+                  <a:gsLst>
+                    <a:gs pos="0">
+                      <a:srgbClr val="33332B"/>
+                    </a:gs>
+                    <a:gs pos="31000">
+                      <a:srgbClr val="33332B">
+                        <a:alpha val="70000"/>
+                      </a:srgbClr>
+                    </a:gs>
+                    <a:gs pos="54000">
+                      <a:srgbClr val="33332B">
+                        <a:alpha val="30000"/>
+                      </a:srgbClr>
+                    </a:gs>
+                    <a:gs pos="100000">
+                      <a:srgbClr val="33332B">
+                        <a:alpha val="0"/>
+                      </a:srgbClr>
+                    </a:gs>
+                  </a:gsLst>
+                  <a:lin ang="10800000" scaled="1"/>
+                  <a:tileRect/>
+                </a:gradFill>
+              </a:ln>
+              <a:effectLst/>
+            </p:spPr>
+            <p:style>
+              <a:lnRef idx="2">
+                <a:schemeClr val="accent1"/>
+              </a:lnRef>
+              <a:fillRef idx="0">
+                <a:schemeClr val="accent1"/>
+              </a:fillRef>
+              <a:effectRef idx="1">
+                <a:schemeClr val="accent1"/>
+              </a:effectRef>
+              <a:fontRef idx="minor">
+                <a:schemeClr val="tx1"/>
+              </a:fontRef>
+            </p:style>
+          </p:cxnSp>
+        </p:grpSp>
+        <p:sp>
+          <p:nvSpPr>
+            <p:cNvPr id="36" name="TextBox 35">
+              <a:extLst>
+                <a:ext uri="{FF2B5EF4-FFF2-40B4-BE49-F238E27FC236}">
+                  <a16:creationId xmlns:a16="http://schemas.microsoft.com/office/drawing/2014/main" id="{865E6199-86F4-44D4-7A4C-57897DFFEEC3}"/>
+                </a:ext>
+              </a:extLst>
+            </p:cNvPr>
+            <p:cNvSpPr txBox="1"/>
+            <p:nvPr/>
+          </p:nvSpPr>
+          <p:spPr>
+            <a:xfrm>
+              <a:off x="2554184" y="1328985"/>
+              <a:ext cx="889987" cy="261610"/>
+            </a:xfrm>
+            <a:prstGeom prst="rect">
+              <a:avLst/>
+            </a:prstGeom>
+            <a:noFill/>
+          </p:spPr>
+          <p:txBody>
+            <a:bodyPr wrap="none" rtlCol="0">
+              <a:spAutoFit/>
+            </a:bodyPr>
+            <a:lstStyle/>
+            <a:p>
+              <a:r>
+                <a:rPr lang="ko-KR" altLang="en-US" sz="1100" b="1" dirty="0">
+                  <a:solidFill>
+                    <a:schemeClr val="bg1"/>
+                  </a:solidFill>
+                  <a:effectLst>
+                    <a:glow rad="101600">
+                      <a:schemeClr val="tx1">
+                        <a:alpha val="60000"/>
+                      </a:schemeClr>
+                    </a:glow>
+                  </a:effectLst>
+                  <a:latin typeface="나눔고딕" panose="020D0604000000000000" pitchFamily="50" charset="-127"/>
+                  <a:ea typeface="나눔고딕" panose="020D0604000000000000" pitchFamily="50" charset="-127"/>
+                </a:rPr>
+                <a:t>난이도 조절</a:t>
+              </a:r>
+            </a:p>
+          </p:txBody>
+        </p:sp>
+      </p:grpSp>
+      <p:sp>
+        <p:nvSpPr>
+          <p:cNvPr id="38" name="TextBox 37">
+            <a:extLst>
+              <a:ext uri="{FF2B5EF4-FFF2-40B4-BE49-F238E27FC236}">
+                <a16:creationId xmlns:a16="http://schemas.microsoft.com/office/drawing/2014/main" id="{050E3445-B541-7EE4-6FCB-EAD37CD51B2C}"/>
+              </a:ext>
+            </a:extLst>
+          </p:cNvPr>
+          <p:cNvSpPr txBox="1"/>
+          <p:nvPr/>
+        </p:nvSpPr>
+        <p:spPr>
+          <a:xfrm>
+            <a:off x="2205525" y="3057638"/>
+            <a:ext cx="4751622" cy="553998"/>
+          </a:xfrm>
+          <a:prstGeom prst="rect">
+            <a:avLst/>
+          </a:prstGeom>
+          <a:noFill/>
+        </p:spPr>
+        <p:txBody>
+          <a:bodyPr wrap="none" rtlCol="0">
+            <a:spAutoFit/>
+          </a:bodyPr>
+          <a:lstStyle/>
+          <a:p>
+            <a:pPr marL="171450" indent="-171450">
+              <a:buFontTx/>
+              <a:buChar char="-"/>
+            </a:pPr>
+            <a:r>
+              <a:rPr lang="ko-KR" altLang="en-US" sz="1000" dirty="0">
+                <a:solidFill>
+                  <a:schemeClr val="bg1"/>
+                </a:solidFill>
+                <a:latin typeface="나눔고딕" panose="020D0604000000000000" pitchFamily="50" charset="-127"/>
+                <a:ea typeface="나눔고딕" panose="020D0604000000000000" pitchFamily="50" charset="-127"/>
+              </a:rPr>
+              <a:t>유저는 무기와 전회의 조합을 통해 자신에게 맞는 전투 방식을 선택할 수 있습니다</a:t>
+            </a:r>
+            <a:r>
+              <a:rPr lang="en-US" altLang="ko-KR" sz="1000" dirty="0">
+                <a:solidFill>
+                  <a:schemeClr val="bg1"/>
+                </a:solidFill>
+                <a:latin typeface="나눔고딕" panose="020D0604000000000000" pitchFamily="50" charset="-127"/>
+                <a:ea typeface="나눔고딕" panose="020D0604000000000000" pitchFamily="50" charset="-127"/>
+              </a:rPr>
+              <a:t>.</a:t>
+            </a:r>
+          </a:p>
+          <a:p>
+            <a:pPr marL="171450" indent="-171450">
+              <a:buFontTx/>
+              <a:buChar char="-"/>
+            </a:pPr>
+            <a:endParaRPr lang="en-US" altLang="ko-KR" sz="1000" dirty="0">
+              <a:solidFill>
+                <a:schemeClr val="bg1"/>
+              </a:solidFill>
+              <a:latin typeface="나눔고딕" panose="020D0604000000000000" pitchFamily="50" charset="-127"/>
+              <a:ea typeface="나눔고딕" panose="020D0604000000000000" pitchFamily="50" charset="-127"/>
+            </a:endParaRPr>
+          </a:p>
+          <a:p>
+            <a:pPr marL="171450" indent="-171450">
+              <a:buFontTx/>
+              <a:buChar char="-"/>
+            </a:pPr>
+            <a:r>
+              <a:rPr lang="ko-KR" altLang="en-US" sz="1000" dirty="0">
+                <a:solidFill>
+                  <a:schemeClr val="bg1"/>
+                </a:solidFill>
+                <a:latin typeface="나눔고딕" panose="020D0604000000000000" pitchFamily="50" charset="-127"/>
+                <a:ea typeface="나눔고딕" panose="020D0604000000000000" pitchFamily="50" charset="-127"/>
+              </a:rPr>
+              <a:t>다양한 조합을 실험하는 즐거움을 제공하며</a:t>
+            </a:r>
+            <a:r>
+              <a:rPr lang="en-US" altLang="ko-KR" sz="1000" dirty="0">
+                <a:solidFill>
+                  <a:schemeClr val="bg1"/>
+                </a:solidFill>
+                <a:latin typeface="나눔고딕" panose="020D0604000000000000" pitchFamily="50" charset="-127"/>
+                <a:ea typeface="나눔고딕" panose="020D0604000000000000" pitchFamily="50" charset="-127"/>
+              </a:rPr>
+              <a:t>, </a:t>
+            </a:r>
+            <a:r>
+              <a:rPr lang="ko-KR" altLang="en-US" sz="1000" dirty="0">
+                <a:solidFill>
+                  <a:schemeClr val="bg1"/>
+                </a:solidFill>
+                <a:latin typeface="나눔고딕" panose="020D0604000000000000" pitchFamily="50" charset="-127"/>
+                <a:ea typeface="나눔고딕" panose="020D0604000000000000" pitchFamily="50" charset="-127"/>
+              </a:rPr>
+              <a:t>반복 플레이의 지루함을 덜어줍니다</a:t>
+            </a:r>
+            <a:r>
+              <a:rPr lang="en-US" altLang="ko-KR" sz="1000" dirty="0">
+                <a:solidFill>
+                  <a:schemeClr val="bg1"/>
+                </a:solidFill>
+                <a:latin typeface="나눔고딕" panose="020D0604000000000000" pitchFamily="50" charset="-127"/>
+                <a:ea typeface="나눔고딕" panose="020D0604000000000000" pitchFamily="50" charset="-127"/>
+              </a:rPr>
+              <a:t>.</a:t>
+            </a:r>
+          </a:p>
+        </p:txBody>
+      </p:sp>
+      <p:grpSp>
+        <p:nvGrpSpPr>
+          <p:cNvPr id="39" name="그룹 38">
+            <a:extLst>
+              <a:ext uri="{FF2B5EF4-FFF2-40B4-BE49-F238E27FC236}">
+                <a16:creationId xmlns:a16="http://schemas.microsoft.com/office/drawing/2014/main" id="{9544E296-67CC-AC03-BC7F-4315731E43F1}"/>
+              </a:ext>
+            </a:extLst>
+          </p:cNvPr>
+          <p:cNvGrpSpPr/>
+          <p:nvPr/>
+        </p:nvGrpSpPr>
+        <p:grpSpPr>
+          <a:xfrm>
+            <a:off x="1992916" y="2579169"/>
+            <a:ext cx="2831662" cy="367200"/>
+            <a:chOff x="2500453" y="1274905"/>
+            <a:chExt cx="2831662" cy="367200"/>
+          </a:xfrm>
+        </p:grpSpPr>
+        <p:pic>
+          <p:nvPicPr>
+            <p:cNvPr id="40" name="Picture 4">
+              <a:extLst>
+                <a:ext uri="{FF2B5EF4-FFF2-40B4-BE49-F238E27FC236}">
+                  <a16:creationId xmlns:a16="http://schemas.microsoft.com/office/drawing/2014/main" id="{D5C1D580-AD3E-4CB4-94C2-BF3DFAE179EB}"/>
+                </a:ext>
+              </a:extLst>
+            </p:cNvPr>
+            <p:cNvPicPr>
+              <a:picLocks noChangeArrowheads="1"/>
+            </p:cNvPicPr>
+            <p:nvPr/>
+          </p:nvPicPr>
+          <p:blipFill rotWithShape="1">
+            <a:blip r:embed="rId2">
+              <a:clrChange>
+                <a:clrFrom>
+                  <a:srgbClr val="000000"/>
+                </a:clrFrom>
+                <a:clrTo>
+                  <a:srgbClr val="000000">
+                    <a:alpha val="0"/>
+                  </a:srgbClr>
+                </a:clrTo>
+              </a:clrChange>
+              <a:extLst>
+                <a:ext uri="{28A0092B-C50C-407E-A947-70E740481C1C}">
+                  <a14:useLocalDpi xmlns:a14="http://schemas.microsoft.com/office/drawing/2010/main" val="0"/>
+                </a:ext>
+              </a:extLst>
+            </a:blip>
+            <a:srcRect l="39323" t="43581" r="59826" b="39566"/>
+            <a:stretch/>
+          </p:blipFill>
+          <p:spPr bwMode="auto">
+            <a:xfrm>
+              <a:off x="2500453" y="1274905"/>
+              <a:ext cx="36000" cy="367200"/>
+            </a:xfrm>
+            <a:prstGeom prst="rect">
+              <a:avLst/>
+            </a:prstGeom>
+            <a:noFill/>
+            <a:extLst>
+              <a:ext uri="{909E8E84-426E-40DD-AFC4-6F175D3DCCD1}">
+                <a14:hiddenFill xmlns:a14="http://schemas.microsoft.com/office/drawing/2010/main">
+                  <a:solidFill>
+                    <a:srgbClr val="FFFFFF"/>
+                  </a:solidFill>
+                </a14:hiddenFill>
+              </a:ext>
+            </a:extLst>
+          </p:spPr>
+        </p:pic>
+        <p:grpSp>
+          <p:nvGrpSpPr>
+            <p:cNvPr id="41" name="그룹 40">
+              <a:extLst>
+                <a:ext uri="{FF2B5EF4-FFF2-40B4-BE49-F238E27FC236}">
+                  <a16:creationId xmlns:a16="http://schemas.microsoft.com/office/drawing/2014/main" id="{8E476F4B-E0EA-EC9F-1EAB-2F5140C4DEF5}"/>
+                </a:ext>
+              </a:extLst>
+            </p:cNvPr>
+            <p:cNvGrpSpPr/>
+            <p:nvPr/>
+          </p:nvGrpSpPr>
+          <p:grpSpPr>
+            <a:xfrm>
+              <a:off x="2536453" y="1287843"/>
+              <a:ext cx="2795662" cy="343894"/>
+              <a:chOff x="4774676" y="2919518"/>
+              <a:chExt cx="2734338" cy="336351"/>
+            </a:xfrm>
+          </p:grpSpPr>
+          <p:sp>
+            <p:nvSpPr>
+              <p:cNvPr id="43" name="직사각형 42">
+                <a:extLst>
+                  <a:ext uri="{FF2B5EF4-FFF2-40B4-BE49-F238E27FC236}">
+                    <a16:creationId xmlns:a16="http://schemas.microsoft.com/office/drawing/2014/main" id="{CF307547-FF07-5118-3657-E01557EB62B1}"/>
+                  </a:ext>
+                </a:extLst>
+              </p:cNvPr>
+              <p:cNvSpPr>
+                <a:spLocks/>
+              </p:cNvSpPr>
+              <p:nvPr/>
+            </p:nvSpPr>
+            <p:spPr>
+              <a:xfrm>
+                <a:off x="4774676" y="2919518"/>
+                <a:ext cx="2734338" cy="336351"/>
+              </a:xfrm>
+              <a:prstGeom prst="rect">
+                <a:avLst/>
+              </a:prstGeom>
+              <a:gradFill flip="none" rotWithShape="1">
+                <a:gsLst>
+                  <a:gs pos="59000">
+                    <a:srgbClr val="1A1810">
+                      <a:alpha val="70000"/>
+                    </a:srgbClr>
+                  </a:gs>
+                  <a:gs pos="3000">
+                    <a:srgbClr val="1A1810">
+                      <a:alpha val="90000"/>
+                    </a:srgbClr>
+                  </a:gs>
+                  <a:gs pos="100000">
+                    <a:srgbClr val="1A1810">
+                      <a:alpha val="0"/>
+                    </a:srgbClr>
+                  </a:gs>
+                </a:gsLst>
+                <a:lin ang="0" scaled="1"/>
+                <a:tileRect/>
+              </a:gradFill>
+              <a:ln>
+                <a:noFill/>
+              </a:ln>
+              <a:effectLst/>
+            </p:spPr>
+            <p:style>
+              <a:lnRef idx="2">
+                <a:schemeClr val="accent1">
+                  <a:shade val="15000"/>
+                </a:schemeClr>
+              </a:lnRef>
+              <a:fillRef idx="1">
+                <a:schemeClr val="accent1"/>
+              </a:fillRef>
+              <a:effectRef idx="0">
+                <a:schemeClr val="accent1"/>
+              </a:effectRef>
+              <a:fontRef idx="minor">
+                <a:schemeClr val="lt1"/>
+              </a:fontRef>
+            </p:style>
+            <p:txBody>
+              <a:bodyPr rtlCol="0" anchor="ctr"/>
+              <a:lstStyle/>
+              <a:p>
+                <a:pPr algn="ctr"/>
+                <a:endParaRPr lang="ko-KR" altLang="en-US" dirty="0"/>
+              </a:p>
+            </p:txBody>
+          </p:sp>
+          <p:cxnSp>
+            <p:nvCxnSpPr>
+              <p:cNvPr id="44" name="직선 연결선 43">
+                <a:extLst>
+                  <a:ext uri="{FF2B5EF4-FFF2-40B4-BE49-F238E27FC236}">
+                    <a16:creationId xmlns:a16="http://schemas.microsoft.com/office/drawing/2014/main" id="{34112FAE-1654-70C4-35B3-5611459585FA}"/>
+                  </a:ext>
+                </a:extLst>
+              </p:cNvPr>
+              <p:cNvCxnSpPr>
+                <a:cxnSpLocks/>
+              </p:cNvCxnSpPr>
+              <p:nvPr/>
+            </p:nvCxnSpPr>
+            <p:spPr>
+              <a:xfrm flipH="1">
+                <a:off x="4774676" y="3255869"/>
+                <a:ext cx="2734338" cy="0"/>
+              </a:xfrm>
+              <a:prstGeom prst="line">
+                <a:avLst/>
+              </a:prstGeom>
+              <a:ln>
+                <a:gradFill flip="none" rotWithShape="1">
+                  <a:gsLst>
+                    <a:gs pos="0">
+                      <a:srgbClr val="33332B"/>
+                    </a:gs>
+                    <a:gs pos="31000">
+                      <a:srgbClr val="33332B">
+                        <a:alpha val="70000"/>
+                      </a:srgbClr>
+                    </a:gs>
+                    <a:gs pos="54000">
+                      <a:srgbClr val="33332B">
+                        <a:alpha val="30000"/>
+                      </a:srgbClr>
+                    </a:gs>
+                    <a:gs pos="100000">
+                      <a:srgbClr val="33332B">
+                        <a:alpha val="0"/>
+                      </a:srgbClr>
+                    </a:gs>
+                  </a:gsLst>
+                  <a:lin ang="10800000" scaled="1"/>
+                  <a:tileRect/>
+                </a:gradFill>
+              </a:ln>
+            </p:spPr>
+            <p:style>
+              <a:lnRef idx="2">
+                <a:schemeClr val="accent1"/>
+              </a:lnRef>
+              <a:fillRef idx="0">
+                <a:schemeClr val="accent1"/>
+              </a:fillRef>
+              <a:effectRef idx="1">
+                <a:schemeClr val="accent1"/>
+              </a:effectRef>
+              <a:fontRef idx="minor">
+                <a:schemeClr val="tx1"/>
+              </a:fontRef>
+            </p:style>
+          </p:cxnSp>
+          <p:cxnSp>
+            <p:nvCxnSpPr>
+              <p:cNvPr id="45" name="직선 연결선 44">
+                <a:extLst>
+                  <a:ext uri="{FF2B5EF4-FFF2-40B4-BE49-F238E27FC236}">
+                    <a16:creationId xmlns:a16="http://schemas.microsoft.com/office/drawing/2014/main" id="{2155266F-A7A3-A660-CC13-1D9AFA554A48}"/>
+                  </a:ext>
+                </a:extLst>
+              </p:cNvPr>
+              <p:cNvCxnSpPr>
+                <a:cxnSpLocks/>
+              </p:cNvCxnSpPr>
+              <p:nvPr/>
+            </p:nvCxnSpPr>
+            <p:spPr>
+              <a:xfrm flipH="1">
+                <a:off x="4774676" y="2919518"/>
+                <a:ext cx="2734338" cy="0"/>
+              </a:xfrm>
+              <a:prstGeom prst="line">
+                <a:avLst/>
+              </a:prstGeom>
+              <a:ln>
+                <a:gradFill flip="none" rotWithShape="1">
+                  <a:gsLst>
+                    <a:gs pos="0">
+                      <a:srgbClr val="33332B"/>
+                    </a:gs>
+                    <a:gs pos="31000">
+                      <a:srgbClr val="33332B">
+                        <a:alpha val="70000"/>
+                      </a:srgbClr>
+                    </a:gs>
+                    <a:gs pos="54000">
+                      <a:srgbClr val="33332B">
+                        <a:alpha val="30000"/>
+                      </a:srgbClr>
+                    </a:gs>
+                    <a:gs pos="100000">
+                      <a:srgbClr val="33332B">
+                        <a:alpha val="0"/>
+                      </a:srgbClr>
+                    </a:gs>
+                  </a:gsLst>
+                  <a:lin ang="10800000" scaled="1"/>
+                  <a:tileRect/>
+                </a:gradFill>
+              </a:ln>
+            </p:spPr>
+            <p:style>
+              <a:lnRef idx="2">
+                <a:schemeClr val="accent1"/>
+              </a:lnRef>
+              <a:fillRef idx="0">
+                <a:schemeClr val="accent1"/>
+              </a:fillRef>
+              <a:effectRef idx="1">
+                <a:schemeClr val="accent1"/>
+              </a:effectRef>
+              <a:fontRef idx="minor">
+                <a:schemeClr val="tx1"/>
+              </a:fontRef>
+            </p:style>
+          </p:cxnSp>
+        </p:grpSp>
+        <p:sp>
+          <p:nvSpPr>
+            <p:cNvPr id="42" name="TextBox 41">
+              <a:extLst>
+                <a:ext uri="{FF2B5EF4-FFF2-40B4-BE49-F238E27FC236}">
+                  <a16:creationId xmlns:a16="http://schemas.microsoft.com/office/drawing/2014/main" id="{4382A8EB-2682-9DF2-F893-04CC0977201F}"/>
+                </a:ext>
+              </a:extLst>
+            </p:cNvPr>
+            <p:cNvSpPr txBox="1"/>
+            <p:nvPr/>
+          </p:nvSpPr>
+          <p:spPr>
+            <a:xfrm>
+              <a:off x="2554184" y="1328985"/>
+              <a:ext cx="889987" cy="261610"/>
+            </a:xfrm>
+            <a:prstGeom prst="rect">
+              <a:avLst/>
+            </a:prstGeom>
+            <a:noFill/>
+          </p:spPr>
+          <p:txBody>
+            <a:bodyPr wrap="none" rtlCol="0">
+              <a:spAutoFit/>
+            </a:bodyPr>
+            <a:lstStyle/>
+            <a:p>
+              <a:r>
+                <a:rPr lang="ko-KR" altLang="en-US" sz="1100" b="1" dirty="0">
+                  <a:solidFill>
+                    <a:schemeClr val="bg1"/>
+                  </a:solidFill>
+                  <a:effectLst>
+                    <a:glow rad="101600">
+                      <a:schemeClr val="tx1">
+                        <a:alpha val="60000"/>
+                      </a:schemeClr>
+                    </a:glow>
+                  </a:effectLst>
+                  <a:latin typeface="나눔고딕" panose="020D0604000000000000" pitchFamily="50" charset="-127"/>
+                  <a:ea typeface="나눔고딕" panose="020D0604000000000000" pitchFamily="50" charset="-127"/>
+                </a:rPr>
+                <a:t>다양한 조합</a:t>
+              </a:r>
+            </a:p>
+          </p:txBody>
+        </p:sp>
+      </p:grpSp>
+      <p:grpSp>
+        <p:nvGrpSpPr>
+          <p:cNvPr id="46" name="그룹 45">
+            <a:extLst>
+              <a:ext uri="{FF2B5EF4-FFF2-40B4-BE49-F238E27FC236}">
+                <a16:creationId xmlns:a16="http://schemas.microsoft.com/office/drawing/2014/main" id="{0AE4ED9F-08AD-89E5-9B7D-C0F7BA92FD38}"/>
+              </a:ext>
+            </a:extLst>
+          </p:cNvPr>
+          <p:cNvGrpSpPr/>
+          <p:nvPr/>
+        </p:nvGrpSpPr>
+        <p:grpSpPr>
+          <a:xfrm>
+            <a:off x="1992916" y="4181500"/>
+            <a:ext cx="2831662" cy="367200"/>
+            <a:chOff x="2500453" y="1274905"/>
+            <a:chExt cx="2831662" cy="367200"/>
+          </a:xfrm>
+        </p:grpSpPr>
+        <p:pic>
+          <p:nvPicPr>
+            <p:cNvPr id="47" name="Picture 4">
+              <a:extLst>
+                <a:ext uri="{FF2B5EF4-FFF2-40B4-BE49-F238E27FC236}">
+                  <a16:creationId xmlns:a16="http://schemas.microsoft.com/office/drawing/2014/main" id="{849318A8-B8E3-0B26-EAC4-0A5B1C865085}"/>
+                </a:ext>
+              </a:extLst>
+            </p:cNvPr>
+            <p:cNvPicPr>
+              <a:picLocks noChangeArrowheads="1"/>
+            </p:cNvPicPr>
+            <p:nvPr/>
+          </p:nvPicPr>
+          <p:blipFill rotWithShape="1">
+            <a:blip r:embed="rId2">
+              <a:clrChange>
+                <a:clrFrom>
+                  <a:srgbClr val="000000"/>
+                </a:clrFrom>
+                <a:clrTo>
+                  <a:srgbClr val="000000">
+                    <a:alpha val="0"/>
+                  </a:srgbClr>
+                </a:clrTo>
+              </a:clrChange>
+              <a:extLst>
+                <a:ext uri="{28A0092B-C50C-407E-A947-70E740481C1C}">
+                  <a14:useLocalDpi xmlns:a14="http://schemas.microsoft.com/office/drawing/2010/main" val="0"/>
+                </a:ext>
+              </a:extLst>
+            </a:blip>
+            <a:srcRect l="39323" t="43581" r="59826" b="39566"/>
+            <a:stretch/>
+          </p:blipFill>
+          <p:spPr bwMode="auto">
+            <a:xfrm>
+              <a:off x="2500453" y="1274905"/>
+              <a:ext cx="36000" cy="367200"/>
+            </a:xfrm>
+            <a:prstGeom prst="rect">
+              <a:avLst/>
+            </a:prstGeom>
+            <a:noFill/>
+            <a:extLst>
+              <a:ext uri="{909E8E84-426E-40DD-AFC4-6F175D3DCCD1}">
+                <a14:hiddenFill xmlns:a14="http://schemas.microsoft.com/office/drawing/2010/main">
+                  <a:solidFill>
+                    <a:srgbClr val="FFFFFF"/>
+                  </a:solidFill>
+                </a14:hiddenFill>
+              </a:ext>
+            </a:extLst>
+          </p:spPr>
+        </p:pic>
+        <p:grpSp>
+          <p:nvGrpSpPr>
+            <p:cNvPr id="48" name="그룹 47">
+              <a:extLst>
+                <a:ext uri="{FF2B5EF4-FFF2-40B4-BE49-F238E27FC236}">
+                  <a16:creationId xmlns:a16="http://schemas.microsoft.com/office/drawing/2014/main" id="{D7E46BAC-6919-A0B1-7B5F-9094A9897FDD}"/>
+                </a:ext>
+              </a:extLst>
+            </p:cNvPr>
+            <p:cNvGrpSpPr/>
+            <p:nvPr/>
+          </p:nvGrpSpPr>
+          <p:grpSpPr>
+            <a:xfrm>
+              <a:off x="2536453" y="1287843"/>
+              <a:ext cx="2795662" cy="343894"/>
+              <a:chOff x="4774676" y="2919518"/>
+              <a:chExt cx="2734338" cy="336351"/>
+            </a:xfrm>
+          </p:grpSpPr>
+          <p:sp>
+            <p:nvSpPr>
+              <p:cNvPr id="52" name="직사각형 51">
+                <a:extLst>
+                  <a:ext uri="{FF2B5EF4-FFF2-40B4-BE49-F238E27FC236}">
+                    <a16:creationId xmlns:a16="http://schemas.microsoft.com/office/drawing/2014/main" id="{37C449E1-25F5-B651-4A96-80B5451C62D9}"/>
+                  </a:ext>
+                </a:extLst>
+              </p:cNvPr>
+              <p:cNvSpPr>
+                <a:spLocks/>
+              </p:cNvSpPr>
+              <p:nvPr/>
+            </p:nvSpPr>
+            <p:spPr>
+              <a:xfrm>
+                <a:off x="4774676" y="2919518"/>
+                <a:ext cx="2734338" cy="336351"/>
+              </a:xfrm>
+              <a:prstGeom prst="rect">
+                <a:avLst/>
+              </a:prstGeom>
+              <a:gradFill flip="none" rotWithShape="1">
+                <a:gsLst>
+                  <a:gs pos="59000">
+                    <a:srgbClr val="1A1810">
+                      <a:alpha val="70000"/>
+                    </a:srgbClr>
+                  </a:gs>
+                  <a:gs pos="3000">
+                    <a:srgbClr val="1A1810">
+                      <a:alpha val="90000"/>
+                    </a:srgbClr>
+                  </a:gs>
+                  <a:gs pos="100000">
+                    <a:srgbClr val="1A1810">
+                      <a:alpha val="0"/>
+                    </a:srgbClr>
+                  </a:gs>
+                </a:gsLst>
+                <a:lin ang="0" scaled="1"/>
+                <a:tileRect/>
+              </a:gradFill>
+              <a:ln>
+                <a:noFill/>
+              </a:ln>
+              <a:effectLst/>
+            </p:spPr>
+            <p:style>
+              <a:lnRef idx="2">
+                <a:schemeClr val="accent1">
+                  <a:shade val="15000"/>
+                </a:schemeClr>
+              </a:lnRef>
+              <a:fillRef idx="1">
+                <a:schemeClr val="accent1"/>
+              </a:fillRef>
+              <a:effectRef idx="0">
+                <a:schemeClr val="accent1"/>
+              </a:effectRef>
+              <a:fontRef idx="minor">
+                <a:schemeClr val="lt1"/>
+              </a:fontRef>
+            </p:style>
+            <p:txBody>
+              <a:bodyPr rtlCol="0" anchor="ctr"/>
+              <a:lstStyle/>
+              <a:p>
+                <a:pPr algn="ctr"/>
+                <a:endParaRPr lang="ko-KR" altLang="en-US" dirty="0"/>
+              </a:p>
+            </p:txBody>
+          </p:sp>
+          <p:cxnSp>
+            <p:nvCxnSpPr>
+              <p:cNvPr id="53" name="직선 연결선 52">
+                <a:extLst>
+                  <a:ext uri="{FF2B5EF4-FFF2-40B4-BE49-F238E27FC236}">
+                    <a16:creationId xmlns:a16="http://schemas.microsoft.com/office/drawing/2014/main" id="{C742542D-77ED-A242-2941-CBA9190C154E}"/>
+                  </a:ext>
+                </a:extLst>
+              </p:cNvPr>
+              <p:cNvCxnSpPr>
+                <a:cxnSpLocks/>
+              </p:cNvCxnSpPr>
+              <p:nvPr/>
+            </p:nvCxnSpPr>
+            <p:spPr>
+              <a:xfrm flipH="1">
+                <a:off x="4774676" y="3255869"/>
+                <a:ext cx="2734338" cy="0"/>
+              </a:xfrm>
+              <a:prstGeom prst="line">
+                <a:avLst/>
+              </a:prstGeom>
+              <a:ln>
+                <a:gradFill flip="none" rotWithShape="1">
+                  <a:gsLst>
+                    <a:gs pos="0">
+                      <a:srgbClr val="33332B"/>
+                    </a:gs>
+                    <a:gs pos="31000">
+                      <a:srgbClr val="33332B">
+                        <a:alpha val="70000"/>
+                      </a:srgbClr>
+                    </a:gs>
+                    <a:gs pos="54000">
+                      <a:srgbClr val="33332B">
+                        <a:alpha val="30000"/>
+                      </a:srgbClr>
+                    </a:gs>
+                    <a:gs pos="100000">
+                      <a:srgbClr val="33332B">
+                        <a:alpha val="0"/>
+                      </a:srgbClr>
+                    </a:gs>
+                  </a:gsLst>
+                  <a:lin ang="10800000" scaled="1"/>
+                  <a:tileRect/>
+                </a:gradFill>
+              </a:ln>
+            </p:spPr>
+            <p:style>
+              <a:lnRef idx="2">
+                <a:schemeClr val="accent1"/>
+              </a:lnRef>
+              <a:fillRef idx="0">
+                <a:schemeClr val="accent1"/>
+              </a:fillRef>
+              <a:effectRef idx="1">
+                <a:schemeClr val="accent1"/>
+              </a:effectRef>
+              <a:fontRef idx="minor">
+                <a:schemeClr val="tx1"/>
+              </a:fontRef>
+            </p:style>
+          </p:cxnSp>
+          <p:cxnSp>
+            <p:nvCxnSpPr>
+              <p:cNvPr id="55" name="직선 연결선 54">
+                <a:extLst>
+                  <a:ext uri="{FF2B5EF4-FFF2-40B4-BE49-F238E27FC236}">
+                    <a16:creationId xmlns:a16="http://schemas.microsoft.com/office/drawing/2014/main" id="{DB72299A-469B-63E2-35CF-8373857FF161}"/>
+                  </a:ext>
+                </a:extLst>
+              </p:cNvPr>
+              <p:cNvCxnSpPr>
+                <a:cxnSpLocks/>
+              </p:cNvCxnSpPr>
+              <p:nvPr/>
+            </p:nvCxnSpPr>
+            <p:spPr>
+              <a:xfrm flipH="1">
+                <a:off x="4774676" y="2919518"/>
+                <a:ext cx="2734338" cy="0"/>
+              </a:xfrm>
+              <a:prstGeom prst="line">
+                <a:avLst/>
+              </a:prstGeom>
+              <a:ln>
+                <a:gradFill flip="none" rotWithShape="1">
+                  <a:gsLst>
+                    <a:gs pos="0">
+                      <a:srgbClr val="33332B"/>
+                    </a:gs>
+                    <a:gs pos="31000">
+                      <a:srgbClr val="33332B">
+                        <a:alpha val="70000"/>
+                      </a:srgbClr>
+                    </a:gs>
+                    <a:gs pos="54000">
+                      <a:srgbClr val="33332B">
+                        <a:alpha val="30000"/>
+                      </a:srgbClr>
+                    </a:gs>
+                    <a:gs pos="100000">
+                      <a:srgbClr val="33332B">
+                        <a:alpha val="0"/>
+                      </a:srgbClr>
+                    </a:gs>
+                  </a:gsLst>
+                  <a:lin ang="10800000" scaled="1"/>
+                  <a:tileRect/>
+                </a:gradFill>
+              </a:ln>
+            </p:spPr>
+            <p:style>
+              <a:lnRef idx="2">
+                <a:schemeClr val="accent1"/>
+              </a:lnRef>
+              <a:fillRef idx="0">
+                <a:schemeClr val="accent1"/>
+              </a:fillRef>
+              <a:effectRef idx="1">
+                <a:schemeClr val="accent1"/>
+              </a:effectRef>
+              <a:fontRef idx="minor">
+                <a:schemeClr val="tx1"/>
+              </a:fontRef>
+            </p:style>
+          </p:cxnSp>
+        </p:grpSp>
+        <p:sp>
+          <p:nvSpPr>
+            <p:cNvPr id="49" name="TextBox 48">
+              <a:extLst>
+                <a:ext uri="{FF2B5EF4-FFF2-40B4-BE49-F238E27FC236}">
+                  <a16:creationId xmlns:a16="http://schemas.microsoft.com/office/drawing/2014/main" id="{06D1AFA0-4B4B-39B0-56FF-2BFE96F664F7}"/>
+                </a:ext>
+              </a:extLst>
+            </p:cNvPr>
+            <p:cNvSpPr txBox="1"/>
+            <p:nvPr/>
+          </p:nvSpPr>
+          <p:spPr>
+            <a:xfrm>
+              <a:off x="2554184" y="1328985"/>
+              <a:ext cx="1063112" cy="261610"/>
+            </a:xfrm>
+            <a:prstGeom prst="rect">
+              <a:avLst/>
+            </a:prstGeom>
+            <a:noFill/>
+          </p:spPr>
+          <p:txBody>
+            <a:bodyPr wrap="none" rtlCol="0">
+              <a:spAutoFit/>
+            </a:bodyPr>
+            <a:lstStyle/>
+            <a:p>
+              <a:r>
+                <a:rPr lang="ko-KR" altLang="en-US" sz="1100" b="1" dirty="0">
+                  <a:solidFill>
+                    <a:schemeClr val="bg1"/>
+                  </a:solidFill>
+                  <a:effectLst>
+                    <a:glow rad="101600">
+                      <a:schemeClr val="tx1">
+                        <a:alpha val="60000"/>
+                      </a:schemeClr>
+                    </a:glow>
+                  </a:effectLst>
+                  <a:latin typeface="나눔고딕" panose="020D0604000000000000" pitchFamily="50" charset="-127"/>
+                  <a:ea typeface="나눔고딕" panose="020D0604000000000000" pitchFamily="50" charset="-127"/>
+                </a:rPr>
+                <a:t>수집 욕구 자극</a:t>
+              </a:r>
+            </a:p>
+          </p:txBody>
+        </p:sp>
+      </p:grpSp>
+      <p:sp>
+        <p:nvSpPr>
+          <p:cNvPr id="56" name="TextBox 55">
+            <a:extLst>
+              <a:ext uri="{FF2B5EF4-FFF2-40B4-BE49-F238E27FC236}">
+                <a16:creationId xmlns:a16="http://schemas.microsoft.com/office/drawing/2014/main" id="{2774E442-180B-F9A9-1092-B296988D9ED1}"/>
+              </a:ext>
+            </a:extLst>
+          </p:cNvPr>
+          <p:cNvSpPr txBox="1"/>
+          <p:nvPr/>
+        </p:nvSpPr>
+        <p:spPr>
+          <a:xfrm>
+            <a:off x="2205525" y="4659969"/>
+            <a:ext cx="5868914" cy="553998"/>
+          </a:xfrm>
+          <a:prstGeom prst="rect">
+            <a:avLst/>
+          </a:prstGeom>
+          <a:noFill/>
+        </p:spPr>
+        <p:txBody>
+          <a:bodyPr wrap="none" rtlCol="0">
+            <a:spAutoFit/>
+          </a:bodyPr>
+          <a:lstStyle/>
+          <a:p>
+            <a:pPr marL="171450" indent="-171450">
+              <a:buFontTx/>
+              <a:buChar char="-"/>
+            </a:pPr>
+            <a:r>
+              <a:rPr lang="ko-KR" altLang="en-US" sz="1000" dirty="0">
+                <a:solidFill>
+                  <a:schemeClr val="bg1"/>
+                </a:solidFill>
+                <a:latin typeface="나눔고딕" panose="020D0604000000000000" pitchFamily="50" charset="-127"/>
+                <a:ea typeface="나눔고딕" panose="020D0604000000000000" pitchFamily="50" charset="-127"/>
+              </a:rPr>
+              <a:t>특정 무기는 고정된 전투 기술이 있어 무기에 전회를 부여할 수 없습니다</a:t>
+            </a:r>
+            <a:r>
+              <a:rPr lang="en-US" altLang="ko-KR" sz="1000" dirty="0">
+                <a:solidFill>
+                  <a:schemeClr val="bg1"/>
+                </a:solidFill>
+                <a:latin typeface="나눔고딕" panose="020D0604000000000000" pitchFamily="50" charset="-127"/>
+                <a:ea typeface="나눔고딕" panose="020D0604000000000000" pitchFamily="50" charset="-127"/>
+              </a:rPr>
+              <a:t>.</a:t>
+            </a:r>
+          </a:p>
+          <a:p>
+            <a:pPr marL="171450" indent="-171450">
+              <a:buFontTx/>
+              <a:buChar char="-"/>
+            </a:pPr>
+            <a:endParaRPr lang="en-US" altLang="ko-KR" sz="1000" dirty="0">
+              <a:solidFill>
+                <a:schemeClr val="bg1"/>
+              </a:solidFill>
+              <a:latin typeface="나눔고딕" panose="020D0604000000000000" pitchFamily="50" charset="-127"/>
+              <a:ea typeface="나눔고딕" panose="020D0604000000000000" pitchFamily="50" charset="-127"/>
+            </a:endParaRPr>
+          </a:p>
+          <a:p>
+            <a:pPr marL="171450" indent="-171450">
+              <a:buFontTx/>
+              <a:buChar char="-"/>
+            </a:pPr>
+            <a:r>
+              <a:rPr lang="ko-KR" altLang="en-US" sz="1000" dirty="0">
+                <a:solidFill>
+                  <a:schemeClr val="bg1"/>
+                </a:solidFill>
+                <a:latin typeface="나눔고딕" panose="020D0604000000000000" pitchFamily="50" charset="-127"/>
+                <a:ea typeface="나눔고딕" panose="020D0604000000000000" pitchFamily="50" charset="-127"/>
+              </a:rPr>
+              <a:t>무기의 특별함과 희귀성을 강조하여 수집 욕구를 자극하고 획득 시 얻는 성취감과 만족감을 높여줍니다</a:t>
+            </a:r>
+            <a:r>
+              <a:rPr lang="en-US" altLang="ko-KR" sz="1000" dirty="0">
+                <a:solidFill>
+                  <a:schemeClr val="bg1"/>
+                </a:solidFill>
+                <a:latin typeface="나눔고딕" panose="020D0604000000000000" pitchFamily="50" charset="-127"/>
+                <a:ea typeface="나눔고딕" panose="020D0604000000000000" pitchFamily="50" charset="-127"/>
+              </a:rPr>
+              <a:t>.</a:t>
+            </a:r>
+          </a:p>
+        </p:txBody>
+      </p:sp>
+    </p:spTree>
+    <p:extLst>
+      <p:ext uri="{BB962C8B-B14F-4D97-AF65-F5344CB8AC3E}">
+        <p14:creationId xmlns:p14="http://schemas.microsoft.com/office/powerpoint/2010/main" val="429486387"/>
+      </p:ext>
+    </p:extLst>
+  </p:cSld>
+  <p:clrMapOvr>
+    <a:masterClrMapping/>
+  </p:clrMapOvr>
+</p:sld>
+</file>
+
+<file path=ppt/slides/slide4.xml><?xml version="1.0" encoding="utf-8"?>
+<p:sld xmlns:a="http://schemas.openxmlformats.org/drawingml/2006/main" xmlns:r="http://schemas.openxmlformats.org/officeDocument/2006/relationships" xmlns:p="http://schemas.openxmlformats.org/presentationml/2006/main">
+  <p:cSld>
+    <p:spTree>
+      <p:nvGrpSpPr>
+        <p:cNvPr id="1" name=""/>
+        <p:cNvGrpSpPr/>
+        <p:nvPr/>
+      </p:nvGrpSpPr>
+      <p:grpSpPr>
+        <a:xfrm>
+          <a:off x="0" y="0"/>
+          <a:ext cx="0" cy="0"/>
+          <a:chOff x="0" y="0"/>
+          <a:chExt cx="0" cy="0"/>
+        </a:xfrm>
+      </p:grpSpPr>
+      <p:sp>
+        <p:nvSpPr>
+          <p:cNvPr id="2" name="슬라이드 번호 개체 틀 1">
+            <a:extLst>
+              <a:ext uri="{FF2B5EF4-FFF2-40B4-BE49-F238E27FC236}">
+                <a16:creationId xmlns:a16="http://schemas.microsoft.com/office/drawing/2014/main" id="{F755D072-7BC0-EC79-23C1-76878716AE43}"/>
+              </a:ext>
+            </a:extLst>
+          </p:cNvPr>
+          <p:cNvSpPr>
+            <a:spLocks noGrp="1"/>
+          </p:cNvSpPr>
+          <p:nvPr>
+            <p:ph type="sldNum" sz="quarter" idx="4"/>
+          </p:nvPr>
+        </p:nvSpPr>
+        <p:spPr/>
+        <p:txBody>
+          <a:bodyPr/>
+          <a:lstStyle/>
+          <a:p>
+            <a:r>
+              <a:rPr lang="en-US" altLang="ko-KR"/>
+              <a:t>p. </a:t>
+            </a:r>
+            <a:fld id="{1F335F12-2F84-4C53-9DF5-2927535D2C2D}" type="slidenum">
+              <a:rPr lang="ko-KR" altLang="en-US" smtClean="0"/>
+              <a:pPr/>
+              <a:t>4</a:t>
+            </a:fld>
+            <a:r>
+              <a:rPr lang="en-US" altLang="ko-KR"/>
+              <a:t>/20</a:t>
+            </a:r>
+            <a:endParaRPr lang="ko-KR" altLang="en-US" dirty="0"/>
+          </a:p>
+        </p:txBody>
+      </p:sp>
+      <p:grpSp>
+        <p:nvGrpSpPr>
+          <p:cNvPr id="8" name="그룹 7">
+            <a:extLst>
+              <a:ext uri="{FF2B5EF4-FFF2-40B4-BE49-F238E27FC236}">
+                <a16:creationId xmlns:a16="http://schemas.microsoft.com/office/drawing/2014/main" id="{EB093D60-95F6-9C97-0D3B-BE7E7744CCE6}"/>
+              </a:ext>
+            </a:extLst>
+          </p:cNvPr>
+          <p:cNvGrpSpPr/>
+          <p:nvPr/>
+        </p:nvGrpSpPr>
+        <p:grpSpPr>
+          <a:xfrm>
+            <a:off x="1704516" y="219855"/>
+            <a:ext cx="10487484" cy="392234"/>
+            <a:chOff x="1704516" y="219855"/>
+            <a:chExt cx="10487484" cy="392234"/>
+          </a:xfrm>
+        </p:grpSpPr>
+        <p:grpSp>
+          <p:nvGrpSpPr>
+            <p:cNvPr id="9" name="그룹 8">
+              <a:extLst>
+                <a:ext uri="{FF2B5EF4-FFF2-40B4-BE49-F238E27FC236}">
+                  <a16:creationId xmlns:a16="http://schemas.microsoft.com/office/drawing/2014/main" id="{567BCCB7-3D64-5691-C894-4060621254EA}"/>
+                </a:ext>
+              </a:extLst>
+            </p:cNvPr>
+            <p:cNvGrpSpPr/>
+            <p:nvPr/>
+          </p:nvGrpSpPr>
+          <p:grpSpPr>
+            <a:xfrm>
+              <a:off x="1704516" y="219855"/>
+              <a:ext cx="10487484" cy="392234"/>
+              <a:chOff x="1704516" y="219855"/>
+              <a:chExt cx="10487484" cy="392234"/>
+            </a:xfrm>
+          </p:grpSpPr>
+          <p:sp>
+            <p:nvSpPr>
+              <p:cNvPr id="11" name="직사각형 10">
+                <a:extLst>
+                  <a:ext uri="{FF2B5EF4-FFF2-40B4-BE49-F238E27FC236}">
+                    <a16:creationId xmlns:a16="http://schemas.microsoft.com/office/drawing/2014/main" id="{23ADFC2C-9F49-B1E1-D9D4-DDF40FB66BE3}"/>
+                  </a:ext>
+                </a:extLst>
+              </p:cNvPr>
+              <p:cNvSpPr>
+                <a:spLocks/>
+              </p:cNvSpPr>
+              <p:nvPr/>
+            </p:nvSpPr>
+            <p:spPr>
+              <a:xfrm>
+                <a:off x="1704516" y="219855"/>
+                <a:ext cx="10487484" cy="392234"/>
+              </a:xfrm>
+              <a:prstGeom prst="rect">
+                <a:avLst/>
+              </a:prstGeom>
+              <a:gradFill flip="none" rotWithShape="1">
+                <a:gsLst>
+                  <a:gs pos="58000">
+                    <a:srgbClr val="464437">
+                      <a:alpha val="70000"/>
+                    </a:srgbClr>
+                  </a:gs>
+                  <a:gs pos="2000">
+                    <a:srgbClr val="464437">
+                      <a:alpha val="80000"/>
+                    </a:srgbClr>
+                  </a:gs>
+                  <a:gs pos="100000">
+                    <a:srgbClr val="48443A">
+                      <a:alpha val="30000"/>
+                    </a:srgbClr>
+                  </a:gs>
+                </a:gsLst>
+                <a:lin ang="0" scaled="1"/>
+                <a:tileRect/>
+              </a:gradFill>
+              <a:ln>
+                <a:noFill/>
+              </a:ln>
+            </p:spPr>
+            <p:style>
+              <a:lnRef idx="2">
+                <a:schemeClr val="accent1">
+                  <a:shade val="15000"/>
+                </a:schemeClr>
+              </a:lnRef>
+              <a:fillRef idx="1">
+                <a:schemeClr val="accent1"/>
+              </a:fillRef>
+              <a:effectRef idx="0">
+                <a:schemeClr val="accent1"/>
+              </a:effectRef>
+              <a:fontRef idx="minor">
+                <a:schemeClr val="lt1"/>
+              </a:fontRef>
+            </p:style>
+            <p:txBody>
+              <a:bodyPr rtlCol="0" anchor="ctr"/>
+              <a:lstStyle/>
+              <a:p>
+                <a:pPr algn="ctr"/>
+                <a:endParaRPr lang="ko-KR" altLang="en-US" dirty="0"/>
+              </a:p>
+            </p:txBody>
+          </p:sp>
+          <p:cxnSp>
+            <p:nvCxnSpPr>
+              <p:cNvPr id="12" name="직선 연결선 11">
+                <a:extLst>
+                  <a:ext uri="{FF2B5EF4-FFF2-40B4-BE49-F238E27FC236}">
+                    <a16:creationId xmlns:a16="http://schemas.microsoft.com/office/drawing/2014/main" id="{1ED1CD8F-0B26-E1E4-0A38-5716F54611F1}"/>
+                  </a:ext>
+                </a:extLst>
+              </p:cNvPr>
+              <p:cNvCxnSpPr>
+                <a:cxnSpLocks/>
+              </p:cNvCxnSpPr>
+              <p:nvPr/>
+            </p:nvCxnSpPr>
+            <p:spPr>
+              <a:xfrm>
+                <a:off x="1992916" y="588667"/>
+                <a:ext cx="9829562" cy="0"/>
+              </a:xfrm>
+              <a:prstGeom prst="line">
+                <a:avLst/>
+              </a:prstGeom>
+              <a:ln w="28575">
+                <a:gradFill flip="none" rotWithShape="1">
+                  <a:gsLst>
+                    <a:gs pos="0">
+                      <a:srgbClr val="464437">
+                        <a:alpha val="70000"/>
+                      </a:srgbClr>
+                    </a:gs>
+                    <a:gs pos="47000">
+                      <a:srgbClr val="464437">
+                        <a:alpha val="50000"/>
+                      </a:srgbClr>
+                    </a:gs>
+                    <a:gs pos="83000">
+                      <a:srgbClr val="464437">
+                        <a:alpha val="50000"/>
+                      </a:srgbClr>
+                    </a:gs>
+                    <a:gs pos="100000">
+                      <a:srgbClr val="464437">
+                        <a:alpha val="0"/>
+                      </a:srgbClr>
+                    </a:gs>
+                  </a:gsLst>
+                  <a:path path="circle">
+                    <a:fillToRect l="50000" t="50000" r="50000" b="50000"/>
+                  </a:path>
+                  <a:tileRect/>
+                </a:gradFill>
+              </a:ln>
+            </p:spPr>
+            <p:style>
+              <a:lnRef idx="2">
+                <a:schemeClr val="accent1"/>
+              </a:lnRef>
+              <a:fillRef idx="0">
+                <a:schemeClr val="accent1"/>
+              </a:fillRef>
+              <a:effectRef idx="1">
+                <a:schemeClr val="accent1"/>
+              </a:effectRef>
+              <a:fontRef idx="minor">
+                <a:schemeClr val="tx1"/>
+              </a:fontRef>
+            </p:style>
+          </p:cxnSp>
+        </p:grpSp>
+        <p:sp>
+          <p:nvSpPr>
+            <p:cNvPr id="10" name="TextBox 9">
+              <a:extLst>
+                <a:ext uri="{FF2B5EF4-FFF2-40B4-BE49-F238E27FC236}">
+                  <a16:creationId xmlns:a16="http://schemas.microsoft.com/office/drawing/2014/main" id="{8014CCAE-3FA1-FCE2-B0A7-C03BACD1935E}"/>
+                </a:ext>
+              </a:extLst>
+            </p:cNvPr>
+            <p:cNvSpPr txBox="1">
+              <a:spLocks/>
+            </p:cNvSpPr>
+            <p:nvPr/>
+          </p:nvSpPr>
+          <p:spPr>
+            <a:xfrm>
+              <a:off x="1704516" y="246695"/>
+              <a:ext cx="1141659" cy="338554"/>
+            </a:xfrm>
+            <a:prstGeom prst="rect">
+              <a:avLst/>
+            </a:prstGeom>
+            <a:noFill/>
+            <a:ln w="6350">
+              <a:noFill/>
+            </a:ln>
+          </p:spPr>
+          <p:txBody>
+            <a:bodyPr wrap="none" rtlCol="0">
+              <a:spAutoFit/>
+            </a:bodyPr>
+            <a:lstStyle/>
+            <a:p>
+              <a:r>
+                <a:rPr lang="en-US" altLang="ko-KR" sz="1600" dirty="0">
+                  <a:solidFill>
+                    <a:schemeClr val="bg1"/>
+                  </a:solidFill>
+                  <a:effectLst>
+                    <a:glow rad="101600">
+                      <a:schemeClr val="tx1">
+                        <a:alpha val="60000"/>
+                      </a:schemeClr>
+                    </a:glow>
+                  </a:effectLst>
+                  <a:latin typeface="빛의 계승자 Bold" panose="020B0600000101010101" pitchFamily="50" charset="-127"/>
+                  <a:ea typeface="빛의 계승자 Bold" panose="020B0600000101010101" pitchFamily="50" charset="-127"/>
+                </a:rPr>
+                <a:t>‘</a:t>
+              </a:r>
+              <a:r>
+                <a:rPr lang="ko-KR" altLang="en-US" sz="1600" dirty="0">
+                  <a:solidFill>
+                    <a:schemeClr val="bg1"/>
+                  </a:solidFill>
+                  <a:effectLst>
+                    <a:glow rad="101600">
+                      <a:schemeClr val="tx1">
+                        <a:alpha val="60000"/>
+                      </a:schemeClr>
+                    </a:glow>
+                  </a:effectLst>
+                  <a:latin typeface="빛의 계승자 Bold" panose="020B0600000101010101" pitchFamily="50" charset="-127"/>
+                  <a:ea typeface="빛의 계승자 Bold" panose="020B0600000101010101" pitchFamily="50" charset="-127"/>
+                </a:rPr>
+                <a:t>전회</a:t>
+              </a:r>
+              <a:r>
+                <a:rPr lang="en-US" altLang="ko-KR" sz="1600" dirty="0">
+                  <a:solidFill>
+                    <a:schemeClr val="bg1"/>
+                  </a:solidFill>
+                  <a:effectLst>
+                    <a:glow rad="101600">
+                      <a:schemeClr val="tx1">
+                        <a:alpha val="60000"/>
+                      </a:schemeClr>
+                    </a:glow>
+                  </a:effectLst>
+                  <a:latin typeface="빛의 계승자 Bold" panose="020B0600000101010101" pitchFamily="50" charset="-127"/>
+                  <a:ea typeface="빛의 계승자 Bold" panose="020B0600000101010101" pitchFamily="50" charset="-127"/>
+                </a:rPr>
+                <a:t>’ </a:t>
+              </a:r>
+              <a:r>
+                <a:rPr lang="ko-KR" altLang="en-US" sz="1600" dirty="0">
+                  <a:solidFill>
+                    <a:schemeClr val="bg1"/>
+                  </a:solidFill>
+                  <a:effectLst>
+                    <a:glow rad="101600">
+                      <a:schemeClr val="tx1">
+                        <a:alpha val="60000"/>
+                      </a:schemeClr>
+                    </a:glow>
+                  </a:effectLst>
+                  <a:latin typeface="빛의 계승자 Bold" panose="020B0600000101010101" pitchFamily="50" charset="-127"/>
+                  <a:ea typeface="빛의 계승자 Bold" panose="020B0600000101010101" pitchFamily="50" charset="-127"/>
+                </a:rPr>
+                <a:t>소개</a:t>
+              </a:r>
+            </a:p>
+          </p:txBody>
+        </p:sp>
+      </p:grpSp>
+      <p:sp>
+        <p:nvSpPr>
+          <p:cNvPr id="3" name="페이지 표시">
+            <a:extLst>
+              <a:ext uri="{FF2B5EF4-FFF2-40B4-BE49-F238E27FC236}">
+                <a16:creationId xmlns:a16="http://schemas.microsoft.com/office/drawing/2014/main" id="{FCBE32C8-BA7C-5DF2-7EAA-BEB2A73509C2}"/>
+              </a:ext>
+            </a:extLst>
+          </p:cNvPr>
+          <p:cNvSpPr txBox="1">
+            <a:spLocks/>
+          </p:cNvSpPr>
+          <p:nvPr/>
+        </p:nvSpPr>
+        <p:spPr>
+          <a:xfrm>
+            <a:off x="10438110" y="6696766"/>
+            <a:ext cx="880049" cy="123111"/>
+          </a:xfrm>
+          <a:prstGeom prst="rect">
+            <a:avLst/>
+          </a:prstGeom>
+          <a:noFill/>
+        </p:spPr>
+        <p:txBody>
+          <a:bodyPr wrap="none" lIns="0" tIns="0" rIns="0" bIns="0" rtlCol="0" anchor="ctr" anchorCtr="0">
+            <a:spAutoFit/>
+          </a:bodyPr>
+          <a:lstStyle/>
+          <a:p>
+            <a:pPr algn="r"/>
+            <a:r>
+              <a:rPr lang="en-US" altLang="ko-KR" sz="800" i="1" dirty="0">
+                <a:solidFill>
+                  <a:schemeClr val="bg1"/>
+                </a:solidFill>
+                <a:latin typeface="빛의 계승자 Bold" panose="020B0600000101010101" pitchFamily="50" charset="-127"/>
+                <a:ea typeface="빛의 계승자 Bold" panose="020B0600000101010101" pitchFamily="50" charset="-127"/>
+              </a:rPr>
+              <a:t>1.</a:t>
+            </a:r>
+            <a:r>
+              <a:rPr lang="ko-KR" altLang="en-US" sz="800" i="1" dirty="0">
+                <a:solidFill>
+                  <a:schemeClr val="bg1"/>
+                </a:solidFill>
+                <a:latin typeface="빛의 계승자 Bold" panose="020B0600000101010101" pitchFamily="50" charset="-127"/>
+                <a:ea typeface="빛의 계승자 Bold" panose="020B0600000101010101" pitchFamily="50" charset="-127"/>
+              </a:rPr>
+              <a:t>개요 </a:t>
+            </a:r>
+            <a:r>
+              <a:rPr lang="en-US" altLang="ko-KR" sz="800" i="1" dirty="0">
+                <a:solidFill>
+                  <a:schemeClr val="bg1"/>
+                </a:solidFill>
+                <a:latin typeface="빛의 계승자 Bold" panose="020B0600000101010101" pitchFamily="50" charset="-127"/>
+                <a:ea typeface="빛의 계승자 Bold" panose="020B0600000101010101" pitchFamily="50" charset="-127"/>
+              </a:rPr>
+              <a:t>– ‘</a:t>
+            </a:r>
+            <a:r>
+              <a:rPr lang="ko-KR" altLang="en-US" sz="800" i="1" dirty="0">
+                <a:solidFill>
+                  <a:schemeClr val="bg1"/>
+                </a:solidFill>
+                <a:latin typeface="빛의 계승자 Bold" panose="020B0600000101010101" pitchFamily="50" charset="-127"/>
+                <a:ea typeface="빛의 계승자 Bold" panose="020B0600000101010101" pitchFamily="50" charset="-127"/>
+              </a:rPr>
+              <a:t>전회</a:t>
+            </a:r>
+            <a:r>
+              <a:rPr lang="en-US" altLang="ko-KR" sz="800" i="1" dirty="0">
+                <a:solidFill>
+                  <a:schemeClr val="bg1"/>
+                </a:solidFill>
+                <a:latin typeface="빛의 계승자 Bold" panose="020B0600000101010101" pitchFamily="50" charset="-127"/>
+                <a:ea typeface="빛의 계승자 Bold" panose="020B0600000101010101" pitchFamily="50" charset="-127"/>
+              </a:rPr>
+              <a:t>’ </a:t>
+            </a:r>
+            <a:r>
+              <a:rPr lang="ko-KR" altLang="en-US" sz="800" i="1" dirty="0">
+                <a:solidFill>
+                  <a:schemeClr val="bg1"/>
+                </a:solidFill>
+                <a:latin typeface="빛의 계승자 Bold" panose="020B0600000101010101" pitchFamily="50" charset="-127"/>
+                <a:ea typeface="빛의 계승자 Bold" panose="020B0600000101010101" pitchFamily="50" charset="-127"/>
+              </a:rPr>
+              <a:t>소개</a:t>
+            </a:r>
+            <a:endParaRPr lang="en-US" altLang="ko-KR" sz="800" i="1" dirty="0">
+              <a:solidFill>
+                <a:schemeClr val="bg1"/>
+              </a:solidFill>
+              <a:latin typeface="빛의 계승자 Bold" panose="020B0600000101010101" pitchFamily="50" charset="-127"/>
+              <a:ea typeface="빛의 계승자 Bold" panose="020B0600000101010101" pitchFamily="50" charset="-127"/>
+            </a:endParaRPr>
+          </a:p>
+        </p:txBody>
+      </p:sp>
+      <p:sp>
+        <p:nvSpPr>
+          <p:cNvPr id="4" name="직사각형 3">
+            <a:extLst>
+              <a:ext uri="{FF2B5EF4-FFF2-40B4-BE49-F238E27FC236}">
+                <a16:creationId xmlns:a16="http://schemas.microsoft.com/office/drawing/2014/main" id="{6BADB631-825C-F045-2254-9A9FFF2E61C7}"/>
+              </a:ext>
+            </a:extLst>
+          </p:cNvPr>
+          <p:cNvSpPr>
+            <a:spLocks/>
+          </p:cNvSpPr>
+          <p:nvPr/>
+        </p:nvSpPr>
+        <p:spPr>
+          <a:xfrm>
+            <a:off x="11909965" y="988246"/>
+            <a:ext cx="46800" cy="4896000"/>
+          </a:xfrm>
+          <a:prstGeom prst="rect">
+            <a:avLst/>
+          </a:prstGeom>
+          <a:solidFill>
+            <a:srgbClr val="676555"/>
+          </a:solidFill>
+          <a:ln>
+            <a:noFill/>
+          </a:ln>
+        </p:spPr>
+        <p:style>
+          <a:lnRef idx="2">
+            <a:schemeClr val="accent1">
+              <a:shade val="15000"/>
+            </a:schemeClr>
+          </a:lnRef>
+          <a:fillRef idx="1">
+            <a:schemeClr val="accent1"/>
+          </a:fillRef>
+          <a:effectRef idx="0">
+            <a:schemeClr val="accent1"/>
+          </a:effectRef>
+          <a:fontRef idx="minor">
+            <a:schemeClr val="lt1"/>
+          </a:fontRef>
+        </p:style>
+        <p:txBody>
+          <a:bodyPr rtlCol="0" anchor="ctr"/>
+          <a:lstStyle/>
+          <a:p>
+            <a:pPr algn="ctr"/>
+            <a:endParaRPr lang="ko-KR" altLang="en-US"/>
+          </a:p>
+        </p:txBody>
+      </p:sp>
+      <p:grpSp>
+        <p:nvGrpSpPr>
+          <p:cNvPr id="7" name="그룹 6">
+            <a:extLst>
+              <a:ext uri="{FF2B5EF4-FFF2-40B4-BE49-F238E27FC236}">
+                <a16:creationId xmlns:a16="http://schemas.microsoft.com/office/drawing/2014/main" id="{C47FFD3E-E89D-6F0B-13FD-B8C0D5357208}"/>
+              </a:ext>
+            </a:extLst>
+          </p:cNvPr>
+          <p:cNvGrpSpPr/>
+          <p:nvPr/>
+        </p:nvGrpSpPr>
+        <p:grpSpPr>
+          <a:xfrm>
+            <a:off x="1992916" y="954061"/>
+            <a:ext cx="2831662" cy="367200"/>
+            <a:chOff x="2500453" y="1274905"/>
+            <a:chExt cx="2831662" cy="367200"/>
+          </a:xfrm>
+        </p:grpSpPr>
+        <p:pic>
+          <p:nvPicPr>
+            <p:cNvPr id="29" name="Picture 4">
+              <a:extLst>
+                <a:ext uri="{FF2B5EF4-FFF2-40B4-BE49-F238E27FC236}">
+                  <a16:creationId xmlns:a16="http://schemas.microsoft.com/office/drawing/2014/main" id="{6C4CF741-1C9F-37AE-4554-0FCA785B1DAF}"/>
+                </a:ext>
+              </a:extLst>
+            </p:cNvPr>
+            <p:cNvPicPr>
+              <a:picLocks noChangeArrowheads="1"/>
+            </p:cNvPicPr>
+            <p:nvPr/>
+          </p:nvPicPr>
+          <p:blipFill rotWithShape="1">
+            <a:blip r:embed="rId2">
+              <a:clrChange>
+                <a:clrFrom>
+                  <a:srgbClr val="000000"/>
+                </a:clrFrom>
+                <a:clrTo>
+                  <a:srgbClr val="000000">
+                    <a:alpha val="0"/>
+                  </a:srgbClr>
+                </a:clrTo>
+              </a:clrChange>
+              <a:extLst>
+                <a:ext uri="{28A0092B-C50C-407E-A947-70E740481C1C}">
+                  <a14:useLocalDpi xmlns:a14="http://schemas.microsoft.com/office/drawing/2010/main" val="0"/>
+                </a:ext>
+              </a:extLst>
+            </a:blip>
+            <a:srcRect l="39323" t="43581" r="59826" b="39566"/>
+            <a:stretch/>
+          </p:blipFill>
+          <p:spPr bwMode="auto">
+            <a:xfrm>
+              <a:off x="2500453" y="1274905"/>
+              <a:ext cx="36000" cy="367200"/>
+            </a:xfrm>
+            <a:prstGeom prst="rect">
+              <a:avLst/>
+            </a:prstGeom>
+            <a:noFill/>
+            <a:extLst>
+              <a:ext uri="{909E8E84-426E-40DD-AFC4-6F175D3DCCD1}">
+                <a14:hiddenFill xmlns:a14="http://schemas.microsoft.com/office/drawing/2010/main">
+                  <a:solidFill>
+                    <a:srgbClr val="FFFFFF"/>
+                  </a:solidFill>
+                </a14:hiddenFill>
+              </a:ext>
+            </a:extLst>
+          </p:spPr>
+        </p:pic>
+        <p:grpSp>
+          <p:nvGrpSpPr>
+            <p:cNvPr id="30" name="그룹 29">
+              <a:extLst>
+                <a:ext uri="{FF2B5EF4-FFF2-40B4-BE49-F238E27FC236}">
+                  <a16:creationId xmlns:a16="http://schemas.microsoft.com/office/drawing/2014/main" id="{6E2D85DA-EA92-51BE-FA74-4EE16C624B74}"/>
+                </a:ext>
+              </a:extLst>
+            </p:cNvPr>
+            <p:cNvGrpSpPr/>
+            <p:nvPr/>
+          </p:nvGrpSpPr>
+          <p:grpSpPr>
+            <a:xfrm>
+              <a:off x="2536453" y="1287843"/>
+              <a:ext cx="2795662" cy="343894"/>
+              <a:chOff x="4774676" y="2919518"/>
+              <a:chExt cx="2734338" cy="336351"/>
+            </a:xfrm>
+          </p:grpSpPr>
+          <p:sp>
+            <p:nvSpPr>
+              <p:cNvPr id="32" name="직사각형 31">
+                <a:extLst>
+                  <a:ext uri="{FF2B5EF4-FFF2-40B4-BE49-F238E27FC236}">
+                    <a16:creationId xmlns:a16="http://schemas.microsoft.com/office/drawing/2014/main" id="{19BB2CE0-F9D4-FA1A-83B2-C82ACA17D4F0}"/>
+                  </a:ext>
+                </a:extLst>
+              </p:cNvPr>
+              <p:cNvSpPr>
+                <a:spLocks/>
+              </p:cNvSpPr>
+              <p:nvPr/>
+            </p:nvSpPr>
+            <p:spPr>
+              <a:xfrm>
+                <a:off x="4774676" y="2919518"/>
+                <a:ext cx="2734338" cy="336351"/>
+              </a:xfrm>
+              <a:prstGeom prst="rect">
+                <a:avLst/>
+              </a:prstGeom>
+              <a:gradFill flip="none" rotWithShape="1">
+                <a:gsLst>
+                  <a:gs pos="59000">
+                    <a:srgbClr val="1A1810">
+                      <a:alpha val="70000"/>
+                    </a:srgbClr>
+                  </a:gs>
+                  <a:gs pos="3000">
+                    <a:srgbClr val="1A1810">
+                      <a:alpha val="90000"/>
+                    </a:srgbClr>
+                  </a:gs>
+                  <a:gs pos="100000">
+                    <a:srgbClr val="1A1810">
+                      <a:alpha val="0"/>
+                    </a:srgbClr>
+                  </a:gs>
+                </a:gsLst>
+                <a:lin ang="0" scaled="1"/>
+                <a:tileRect/>
+              </a:gradFill>
+              <a:ln>
+                <a:noFill/>
+              </a:ln>
+              <a:effectLst/>
+            </p:spPr>
+            <p:style>
+              <a:lnRef idx="2">
+                <a:schemeClr val="accent1">
+                  <a:shade val="15000"/>
+                </a:schemeClr>
+              </a:lnRef>
+              <a:fillRef idx="1">
+                <a:schemeClr val="accent1"/>
+              </a:fillRef>
+              <a:effectRef idx="0">
+                <a:schemeClr val="accent1"/>
+              </a:effectRef>
+              <a:fontRef idx="minor">
+                <a:schemeClr val="lt1"/>
+              </a:fontRef>
+            </p:style>
+            <p:txBody>
+              <a:bodyPr rtlCol="0" anchor="ctr"/>
+              <a:lstStyle/>
+              <a:p>
+                <a:pPr algn="ctr"/>
+                <a:endParaRPr lang="ko-KR" altLang="en-US" dirty="0"/>
+              </a:p>
+            </p:txBody>
+          </p:sp>
+          <p:cxnSp>
+            <p:nvCxnSpPr>
+              <p:cNvPr id="33" name="직선 연결선 32">
+                <a:extLst>
+                  <a:ext uri="{FF2B5EF4-FFF2-40B4-BE49-F238E27FC236}">
+                    <a16:creationId xmlns:a16="http://schemas.microsoft.com/office/drawing/2014/main" id="{2C923CBD-D1EB-BCAF-2E31-CB9E66F7881A}"/>
+                  </a:ext>
+                </a:extLst>
+              </p:cNvPr>
+              <p:cNvCxnSpPr>
+                <a:cxnSpLocks/>
+              </p:cNvCxnSpPr>
+              <p:nvPr/>
+            </p:nvCxnSpPr>
+            <p:spPr>
+              <a:xfrm flipH="1">
+                <a:off x="4774676" y="3255869"/>
+                <a:ext cx="2734338" cy="0"/>
+              </a:xfrm>
+              <a:prstGeom prst="line">
+                <a:avLst/>
+              </a:prstGeom>
+              <a:ln>
+                <a:gradFill flip="none" rotWithShape="1">
+                  <a:gsLst>
+                    <a:gs pos="0">
+                      <a:srgbClr val="33332B"/>
+                    </a:gs>
+                    <a:gs pos="31000">
+                      <a:srgbClr val="33332B">
+                        <a:alpha val="70000"/>
+                      </a:srgbClr>
+                    </a:gs>
+                    <a:gs pos="54000">
+                      <a:srgbClr val="33332B">
+                        <a:alpha val="30000"/>
+                      </a:srgbClr>
+                    </a:gs>
+                    <a:gs pos="100000">
+                      <a:srgbClr val="33332B">
+                        <a:alpha val="0"/>
+                      </a:srgbClr>
+                    </a:gs>
+                  </a:gsLst>
+                  <a:lin ang="10800000" scaled="1"/>
+                  <a:tileRect/>
+                </a:gradFill>
+              </a:ln>
+              <a:effectLst/>
+            </p:spPr>
+            <p:style>
+              <a:lnRef idx="2">
+                <a:schemeClr val="accent1"/>
+              </a:lnRef>
+              <a:fillRef idx="0">
+                <a:schemeClr val="accent1"/>
+              </a:fillRef>
+              <a:effectRef idx="1">
+                <a:schemeClr val="accent1"/>
+              </a:effectRef>
+              <a:fontRef idx="minor">
+                <a:schemeClr val="tx1"/>
+              </a:fontRef>
+            </p:style>
+          </p:cxnSp>
+          <p:cxnSp>
+            <p:nvCxnSpPr>
+              <p:cNvPr id="34" name="직선 연결선 33">
+                <a:extLst>
+                  <a:ext uri="{FF2B5EF4-FFF2-40B4-BE49-F238E27FC236}">
+                    <a16:creationId xmlns:a16="http://schemas.microsoft.com/office/drawing/2014/main" id="{8DF4B55E-3568-84EB-B5D5-E8595BD56789}"/>
+                  </a:ext>
+                </a:extLst>
+              </p:cNvPr>
+              <p:cNvCxnSpPr>
+                <a:cxnSpLocks/>
+              </p:cNvCxnSpPr>
+              <p:nvPr/>
+            </p:nvCxnSpPr>
+            <p:spPr>
+              <a:xfrm flipH="1">
+                <a:off x="4774676" y="2919518"/>
+                <a:ext cx="2734338" cy="0"/>
+              </a:xfrm>
+              <a:prstGeom prst="line">
+                <a:avLst/>
+              </a:prstGeom>
+              <a:ln>
+                <a:gradFill flip="none" rotWithShape="1">
+                  <a:gsLst>
+                    <a:gs pos="0">
+                      <a:srgbClr val="33332B"/>
+                    </a:gs>
+                    <a:gs pos="31000">
+                      <a:srgbClr val="33332B">
+                        <a:alpha val="70000"/>
+                      </a:srgbClr>
+                    </a:gs>
+                    <a:gs pos="54000">
+                      <a:srgbClr val="33332B">
+                        <a:alpha val="30000"/>
+                      </a:srgbClr>
+                    </a:gs>
+                    <a:gs pos="100000">
+                      <a:srgbClr val="33332B">
+                        <a:alpha val="0"/>
+                      </a:srgbClr>
+                    </a:gs>
+                  </a:gsLst>
+                  <a:lin ang="10800000" scaled="1"/>
+                  <a:tileRect/>
+                </a:gradFill>
+              </a:ln>
+              <a:effectLst/>
+            </p:spPr>
+            <p:style>
+              <a:lnRef idx="2">
+                <a:schemeClr val="accent1"/>
+              </a:lnRef>
+              <a:fillRef idx="0">
+                <a:schemeClr val="accent1"/>
+              </a:fillRef>
+              <a:effectRef idx="1">
+                <a:schemeClr val="accent1"/>
+              </a:effectRef>
+              <a:fontRef idx="minor">
+                <a:schemeClr val="tx1"/>
+              </a:fontRef>
+            </p:style>
+          </p:cxnSp>
+        </p:grpSp>
+        <p:sp>
+          <p:nvSpPr>
+            <p:cNvPr id="31" name="TextBox 30">
+              <a:extLst>
+                <a:ext uri="{FF2B5EF4-FFF2-40B4-BE49-F238E27FC236}">
+                  <a16:creationId xmlns:a16="http://schemas.microsoft.com/office/drawing/2014/main" id="{97CC5734-E9E5-9B5F-0C78-B474FAB53301}"/>
+                </a:ext>
+              </a:extLst>
+            </p:cNvPr>
+            <p:cNvSpPr txBox="1"/>
+            <p:nvPr/>
+          </p:nvSpPr>
+          <p:spPr>
+            <a:xfrm>
+              <a:off x="2554184" y="1328985"/>
+              <a:ext cx="756938" cy="261610"/>
+            </a:xfrm>
+            <a:prstGeom prst="rect">
+              <a:avLst/>
+            </a:prstGeom>
+            <a:noFill/>
+          </p:spPr>
+          <p:txBody>
+            <a:bodyPr wrap="none" rtlCol="0">
+              <a:spAutoFit/>
+            </a:bodyPr>
+            <a:lstStyle/>
+            <a:p>
+              <a:r>
+                <a:rPr lang="ko-KR" altLang="en-US" sz="1100" b="1" dirty="0">
+                  <a:solidFill>
+                    <a:schemeClr val="bg1"/>
+                  </a:solidFill>
+                  <a:effectLst>
+                    <a:glow rad="101600">
+                      <a:schemeClr val="tx1">
+                        <a:alpha val="60000"/>
+                      </a:schemeClr>
+                    </a:glow>
+                  </a:effectLst>
+                  <a:latin typeface="나눔고딕" panose="020D0604000000000000" pitchFamily="50" charset="-127"/>
+                  <a:ea typeface="나눔고딕" panose="020D0604000000000000" pitchFamily="50" charset="-127"/>
+                </a:rPr>
+                <a:t>단어의 뜻</a:t>
+              </a:r>
+            </a:p>
+          </p:txBody>
+        </p:sp>
+      </p:grpSp>
+      <p:grpSp>
+        <p:nvGrpSpPr>
+          <p:cNvPr id="57" name="그룹 56">
+            <a:extLst>
+              <a:ext uri="{FF2B5EF4-FFF2-40B4-BE49-F238E27FC236}">
+                <a16:creationId xmlns:a16="http://schemas.microsoft.com/office/drawing/2014/main" id="{D312A4AB-749F-0625-1E9D-8663E0614CD8}"/>
+              </a:ext>
+            </a:extLst>
+          </p:cNvPr>
+          <p:cNvGrpSpPr/>
+          <p:nvPr/>
+        </p:nvGrpSpPr>
+        <p:grpSpPr>
+          <a:xfrm>
+            <a:off x="2046647" y="1478879"/>
+            <a:ext cx="5346110" cy="524188"/>
+            <a:chOff x="2218168" y="1478879"/>
+            <a:chExt cx="5346110" cy="524188"/>
+          </a:xfrm>
+        </p:grpSpPr>
+        <p:sp>
+          <p:nvSpPr>
+            <p:cNvPr id="6" name="TextBox 5">
+              <a:extLst>
+                <a:ext uri="{FF2B5EF4-FFF2-40B4-BE49-F238E27FC236}">
+                  <a16:creationId xmlns:a16="http://schemas.microsoft.com/office/drawing/2014/main" id="{E3EDE4F6-7C0B-8FBF-09C2-E400C57E9041}"/>
+                </a:ext>
+              </a:extLst>
+            </p:cNvPr>
+            <p:cNvSpPr txBox="1"/>
+            <p:nvPr/>
+          </p:nvSpPr>
+          <p:spPr>
+            <a:xfrm>
+              <a:off x="3844990" y="1602700"/>
+              <a:ext cx="3719288" cy="246221"/>
+            </a:xfrm>
+            <a:prstGeom prst="rect">
+              <a:avLst/>
+            </a:prstGeom>
+            <a:noFill/>
+          </p:spPr>
+          <p:txBody>
+            <a:bodyPr wrap="none" rtlCol="0">
+              <a:spAutoFit/>
+            </a:bodyPr>
+            <a:lstStyle/>
+            <a:p>
+              <a:r>
+                <a:rPr lang="en-US" altLang="ko-KR" sz="1000" dirty="0">
+                  <a:solidFill>
+                    <a:schemeClr val="bg1"/>
+                  </a:solidFill>
+                  <a:latin typeface="나눔고딕" panose="020D0604000000000000" pitchFamily="50" charset="-127"/>
+                  <a:ea typeface="나눔고딕" panose="020D0604000000000000" pitchFamily="50" charset="-127"/>
+                </a:rPr>
+                <a:t>: </a:t>
+              </a:r>
+              <a:r>
+                <a:rPr lang="ko-KR" altLang="en-US" sz="1000" dirty="0">
+                  <a:solidFill>
+                    <a:schemeClr val="bg1"/>
+                  </a:solidFill>
+                  <a:latin typeface="나눔고딕" panose="020D0604000000000000" pitchFamily="50" charset="-127"/>
+                  <a:ea typeface="나눔고딕" panose="020D0604000000000000" pitchFamily="50" charset="-127"/>
+                </a:rPr>
+                <a:t>전회는 </a:t>
+              </a:r>
+              <a:r>
+                <a:rPr lang="en-US" altLang="ko-KR" sz="1000" dirty="0">
+                  <a:solidFill>
+                    <a:schemeClr val="bg1"/>
+                  </a:solidFill>
+                  <a:latin typeface="나눔고딕" panose="020D0604000000000000" pitchFamily="50" charset="-127"/>
+                  <a:ea typeface="나눔고딕" panose="020D0604000000000000" pitchFamily="50" charset="-127"/>
+                </a:rPr>
+                <a:t>‘</a:t>
+              </a:r>
+              <a:r>
+                <a:rPr lang="ko-KR" altLang="en-US" sz="1000" dirty="0">
+                  <a:solidFill>
+                    <a:schemeClr val="bg1"/>
+                  </a:solidFill>
+                  <a:latin typeface="나눔고딕" panose="020D0604000000000000" pitchFamily="50" charset="-127"/>
+                  <a:ea typeface="나눔고딕" panose="020D0604000000000000" pitchFamily="50" charset="-127"/>
+                </a:rPr>
+                <a:t>전쟁의 재</a:t>
+              </a:r>
+              <a:r>
+                <a:rPr lang="en-US" altLang="ko-KR" sz="1000" dirty="0">
+                  <a:solidFill>
+                    <a:schemeClr val="bg1"/>
+                  </a:solidFill>
+                  <a:latin typeface="나눔고딕" panose="020D0604000000000000" pitchFamily="50" charset="-127"/>
+                  <a:ea typeface="나눔고딕" panose="020D0604000000000000" pitchFamily="50" charset="-127"/>
+                </a:rPr>
+                <a:t>’</a:t>
+              </a:r>
+              <a:r>
+                <a:rPr lang="ko-KR" altLang="en-US" sz="1000" dirty="0">
+                  <a:solidFill>
+                    <a:schemeClr val="bg1"/>
+                  </a:solidFill>
+                  <a:latin typeface="나눔고딕" panose="020D0604000000000000" pitchFamily="50" charset="-127"/>
+                  <a:ea typeface="나눔고딕" panose="020D0604000000000000" pitchFamily="50" charset="-127"/>
+                </a:rPr>
+                <a:t>라는 뜻으로 영어로는 </a:t>
+              </a:r>
+              <a:r>
+                <a:rPr lang="en-US" altLang="ko-KR" sz="1000" dirty="0">
+                  <a:solidFill>
+                    <a:schemeClr val="bg1"/>
+                  </a:solidFill>
+                  <a:effectLst>
+                    <a:glow rad="101600">
+                      <a:schemeClr val="tx1">
+                        <a:alpha val="60000"/>
+                      </a:schemeClr>
+                    </a:glow>
+                  </a:effectLst>
+                  <a:latin typeface="나눔고딕" panose="020D0604000000000000" pitchFamily="50" charset="-127"/>
+                  <a:ea typeface="나눔고딕" panose="020D0604000000000000" pitchFamily="50" charset="-127"/>
+                </a:rPr>
+                <a:t>‘</a:t>
+              </a:r>
+              <a:r>
+                <a:rPr lang="en-US" altLang="ko-KR" sz="1000" dirty="0">
+                  <a:solidFill>
+                    <a:schemeClr val="bg1"/>
+                  </a:solidFill>
+                  <a:latin typeface="나눔고딕" panose="020D0604000000000000" pitchFamily="50" charset="-127"/>
+                  <a:ea typeface="나눔고딕" panose="020D0604000000000000" pitchFamily="50" charset="-127"/>
+                </a:rPr>
+                <a:t>Ashes Of War’ </a:t>
+              </a:r>
+              <a:r>
+                <a:rPr lang="ko-KR" altLang="en-US" sz="1000" dirty="0">
+                  <a:solidFill>
+                    <a:schemeClr val="bg1"/>
+                  </a:solidFill>
+                  <a:latin typeface="나눔고딕" panose="020D0604000000000000" pitchFamily="50" charset="-127"/>
+                  <a:ea typeface="나눔고딕" panose="020D0604000000000000" pitchFamily="50" charset="-127"/>
+                </a:rPr>
+                <a:t>입니다</a:t>
+              </a:r>
+              <a:r>
+                <a:rPr lang="en-US" altLang="ko-KR" sz="1000" dirty="0">
+                  <a:solidFill>
+                    <a:schemeClr val="bg1"/>
+                  </a:solidFill>
+                  <a:latin typeface="나눔고딕" panose="020D0604000000000000" pitchFamily="50" charset="-127"/>
+                  <a:ea typeface="나눔고딕" panose="020D0604000000000000" pitchFamily="50" charset="-127"/>
+                </a:rPr>
+                <a:t>.</a:t>
+              </a:r>
+            </a:p>
+          </p:txBody>
+        </p:sp>
+        <p:grpSp>
+          <p:nvGrpSpPr>
+            <p:cNvPr id="47" name="그룹 46">
+              <a:extLst>
+                <a:ext uri="{FF2B5EF4-FFF2-40B4-BE49-F238E27FC236}">
+                  <a16:creationId xmlns:a16="http://schemas.microsoft.com/office/drawing/2014/main" id="{7855795D-BB07-50D5-DF98-E5022039B450}"/>
+                </a:ext>
+              </a:extLst>
+            </p:cNvPr>
+            <p:cNvGrpSpPr/>
+            <p:nvPr/>
+          </p:nvGrpSpPr>
+          <p:grpSpPr>
+            <a:xfrm>
+              <a:off x="2218168" y="1478879"/>
+              <a:ext cx="1562298" cy="524188"/>
+              <a:chOff x="2218168" y="1511334"/>
+              <a:chExt cx="1562298" cy="524188"/>
+            </a:xfrm>
+          </p:grpSpPr>
+          <p:grpSp>
+            <p:nvGrpSpPr>
+              <p:cNvPr id="46" name="그룹 45">
+                <a:extLst>
+                  <a:ext uri="{FF2B5EF4-FFF2-40B4-BE49-F238E27FC236}">
+                    <a16:creationId xmlns:a16="http://schemas.microsoft.com/office/drawing/2014/main" id="{9FCCAD22-BB3A-7943-E696-7A6224ED4131}"/>
+                  </a:ext>
+                </a:extLst>
+              </p:cNvPr>
+              <p:cNvGrpSpPr/>
+              <p:nvPr/>
+            </p:nvGrpSpPr>
+            <p:grpSpPr>
+              <a:xfrm>
+                <a:off x="3257566" y="1511334"/>
+                <a:ext cx="522900" cy="524188"/>
+                <a:chOff x="3257566" y="1511334"/>
+                <a:chExt cx="522900" cy="524188"/>
+              </a:xfrm>
+            </p:grpSpPr>
+            <p:sp>
+              <p:nvSpPr>
+                <p:cNvPr id="39" name="TextBox 38">
+                  <a:extLst>
+                    <a:ext uri="{FF2B5EF4-FFF2-40B4-BE49-F238E27FC236}">
+                      <a16:creationId xmlns:a16="http://schemas.microsoft.com/office/drawing/2014/main" id="{2F91A618-87A0-7C27-4B26-9AF54309C9D7}"/>
+                    </a:ext>
+                  </a:extLst>
+                </p:cNvPr>
+                <p:cNvSpPr txBox="1"/>
+                <p:nvPr/>
+              </p:nvSpPr>
+              <p:spPr>
+                <a:xfrm>
+                  <a:off x="3330503" y="1511334"/>
+                  <a:ext cx="377026" cy="338554"/>
+                </a:xfrm>
+                <a:prstGeom prst="rect">
+                  <a:avLst/>
+                </a:prstGeom>
+                <a:noFill/>
+              </p:spPr>
+              <p:txBody>
+                <a:bodyPr wrap="none" rtlCol="0">
+                  <a:spAutoFit/>
+                </a:bodyPr>
+                <a:lstStyle/>
+                <a:p>
+                  <a:r>
+                    <a:rPr lang="ko-KR" altLang="en-US" sz="1600" dirty="0">
+                      <a:solidFill>
+                        <a:schemeClr val="bg1"/>
+                      </a:solidFill>
+                      <a:latin typeface="나눔고딕" panose="020D0604000000000000" pitchFamily="50" charset="-127"/>
+                      <a:ea typeface="나눔고딕" panose="020D0604000000000000" pitchFamily="50" charset="-127"/>
+                    </a:rPr>
+                    <a:t>灰</a:t>
+                  </a:r>
+                  <a:endParaRPr lang="en-US" altLang="ko-KR" sz="1600" dirty="0">
+                    <a:solidFill>
+                      <a:schemeClr val="bg1"/>
+                    </a:solidFill>
+                    <a:latin typeface="나눔고딕" panose="020D0604000000000000" pitchFamily="50" charset="-127"/>
+                    <a:ea typeface="나눔고딕" panose="020D0604000000000000" pitchFamily="50" charset="-127"/>
+                  </a:endParaRPr>
+                </a:p>
+              </p:txBody>
+            </p:sp>
+            <p:sp>
+              <p:nvSpPr>
+                <p:cNvPr id="40" name="TextBox 39">
+                  <a:extLst>
+                    <a:ext uri="{FF2B5EF4-FFF2-40B4-BE49-F238E27FC236}">
+                      <a16:creationId xmlns:a16="http://schemas.microsoft.com/office/drawing/2014/main" id="{200CC2B1-070A-4BEA-E96B-FB3185B95CEC}"/>
+                    </a:ext>
+                  </a:extLst>
+                </p:cNvPr>
+                <p:cNvSpPr txBox="1"/>
+                <p:nvPr/>
+              </p:nvSpPr>
+              <p:spPr>
+                <a:xfrm>
+                  <a:off x="3257566" y="1789301"/>
+                  <a:ext cx="522900" cy="246221"/>
+                </a:xfrm>
+                <a:prstGeom prst="rect">
+                  <a:avLst/>
+                </a:prstGeom>
+                <a:noFill/>
+              </p:spPr>
+              <p:txBody>
+                <a:bodyPr wrap="none" rtlCol="0">
+                  <a:spAutoFit/>
+                </a:bodyPr>
+                <a:lstStyle/>
+                <a:p>
+                  <a:r>
+                    <a:rPr lang="ko-KR" altLang="en-US" sz="1000" dirty="0">
+                      <a:solidFill>
+                        <a:schemeClr val="bg1"/>
+                      </a:solidFill>
+                      <a:latin typeface="나눔고딕" panose="020D0604000000000000" pitchFamily="50" charset="-127"/>
+                      <a:ea typeface="나눔고딕" panose="020D0604000000000000" pitchFamily="50" charset="-127"/>
+                    </a:rPr>
+                    <a:t>재 </a:t>
+                  </a:r>
+                  <a:r>
+                    <a:rPr lang="en-US" altLang="ko-KR" sz="1000" dirty="0">
+                      <a:solidFill>
+                        <a:schemeClr val="bg1"/>
+                      </a:solidFill>
+                      <a:latin typeface="나눔고딕" panose="020D0604000000000000" pitchFamily="50" charset="-127"/>
+                      <a:ea typeface="나눔고딕" panose="020D0604000000000000" pitchFamily="50" charset="-127"/>
+                    </a:rPr>
+                    <a:t>‘</a:t>
+                  </a:r>
+                  <a:r>
+                    <a:rPr lang="ko-KR" altLang="en-US" sz="1000" dirty="0">
+                      <a:solidFill>
+                        <a:schemeClr val="bg1"/>
+                      </a:solidFill>
+                      <a:latin typeface="나눔고딕" panose="020D0604000000000000" pitchFamily="50" charset="-127"/>
+                      <a:ea typeface="나눔고딕" panose="020D0604000000000000" pitchFamily="50" charset="-127"/>
+                    </a:rPr>
+                    <a:t>회</a:t>
+                  </a:r>
+                  <a:r>
+                    <a:rPr lang="en-US" altLang="ko-KR" sz="1000" dirty="0">
+                      <a:solidFill>
+                        <a:schemeClr val="bg1"/>
+                      </a:solidFill>
+                      <a:latin typeface="나눔고딕" panose="020D0604000000000000" pitchFamily="50" charset="-127"/>
+                      <a:ea typeface="나눔고딕" panose="020D0604000000000000" pitchFamily="50" charset="-127"/>
+                    </a:rPr>
+                    <a:t>’</a:t>
+                  </a:r>
+                </a:p>
+              </p:txBody>
+            </p:sp>
+          </p:grpSp>
+          <p:grpSp>
+            <p:nvGrpSpPr>
+              <p:cNvPr id="45" name="그룹 44">
+                <a:extLst>
+                  <a:ext uri="{FF2B5EF4-FFF2-40B4-BE49-F238E27FC236}">
+                    <a16:creationId xmlns:a16="http://schemas.microsoft.com/office/drawing/2014/main" id="{BB9D5E48-1D18-DB87-9C9A-5539C7D3429E}"/>
+                  </a:ext>
+                </a:extLst>
+              </p:cNvPr>
+              <p:cNvGrpSpPr/>
+              <p:nvPr/>
+            </p:nvGrpSpPr>
+            <p:grpSpPr>
+              <a:xfrm>
+                <a:off x="2218168" y="1511334"/>
+                <a:ext cx="643125" cy="524188"/>
+                <a:chOff x="2218168" y="1511334"/>
+                <a:chExt cx="643125" cy="524188"/>
+              </a:xfrm>
+            </p:grpSpPr>
+            <p:sp>
+              <p:nvSpPr>
+                <p:cNvPr id="41" name="TextBox 40">
+                  <a:extLst>
+                    <a:ext uri="{FF2B5EF4-FFF2-40B4-BE49-F238E27FC236}">
+                      <a16:creationId xmlns:a16="http://schemas.microsoft.com/office/drawing/2014/main" id="{0209C594-6FA6-BB46-50E7-30BE71154C0C}"/>
+                    </a:ext>
+                  </a:extLst>
+                </p:cNvPr>
+                <p:cNvSpPr txBox="1"/>
+                <p:nvPr/>
+              </p:nvSpPr>
+              <p:spPr>
+                <a:xfrm>
+                  <a:off x="2351217" y="1511334"/>
+                  <a:ext cx="377026" cy="338554"/>
+                </a:xfrm>
+                <a:prstGeom prst="rect">
+                  <a:avLst/>
+                </a:prstGeom>
+                <a:noFill/>
+              </p:spPr>
+              <p:txBody>
+                <a:bodyPr wrap="none" rtlCol="0">
+                  <a:spAutoFit/>
+                </a:bodyPr>
+                <a:lstStyle/>
+                <a:p>
+                  <a:r>
+                    <a:rPr lang="ko-KR" altLang="en-US" sz="1600" dirty="0">
+                      <a:solidFill>
+                        <a:schemeClr val="bg1"/>
+                      </a:solidFill>
+                      <a:latin typeface="나눔고딕" panose="020D0604000000000000" pitchFamily="50" charset="-127"/>
+                      <a:ea typeface="나눔고딕" panose="020D0604000000000000" pitchFamily="50" charset="-127"/>
+                    </a:rPr>
+                    <a:t>戰</a:t>
+                  </a:r>
+                  <a:endParaRPr lang="en-US" altLang="ko-KR" sz="1600" dirty="0">
+                    <a:solidFill>
+                      <a:schemeClr val="bg1"/>
+                    </a:solidFill>
+                    <a:latin typeface="나눔고딕" panose="020D0604000000000000" pitchFamily="50" charset="-127"/>
+                    <a:ea typeface="나눔고딕" panose="020D0604000000000000" pitchFamily="50" charset="-127"/>
+                  </a:endParaRPr>
+                </a:p>
+              </p:txBody>
+            </p:sp>
+            <p:sp>
+              <p:nvSpPr>
+                <p:cNvPr id="42" name="TextBox 41">
+                  <a:extLst>
+                    <a:ext uri="{FF2B5EF4-FFF2-40B4-BE49-F238E27FC236}">
+                      <a16:creationId xmlns:a16="http://schemas.microsoft.com/office/drawing/2014/main" id="{588E6938-1A75-331B-1A7E-65410361B8C2}"/>
+                    </a:ext>
+                  </a:extLst>
+                </p:cNvPr>
+                <p:cNvSpPr txBox="1"/>
+                <p:nvPr/>
+              </p:nvSpPr>
+              <p:spPr>
+                <a:xfrm>
+                  <a:off x="2218168" y="1789301"/>
+                  <a:ext cx="643125" cy="246221"/>
+                </a:xfrm>
+                <a:prstGeom prst="rect">
+                  <a:avLst/>
+                </a:prstGeom>
+                <a:noFill/>
+              </p:spPr>
+              <p:txBody>
+                <a:bodyPr wrap="none" rtlCol="0">
+                  <a:spAutoFit/>
+                </a:bodyPr>
+                <a:lstStyle/>
+                <a:p>
+                  <a:r>
+                    <a:rPr lang="ko-KR" altLang="en-US" sz="1000" dirty="0">
+                      <a:solidFill>
+                        <a:schemeClr val="bg1"/>
+                      </a:solidFill>
+                      <a:latin typeface="나눔고딕" panose="020D0604000000000000" pitchFamily="50" charset="-127"/>
+                      <a:ea typeface="나눔고딕" panose="020D0604000000000000" pitchFamily="50" charset="-127"/>
+                    </a:rPr>
+                    <a:t>싸움 </a:t>
+                  </a:r>
+                  <a:r>
+                    <a:rPr lang="en-US" altLang="ko-KR" sz="1000" dirty="0">
+                      <a:solidFill>
+                        <a:schemeClr val="bg1"/>
+                      </a:solidFill>
+                      <a:latin typeface="나눔고딕" panose="020D0604000000000000" pitchFamily="50" charset="-127"/>
+                      <a:ea typeface="나눔고딕" panose="020D0604000000000000" pitchFamily="50" charset="-127"/>
+                    </a:rPr>
+                    <a:t>‘</a:t>
+                  </a:r>
+                  <a:r>
+                    <a:rPr lang="ko-KR" altLang="en-US" sz="1000" dirty="0">
+                      <a:solidFill>
+                        <a:schemeClr val="bg1"/>
+                      </a:solidFill>
+                      <a:latin typeface="나눔고딕" panose="020D0604000000000000" pitchFamily="50" charset="-127"/>
+                      <a:ea typeface="나눔고딕" panose="020D0604000000000000" pitchFamily="50" charset="-127"/>
+                    </a:rPr>
+                    <a:t>전</a:t>
+                  </a:r>
+                  <a:r>
+                    <a:rPr lang="en-US" altLang="ko-KR" sz="1000" dirty="0">
+                      <a:solidFill>
+                        <a:schemeClr val="bg1"/>
+                      </a:solidFill>
+                      <a:latin typeface="나눔고딕" panose="020D0604000000000000" pitchFamily="50" charset="-127"/>
+                      <a:ea typeface="나눔고딕" panose="020D0604000000000000" pitchFamily="50" charset="-127"/>
+                    </a:rPr>
+                    <a:t>’</a:t>
+                  </a:r>
+                </a:p>
+              </p:txBody>
+            </p:sp>
+          </p:grpSp>
+          <p:sp>
+            <p:nvSpPr>
+              <p:cNvPr id="43" name="십자형 42">
+                <a:extLst>
+                  <a:ext uri="{FF2B5EF4-FFF2-40B4-BE49-F238E27FC236}">
+                    <a16:creationId xmlns:a16="http://schemas.microsoft.com/office/drawing/2014/main" id="{7432DCB2-AF61-42F3-96A3-0502B4C784D5}"/>
+                  </a:ext>
+                </a:extLst>
+              </p:cNvPr>
+              <p:cNvSpPr/>
+              <p:nvPr/>
+            </p:nvSpPr>
+            <p:spPr>
+              <a:xfrm>
+                <a:off x="2931350" y="1680611"/>
+                <a:ext cx="185634" cy="185634"/>
+              </a:xfrm>
+              <a:prstGeom prst="plus">
+                <a:avLst>
+                  <a:gd name="adj" fmla="val 39667"/>
+                </a:avLst>
+              </a:prstGeom>
+              <a:solidFill>
+                <a:schemeClr val="bg1">
+                  <a:lumMod val="50000"/>
+                </a:schemeClr>
+              </a:solidFill>
+              <a:ln>
+                <a:solidFill>
+                  <a:schemeClr val="bg1"/>
+                </a:solidFill>
+              </a:ln>
+            </p:spPr>
+            <p:style>
+              <a:lnRef idx="2">
+                <a:schemeClr val="accent1">
+                  <a:shade val="15000"/>
+                </a:schemeClr>
+              </a:lnRef>
+              <a:fillRef idx="1">
+                <a:schemeClr val="accent1"/>
+              </a:fillRef>
+              <a:effectRef idx="0">
+                <a:schemeClr val="accent1"/>
+              </a:effectRef>
+              <a:fontRef idx="minor">
+                <a:schemeClr val="lt1"/>
+              </a:fontRef>
+            </p:style>
+            <p:txBody>
+              <a:bodyPr rtlCol="0" anchor="ctr"/>
+              <a:lstStyle/>
+              <a:p>
+                <a:pPr algn="ctr"/>
+                <a:endParaRPr lang="ko-KR" altLang="en-US"/>
+              </a:p>
+            </p:txBody>
+          </p:sp>
+        </p:grpSp>
+      </p:grpSp>
+      <p:sp>
+        <p:nvSpPr>
+          <p:cNvPr id="109" name="TextBox 108">
+            <a:extLst>
+              <a:ext uri="{FF2B5EF4-FFF2-40B4-BE49-F238E27FC236}">
+                <a16:creationId xmlns:a16="http://schemas.microsoft.com/office/drawing/2014/main" id="{5C7C7A70-6646-BDA1-70BC-AEC495846D65}"/>
+              </a:ext>
+            </a:extLst>
+          </p:cNvPr>
+          <p:cNvSpPr txBox="1"/>
+          <p:nvPr/>
+        </p:nvSpPr>
+        <p:spPr>
+          <a:xfrm>
+            <a:off x="2217809" y="3057638"/>
+            <a:ext cx="3791423" cy="553998"/>
+          </a:xfrm>
+          <a:prstGeom prst="rect">
+            <a:avLst/>
+          </a:prstGeom>
+          <a:noFill/>
+        </p:spPr>
+        <p:txBody>
+          <a:bodyPr wrap="none" rtlCol="0">
+            <a:spAutoFit/>
+          </a:bodyPr>
+          <a:lstStyle/>
+          <a:p>
+            <a:pPr marL="171450" indent="-171450">
+              <a:buFontTx/>
+              <a:buChar char="-"/>
+            </a:pPr>
+            <a:r>
+              <a:rPr lang="ko-KR" altLang="en-US" sz="1000" dirty="0">
+                <a:solidFill>
+                  <a:schemeClr val="bg1"/>
+                </a:solidFill>
+                <a:latin typeface="나눔고딕" panose="020D0604000000000000" pitchFamily="50" charset="-127"/>
+                <a:ea typeface="나눔고딕" panose="020D0604000000000000" pitchFamily="50" charset="-127"/>
+              </a:rPr>
+              <a:t>전회는 전투 기술과 속성을 무기에 부여하는 아이템입니다</a:t>
+            </a:r>
+            <a:r>
+              <a:rPr lang="en-US" altLang="ko-KR" sz="1000" dirty="0">
+                <a:solidFill>
+                  <a:schemeClr val="bg1"/>
+                </a:solidFill>
+                <a:latin typeface="나눔고딕" panose="020D0604000000000000" pitchFamily="50" charset="-127"/>
+                <a:ea typeface="나눔고딕" panose="020D0604000000000000" pitchFamily="50" charset="-127"/>
+              </a:rPr>
+              <a:t>.</a:t>
+            </a:r>
+          </a:p>
+          <a:p>
+            <a:pPr marL="171450" indent="-171450">
+              <a:buFontTx/>
+              <a:buChar char="-"/>
+            </a:pPr>
+            <a:endParaRPr lang="en-US" altLang="ko-KR" sz="1000" dirty="0">
+              <a:solidFill>
+                <a:schemeClr val="bg1"/>
+              </a:solidFill>
+              <a:latin typeface="나눔고딕" panose="020D0604000000000000" pitchFamily="50" charset="-127"/>
+              <a:ea typeface="나눔고딕" panose="020D0604000000000000" pitchFamily="50" charset="-127"/>
+            </a:endParaRPr>
+          </a:p>
+          <a:p>
+            <a:pPr marL="171450" indent="-171450">
+              <a:buFontTx/>
+              <a:buChar char="-"/>
+            </a:pPr>
+            <a:r>
+              <a:rPr lang="ko-KR" altLang="en-US" sz="1000" dirty="0" err="1">
+                <a:solidFill>
+                  <a:schemeClr val="bg1"/>
+                </a:solidFill>
+                <a:latin typeface="나눔고딕" panose="020D0604000000000000" pitchFamily="50" charset="-127"/>
+                <a:ea typeface="나눔고딕" panose="020D0604000000000000" pitchFamily="50" charset="-127"/>
+              </a:rPr>
+              <a:t>다크</a:t>
+            </a:r>
+            <a:r>
+              <a:rPr lang="ko-KR" altLang="en-US" sz="1000" dirty="0">
+                <a:solidFill>
+                  <a:schemeClr val="bg1"/>
+                </a:solidFill>
+                <a:latin typeface="나눔고딕" panose="020D0604000000000000" pitchFamily="50" charset="-127"/>
+                <a:ea typeface="나눔고딕" panose="020D0604000000000000" pitchFamily="50" charset="-127"/>
+              </a:rPr>
+              <a:t> 소울 시리즈와 차별화된 </a:t>
+            </a:r>
+            <a:r>
+              <a:rPr lang="ko-KR" altLang="en-US" sz="1000" dirty="0" err="1">
+                <a:solidFill>
+                  <a:schemeClr val="bg1"/>
+                </a:solidFill>
+                <a:latin typeface="나눔고딕" panose="020D0604000000000000" pitchFamily="50" charset="-127"/>
+                <a:ea typeface="나눔고딕" panose="020D0604000000000000" pitchFamily="50" charset="-127"/>
+              </a:rPr>
+              <a:t>엘든링만의</a:t>
+            </a:r>
+            <a:r>
+              <a:rPr lang="ko-KR" altLang="en-US" sz="1000" dirty="0">
+                <a:solidFill>
+                  <a:schemeClr val="bg1"/>
+                </a:solidFill>
+                <a:latin typeface="나눔고딕" panose="020D0604000000000000" pitchFamily="50" charset="-127"/>
+                <a:ea typeface="나눔고딕" panose="020D0604000000000000" pitchFamily="50" charset="-127"/>
+              </a:rPr>
+              <a:t> 컨텐츠</a:t>
+            </a:r>
+            <a:r>
+              <a:rPr lang="en-US" altLang="ko-KR" sz="1000" dirty="0">
+                <a:solidFill>
+                  <a:schemeClr val="bg1"/>
+                </a:solidFill>
+                <a:latin typeface="나눔고딕" panose="020D0604000000000000" pitchFamily="50" charset="-127"/>
+                <a:ea typeface="나눔고딕" panose="020D0604000000000000" pitchFamily="50" charset="-127"/>
+              </a:rPr>
+              <a:t>&amp;</a:t>
+            </a:r>
+            <a:r>
+              <a:rPr lang="ko-KR" altLang="en-US" sz="1000" dirty="0">
+                <a:solidFill>
+                  <a:schemeClr val="bg1"/>
+                </a:solidFill>
+                <a:latin typeface="나눔고딕" panose="020D0604000000000000" pitchFamily="50" charset="-127"/>
+                <a:ea typeface="나눔고딕" panose="020D0604000000000000" pitchFamily="50" charset="-127"/>
+              </a:rPr>
+              <a:t>시스템입니다</a:t>
+            </a:r>
+            <a:r>
+              <a:rPr lang="en-US" altLang="ko-KR" sz="1000" dirty="0">
+                <a:solidFill>
+                  <a:schemeClr val="bg1"/>
+                </a:solidFill>
+                <a:latin typeface="나눔고딕" panose="020D0604000000000000" pitchFamily="50" charset="-127"/>
+                <a:ea typeface="나눔고딕" panose="020D0604000000000000" pitchFamily="50" charset="-127"/>
+              </a:rPr>
+              <a:t>.</a:t>
+            </a:r>
+          </a:p>
+        </p:txBody>
+      </p:sp>
+      <p:grpSp>
+        <p:nvGrpSpPr>
+          <p:cNvPr id="110" name="그룹 109">
+            <a:extLst>
+              <a:ext uri="{FF2B5EF4-FFF2-40B4-BE49-F238E27FC236}">
+                <a16:creationId xmlns:a16="http://schemas.microsoft.com/office/drawing/2014/main" id="{CDF9CE60-F8C6-9382-15B9-4362C395E967}"/>
+              </a:ext>
+            </a:extLst>
+          </p:cNvPr>
+          <p:cNvGrpSpPr/>
+          <p:nvPr/>
+        </p:nvGrpSpPr>
+        <p:grpSpPr>
+          <a:xfrm>
+            <a:off x="2005200" y="2579169"/>
+            <a:ext cx="2831662" cy="367200"/>
+            <a:chOff x="2500453" y="1274905"/>
+            <a:chExt cx="2831662" cy="367200"/>
+          </a:xfrm>
+        </p:grpSpPr>
+        <p:pic>
+          <p:nvPicPr>
+            <p:cNvPr id="111" name="Picture 4">
+              <a:extLst>
+                <a:ext uri="{FF2B5EF4-FFF2-40B4-BE49-F238E27FC236}">
+                  <a16:creationId xmlns:a16="http://schemas.microsoft.com/office/drawing/2014/main" id="{10831D75-38E4-EB09-9600-0BD51F6BB530}"/>
+                </a:ext>
+              </a:extLst>
+            </p:cNvPr>
+            <p:cNvPicPr>
+              <a:picLocks noChangeArrowheads="1"/>
+            </p:cNvPicPr>
+            <p:nvPr/>
+          </p:nvPicPr>
+          <p:blipFill rotWithShape="1">
+            <a:blip r:embed="rId2">
+              <a:clrChange>
+                <a:clrFrom>
+                  <a:srgbClr val="000000"/>
+                </a:clrFrom>
+                <a:clrTo>
+                  <a:srgbClr val="000000">
+                    <a:alpha val="0"/>
+                  </a:srgbClr>
+                </a:clrTo>
+              </a:clrChange>
+              <a:extLst>
+                <a:ext uri="{28A0092B-C50C-407E-A947-70E740481C1C}">
+                  <a14:useLocalDpi xmlns:a14="http://schemas.microsoft.com/office/drawing/2010/main" val="0"/>
+                </a:ext>
+              </a:extLst>
+            </a:blip>
+            <a:srcRect l="39323" t="43581" r="59826" b="39566"/>
+            <a:stretch/>
+          </p:blipFill>
+          <p:spPr bwMode="auto">
+            <a:xfrm>
+              <a:off x="2500453" y="1274905"/>
+              <a:ext cx="36000" cy="367200"/>
+            </a:xfrm>
+            <a:prstGeom prst="rect">
+              <a:avLst/>
+            </a:prstGeom>
+            <a:noFill/>
+            <a:extLst>
+              <a:ext uri="{909E8E84-426E-40DD-AFC4-6F175D3DCCD1}">
+                <a14:hiddenFill xmlns:a14="http://schemas.microsoft.com/office/drawing/2010/main">
+                  <a:solidFill>
+                    <a:srgbClr val="FFFFFF"/>
+                  </a:solidFill>
+                </a14:hiddenFill>
+              </a:ext>
+            </a:extLst>
+          </p:spPr>
+        </p:pic>
+        <p:grpSp>
+          <p:nvGrpSpPr>
+            <p:cNvPr id="112" name="그룹 111">
+              <a:extLst>
+                <a:ext uri="{FF2B5EF4-FFF2-40B4-BE49-F238E27FC236}">
+                  <a16:creationId xmlns:a16="http://schemas.microsoft.com/office/drawing/2014/main" id="{4F4E7A64-B022-C937-AA20-5570323E7FB1}"/>
+                </a:ext>
+              </a:extLst>
+            </p:cNvPr>
+            <p:cNvGrpSpPr/>
+            <p:nvPr/>
+          </p:nvGrpSpPr>
+          <p:grpSpPr>
+            <a:xfrm>
+              <a:off x="2536453" y="1287843"/>
+              <a:ext cx="2795662" cy="343894"/>
+              <a:chOff x="4774676" y="2919518"/>
+              <a:chExt cx="2734338" cy="336351"/>
+            </a:xfrm>
+          </p:grpSpPr>
+          <p:sp>
+            <p:nvSpPr>
+              <p:cNvPr id="114" name="직사각형 113">
+                <a:extLst>
+                  <a:ext uri="{FF2B5EF4-FFF2-40B4-BE49-F238E27FC236}">
+                    <a16:creationId xmlns:a16="http://schemas.microsoft.com/office/drawing/2014/main" id="{66CA6A73-B786-5165-6AD2-3102F26AD6AD}"/>
+                  </a:ext>
+                </a:extLst>
+              </p:cNvPr>
+              <p:cNvSpPr>
+                <a:spLocks/>
+              </p:cNvSpPr>
+              <p:nvPr/>
+            </p:nvSpPr>
+            <p:spPr>
+              <a:xfrm>
+                <a:off x="4774676" y="2919518"/>
+                <a:ext cx="2734338" cy="336351"/>
+              </a:xfrm>
+              <a:prstGeom prst="rect">
+                <a:avLst/>
+              </a:prstGeom>
+              <a:gradFill flip="none" rotWithShape="1">
+                <a:gsLst>
+                  <a:gs pos="59000">
+                    <a:srgbClr val="1A1810">
+                      <a:alpha val="70000"/>
+                    </a:srgbClr>
+                  </a:gs>
+                  <a:gs pos="3000">
+                    <a:srgbClr val="1A1810">
+                      <a:alpha val="90000"/>
+                    </a:srgbClr>
+                  </a:gs>
+                  <a:gs pos="100000">
+                    <a:srgbClr val="1A1810">
+                      <a:alpha val="0"/>
+                    </a:srgbClr>
+                  </a:gs>
+                </a:gsLst>
+                <a:lin ang="0" scaled="1"/>
+                <a:tileRect/>
+              </a:gradFill>
+              <a:ln>
+                <a:noFill/>
+              </a:ln>
+              <a:effectLst/>
+            </p:spPr>
+            <p:style>
+              <a:lnRef idx="2">
+                <a:schemeClr val="accent1">
+                  <a:shade val="15000"/>
+                </a:schemeClr>
+              </a:lnRef>
+              <a:fillRef idx="1">
+                <a:schemeClr val="accent1"/>
+              </a:fillRef>
+              <a:effectRef idx="0">
+                <a:schemeClr val="accent1"/>
+              </a:effectRef>
+              <a:fontRef idx="minor">
+                <a:schemeClr val="lt1"/>
+              </a:fontRef>
+            </p:style>
+            <p:txBody>
+              <a:bodyPr rtlCol="0" anchor="ctr"/>
+              <a:lstStyle/>
+              <a:p>
+                <a:pPr algn="ctr"/>
+                <a:endParaRPr lang="ko-KR" altLang="en-US" dirty="0"/>
+              </a:p>
+            </p:txBody>
+          </p:sp>
+          <p:cxnSp>
+            <p:nvCxnSpPr>
+              <p:cNvPr id="115" name="직선 연결선 114">
+                <a:extLst>
+                  <a:ext uri="{FF2B5EF4-FFF2-40B4-BE49-F238E27FC236}">
+                    <a16:creationId xmlns:a16="http://schemas.microsoft.com/office/drawing/2014/main" id="{A85BA55A-3D24-297C-3B45-90550B4B6F68}"/>
+                  </a:ext>
+                </a:extLst>
+              </p:cNvPr>
+              <p:cNvCxnSpPr>
+                <a:cxnSpLocks/>
+              </p:cNvCxnSpPr>
+              <p:nvPr/>
+            </p:nvCxnSpPr>
+            <p:spPr>
+              <a:xfrm flipH="1">
+                <a:off x="4774676" y="3255869"/>
+                <a:ext cx="2734338" cy="0"/>
+              </a:xfrm>
+              <a:prstGeom prst="line">
+                <a:avLst/>
+              </a:prstGeom>
+              <a:ln>
+                <a:gradFill flip="none" rotWithShape="1">
+                  <a:gsLst>
+                    <a:gs pos="0">
+                      <a:srgbClr val="33332B"/>
+                    </a:gs>
+                    <a:gs pos="31000">
+                      <a:srgbClr val="33332B">
+                        <a:alpha val="70000"/>
+                      </a:srgbClr>
+                    </a:gs>
+                    <a:gs pos="54000">
+                      <a:srgbClr val="33332B">
+                        <a:alpha val="30000"/>
+                      </a:srgbClr>
+                    </a:gs>
+                    <a:gs pos="100000">
+                      <a:srgbClr val="33332B">
+                        <a:alpha val="0"/>
+                      </a:srgbClr>
+                    </a:gs>
+                  </a:gsLst>
+                  <a:lin ang="10800000" scaled="1"/>
+                  <a:tileRect/>
+                </a:gradFill>
+              </a:ln>
+            </p:spPr>
+            <p:style>
+              <a:lnRef idx="2">
+                <a:schemeClr val="accent1"/>
+              </a:lnRef>
+              <a:fillRef idx="0">
+                <a:schemeClr val="accent1"/>
+              </a:fillRef>
+              <a:effectRef idx="1">
+                <a:schemeClr val="accent1"/>
+              </a:effectRef>
+              <a:fontRef idx="minor">
+                <a:schemeClr val="tx1"/>
+              </a:fontRef>
+            </p:style>
+          </p:cxnSp>
+          <p:cxnSp>
+            <p:nvCxnSpPr>
+              <p:cNvPr id="116" name="직선 연결선 115">
+                <a:extLst>
+                  <a:ext uri="{FF2B5EF4-FFF2-40B4-BE49-F238E27FC236}">
+                    <a16:creationId xmlns:a16="http://schemas.microsoft.com/office/drawing/2014/main" id="{2CD6E9FC-7FA2-2324-0F23-051A560D399A}"/>
+                  </a:ext>
+                </a:extLst>
+              </p:cNvPr>
+              <p:cNvCxnSpPr>
+                <a:cxnSpLocks/>
+              </p:cNvCxnSpPr>
+              <p:nvPr/>
+            </p:nvCxnSpPr>
+            <p:spPr>
+              <a:xfrm flipH="1">
+                <a:off x="4774676" y="2919518"/>
+                <a:ext cx="2734338" cy="0"/>
+              </a:xfrm>
+              <a:prstGeom prst="line">
+                <a:avLst/>
+              </a:prstGeom>
+              <a:ln>
+                <a:gradFill flip="none" rotWithShape="1">
+                  <a:gsLst>
+                    <a:gs pos="0">
+                      <a:srgbClr val="33332B"/>
+                    </a:gs>
+                    <a:gs pos="31000">
+                      <a:srgbClr val="33332B">
+                        <a:alpha val="70000"/>
+                      </a:srgbClr>
+                    </a:gs>
+                    <a:gs pos="54000">
+                      <a:srgbClr val="33332B">
+                        <a:alpha val="30000"/>
+                      </a:srgbClr>
+                    </a:gs>
+                    <a:gs pos="100000">
+                      <a:srgbClr val="33332B">
+                        <a:alpha val="0"/>
+                      </a:srgbClr>
+                    </a:gs>
+                  </a:gsLst>
+                  <a:lin ang="10800000" scaled="1"/>
+                  <a:tileRect/>
+                </a:gradFill>
+              </a:ln>
+            </p:spPr>
+            <p:style>
+              <a:lnRef idx="2">
+                <a:schemeClr val="accent1"/>
+              </a:lnRef>
+              <a:fillRef idx="0">
+                <a:schemeClr val="accent1"/>
+              </a:fillRef>
+              <a:effectRef idx="1">
+                <a:schemeClr val="accent1"/>
+              </a:effectRef>
+              <a:fontRef idx="minor">
+                <a:schemeClr val="tx1"/>
+              </a:fontRef>
+            </p:style>
+          </p:cxnSp>
+        </p:grpSp>
+        <p:sp>
+          <p:nvSpPr>
+            <p:cNvPr id="113" name="TextBox 112">
+              <a:extLst>
+                <a:ext uri="{FF2B5EF4-FFF2-40B4-BE49-F238E27FC236}">
+                  <a16:creationId xmlns:a16="http://schemas.microsoft.com/office/drawing/2014/main" id="{016AD2FD-2D21-C430-DBF8-D5AFCB8E7EE6}"/>
+                </a:ext>
+              </a:extLst>
+            </p:cNvPr>
+            <p:cNvSpPr txBox="1"/>
+            <p:nvPr/>
+          </p:nvSpPr>
+          <p:spPr>
+            <a:xfrm>
+              <a:off x="2554184" y="1328985"/>
+              <a:ext cx="752129" cy="261610"/>
+            </a:xfrm>
+            <a:prstGeom prst="rect">
+              <a:avLst/>
+            </a:prstGeom>
+            <a:noFill/>
+          </p:spPr>
+          <p:txBody>
+            <a:bodyPr wrap="none" rtlCol="0">
+              <a:spAutoFit/>
+            </a:bodyPr>
+            <a:lstStyle/>
+            <a:p>
+              <a:r>
+                <a:rPr lang="en-US" altLang="ko-KR" sz="1100" b="1" dirty="0">
+                  <a:solidFill>
+                    <a:schemeClr val="bg1"/>
+                  </a:solidFill>
+                  <a:effectLst>
+                    <a:glow rad="101600">
+                      <a:schemeClr val="tx1">
+                        <a:alpha val="60000"/>
+                      </a:schemeClr>
+                    </a:glow>
+                  </a:effectLst>
+                  <a:latin typeface="나눔고딕" panose="020D0604000000000000" pitchFamily="50" charset="-127"/>
+                  <a:ea typeface="나눔고딕" panose="020D0604000000000000" pitchFamily="50" charset="-127"/>
+                </a:rPr>
+                <a:t>‘</a:t>
+              </a:r>
+              <a:r>
+                <a:rPr lang="ko-KR" altLang="en-US" sz="1100" b="1" dirty="0">
+                  <a:solidFill>
+                    <a:schemeClr val="bg1"/>
+                  </a:solidFill>
+                  <a:effectLst>
+                    <a:glow rad="101600">
+                      <a:schemeClr val="tx1">
+                        <a:alpha val="60000"/>
+                      </a:schemeClr>
+                    </a:glow>
+                  </a:effectLst>
+                  <a:latin typeface="나눔고딕" panose="020D0604000000000000" pitchFamily="50" charset="-127"/>
+                  <a:ea typeface="나눔고딕" panose="020D0604000000000000" pitchFamily="50" charset="-127"/>
+                </a:rPr>
+                <a:t>전회</a:t>
+              </a:r>
+              <a:r>
+                <a:rPr lang="en-US" altLang="ko-KR" sz="1100" b="1" dirty="0">
+                  <a:solidFill>
+                    <a:schemeClr val="bg1"/>
+                  </a:solidFill>
+                  <a:effectLst>
+                    <a:glow rad="101600">
+                      <a:schemeClr val="tx1">
+                        <a:alpha val="60000"/>
+                      </a:schemeClr>
+                    </a:glow>
+                  </a:effectLst>
+                  <a:latin typeface="나눔고딕" panose="020D0604000000000000" pitchFamily="50" charset="-127"/>
+                  <a:ea typeface="나눔고딕" panose="020D0604000000000000" pitchFamily="50" charset="-127"/>
+                </a:rPr>
+                <a:t>’ </a:t>
+              </a:r>
+              <a:r>
+                <a:rPr lang="ko-KR" altLang="en-US" sz="1100" b="1" dirty="0">
+                  <a:solidFill>
+                    <a:schemeClr val="bg1"/>
+                  </a:solidFill>
+                  <a:effectLst>
+                    <a:glow rad="101600">
+                      <a:schemeClr val="tx1">
+                        <a:alpha val="60000"/>
+                      </a:schemeClr>
+                    </a:glow>
+                  </a:effectLst>
+                  <a:latin typeface="나눔고딕" panose="020D0604000000000000" pitchFamily="50" charset="-127"/>
+                  <a:ea typeface="나눔고딕" panose="020D0604000000000000" pitchFamily="50" charset="-127"/>
+                </a:rPr>
+                <a:t>란</a:t>
+              </a:r>
+              <a:r>
+                <a:rPr lang="en-US" altLang="ko-KR" sz="1100" b="1" dirty="0">
+                  <a:solidFill>
+                    <a:schemeClr val="bg1"/>
+                  </a:solidFill>
+                  <a:effectLst>
+                    <a:glow rad="101600">
+                      <a:schemeClr val="tx1">
+                        <a:alpha val="60000"/>
+                      </a:schemeClr>
+                    </a:glow>
+                  </a:effectLst>
+                  <a:latin typeface="나눔고딕" panose="020D0604000000000000" pitchFamily="50" charset="-127"/>
+                  <a:ea typeface="나눔고딕" panose="020D0604000000000000" pitchFamily="50" charset="-127"/>
+                </a:rPr>
+                <a:t>?</a:t>
+              </a:r>
+              <a:endParaRPr lang="ko-KR" altLang="en-US" sz="1100" b="1" dirty="0">
+                <a:solidFill>
+                  <a:schemeClr val="bg1"/>
+                </a:solidFill>
+                <a:effectLst>
+                  <a:glow rad="101600">
+                    <a:schemeClr val="tx1">
+                      <a:alpha val="60000"/>
+                    </a:schemeClr>
+                  </a:glow>
+                </a:effectLst>
+                <a:latin typeface="나눔고딕" panose="020D0604000000000000" pitchFamily="50" charset="-127"/>
+                <a:ea typeface="나눔고딕" panose="020D0604000000000000" pitchFamily="50" charset="-127"/>
+              </a:endParaRPr>
+            </a:p>
+          </p:txBody>
+        </p:sp>
+      </p:grpSp>
+    </p:spTree>
+    <p:extLst>
+      <p:ext uri="{BB962C8B-B14F-4D97-AF65-F5344CB8AC3E}">
+        <p14:creationId xmlns:p14="http://schemas.microsoft.com/office/powerpoint/2010/main" val="1968322974"/>
+      </p:ext>
+    </p:extLst>
+  </p:cSld>
+  <p:clrMapOvr>
+    <a:masterClrMapping/>
+  </p:clrMapOvr>
+</p:sld>
+</file>
+
+<file path=ppt/slides/slide5.xml><?xml version="1.0" encoding="utf-8"?>
+<p:sld xmlns:a="http://schemas.openxmlformats.org/drawingml/2006/main" xmlns:r="http://schemas.openxmlformats.org/officeDocument/2006/relationships" xmlns:p="http://schemas.openxmlformats.org/presentationml/2006/main">
+  <p:cSld>
+    <p:spTree>
+      <p:nvGrpSpPr>
+        <p:cNvPr id="1" name=""/>
+        <p:cNvGrpSpPr/>
+        <p:nvPr/>
+      </p:nvGrpSpPr>
+      <p:grpSpPr>
+        <a:xfrm>
+          <a:off x="0" y="0"/>
+          <a:ext cx="0" cy="0"/>
+          <a:chOff x="0" y="0"/>
+          <a:chExt cx="0" cy="0"/>
+        </a:xfrm>
+      </p:grpSpPr>
+      <p:sp>
+        <p:nvSpPr>
+          <p:cNvPr id="2" name="슬라이드 번호 개체 틀 1">
+            <a:extLst>
+              <a:ext uri="{FF2B5EF4-FFF2-40B4-BE49-F238E27FC236}">
+                <a16:creationId xmlns:a16="http://schemas.microsoft.com/office/drawing/2014/main" id="{C5BD0FF6-4671-AD96-A369-8F84840014F5}"/>
+              </a:ext>
+            </a:extLst>
+          </p:cNvPr>
+          <p:cNvSpPr>
+            <a:spLocks noGrp="1"/>
+          </p:cNvSpPr>
+          <p:nvPr>
+            <p:ph type="sldNum" sz="quarter" idx="4"/>
+          </p:nvPr>
+        </p:nvSpPr>
+        <p:spPr/>
+        <p:txBody>
+          <a:bodyPr/>
+          <a:lstStyle/>
+          <a:p>
+            <a:r>
+              <a:rPr lang="en-US" altLang="ko-KR"/>
+              <a:t>p. </a:t>
+            </a:r>
+            <a:fld id="{1F335F12-2F84-4C53-9DF5-2927535D2C2D}" type="slidenum">
+              <a:rPr lang="ko-KR" altLang="en-US" smtClean="0"/>
+              <a:pPr/>
+              <a:t>5</a:t>
+            </a:fld>
+            <a:r>
+              <a:rPr lang="en-US" altLang="ko-KR"/>
+              <a:t>/20</a:t>
+            </a:r>
+            <a:endParaRPr lang="ko-KR" altLang="en-US" dirty="0"/>
+          </a:p>
+        </p:txBody>
+      </p:sp>
+      <p:grpSp>
+        <p:nvGrpSpPr>
+          <p:cNvPr id="16" name="그룹 15">
+            <a:extLst>
+              <a:ext uri="{FF2B5EF4-FFF2-40B4-BE49-F238E27FC236}">
+                <a16:creationId xmlns:a16="http://schemas.microsoft.com/office/drawing/2014/main" id="{16889DE5-4DA8-2285-D8A3-56238F48C3BA}"/>
+              </a:ext>
+            </a:extLst>
+          </p:cNvPr>
+          <p:cNvGrpSpPr/>
+          <p:nvPr/>
+        </p:nvGrpSpPr>
+        <p:grpSpPr>
+          <a:xfrm>
+            <a:off x="1704516" y="219855"/>
+            <a:ext cx="10487484" cy="392234"/>
+            <a:chOff x="1704516" y="219855"/>
+            <a:chExt cx="10487484" cy="392234"/>
+          </a:xfrm>
+        </p:grpSpPr>
+        <p:grpSp>
+          <p:nvGrpSpPr>
+            <p:cNvPr id="17" name="그룹 16">
+              <a:extLst>
+                <a:ext uri="{FF2B5EF4-FFF2-40B4-BE49-F238E27FC236}">
+                  <a16:creationId xmlns:a16="http://schemas.microsoft.com/office/drawing/2014/main" id="{C8335AE4-62A9-7FE4-8CAD-56CD45B2C1B7}"/>
+                </a:ext>
+              </a:extLst>
+            </p:cNvPr>
+            <p:cNvGrpSpPr/>
+            <p:nvPr/>
+          </p:nvGrpSpPr>
+          <p:grpSpPr>
+            <a:xfrm>
+              <a:off x="1704516" y="219855"/>
+              <a:ext cx="10487484" cy="392234"/>
+              <a:chOff x="1704516" y="219855"/>
+              <a:chExt cx="10487484" cy="392234"/>
+            </a:xfrm>
+          </p:grpSpPr>
+          <p:sp>
+            <p:nvSpPr>
+              <p:cNvPr id="19" name="직사각형 18">
+                <a:extLst>
+                  <a:ext uri="{FF2B5EF4-FFF2-40B4-BE49-F238E27FC236}">
+                    <a16:creationId xmlns:a16="http://schemas.microsoft.com/office/drawing/2014/main" id="{3134DD57-C796-4E9C-9567-CA0C465B73C0}"/>
+                  </a:ext>
+                </a:extLst>
+              </p:cNvPr>
+              <p:cNvSpPr>
+                <a:spLocks/>
+              </p:cNvSpPr>
+              <p:nvPr/>
+            </p:nvSpPr>
+            <p:spPr>
+              <a:xfrm>
+                <a:off x="1704516" y="219855"/>
+                <a:ext cx="10487484" cy="392234"/>
+              </a:xfrm>
+              <a:prstGeom prst="rect">
+                <a:avLst/>
+              </a:prstGeom>
+              <a:gradFill flip="none" rotWithShape="1">
+                <a:gsLst>
+                  <a:gs pos="58000">
+                    <a:srgbClr val="464437">
+                      <a:alpha val="70000"/>
+                    </a:srgbClr>
+                  </a:gs>
+                  <a:gs pos="2000">
+                    <a:srgbClr val="464437">
+                      <a:alpha val="80000"/>
+                    </a:srgbClr>
+                  </a:gs>
+                  <a:gs pos="100000">
+                    <a:srgbClr val="48443A">
+                      <a:alpha val="30000"/>
+                    </a:srgbClr>
+                  </a:gs>
+                </a:gsLst>
+                <a:lin ang="0" scaled="1"/>
+                <a:tileRect/>
+              </a:gradFill>
+              <a:ln>
+                <a:noFill/>
+              </a:ln>
+            </p:spPr>
+            <p:style>
+              <a:lnRef idx="2">
+                <a:schemeClr val="accent1">
+                  <a:shade val="15000"/>
+                </a:schemeClr>
+              </a:lnRef>
+              <a:fillRef idx="1">
+                <a:schemeClr val="accent1"/>
+              </a:fillRef>
+              <a:effectRef idx="0">
+                <a:schemeClr val="accent1"/>
+              </a:effectRef>
+              <a:fontRef idx="minor">
+                <a:schemeClr val="lt1"/>
+              </a:fontRef>
+            </p:style>
+            <p:txBody>
+              <a:bodyPr rtlCol="0" anchor="ctr"/>
+              <a:lstStyle/>
+              <a:p>
+                <a:pPr algn="ctr"/>
+                <a:endParaRPr lang="ko-KR" altLang="en-US" dirty="0"/>
+              </a:p>
+            </p:txBody>
+          </p:sp>
+          <p:cxnSp>
+            <p:nvCxnSpPr>
+              <p:cNvPr id="20" name="직선 연결선 19">
+                <a:extLst>
+                  <a:ext uri="{FF2B5EF4-FFF2-40B4-BE49-F238E27FC236}">
+                    <a16:creationId xmlns:a16="http://schemas.microsoft.com/office/drawing/2014/main" id="{B07D7A6D-8F8F-34E9-DB74-6CE713EA0589}"/>
+                  </a:ext>
+                </a:extLst>
+              </p:cNvPr>
+              <p:cNvCxnSpPr>
+                <a:cxnSpLocks/>
+              </p:cNvCxnSpPr>
+              <p:nvPr/>
+            </p:nvCxnSpPr>
+            <p:spPr>
+              <a:xfrm>
+                <a:off x="1992916" y="588667"/>
+                <a:ext cx="9829562" cy="0"/>
+              </a:xfrm>
+              <a:prstGeom prst="line">
+                <a:avLst/>
+              </a:prstGeom>
+              <a:ln w="28575">
+                <a:gradFill flip="none" rotWithShape="1">
+                  <a:gsLst>
+                    <a:gs pos="0">
+                      <a:srgbClr val="464437">
+                        <a:alpha val="70000"/>
+                      </a:srgbClr>
+                    </a:gs>
+                    <a:gs pos="47000">
+                      <a:srgbClr val="464437">
+                        <a:alpha val="50000"/>
+                      </a:srgbClr>
+                    </a:gs>
+                    <a:gs pos="83000">
+                      <a:srgbClr val="464437">
+                        <a:alpha val="50000"/>
+                      </a:srgbClr>
+                    </a:gs>
+                    <a:gs pos="100000">
+                      <a:srgbClr val="464437">
+                        <a:alpha val="0"/>
+                      </a:srgbClr>
+                    </a:gs>
+                  </a:gsLst>
+                  <a:path path="circle">
+                    <a:fillToRect l="50000" t="50000" r="50000" b="50000"/>
+                  </a:path>
+                  <a:tileRect/>
+                </a:gradFill>
+              </a:ln>
+            </p:spPr>
+            <p:style>
+              <a:lnRef idx="2">
+                <a:schemeClr val="accent1"/>
+              </a:lnRef>
+              <a:fillRef idx="0">
+                <a:schemeClr val="accent1"/>
+              </a:fillRef>
+              <a:effectRef idx="1">
+                <a:schemeClr val="accent1"/>
+              </a:effectRef>
+              <a:fontRef idx="minor">
+                <a:schemeClr val="tx1"/>
+              </a:fontRef>
+            </p:style>
+          </p:cxnSp>
+        </p:grpSp>
+        <p:sp>
+          <p:nvSpPr>
+            <p:cNvPr id="18" name="TextBox 17">
+              <a:extLst>
+                <a:ext uri="{FF2B5EF4-FFF2-40B4-BE49-F238E27FC236}">
+                  <a16:creationId xmlns:a16="http://schemas.microsoft.com/office/drawing/2014/main" id="{6872C446-03C0-448D-4918-E07A70D43C04}"/>
+                </a:ext>
+              </a:extLst>
+            </p:cNvPr>
+            <p:cNvSpPr txBox="1">
+              <a:spLocks/>
+            </p:cNvSpPr>
+            <p:nvPr/>
+          </p:nvSpPr>
+          <p:spPr>
+            <a:xfrm>
+              <a:off x="1704516" y="246695"/>
+              <a:ext cx="1051891" cy="338554"/>
+            </a:xfrm>
+            <a:prstGeom prst="rect">
+              <a:avLst/>
+            </a:prstGeom>
+            <a:noFill/>
+            <a:ln w="6350">
+              <a:noFill/>
+            </a:ln>
+          </p:spPr>
+          <p:txBody>
+            <a:bodyPr wrap="none" rtlCol="0">
+              <a:spAutoFit/>
+            </a:bodyPr>
+            <a:lstStyle/>
+            <a:p>
+              <a:r>
+                <a:rPr lang="ko-KR" altLang="en-US" sz="1600" dirty="0">
+                  <a:solidFill>
+                    <a:schemeClr val="bg1"/>
+                  </a:solidFill>
+                  <a:effectLst>
+                    <a:glow rad="101600">
+                      <a:schemeClr val="tx1">
+                        <a:alpha val="60000"/>
+                      </a:schemeClr>
+                    </a:glow>
+                  </a:effectLst>
+                  <a:latin typeface="빛의 계승자 Bold" panose="020B0600000101010101" pitchFamily="50" charset="-127"/>
+                  <a:ea typeface="빛의 계승자 Bold" panose="020B0600000101010101" pitchFamily="50" charset="-127"/>
+                </a:rPr>
+                <a:t>전회 부여</a:t>
+              </a:r>
+            </a:p>
+          </p:txBody>
+        </p:sp>
+      </p:grpSp>
+    </p:spTree>
+    <p:extLst>
+      <p:ext uri="{BB962C8B-B14F-4D97-AF65-F5344CB8AC3E}">
+        <p14:creationId xmlns:p14="http://schemas.microsoft.com/office/powerpoint/2010/main" val="2476732998"/>
+      </p:ext>
+    </p:extLst>
+  </p:cSld>
+  <p:clrMapOvr>
+    <a:masterClrMapping/>
+  </p:clrMapOvr>
+</p:sld>
+</file>
+
+<file path=ppt/slides/slide6.xml><?xml version="1.0" encoding="utf-8"?>
+<p:sld xmlns:a="http://schemas.openxmlformats.org/drawingml/2006/main" xmlns:r="http://schemas.openxmlformats.org/officeDocument/2006/relationships" xmlns:p="http://schemas.openxmlformats.org/presentationml/2006/main">
+  <p:cSld>
+    <p:spTree>
+      <p:nvGrpSpPr>
+        <p:cNvPr id="1" name=""/>
+        <p:cNvGrpSpPr/>
+        <p:nvPr/>
+      </p:nvGrpSpPr>
+      <p:grpSpPr>
+        <a:xfrm>
+          <a:off x="0" y="0"/>
+          <a:ext cx="0" cy="0"/>
+          <a:chOff x="0" y="0"/>
+          <a:chExt cx="0" cy="0"/>
+        </a:xfrm>
+      </p:grpSpPr>
+      <p:sp>
+        <p:nvSpPr>
+          <p:cNvPr id="2" name="슬라이드 번호 개체 틀 1">
+            <a:extLst>
+              <a:ext uri="{FF2B5EF4-FFF2-40B4-BE49-F238E27FC236}">
+                <a16:creationId xmlns:a16="http://schemas.microsoft.com/office/drawing/2014/main" id="{A5B78E01-89DF-3758-C89A-F988A80DFFB2}"/>
+              </a:ext>
+            </a:extLst>
+          </p:cNvPr>
+          <p:cNvSpPr>
+            <a:spLocks noGrp="1"/>
+          </p:cNvSpPr>
+          <p:nvPr>
+            <p:ph type="sldNum" sz="quarter" idx="4"/>
+          </p:nvPr>
+        </p:nvSpPr>
+        <p:spPr/>
+        <p:txBody>
+          <a:bodyPr/>
+          <a:lstStyle/>
+          <a:p>
+            <a:r>
+              <a:rPr lang="en-US" altLang="ko-KR"/>
+              <a:t>p. </a:t>
+            </a:r>
+            <a:fld id="{1F335F12-2F84-4C53-9DF5-2927535D2C2D}" type="slidenum">
+              <a:rPr lang="ko-KR" altLang="en-US" smtClean="0"/>
+              <a:pPr/>
+              <a:t>6</a:t>
+            </a:fld>
+            <a:r>
+              <a:rPr lang="en-US" altLang="ko-KR"/>
+              <a:t>/20</a:t>
+            </a:r>
+            <a:endParaRPr lang="ko-KR" altLang="en-US" dirty="0"/>
+          </a:p>
+        </p:txBody>
+      </p:sp>
+    </p:spTree>
+    <p:extLst>
+      <p:ext uri="{BB962C8B-B14F-4D97-AF65-F5344CB8AC3E}">
+        <p14:creationId xmlns:p14="http://schemas.microsoft.com/office/powerpoint/2010/main" val="856074562"/>
+      </p:ext>
+    </p:extLst>
+  </p:cSld>
+  <p:clrMapOvr>
+    <a:masterClrMapping/>
+  </p:clrMapOvr>
+</p:sld>
+</file>
+
+<file path=ppt/slides/slide7.xml><?xml version="1.0" encoding="utf-8"?>
+<p:sld xmlns:a="http://schemas.openxmlformats.org/drawingml/2006/main" xmlns:r="http://schemas.openxmlformats.org/officeDocument/2006/relationships" xmlns:p="http://schemas.openxmlformats.org/presentationml/2006/main">
+  <p:cSld>
+    <p:spTree>
+      <p:nvGrpSpPr>
+        <p:cNvPr id="1" name=""/>
+        <p:cNvGrpSpPr/>
+        <p:nvPr/>
+      </p:nvGrpSpPr>
+      <p:grpSpPr>
+        <a:xfrm>
+          <a:off x="0" y="0"/>
+          <a:ext cx="0" cy="0"/>
+          <a:chOff x="0" y="0"/>
+          <a:chExt cx="0" cy="0"/>
+        </a:xfrm>
+      </p:grpSpPr>
+      <p:sp>
+        <p:nvSpPr>
+          <p:cNvPr id="2" name="슬라이드 번호 개체 틀 1">
+            <a:extLst>
+              <a:ext uri="{FF2B5EF4-FFF2-40B4-BE49-F238E27FC236}">
+                <a16:creationId xmlns:a16="http://schemas.microsoft.com/office/drawing/2014/main" id="{C1CAC341-4901-C77B-232D-39954FCF9790}"/>
+              </a:ext>
+            </a:extLst>
+          </p:cNvPr>
+          <p:cNvSpPr>
+            <a:spLocks noGrp="1"/>
+          </p:cNvSpPr>
+          <p:nvPr>
+            <p:ph type="sldNum" sz="quarter" idx="4"/>
+          </p:nvPr>
+        </p:nvSpPr>
+        <p:spPr/>
+        <p:txBody>
+          <a:bodyPr/>
+          <a:lstStyle/>
+          <a:p>
+            <a:r>
+              <a:rPr lang="en-US" altLang="ko-KR"/>
+              <a:t>p. </a:t>
+            </a:r>
+            <a:fld id="{1F335F12-2F84-4C53-9DF5-2927535D2C2D}" type="slidenum">
+              <a:rPr lang="ko-KR" altLang="en-US" smtClean="0"/>
+              <a:pPr/>
+              <a:t>7</a:t>
+            </a:fld>
+            <a:r>
+              <a:rPr lang="en-US" altLang="ko-KR"/>
+              <a:t>/20</a:t>
+            </a:r>
+            <a:endParaRPr lang="ko-KR" altLang="en-US" dirty="0"/>
+          </a:p>
+        </p:txBody>
+      </p:sp>
+    </p:spTree>
+    <p:extLst>
+      <p:ext uri="{BB962C8B-B14F-4D97-AF65-F5344CB8AC3E}">
+        <p14:creationId xmlns:p14="http://schemas.microsoft.com/office/powerpoint/2010/main" val="345884417"/>
+      </p:ext>
+    </p:extLst>
+  </p:cSld>
+  <p:clrMapOvr>
+    <a:masterClrMapping/>
+  </p:clrMapOvr>
+</p:sld>
+</file>
+
+<file path=ppt/slides/slide8.xml><?xml version="1.0" encoding="utf-8"?>
+<p:sld xmlns:a="http://schemas.openxmlformats.org/drawingml/2006/main" xmlns:r="http://schemas.openxmlformats.org/officeDocument/2006/relationships" xmlns:p="http://schemas.openxmlformats.org/presentationml/2006/main">
+  <p:cSld>
+    <p:spTree>
+      <p:nvGrpSpPr>
+        <p:cNvPr id="1" name=""/>
+        <p:cNvGrpSpPr/>
+        <p:nvPr/>
+      </p:nvGrpSpPr>
+      <p:grpSpPr>
+        <a:xfrm>
+          <a:off x="0" y="0"/>
+          <a:ext cx="0" cy="0"/>
+          <a:chOff x="0" y="0"/>
+          <a:chExt cx="0" cy="0"/>
+        </a:xfrm>
+      </p:grpSpPr>
+      <p:sp>
+        <p:nvSpPr>
+          <p:cNvPr id="2" name="슬라이드 번호 개체 틀 1">
+            <a:extLst>
+              <a:ext uri="{FF2B5EF4-FFF2-40B4-BE49-F238E27FC236}">
+                <a16:creationId xmlns:a16="http://schemas.microsoft.com/office/drawing/2014/main" id="{B5B1BE3C-03E2-6C1F-241F-CCA5D5A08A86}"/>
+              </a:ext>
+            </a:extLst>
+          </p:cNvPr>
+          <p:cNvSpPr>
+            <a:spLocks noGrp="1"/>
+          </p:cNvSpPr>
+          <p:nvPr>
+            <p:ph type="sldNum" sz="quarter" idx="4"/>
+          </p:nvPr>
+        </p:nvSpPr>
+        <p:spPr/>
+        <p:txBody>
+          <a:bodyPr/>
+          <a:lstStyle/>
+          <a:p>
+            <a:r>
+              <a:rPr lang="en-US" altLang="ko-KR"/>
+              <a:t>p. </a:t>
+            </a:r>
+            <a:fld id="{1F335F12-2F84-4C53-9DF5-2927535D2C2D}" type="slidenum">
+              <a:rPr lang="ko-KR" altLang="en-US" smtClean="0"/>
+              <a:pPr/>
+              <a:t>8</a:t>
+            </a:fld>
+            <a:r>
+              <a:rPr lang="en-US" altLang="ko-KR"/>
+              <a:t>/20</a:t>
+            </a:r>
+            <a:endParaRPr lang="ko-KR" altLang="en-US" dirty="0"/>
+          </a:p>
+        </p:txBody>
+      </p:sp>
+      <p:sp>
+        <p:nvSpPr>
+          <p:cNvPr id="3" name="TextBox 2">
+            <a:extLst>
+              <a:ext uri="{FF2B5EF4-FFF2-40B4-BE49-F238E27FC236}">
+                <a16:creationId xmlns:a16="http://schemas.microsoft.com/office/drawing/2014/main" id="{96EABF16-B9A5-02A3-A205-7B4E2E78F7EC}"/>
+              </a:ext>
+            </a:extLst>
+          </p:cNvPr>
+          <p:cNvSpPr txBox="1"/>
+          <p:nvPr/>
+        </p:nvSpPr>
+        <p:spPr>
+          <a:xfrm>
+            <a:off x="2533919" y="2033155"/>
+            <a:ext cx="2840842" cy="2554545"/>
+          </a:xfrm>
+          <a:prstGeom prst="rect">
+            <a:avLst/>
+          </a:prstGeom>
+          <a:noFill/>
+        </p:spPr>
+        <p:txBody>
+          <a:bodyPr wrap="none" rtlCol="0">
+            <a:spAutoFit/>
+          </a:bodyPr>
+          <a:lstStyle/>
+          <a:p>
+            <a:r>
+              <a:rPr lang="ko-KR" altLang="en-US" sz="1000" dirty="0">
+                <a:solidFill>
+                  <a:schemeClr val="bg1"/>
+                </a:solidFill>
+                <a:latin typeface="나눔고딕" panose="020D0604000000000000" pitchFamily="50" charset="-127"/>
+                <a:ea typeface="나눔고딕" panose="020D0604000000000000" pitchFamily="50" charset="-127"/>
+              </a:rPr>
+              <a:t>현재 문제점</a:t>
+            </a:r>
+            <a:endParaRPr lang="en-US" altLang="ko-KR" sz="1000" dirty="0">
+              <a:solidFill>
+                <a:schemeClr val="bg1"/>
+              </a:solidFill>
+              <a:latin typeface="나눔고딕" panose="020D0604000000000000" pitchFamily="50" charset="-127"/>
+              <a:ea typeface="나눔고딕" panose="020D0604000000000000" pitchFamily="50" charset="-127"/>
+            </a:endParaRPr>
+          </a:p>
+          <a:p>
+            <a:r>
+              <a:rPr lang="en-US" altLang="ko-KR" sz="1000" dirty="0">
+                <a:solidFill>
+                  <a:schemeClr val="bg1"/>
+                </a:solidFill>
+                <a:latin typeface="나눔고딕" panose="020D0604000000000000" pitchFamily="50" charset="-127"/>
+                <a:ea typeface="나눔고딕" panose="020D0604000000000000" pitchFamily="50" charset="-127"/>
+              </a:rPr>
+              <a:t>1) </a:t>
+            </a:r>
+          </a:p>
+          <a:p>
+            <a:endParaRPr lang="en-US" altLang="ko-KR" sz="1000" dirty="0">
+              <a:solidFill>
+                <a:schemeClr val="bg1"/>
+              </a:solidFill>
+              <a:latin typeface="나눔고딕" panose="020D0604000000000000" pitchFamily="50" charset="-127"/>
+              <a:ea typeface="나눔고딕" panose="020D0604000000000000" pitchFamily="50" charset="-127"/>
+            </a:endParaRPr>
+          </a:p>
+          <a:p>
+            <a:r>
+              <a:rPr lang="ko-KR" altLang="en-US" sz="1000" dirty="0">
+                <a:solidFill>
+                  <a:schemeClr val="bg1"/>
+                </a:solidFill>
+                <a:latin typeface="나눔고딕" panose="020D0604000000000000" pitchFamily="50" charset="-127"/>
+                <a:ea typeface="나눔고딕" panose="020D0604000000000000" pitchFamily="50" charset="-127"/>
+              </a:rPr>
+              <a:t>개선 사항의 목적</a:t>
+            </a:r>
+            <a:endParaRPr lang="en-US" altLang="ko-KR" sz="1000" dirty="0">
+              <a:solidFill>
+                <a:schemeClr val="bg1"/>
+              </a:solidFill>
+              <a:latin typeface="나눔고딕" panose="020D0604000000000000" pitchFamily="50" charset="-127"/>
+              <a:ea typeface="나눔고딕" panose="020D0604000000000000" pitchFamily="50" charset="-127"/>
+            </a:endParaRPr>
+          </a:p>
+          <a:p>
+            <a:pPr marL="228600" indent="-228600">
+              <a:buAutoNum type="arabicParenR"/>
+            </a:pPr>
+            <a:r>
+              <a:rPr lang="ko-KR" altLang="en-US" sz="1000" dirty="0">
+                <a:solidFill>
+                  <a:schemeClr val="bg1"/>
+                </a:solidFill>
+                <a:latin typeface="나눔고딕" panose="020D0604000000000000" pitchFamily="50" charset="-127"/>
+                <a:ea typeface="나눔고딕" panose="020D0604000000000000" pitchFamily="50" charset="-127"/>
+              </a:rPr>
+              <a:t>적극적으로 전회를 바꿔가며 사용하도록 유도</a:t>
+            </a:r>
+            <a:endParaRPr lang="en-US" altLang="ko-KR" sz="1000" dirty="0">
+              <a:solidFill>
+                <a:schemeClr val="bg1"/>
+              </a:solidFill>
+              <a:latin typeface="나눔고딕" panose="020D0604000000000000" pitchFamily="50" charset="-127"/>
+              <a:ea typeface="나눔고딕" panose="020D0604000000000000" pitchFamily="50" charset="-127"/>
+            </a:endParaRPr>
+          </a:p>
+          <a:p>
+            <a:pPr marL="228600" indent="-228600">
+              <a:buAutoNum type="arabicParenR"/>
+            </a:pPr>
+            <a:r>
+              <a:rPr lang="ko-KR" altLang="en-US" sz="1000" dirty="0">
+                <a:solidFill>
+                  <a:schemeClr val="bg1"/>
+                </a:solidFill>
+                <a:latin typeface="나눔고딕" panose="020D0604000000000000" pitchFamily="50" charset="-127"/>
+                <a:ea typeface="나눔고딕" panose="020D0604000000000000" pitchFamily="50" charset="-127"/>
+              </a:rPr>
+              <a:t>전회를 많이 사용할 수록 </a:t>
+            </a:r>
+            <a:r>
+              <a:rPr lang="ko-KR" altLang="en-US" sz="1000" dirty="0" err="1">
+                <a:solidFill>
+                  <a:schemeClr val="bg1"/>
+                </a:solidFill>
+                <a:latin typeface="나눔고딕" panose="020D0604000000000000" pitchFamily="50" charset="-127"/>
+                <a:ea typeface="나눔고딕" panose="020D0604000000000000" pitchFamily="50" charset="-127"/>
+              </a:rPr>
+              <a:t>강해짐</a:t>
+            </a:r>
+            <a:r>
+              <a:rPr lang="en-US" altLang="ko-KR" sz="1000" dirty="0">
+                <a:solidFill>
+                  <a:schemeClr val="bg1"/>
+                </a:solidFill>
+                <a:latin typeface="나눔고딕" panose="020D0604000000000000" pitchFamily="50" charset="-127"/>
+                <a:ea typeface="나눔고딕" panose="020D0604000000000000" pitchFamily="50" charset="-127"/>
+              </a:rPr>
+              <a:t>.</a:t>
+            </a:r>
+          </a:p>
+          <a:p>
+            <a:pPr marL="228600" indent="-228600">
+              <a:buAutoNum type="arabicParenR"/>
+            </a:pPr>
+            <a:r>
+              <a:rPr lang="ko-KR" altLang="en-US" sz="1000" dirty="0">
+                <a:solidFill>
+                  <a:schemeClr val="bg1"/>
+                </a:solidFill>
+                <a:latin typeface="나눔고딕" panose="020D0604000000000000" pitchFamily="50" charset="-127"/>
+                <a:ea typeface="나눔고딕" panose="020D0604000000000000" pitchFamily="50" charset="-127"/>
+              </a:rPr>
+              <a:t>성취감 제공</a:t>
+            </a:r>
+            <a:endParaRPr lang="en-US" altLang="ko-KR" sz="1000" dirty="0">
+              <a:solidFill>
+                <a:schemeClr val="bg1"/>
+              </a:solidFill>
+              <a:latin typeface="나눔고딕" panose="020D0604000000000000" pitchFamily="50" charset="-127"/>
+              <a:ea typeface="나눔고딕" panose="020D0604000000000000" pitchFamily="50" charset="-127"/>
+            </a:endParaRPr>
+          </a:p>
+          <a:p>
+            <a:pPr marL="228600" indent="-228600">
+              <a:buAutoNum type="arabicParenR"/>
+            </a:pPr>
+            <a:endParaRPr lang="en-US" altLang="ko-KR" sz="1000" dirty="0">
+              <a:solidFill>
+                <a:schemeClr val="bg1"/>
+              </a:solidFill>
+              <a:latin typeface="나눔고딕" panose="020D0604000000000000" pitchFamily="50" charset="-127"/>
+              <a:ea typeface="나눔고딕" panose="020D0604000000000000" pitchFamily="50" charset="-127"/>
+            </a:endParaRPr>
+          </a:p>
+          <a:p>
+            <a:pPr marL="228600" indent="-228600">
+              <a:buAutoNum type="arabicParenR"/>
+            </a:pPr>
+            <a:endParaRPr lang="en-US" altLang="ko-KR" sz="1000" dirty="0">
+              <a:solidFill>
+                <a:schemeClr val="bg1"/>
+              </a:solidFill>
+              <a:latin typeface="나눔고딕" panose="020D0604000000000000" pitchFamily="50" charset="-127"/>
+              <a:ea typeface="나눔고딕" panose="020D0604000000000000" pitchFamily="50" charset="-127"/>
+            </a:endParaRPr>
+          </a:p>
+          <a:p>
+            <a:pPr marL="171450" indent="-171450">
+              <a:buFontTx/>
+              <a:buChar char="-"/>
+            </a:pPr>
+            <a:r>
+              <a:rPr lang="ko-KR" altLang="en-US" sz="1000" dirty="0">
+                <a:solidFill>
+                  <a:schemeClr val="bg1"/>
+                </a:solidFill>
+                <a:latin typeface="나눔고딕" panose="020D0604000000000000" pitchFamily="50" charset="-127"/>
+                <a:ea typeface="나눔고딕" panose="020D0604000000000000" pitchFamily="50" charset="-127"/>
+              </a:rPr>
+              <a:t>전회 사용에 대한 업적</a:t>
+            </a:r>
+            <a:r>
+              <a:rPr lang="en-US" altLang="ko-KR" sz="1000" dirty="0">
+                <a:solidFill>
+                  <a:schemeClr val="bg1"/>
+                </a:solidFill>
+                <a:latin typeface="나눔고딕" panose="020D0604000000000000" pitchFamily="50" charset="-127"/>
+                <a:ea typeface="나눔고딕" panose="020D0604000000000000" pitchFamily="50" charset="-127"/>
+              </a:rPr>
+              <a:t> </a:t>
+            </a:r>
+            <a:r>
+              <a:rPr lang="ko-KR" altLang="en-US" sz="1000" dirty="0">
+                <a:solidFill>
+                  <a:schemeClr val="bg1"/>
+                </a:solidFill>
+                <a:latin typeface="나눔고딕" panose="020D0604000000000000" pitchFamily="50" charset="-127"/>
+                <a:ea typeface="나눔고딕" panose="020D0604000000000000" pitchFamily="50" charset="-127"/>
+              </a:rPr>
+              <a:t>시스템</a:t>
+            </a:r>
+            <a:r>
+              <a:rPr lang="en-US" altLang="ko-KR" sz="1000" dirty="0">
+                <a:solidFill>
+                  <a:schemeClr val="bg1"/>
+                </a:solidFill>
+                <a:latin typeface="나눔고딕" panose="020D0604000000000000" pitchFamily="50" charset="-127"/>
+                <a:ea typeface="나눔고딕" panose="020D0604000000000000" pitchFamily="50" charset="-127"/>
+              </a:rPr>
+              <a:t>?</a:t>
+            </a:r>
+            <a:br>
+              <a:rPr lang="en-US" altLang="ko-KR" sz="1000" dirty="0">
+                <a:solidFill>
+                  <a:schemeClr val="bg1"/>
+                </a:solidFill>
+                <a:latin typeface="나눔고딕" panose="020D0604000000000000" pitchFamily="50" charset="-127"/>
+                <a:ea typeface="나눔고딕" panose="020D0604000000000000" pitchFamily="50" charset="-127"/>
+              </a:rPr>
+            </a:br>
+            <a:r>
+              <a:rPr lang="en-US" altLang="ko-KR" sz="1000" dirty="0">
+                <a:solidFill>
+                  <a:schemeClr val="bg1"/>
+                </a:solidFill>
+                <a:latin typeface="나눔고딕" panose="020D0604000000000000" pitchFamily="50" charset="-127"/>
+                <a:ea typeface="나눔고딕" panose="020D0604000000000000" pitchFamily="50" charset="-127"/>
+              </a:rPr>
+              <a:t>Ex) </a:t>
+            </a:r>
+            <a:r>
+              <a:rPr lang="ko-KR" altLang="en-US" sz="1000" dirty="0">
+                <a:solidFill>
+                  <a:schemeClr val="bg1"/>
+                </a:solidFill>
+                <a:latin typeface="나눔고딕" panose="020D0604000000000000" pitchFamily="50" charset="-127"/>
+                <a:ea typeface="나눔고딕" panose="020D0604000000000000" pitchFamily="50" charset="-127"/>
+              </a:rPr>
+              <a:t>어떤 전회를 사용하여 적 처치</a:t>
+            </a:r>
+            <a:endParaRPr lang="en-US" altLang="ko-KR" sz="1000" dirty="0">
+              <a:solidFill>
+                <a:schemeClr val="bg1"/>
+              </a:solidFill>
+              <a:latin typeface="나눔고딕" panose="020D0604000000000000" pitchFamily="50" charset="-127"/>
+              <a:ea typeface="나눔고딕" panose="020D0604000000000000" pitchFamily="50" charset="-127"/>
+            </a:endParaRPr>
+          </a:p>
+          <a:p>
+            <a:pPr marL="171450" indent="-171450">
+              <a:buFontTx/>
+              <a:buChar char="-"/>
+            </a:pPr>
+            <a:r>
+              <a:rPr lang="ko-KR" altLang="en-US" sz="1000" dirty="0">
+                <a:solidFill>
+                  <a:schemeClr val="bg1"/>
+                </a:solidFill>
+                <a:latin typeface="나눔고딕" panose="020D0604000000000000" pitchFamily="50" charset="-127"/>
+                <a:ea typeface="나눔고딕" panose="020D0604000000000000" pitchFamily="50" charset="-127"/>
+              </a:rPr>
+              <a:t>무기에 특정 전회 부여 시 특별한 능력 발동</a:t>
+            </a:r>
+            <a:r>
+              <a:rPr lang="en-US" altLang="ko-KR" sz="1000" dirty="0">
+                <a:solidFill>
+                  <a:schemeClr val="bg1"/>
+                </a:solidFill>
+                <a:latin typeface="나눔고딕" panose="020D0604000000000000" pitchFamily="50" charset="-127"/>
+                <a:ea typeface="나눔고딕" panose="020D0604000000000000" pitchFamily="50" charset="-127"/>
+              </a:rPr>
+              <a:t>?</a:t>
+            </a:r>
+          </a:p>
+          <a:p>
+            <a:pPr marL="171450" indent="-171450">
+              <a:buFontTx/>
+              <a:buChar char="-"/>
+            </a:pPr>
+            <a:r>
+              <a:rPr lang="ko-KR" altLang="en-US" sz="1000" dirty="0">
+                <a:solidFill>
+                  <a:schemeClr val="bg1"/>
+                </a:solidFill>
+                <a:latin typeface="나눔고딕" panose="020D0604000000000000" pitchFamily="50" charset="-127"/>
+                <a:ea typeface="나눔고딕" panose="020D0604000000000000" pitchFamily="50" charset="-127"/>
+              </a:rPr>
+              <a:t>전회 숙련도 도입</a:t>
+            </a:r>
+            <a:r>
+              <a:rPr lang="en-US" altLang="ko-KR" sz="1000" dirty="0">
+                <a:solidFill>
+                  <a:schemeClr val="bg1"/>
+                </a:solidFill>
+                <a:latin typeface="나눔고딕" panose="020D0604000000000000" pitchFamily="50" charset="-127"/>
+                <a:ea typeface="나눔고딕" panose="020D0604000000000000" pitchFamily="50" charset="-127"/>
+              </a:rPr>
+              <a:t>? </a:t>
+            </a:r>
+          </a:p>
+          <a:p>
+            <a:pPr marL="171450" indent="-171450">
+              <a:buFontTx/>
+              <a:buChar char="-"/>
+            </a:pPr>
+            <a:endParaRPr lang="en-US" altLang="ko-KR" sz="1000" dirty="0">
+              <a:solidFill>
+                <a:schemeClr val="bg1"/>
+              </a:solidFill>
+              <a:latin typeface="나눔고딕" panose="020D0604000000000000" pitchFamily="50" charset="-127"/>
+              <a:ea typeface="나눔고딕" panose="020D0604000000000000" pitchFamily="50" charset="-127"/>
+            </a:endParaRPr>
+          </a:p>
+          <a:p>
+            <a:endParaRPr lang="en-US" altLang="ko-KR" sz="1000" dirty="0">
+              <a:solidFill>
+                <a:schemeClr val="bg1"/>
+              </a:solidFill>
+              <a:latin typeface="나눔고딕" panose="020D0604000000000000" pitchFamily="50" charset="-127"/>
+              <a:ea typeface="나눔고딕" panose="020D0604000000000000" pitchFamily="50" charset="-127"/>
+            </a:endParaRPr>
+          </a:p>
+          <a:p>
+            <a:pPr marL="171450" indent="-171450">
+              <a:buFontTx/>
+              <a:buChar char="-"/>
+            </a:pPr>
+            <a:endParaRPr lang="en-US" altLang="ko-KR" sz="1000" dirty="0">
+              <a:solidFill>
+                <a:schemeClr val="bg1"/>
+              </a:solidFill>
+              <a:latin typeface="나눔고딕" panose="020D0604000000000000" pitchFamily="50" charset="-127"/>
+              <a:ea typeface="나눔고딕" panose="020D0604000000000000" pitchFamily="50" charset="-127"/>
+            </a:endParaRPr>
+          </a:p>
+        </p:txBody>
+      </p:sp>
+    </p:spTree>
+    <p:extLst>
+      <p:ext uri="{BB962C8B-B14F-4D97-AF65-F5344CB8AC3E}">
+        <p14:creationId xmlns:p14="http://schemas.microsoft.com/office/powerpoint/2010/main" val="1240905001"/>
+      </p:ext>
+    </p:extLst>
+  </p:cSld>
+  <p:clrMapOvr>
+    <a:masterClrMapping/>
+  </p:clrMapOvr>
+</p:sld>
+</file>
+
+<file path=ppt/slides/slide9.xml><?xml version="1.0" encoding="utf-8"?>
 <p:sld xmlns:a="http://schemas.openxmlformats.org/drawingml/2006/main" xmlns:r="http://schemas.openxmlformats.org/officeDocument/2006/relationships" xmlns:p="http://schemas.openxmlformats.org/presentationml/2006/main">
   <p:cSld>
     <p:spTree>
@@ -11808,1974 +16946,6 @@
     <p:extLst>
       <p:ext uri="{BB962C8B-B14F-4D97-AF65-F5344CB8AC3E}">
         <p14:creationId xmlns:p14="http://schemas.microsoft.com/office/powerpoint/2010/main" val="626421955"/>
-      </p:ext>
-    </p:extLst>
-  </p:cSld>
-  <p:clrMapOvr>
-    <a:masterClrMapping/>
-  </p:clrMapOvr>
-</p:sld>
-</file>
-
-<file path=ppt/slides/slide2.xml><?xml version="1.0" encoding="utf-8"?>
-<p:sld xmlns:a="http://schemas.openxmlformats.org/drawingml/2006/main" xmlns:r="http://schemas.openxmlformats.org/officeDocument/2006/relationships" xmlns:p="http://schemas.openxmlformats.org/presentationml/2006/main">
-  <p:cSld>
-    <p:spTree>
-      <p:nvGrpSpPr>
-        <p:cNvPr id="1" name=""/>
-        <p:cNvGrpSpPr/>
-        <p:nvPr/>
-      </p:nvGrpSpPr>
-      <p:grpSpPr>
-        <a:xfrm>
-          <a:off x="0" y="0"/>
-          <a:ext cx="0" cy="0"/>
-          <a:chOff x="0" y="0"/>
-          <a:chExt cx="0" cy="0"/>
-        </a:xfrm>
-      </p:grpSpPr>
-      <p:pic>
-        <p:nvPicPr>
-          <p:cNvPr id="36" name="그림 35" descr="어둠, 밤이(가) 표시된 사진&#10;&#10;자동 생성된 설명">
-            <a:extLst>
-              <a:ext uri="{FF2B5EF4-FFF2-40B4-BE49-F238E27FC236}">
-                <a16:creationId xmlns:a16="http://schemas.microsoft.com/office/drawing/2014/main" id="{96E5BF46-CAB5-B761-F857-70842B94FF56}"/>
-              </a:ext>
-            </a:extLst>
-          </p:cNvPr>
-          <p:cNvPicPr>
-            <a:picLocks noChangeAspect="1"/>
-          </p:cNvPicPr>
-          <p:nvPr/>
-        </p:nvPicPr>
-        <p:blipFill>
-          <a:blip r:embed="rId3">
-            <a:alphaModFix/>
-            <a:extLst>
-              <a:ext uri="{28A0092B-C50C-407E-A947-70E740481C1C}">
-                <a14:useLocalDpi xmlns:a14="http://schemas.microsoft.com/office/drawing/2010/main" val="0"/>
-              </a:ext>
-            </a:extLst>
-          </a:blip>
-          <a:srcRect l="28457" t="6583" r="26748" b="6362"/>
-          <a:stretch/>
-        </p:blipFill>
-        <p:spPr>
-          <a:xfrm>
-            <a:off x="6096000" y="701425"/>
-            <a:ext cx="5461352" cy="5964865"/>
-          </a:xfrm>
-          <a:prstGeom prst="rect">
-            <a:avLst/>
-          </a:prstGeom>
-        </p:spPr>
-      </p:pic>
-      <p:sp>
-        <p:nvSpPr>
-          <p:cNvPr id="31" name="TextBox 30">
-            <a:extLst>
-              <a:ext uri="{FF2B5EF4-FFF2-40B4-BE49-F238E27FC236}">
-                <a16:creationId xmlns:a16="http://schemas.microsoft.com/office/drawing/2014/main" id="{621E40F9-1C2D-34A7-10B5-F878AF99E4B9}"/>
-              </a:ext>
-            </a:extLst>
-          </p:cNvPr>
-          <p:cNvSpPr txBox="1"/>
-          <p:nvPr/>
-        </p:nvSpPr>
-        <p:spPr>
-          <a:xfrm>
-            <a:off x="1417782" y="829038"/>
-            <a:ext cx="2997200" cy="1046440"/>
-          </a:xfrm>
-          <a:prstGeom prst="rect">
-            <a:avLst/>
-          </a:prstGeom>
-          <a:noFill/>
-        </p:spPr>
-        <p:txBody>
-          <a:bodyPr wrap="square" lIns="0" tIns="0" rIns="0" bIns="0" rtlCol="0" anchor="ctr" anchorCtr="0">
-            <a:spAutoFit/>
-          </a:bodyPr>
-          <a:lstStyle/>
-          <a:p>
-            <a:pPr algn="ctr"/>
-            <a:r>
-              <a:rPr lang="en-US" altLang="ko-KR" sz="6800" b="1" dirty="0">
-                <a:ln>
-                  <a:solidFill>
-                    <a:srgbClr val="D1B973"/>
-                  </a:solidFill>
-                </a:ln>
-                <a:gradFill>
-                  <a:gsLst>
-                    <a:gs pos="20000">
-                      <a:srgbClr val="E8DFC2">
-                        <a:lumMod val="98000"/>
-                        <a:lumOff val="2000"/>
-                      </a:srgbClr>
-                    </a:gs>
-                    <a:gs pos="2000">
-                      <a:srgbClr val="F2EDDE"/>
-                    </a:gs>
-                    <a:gs pos="60000">
-                      <a:srgbClr val="D1B973"/>
-                    </a:gs>
-                    <a:gs pos="40000">
-                      <a:srgbClr val="E6D9B4"/>
-                    </a:gs>
-                    <a:gs pos="76000">
-                      <a:srgbClr val="D1B973"/>
-                    </a:gs>
-                    <a:gs pos="100000">
-                      <a:srgbClr val="E6D9B4"/>
-                    </a:gs>
-                  </a:gsLst>
-                  <a:path path="circle">
-                    <a:fillToRect l="50000" t="50000" r="50000" b="50000"/>
-                  </a:path>
-                </a:gradFill>
-                <a:effectLst>
-                  <a:glow rad="63500">
-                    <a:schemeClr val="tx1">
-                      <a:alpha val="60000"/>
-                    </a:schemeClr>
-                  </a:glow>
-                </a:effectLst>
-                <a:latin typeface="빛의 계승자 Regular" panose="020B0600000101010101" pitchFamily="50" charset="-127"/>
-                <a:ea typeface="빛의 계승자 Regular" panose="020B0600000101010101" pitchFamily="50" charset="-127"/>
-              </a:rPr>
-              <a:t>INDEX</a:t>
-            </a:r>
-            <a:endParaRPr lang="ko-KR" altLang="en-US" sz="6800" b="1" dirty="0">
-              <a:ln>
-                <a:solidFill>
-                  <a:srgbClr val="D1B973"/>
-                </a:solidFill>
-              </a:ln>
-              <a:gradFill>
-                <a:gsLst>
-                  <a:gs pos="20000">
-                    <a:srgbClr val="E8DFC2">
-                      <a:lumMod val="98000"/>
-                      <a:lumOff val="2000"/>
-                    </a:srgbClr>
-                  </a:gs>
-                  <a:gs pos="2000">
-                    <a:srgbClr val="F2EDDE"/>
-                  </a:gs>
-                  <a:gs pos="60000">
-                    <a:srgbClr val="D1B973"/>
-                  </a:gs>
-                  <a:gs pos="40000">
-                    <a:srgbClr val="E6D9B4"/>
-                  </a:gs>
-                  <a:gs pos="76000">
-                    <a:srgbClr val="D1B973"/>
-                  </a:gs>
-                  <a:gs pos="100000">
-                    <a:srgbClr val="E6D9B4"/>
-                  </a:gs>
-                </a:gsLst>
-                <a:path path="circle">
-                  <a:fillToRect l="50000" t="50000" r="50000" b="50000"/>
-                </a:path>
-              </a:gradFill>
-              <a:effectLst>
-                <a:glow rad="63500">
-                  <a:schemeClr val="tx1">
-                    <a:alpha val="60000"/>
-                  </a:schemeClr>
-                </a:glow>
-              </a:effectLst>
-              <a:latin typeface="빛의 계승자 Regular" panose="020B0600000101010101" pitchFamily="50" charset="-127"/>
-              <a:ea typeface="빛의 계승자 Regular" panose="020B0600000101010101" pitchFamily="50" charset="-127"/>
-            </a:endParaRPr>
-          </a:p>
-        </p:txBody>
-      </p:sp>
-      <p:grpSp>
-        <p:nvGrpSpPr>
-          <p:cNvPr id="3" name="그룹 2">
-            <a:extLst>
-              <a:ext uri="{FF2B5EF4-FFF2-40B4-BE49-F238E27FC236}">
-                <a16:creationId xmlns:a16="http://schemas.microsoft.com/office/drawing/2014/main" id="{0DDB2820-4A4C-54B4-AF0A-55E5617FC368}"/>
-              </a:ext>
-            </a:extLst>
-          </p:cNvPr>
-          <p:cNvGrpSpPr/>
-          <p:nvPr/>
-        </p:nvGrpSpPr>
-        <p:grpSpPr>
-          <a:xfrm>
-            <a:off x="1417782" y="2592890"/>
-            <a:ext cx="1832553" cy="3163543"/>
-            <a:chOff x="5179726" y="3174787"/>
-            <a:chExt cx="1832553" cy="3163543"/>
-          </a:xfrm>
-        </p:grpSpPr>
-        <p:sp>
-          <p:nvSpPr>
-            <p:cNvPr id="22" name="TextBox 21">
-              <a:extLst>
-                <a:ext uri="{FF2B5EF4-FFF2-40B4-BE49-F238E27FC236}">
-                  <a16:creationId xmlns:a16="http://schemas.microsoft.com/office/drawing/2014/main" id="{CBA7554A-FA64-F1C3-C7AB-E739657CD663}"/>
-                </a:ext>
-              </a:extLst>
-            </p:cNvPr>
-            <p:cNvSpPr txBox="1"/>
-            <p:nvPr/>
-          </p:nvSpPr>
-          <p:spPr>
-            <a:xfrm>
-              <a:off x="5179726" y="4556503"/>
-              <a:ext cx="1832553" cy="400110"/>
-            </a:xfrm>
-            <a:prstGeom prst="rect">
-              <a:avLst/>
-            </a:prstGeom>
-            <a:noFill/>
-          </p:spPr>
-          <p:txBody>
-            <a:bodyPr wrap="none" rtlCol="0">
-              <a:spAutoFit/>
-            </a:bodyPr>
-            <a:lstStyle/>
-            <a:p>
-              <a:pPr algn="ctr"/>
-              <a:r>
-                <a:rPr lang="en-US" altLang="ko-KR" sz="2000" b="1" dirty="0">
-                  <a:solidFill>
-                    <a:schemeClr val="bg1"/>
-                  </a:solidFill>
-                  <a:effectLst>
-                    <a:glow rad="101600">
-                      <a:schemeClr val="tx1">
-                        <a:alpha val="60000"/>
-                      </a:schemeClr>
-                    </a:glow>
-                  </a:effectLst>
-                  <a:latin typeface="빛의 계승자 Regular" panose="020B0600000101010101" pitchFamily="50" charset="-127"/>
-                  <a:ea typeface="빛의 계승자 Regular" panose="020B0600000101010101" pitchFamily="50" charset="-127"/>
-                </a:rPr>
-                <a:t>3. </a:t>
-              </a:r>
-              <a:r>
-                <a:rPr lang="ko-KR" altLang="en-US" sz="2000" b="1" dirty="0">
-                  <a:solidFill>
-                    <a:schemeClr val="bg1"/>
-                  </a:solidFill>
-                  <a:effectLst>
-                    <a:glow rad="101600">
-                      <a:schemeClr val="tx1">
-                        <a:alpha val="60000"/>
-                      </a:schemeClr>
-                    </a:glow>
-                  </a:effectLst>
-                  <a:latin typeface="빛의 계승자 Regular" panose="020B0600000101010101" pitchFamily="50" charset="-127"/>
-                  <a:ea typeface="빛의 계승자 Regular" panose="020B0600000101010101" pitchFamily="50" charset="-127"/>
-                </a:rPr>
-                <a:t>시스템 소개</a:t>
-              </a:r>
-            </a:p>
-          </p:txBody>
-        </p:sp>
-        <p:sp>
-          <p:nvSpPr>
-            <p:cNvPr id="25" name="TextBox 24">
-              <a:extLst>
-                <a:ext uri="{FF2B5EF4-FFF2-40B4-BE49-F238E27FC236}">
-                  <a16:creationId xmlns:a16="http://schemas.microsoft.com/office/drawing/2014/main" id="{DE944362-EC0C-F37B-E238-66905C9A505E}"/>
-                </a:ext>
-              </a:extLst>
-            </p:cNvPr>
-            <p:cNvSpPr txBox="1"/>
-            <p:nvPr/>
-          </p:nvSpPr>
-          <p:spPr>
-            <a:xfrm>
-              <a:off x="5192549" y="5247361"/>
-              <a:ext cx="1577676" cy="400110"/>
-            </a:xfrm>
-            <a:prstGeom prst="rect">
-              <a:avLst/>
-            </a:prstGeom>
-            <a:noFill/>
-          </p:spPr>
-          <p:txBody>
-            <a:bodyPr wrap="none" rtlCol="0">
-              <a:spAutoFit/>
-            </a:bodyPr>
-            <a:lstStyle/>
-            <a:p>
-              <a:pPr algn="ctr"/>
-              <a:r>
-                <a:rPr lang="en-US" altLang="ko-KR" sz="2000" b="1" dirty="0">
-                  <a:solidFill>
-                    <a:schemeClr val="bg1"/>
-                  </a:solidFill>
-                  <a:effectLst>
-                    <a:glow rad="101600">
-                      <a:schemeClr val="tx1">
-                        <a:alpha val="60000"/>
-                      </a:schemeClr>
-                    </a:glow>
-                  </a:effectLst>
-                  <a:latin typeface="빛의 계승자 Regular" panose="020B0600000101010101" pitchFamily="50" charset="-127"/>
-                  <a:ea typeface="빛의 계승자 Regular" panose="020B0600000101010101" pitchFamily="50" charset="-127"/>
-                </a:rPr>
-                <a:t>4. </a:t>
-              </a:r>
-              <a:r>
-                <a:rPr lang="ko-KR" altLang="en-US" sz="2000" b="1" dirty="0">
-                  <a:solidFill>
-                    <a:schemeClr val="bg1"/>
-                  </a:solidFill>
-                  <a:effectLst>
-                    <a:glow rad="101600">
-                      <a:schemeClr val="tx1">
-                        <a:alpha val="60000"/>
-                      </a:schemeClr>
-                    </a:glow>
-                  </a:effectLst>
-                  <a:latin typeface="빛의 계승자 Regular" panose="020B0600000101010101" pitchFamily="50" charset="-127"/>
-                  <a:ea typeface="빛의 계승자 Regular" panose="020B0600000101010101" pitchFamily="50" charset="-127"/>
-                </a:rPr>
-                <a:t>전회 예시</a:t>
-              </a:r>
-            </a:p>
-          </p:txBody>
-        </p:sp>
-        <p:sp>
-          <p:nvSpPr>
-            <p:cNvPr id="26" name="TextBox 25">
-              <a:extLst>
-                <a:ext uri="{FF2B5EF4-FFF2-40B4-BE49-F238E27FC236}">
-                  <a16:creationId xmlns:a16="http://schemas.microsoft.com/office/drawing/2014/main" id="{191460A9-1988-7044-658B-4C4ABAD8E528}"/>
-                </a:ext>
-              </a:extLst>
-            </p:cNvPr>
-            <p:cNvSpPr txBox="1"/>
-            <p:nvPr/>
-          </p:nvSpPr>
-          <p:spPr>
-            <a:xfrm>
-              <a:off x="5179726" y="3865645"/>
-              <a:ext cx="1832553" cy="400110"/>
-            </a:xfrm>
-            <a:prstGeom prst="rect">
-              <a:avLst/>
-            </a:prstGeom>
-            <a:noFill/>
-          </p:spPr>
-          <p:txBody>
-            <a:bodyPr wrap="none" rtlCol="0">
-              <a:spAutoFit/>
-            </a:bodyPr>
-            <a:lstStyle/>
-            <a:p>
-              <a:pPr algn="ctr"/>
-              <a:r>
-                <a:rPr lang="en-US" altLang="ko-KR" sz="2000" b="1" dirty="0">
-                  <a:solidFill>
-                    <a:schemeClr val="bg1"/>
-                  </a:solidFill>
-                  <a:effectLst>
-                    <a:glow rad="101600">
-                      <a:schemeClr val="tx1">
-                        <a:alpha val="60000"/>
-                      </a:schemeClr>
-                    </a:glow>
-                  </a:effectLst>
-                  <a:latin typeface="빛의 계승자 Regular" panose="020B0600000101010101" pitchFamily="50" charset="-127"/>
-                  <a:ea typeface="빛의 계승자 Regular" panose="020B0600000101010101" pitchFamily="50" charset="-127"/>
-                </a:rPr>
-                <a:t>2. </a:t>
-              </a:r>
-              <a:r>
-                <a:rPr lang="ko-KR" altLang="en-US" sz="2000" b="1" dirty="0">
-                  <a:solidFill>
-                    <a:schemeClr val="bg1"/>
-                  </a:solidFill>
-                  <a:effectLst>
-                    <a:glow rad="101600">
-                      <a:schemeClr val="tx1">
-                        <a:alpha val="60000"/>
-                      </a:schemeClr>
-                    </a:glow>
-                  </a:effectLst>
-                  <a:latin typeface="빛의 계승자 Regular" panose="020B0600000101010101" pitchFamily="50" charset="-127"/>
-                  <a:ea typeface="빛의 계승자 Regular" panose="020B0600000101010101" pitchFamily="50" charset="-127"/>
-                </a:rPr>
-                <a:t>컨텐츠 소개</a:t>
-              </a:r>
-            </a:p>
-          </p:txBody>
-        </p:sp>
-        <p:sp>
-          <p:nvSpPr>
-            <p:cNvPr id="27" name="TextBox 26">
-              <a:extLst>
-                <a:ext uri="{FF2B5EF4-FFF2-40B4-BE49-F238E27FC236}">
-                  <a16:creationId xmlns:a16="http://schemas.microsoft.com/office/drawing/2014/main" id="{B19CCC01-3141-AE1B-433D-6D12C88ECA2B}"/>
-                </a:ext>
-              </a:extLst>
-            </p:cNvPr>
-            <p:cNvSpPr txBox="1"/>
-            <p:nvPr/>
-          </p:nvSpPr>
-          <p:spPr>
-            <a:xfrm>
-              <a:off x="5220602" y="3174787"/>
-              <a:ext cx="1002198" cy="400110"/>
-            </a:xfrm>
-            <a:prstGeom prst="rect">
-              <a:avLst/>
-            </a:prstGeom>
-            <a:noFill/>
-          </p:spPr>
-          <p:txBody>
-            <a:bodyPr wrap="none" rtlCol="0">
-              <a:spAutoFit/>
-            </a:bodyPr>
-            <a:lstStyle/>
-            <a:p>
-              <a:pPr algn="ctr"/>
-              <a:r>
-                <a:rPr lang="en-US" altLang="ko-KR" sz="2000" b="1" dirty="0">
-                  <a:solidFill>
-                    <a:schemeClr val="bg1"/>
-                  </a:solidFill>
-                  <a:effectLst>
-                    <a:glow rad="101600">
-                      <a:schemeClr val="tx1">
-                        <a:alpha val="60000"/>
-                      </a:schemeClr>
-                    </a:glow>
-                  </a:effectLst>
-                  <a:latin typeface="빛의 계승자 Regular" panose="020B0600000101010101" pitchFamily="50" charset="-127"/>
-                  <a:ea typeface="빛의 계승자 Regular" panose="020B0600000101010101" pitchFamily="50" charset="-127"/>
-                </a:rPr>
-                <a:t>1. </a:t>
-              </a:r>
-              <a:r>
-                <a:rPr lang="ko-KR" altLang="en-US" sz="2000" b="1" dirty="0">
-                  <a:solidFill>
-                    <a:schemeClr val="bg1"/>
-                  </a:solidFill>
-                  <a:effectLst>
-                    <a:glow rad="101600">
-                      <a:schemeClr val="tx1">
-                        <a:alpha val="60000"/>
-                      </a:schemeClr>
-                    </a:glow>
-                  </a:effectLst>
-                  <a:latin typeface="빛의 계승자 Regular" panose="020B0600000101010101" pitchFamily="50" charset="-127"/>
-                  <a:ea typeface="빛의 계승자 Regular" panose="020B0600000101010101" pitchFamily="50" charset="-127"/>
-                </a:rPr>
-                <a:t>개요</a:t>
-              </a:r>
-            </a:p>
-          </p:txBody>
-        </p:sp>
-        <p:sp>
-          <p:nvSpPr>
-            <p:cNvPr id="2" name="TextBox 1">
-              <a:extLst>
-                <a:ext uri="{FF2B5EF4-FFF2-40B4-BE49-F238E27FC236}">
-                  <a16:creationId xmlns:a16="http://schemas.microsoft.com/office/drawing/2014/main" id="{0CE4A983-0CD9-F614-C8AA-DE6D1AA64196}"/>
-                </a:ext>
-              </a:extLst>
-            </p:cNvPr>
-            <p:cNvSpPr txBox="1"/>
-            <p:nvPr/>
-          </p:nvSpPr>
-          <p:spPr>
-            <a:xfrm>
-              <a:off x="5192549" y="5938220"/>
-              <a:ext cx="1577676" cy="400110"/>
-            </a:xfrm>
-            <a:prstGeom prst="rect">
-              <a:avLst/>
-            </a:prstGeom>
-            <a:noFill/>
-          </p:spPr>
-          <p:txBody>
-            <a:bodyPr wrap="none" rtlCol="0">
-              <a:spAutoFit/>
-            </a:bodyPr>
-            <a:lstStyle/>
-            <a:p>
-              <a:pPr algn="ctr"/>
-              <a:r>
-                <a:rPr lang="en-US" altLang="ko-KR" sz="2000" b="1" dirty="0">
-                  <a:solidFill>
-                    <a:schemeClr val="bg1"/>
-                  </a:solidFill>
-                  <a:effectLst>
-                    <a:glow rad="101600">
-                      <a:schemeClr val="tx1">
-                        <a:alpha val="60000"/>
-                      </a:schemeClr>
-                    </a:glow>
-                  </a:effectLst>
-                  <a:latin typeface="빛의 계승자 Regular" panose="020B0600000101010101" pitchFamily="50" charset="-127"/>
-                  <a:ea typeface="빛의 계승자 Regular" panose="020B0600000101010101" pitchFamily="50" charset="-127"/>
-                </a:rPr>
-                <a:t>5. </a:t>
-              </a:r>
-              <a:r>
-                <a:rPr lang="ko-KR" altLang="en-US" sz="2000" b="1" dirty="0">
-                  <a:solidFill>
-                    <a:schemeClr val="bg1"/>
-                  </a:solidFill>
-                  <a:effectLst>
-                    <a:glow rad="101600">
-                      <a:schemeClr val="tx1">
-                        <a:alpha val="60000"/>
-                      </a:schemeClr>
-                    </a:glow>
-                  </a:effectLst>
-                  <a:latin typeface="빛의 계승자 Regular" panose="020B0600000101010101" pitchFamily="50" charset="-127"/>
-                  <a:ea typeface="빛의 계승자 Regular" panose="020B0600000101010101" pitchFamily="50" charset="-127"/>
-                </a:rPr>
-                <a:t>개선 사항</a:t>
-              </a:r>
-            </a:p>
-          </p:txBody>
-        </p:sp>
-      </p:grpSp>
-    </p:spTree>
-    <p:extLst>
-      <p:ext uri="{BB962C8B-B14F-4D97-AF65-F5344CB8AC3E}">
-        <p14:creationId xmlns:p14="http://schemas.microsoft.com/office/powerpoint/2010/main" val="3931535513"/>
-      </p:ext>
-    </p:extLst>
-  </p:cSld>
-  <p:clrMapOvr>
-    <a:masterClrMapping/>
-  </p:clrMapOvr>
-</p:sld>
-</file>
-
-<file path=ppt/slides/slide3.xml><?xml version="1.0" encoding="utf-8"?>
-<p:sld xmlns:a="http://schemas.openxmlformats.org/drawingml/2006/main" xmlns:r="http://schemas.openxmlformats.org/officeDocument/2006/relationships" xmlns:p="http://schemas.openxmlformats.org/presentationml/2006/main">
-  <p:cSld>
-    <p:spTree>
-      <p:nvGrpSpPr>
-        <p:cNvPr id="1" name=""/>
-        <p:cNvGrpSpPr/>
-        <p:nvPr/>
-      </p:nvGrpSpPr>
-      <p:grpSpPr>
-        <a:xfrm>
-          <a:off x="0" y="0"/>
-          <a:ext cx="0" cy="0"/>
-          <a:chOff x="0" y="0"/>
-          <a:chExt cx="0" cy="0"/>
-        </a:xfrm>
-      </p:grpSpPr>
-      <p:sp>
-        <p:nvSpPr>
-          <p:cNvPr id="22" name="슬라이드 번호 개체 틀 21">
-            <a:extLst>
-              <a:ext uri="{FF2B5EF4-FFF2-40B4-BE49-F238E27FC236}">
-                <a16:creationId xmlns:a16="http://schemas.microsoft.com/office/drawing/2014/main" id="{90D289AE-0582-ACB5-D7DF-D047A2950AA8}"/>
-              </a:ext>
-            </a:extLst>
-          </p:cNvPr>
-          <p:cNvSpPr>
-            <a:spLocks noGrp="1"/>
-          </p:cNvSpPr>
-          <p:nvPr>
-            <p:ph type="sldNum" sz="quarter" idx="4"/>
-          </p:nvPr>
-        </p:nvSpPr>
-        <p:spPr/>
-        <p:txBody>
-          <a:bodyPr/>
-          <a:lstStyle/>
-          <a:p>
-            <a:r>
-              <a:rPr lang="en-US" altLang="ko-KR" dirty="0"/>
-              <a:t>p. </a:t>
-            </a:r>
-            <a:fld id="{1F335F12-2F84-4C53-9DF5-2927535D2C2D}" type="slidenum">
-              <a:rPr lang="ko-KR" altLang="en-US" smtClean="0"/>
-              <a:pPr/>
-              <a:t>3</a:t>
-            </a:fld>
-            <a:r>
-              <a:rPr lang="en-US" altLang="ko-KR" dirty="0"/>
-              <a:t>/20</a:t>
-            </a:r>
-            <a:endParaRPr lang="ko-KR" altLang="en-US" dirty="0"/>
-          </a:p>
-        </p:txBody>
-      </p:sp>
-      <p:sp>
-        <p:nvSpPr>
-          <p:cNvPr id="50" name="직사각형 49">
-            <a:extLst>
-              <a:ext uri="{FF2B5EF4-FFF2-40B4-BE49-F238E27FC236}">
-                <a16:creationId xmlns:a16="http://schemas.microsoft.com/office/drawing/2014/main" id="{18E75AE0-0CC8-DDFD-A838-2520BF641D05}"/>
-              </a:ext>
-            </a:extLst>
-          </p:cNvPr>
-          <p:cNvSpPr>
-            <a:spLocks/>
-          </p:cNvSpPr>
-          <p:nvPr/>
-        </p:nvSpPr>
-        <p:spPr>
-          <a:xfrm>
-            <a:off x="1704516" y="219855"/>
-            <a:ext cx="10487484" cy="392234"/>
-          </a:xfrm>
-          <a:prstGeom prst="rect">
-            <a:avLst/>
-          </a:prstGeom>
-          <a:gradFill flip="none" rotWithShape="1">
-            <a:gsLst>
-              <a:gs pos="58000">
-                <a:srgbClr val="464437">
-                  <a:alpha val="70000"/>
-                </a:srgbClr>
-              </a:gs>
-              <a:gs pos="2000">
-                <a:srgbClr val="464437">
-                  <a:alpha val="80000"/>
-                </a:srgbClr>
-              </a:gs>
-              <a:gs pos="100000">
-                <a:srgbClr val="48443A">
-                  <a:alpha val="30000"/>
-                </a:srgbClr>
-              </a:gs>
-            </a:gsLst>
-            <a:lin ang="0" scaled="1"/>
-            <a:tileRect/>
-          </a:gradFill>
-          <a:ln>
-            <a:noFill/>
-          </a:ln>
-        </p:spPr>
-        <p:style>
-          <a:lnRef idx="2">
-            <a:schemeClr val="accent1">
-              <a:shade val="15000"/>
-            </a:schemeClr>
-          </a:lnRef>
-          <a:fillRef idx="1">
-            <a:schemeClr val="accent1"/>
-          </a:fillRef>
-          <a:effectRef idx="0">
-            <a:schemeClr val="accent1"/>
-          </a:effectRef>
-          <a:fontRef idx="minor">
-            <a:schemeClr val="lt1"/>
-          </a:fontRef>
-        </p:style>
-        <p:txBody>
-          <a:bodyPr rtlCol="0" anchor="ctr"/>
-          <a:lstStyle/>
-          <a:p>
-            <a:pPr algn="ctr"/>
-            <a:endParaRPr lang="ko-KR" altLang="en-US" dirty="0"/>
-          </a:p>
-        </p:txBody>
-      </p:sp>
-      <p:grpSp>
-        <p:nvGrpSpPr>
-          <p:cNvPr id="16" name="그룹 15">
-            <a:extLst>
-              <a:ext uri="{FF2B5EF4-FFF2-40B4-BE49-F238E27FC236}">
-                <a16:creationId xmlns:a16="http://schemas.microsoft.com/office/drawing/2014/main" id="{D8EC5B56-9E85-E99D-261B-1B4B79CE8FEE}"/>
-              </a:ext>
-            </a:extLst>
-          </p:cNvPr>
-          <p:cNvGrpSpPr>
-            <a:grpSpLocks/>
-          </p:cNvGrpSpPr>
-          <p:nvPr/>
-        </p:nvGrpSpPr>
-        <p:grpSpPr>
-          <a:xfrm>
-            <a:off x="1623395" y="239682"/>
-            <a:ext cx="10568605" cy="348985"/>
-            <a:chOff x="1623395" y="838933"/>
-            <a:chExt cx="10568605" cy="348985"/>
-          </a:xfrm>
-        </p:grpSpPr>
-        <p:cxnSp>
-          <p:nvCxnSpPr>
-            <p:cNvPr id="3" name="직선 연결선 2">
-              <a:extLst>
-                <a:ext uri="{FF2B5EF4-FFF2-40B4-BE49-F238E27FC236}">
-                  <a16:creationId xmlns:a16="http://schemas.microsoft.com/office/drawing/2014/main" id="{946AC776-8062-3591-C7DF-D0DB79BA4C99}"/>
-                </a:ext>
-              </a:extLst>
-            </p:cNvPr>
-            <p:cNvCxnSpPr>
-              <a:cxnSpLocks/>
-            </p:cNvCxnSpPr>
-            <p:nvPr/>
-          </p:nvCxnSpPr>
-          <p:spPr>
-            <a:xfrm>
-              <a:off x="1623395" y="838933"/>
-              <a:ext cx="10568605" cy="0"/>
-            </a:xfrm>
-            <a:prstGeom prst="line">
-              <a:avLst/>
-            </a:prstGeom>
-            <a:ln w="28575">
-              <a:gradFill flip="none" rotWithShape="1">
-                <a:gsLst>
-                  <a:gs pos="0">
-                    <a:srgbClr val="464437">
-                      <a:alpha val="70000"/>
-                    </a:srgbClr>
-                  </a:gs>
-                  <a:gs pos="47000">
-                    <a:srgbClr val="464437">
-                      <a:alpha val="50000"/>
-                    </a:srgbClr>
-                  </a:gs>
-                  <a:gs pos="83000">
-                    <a:srgbClr val="464437">
-                      <a:alpha val="50000"/>
-                    </a:srgbClr>
-                  </a:gs>
-                  <a:gs pos="100000">
-                    <a:srgbClr val="464437">
-                      <a:alpha val="0"/>
-                    </a:srgbClr>
-                  </a:gs>
-                </a:gsLst>
-                <a:path path="circle">
-                  <a:fillToRect l="50000" t="50000" r="50000" b="50000"/>
-                </a:path>
-                <a:tileRect/>
-              </a:gradFill>
-            </a:ln>
-          </p:spPr>
-          <p:style>
-            <a:lnRef idx="2">
-              <a:schemeClr val="accent1"/>
-            </a:lnRef>
-            <a:fillRef idx="0">
-              <a:schemeClr val="accent1"/>
-            </a:fillRef>
-            <a:effectRef idx="1">
-              <a:schemeClr val="accent1"/>
-            </a:effectRef>
-            <a:fontRef idx="minor">
-              <a:schemeClr val="tx1"/>
-            </a:fontRef>
-          </p:style>
-        </p:cxnSp>
-        <p:cxnSp>
-          <p:nvCxnSpPr>
-            <p:cNvPr id="8" name="직선 연결선 7">
-              <a:extLst>
-                <a:ext uri="{FF2B5EF4-FFF2-40B4-BE49-F238E27FC236}">
-                  <a16:creationId xmlns:a16="http://schemas.microsoft.com/office/drawing/2014/main" id="{D23C8A04-CEC4-1D92-9982-792BC1C41948}"/>
-                </a:ext>
-              </a:extLst>
-            </p:cNvPr>
-            <p:cNvCxnSpPr>
-              <a:cxnSpLocks/>
-            </p:cNvCxnSpPr>
-            <p:nvPr/>
-          </p:nvCxnSpPr>
-          <p:spPr>
-            <a:xfrm>
-              <a:off x="1992916" y="1187918"/>
-              <a:ext cx="9829562" cy="0"/>
-            </a:xfrm>
-            <a:prstGeom prst="line">
-              <a:avLst/>
-            </a:prstGeom>
-            <a:ln w="28575">
-              <a:gradFill flip="none" rotWithShape="1">
-                <a:gsLst>
-                  <a:gs pos="0">
-                    <a:srgbClr val="464437">
-                      <a:alpha val="70000"/>
-                    </a:srgbClr>
-                  </a:gs>
-                  <a:gs pos="47000">
-                    <a:srgbClr val="464437">
-                      <a:alpha val="50000"/>
-                    </a:srgbClr>
-                  </a:gs>
-                  <a:gs pos="83000">
-                    <a:srgbClr val="464437">
-                      <a:alpha val="50000"/>
-                    </a:srgbClr>
-                  </a:gs>
-                  <a:gs pos="100000">
-                    <a:srgbClr val="464437">
-                      <a:alpha val="0"/>
-                    </a:srgbClr>
-                  </a:gs>
-                </a:gsLst>
-                <a:path path="circle">
-                  <a:fillToRect l="50000" t="50000" r="50000" b="50000"/>
-                </a:path>
-                <a:tileRect/>
-              </a:gradFill>
-            </a:ln>
-          </p:spPr>
-          <p:style>
-            <a:lnRef idx="2">
-              <a:schemeClr val="accent1"/>
-            </a:lnRef>
-            <a:fillRef idx="0">
-              <a:schemeClr val="accent1"/>
-            </a:fillRef>
-            <a:effectRef idx="1">
-              <a:schemeClr val="accent1"/>
-            </a:effectRef>
-            <a:fontRef idx="minor">
-              <a:schemeClr val="tx1"/>
-            </a:fontRef>
-          </p:style>
-        </p:cxnSp>
-      </p:grpSp>
-      <p:sp>
-        <p:nvSpPr>
-          <p:cNvPr id="51" name="TextBox 50">
-            <a:extLst>
-              <a:ext uri="{FF2B5EF4-FFF2-40B4-BE49-F238E27FC236}">
-                <a16:creationId xmlns:a16="http://schemas.microsoft.com/office/drawing/2014/main" id="{B7655D1D-E793-35FA-6F39-9F5166483300}"/>
-              </a:ext>
-            </a:extLst>
-          </p:cNvPr>
-          <p:cNvSpPr txBox="1">
-            <a:spLocks/>
-          </p:cNvSpPr>
-          <p:nvPr/>
-        </p:nvSpPr>
-        <p:spPr>
-          <a:xfrm>
-            <a:off x="1704516" y="246695"/>
-            <a:ext cx="1051891" cy="338554"/>
-          </a:xfrm>
-          <a:prstGeom prst="rect">
-            <a:avLst/>
-          </a:prstGeom>
-          <a:noFill/>
-          <a:ln w="6350">
-            <a:noFill/>
-          </a:ln>
-        </p:spPr>
-        <p:txBody>
-          <a:bodyPr wrap="none" rtlCol="0">
-            <a:spAutoFit/>
-          </a:bodyPr>
-          <a:lstStyle/>
-          <a:p>
-            <a:pPr algn="ctr"/>
-            <a:r>
-              <a:rPr lang="ko-KR" altLang="en-US" sz="1600" dirty="0">
-                <a:solidFill>
-                  <a:schemeClr val="bg1"/>
-                </a:solidFill>
-                <a:effectLst>
-                  <a:glow rad="101600">
-                    <a:schemeClr val="tx1">
-                      <a:alpha val="60000"/>
-                    </a:schemeClr>
-                  </a:glow>
-                </a:effectLst>
-                <a:latin typeface="빛의 계승자 Bold" panose="020B0600000101010101" pitchFamily="50" charset="-127"/>
-                <a:ea typeface="빛의 계승자 Bold" panose="020B0600000101010101" pitchFamily="50" charset="-127"/>
-              </a:rPr>
-              <a:t>기획 의도</a:t>
-            </a:r>
-          </a:p>
-        </p:txBody>
-      </p:sp>
-      <p:sp>
-        <p:nvSpPr>
-          <p:cNvPr id="54" name="페이지 표시">
-            <a:extLst>
-              <a:ext uri="{FF2B5EF4-FFF2-40B4-BE49-F238E27FC236}">
-                <a16:creationId xmlns:a16="http://schemas.microsoft.com/office/drawing/2014/main" id="{A6E207D9-0014-1589-6D7E-99CF876B7CA0}"/>
-              </a:ext>
-            </a:extLst>
-          </p:cNvPr>
-          <p:cNvSpPr txBox="1">
-            <a:spLocks/>
-          </p:cNvSpPr>
-          <p:nvPr/>
-        </p:nvSpPr>
-        <p:spPr>
-          <a:xfrm>
-            <a:off x="10482994" y="6696766"/>
-            <a:ext cx="835165" cy="123111"/>
-          </a:xfrm>
-          <a:prstGeom prst="rect">
-            <a:avLst/>
-          </a:prstGeom>
-          <a:noFill/>
-        </p:spPr>
-        <p:txBody>
-          <a:bodyPr wrap="none" lIns="0" tIns="0" rIns="0" bIns="0" rtlCol="0" anchor="ctr" anchorCtr="0">
-            <a:spAutoFit/>
-          </a:bodyPr>
-          <a:lstStyle/>
-          <a:p>
-            <a:pPr algn="r"/>
-            <a:r>
-              <a:rPr lang="en-US" altLang="ko-KR" sz="800" i="1" dirty="0">
-                <a:solidFill>
-                  <a:schemeClr val="bg1"/>
-                </a:solidFill>
-                <a:latin typeface="빛의 계승자 Bold" panose="020B0600000101010101" pitchFamily="50" charset="-127"/>
-                <a:ea typeface="빛의 계승자 Bold" panose="020B0600000101010101" pitchFamily="50" charset="-127"/>
-              </a:rPr>
-              <a:t>1.</a:t>
-            </a:r>
-            <a:r>
-              <a:rPr lang="ko-KR" altLang="en-US" sz="800" i="1" dirty="0">
-                <a:solidFill>
-                  <a:schemeClr val="bg1"/>
-                </a:solidFill>
-                <a:latin typeface="빛의 계승자 Bold" panose="020B0600000101010101" pitchFamily="50" charset="-127"/>
-                <a:ea typeface="빛의 계승자 Bold" panose="020B0600000101010101" pitchFamily="50" charset="-127"/>
-              </a:rPr>
-              <a:t>개요 </a:t>
-            </a:r>
-            <a:r>
-              <a:rPr lang="en-US" altLang="ko-KR" sz="800" i="1" dirty="0">
-                <a:solidFill>
-                  <a:schemeClr val="bg1"/>
-                </a:solidFill>
-                <a:latin typeface="빛의 계승자 Bold" panose="020B0600000101010101" pitchFamily="50" charset="-127"/>
-                <a:ea typeface="빛의 계승자 Bold" panose="020B0600000101010101" pitchFamily="50" charset="-127"/>
-              </a:rPr>
-              <a:t>- </a:t>
-            </a:r>
-            <a:r>
-              <a:rPr lang="ko-KR" altLang="en-US" sz="800" i="1" dirty="0">
-                <a:solidFill>
-                  <a:schemeClr val="bg1"/>
-                </a:solidFill>
-                <a:latin typeface="빛의 계승자 Bold" panose="020B0600000101010101" pitchFamily="50" charset="-127"/>
-                <a:ea typeface="빛의 계승자 Bold" panose="020B0600000101010101" pitchFamily="50" charset="-127"/>
-              </a:rPr>
-              <a:t>기획 의도</a:t>
-            </a:r>
-            <a:endParaRPr lang="en-US" altLang="ko-KR" sz="800" i="1" dirty="0">
-              <a:solidFill>
-                <a:schemeClr val="bg1"/>
-              </a:solidFill>
-              <a:latin typeface="빛의 계승자 Bold" panose="020B0600000101010101" pitchFamily="50" charset="-127"/>
-              <a:ea typeface="빛의 계승자 Bold" panose="020B0600000101010101" pitchFamily="50" charset="-127"/>
-            </a:endParaRPr>
-          </a:p>
-        </p:txBody>
-      </p:sp>
-      <p:sp>
-        <p:nvSpPr>
-          <p:cNvPr id="25" name="직사각형 24">
-            <a:extLst>
-              <a:ext uri="{FF2B5EF4-FFF2-40B4-BE49-F238E27FC236}">
-                <a16:creationId xmlns:a16="http://schemas.microsoft.com/office/drawing/2014/main" id="{16734103-FEBB-0560-013E-3922ED28C3F9}"/>
-              </a:ext>
-            </a:extLst>
-          </p:cNvPr>
-          <p:cNvSpPr>
-            <a:spLocks/>
-          </p:cNvSpPr>
-          <p:nvPr/>
-        </p:nvSpPr>
-        <p:spPr>
-          <a:xfrm>
-            <a:off x="11909965" y="988248"/>
-            <a:ext cx="45719" cy="1082868"/>
-          </a:xfrm>
-          <a:prstGeom prst="rect">
-            <a:avLst/>
-          </a:prstGeom>
-          <a:solidFill>
-            <a:srgbClr val="676555"/>
-          </a:solidFill>
-          <a:ln>
-            <a:noFill/>
-          </a:ln>
-        </p:spPr>
-        <p:style>
-          <a:lnRef idx="2">
-            <a:schemeClr val="accent1">
-              <a:shade val="15000"/>
-            </a:schemeClr>
-          </a:lnRef>
-          <a:fillRef idx="1">
-            <a:schemeClr val="accent1"/>
-          </a:fillRef>
-          <a:effectRef idx="0">
-            <a:schemeClr val="accent1"/>
-          </a:effectRef>
-          <a:fontRef idx="minor">
-            <a:schemeClr val="lt1"/>
-          </a:fontRef>
-        </p:style>
-        <p:txBody>
-          <a:bodyPr rtlCol="0" anchor="ctr"/>
-          <a:lstStyle/>
-          <a:p>
-            <a:pPr algn="ctr"/>
-            <a:endParaRPr lang="ko-KR" altLang="en-US"/>
-          </a:p>
-        </p:txBody>
-      </p:sp>
-      <p:sp>
-        <p:nvSpPr>
-          <p:cNvPr id="34" name="TextBox 33">
-            <a:extLst>
-              <a:ext uri="{FF2B5EF4-FFF2-40B4-BE49-F238E27FC236}">
-                <a16:creationId xmlns:a16="http://schemas.microsoft.com/office/drawing/2014/main" id="{3B5E1DE7-944A-AF69-88C6-B50C3D552201}"/>
-              </a:ext>
-            </a:extLst>
-          </p:cNvPr>
-          <p:cNvSpPr txBox="1"/>
-          <p:nvPr/>
-        </p:nvSpPr>
-        <p:spPr>
-          <a:xfrm>
-            <a:off x="1704516" y="742027"/>
-            <a:ext cx="2486578" cy="276999"/>
-          </a:xfrm>
-          <a:prstGeom prst="rect">
-            <a:avLst/>
-          </a:prstGeom>
-          <a:noFill/>
-        </p:spPr>
-        <p:txBody>
-          <a:bodyPr wrap="none" rtlCol="0">
-            <a:spAutoFit/>
-          </a:bodyPr>
-          <a:lstStyle/>
-          <a:p>
-            <a:pPr algn="ctr"/>
-            <a:r>
-              <a:rPr lang="en-US" altLang="ko-KR" sz="1200" dirty="0">
-                <a:solidFill>
-                  <a:schemeClr val="bg1"/>
-                </a:solidFill>
-                <a:effectLst>
-                  <a:glow rad="101600">
-                    <a:schemeClr val="tx1">
-                      <a:alpha val="60000"/>
-                    </a:schemeClr>
-                  </a:glow>
-                </a:effectLst>
-                <a:latin typeface="빛의 계승자 Bold" panose="020B0600000101010101" pitchFamily="50" charset="-127"/>
-                <a:ea typeface="빛의 계승자 Bold" panose="020B0600000101010101" pitchFamily="50" charset="-127"/>
-              </a:rPr>
-              <a:t>(1) </a:t>
-            </a:r>
-            <a:r>
-              <a:rPr lang="ko-KR" altLang="en-US" sz="1200" dirty="0">
-                <a:solidFill>
-                  <a:schemeClr val="bg1"/>
-                </a:solidFill>
-                <a:effectLst>
-                  <a:glow rad="101600">
-                    <a:schemeClr val="tx1">
-                      <a:alpha val="60000"/>
-                    </a:schemeClr>
-                  </a:glow>
-                </a:effectLst>
-                <a:latin typeface="빛의 계승자 Bold" panose="020B0600000101010101" pitchFamily="50" charset="-127"/>
-                <a:ea typeface="빛의 계승자 Bold" panose="020B0600000101010101" pitchFamily="50" charset="-127"/>
-              </a:rPr>
-              <a:t>유저의 취향대로 커스터마이징</a:t>
-            </a:r>
-          </a:p>
-        </p:txBody>
-      </p:sp>
-      <p:cxnSp>
-        <p:nvCxnSpPr>
-          <p:cNvPr id="39" name="직선 연결선 38">
-            <a:extLst>
-              <a:ext uri="{FF2B5EF4-FFF2-40B4-BE49-F238E27FC236}">
-                <a16:creationId xmlns:a16="http://schemas.microsoft.com/office/drawing/2014/main" id="{41ADD0F7-CBDD-8DAA-E2CD-714E3CF4379D}"/>
-              </a:ext>
-            </a:extLst>
-          </p:cNvPr>
-          <p:cNvCxnSpPr>
-            <a:cxnSpLocks/>
-          </p:cNvCxnSpPr>
-          <p:nvPr/>
-        </p:nvCxnSpPr>
-        <p:spPr>
-          <a:xfrm>
-            <a:off x="1704516" y="1019026"/>
-            <a:ext cx="4391484" cy="0"/>
-          </a:xfrm>
-          <a:prstGeom prst="line">
-            <a:avLst/>
-          </a:prstGeom>
-          <a:ln w="28575">
-            <a:gradFill flip="none" rotWithShape="1">
-              <a:gsLst>
-                <a:gs pos="0">
-                  <a:srgbClr val="464437">
-                    <a:lumMod val="75000"/>
-                    <a:lumOff val="25000"/>
-                  </a:srgbClr>
-                </a:gs>
-                <a:gs pos="47000">
-                  <a:srgbClr val="464437">
-                    <a:alpha val="80000"/>
-                  </a:srgbClr>
-                </a:gs>
-                <a:gs pos="83000">
-                  <a:srgbClr val="464437">
-                    <a:alpha val="50000"/>
-                  </a:srgbClr>
-                </a:gs>
-                <a:gs pos="100000">
-                  <a:srgbClr val="464437">
-                    <a:alpha val="0"/>
-                  </a:srgbClr>
-                </a:gs>
-              </a:gsLst>
-              <a:lin ang="0" scaled="1"/>
-              <a:tileRect/>
-            </a:gradFill>
-          </a:ln>
-        </p:spPr>
-        <p:style>
-          <a:lnRef idx="2">
-            <a:schemeClr val="accent1"/>
-          </a:lnRef>
-          <a:fillRef idx="0">
-            <a:schemeClr val="accent1"/>
-          </a:fillRef>
-          <a:effectRef idx="1">
-            <a:schemeClr val="accent1"/>
-          </a:effectRef>
-          <a:fontRef idx="minor">
-            <a:schemeClr val="tx1"/>
-          </a:fontRef>
-        </p:style>
-      </p:cxnSp>
-    </p:spTree>
-    <p:extLst>
-      <p:ext uri="{BB962C8B-B14F-4D97-AF65-F5344CB8AC3E}">
-        <p14:creationId xmlns:p14="http://schemas.microsoft.com/office/powerpoint/2010/main" val="1396181367"/>
-      </p:ext>
-    </p:extLst>
-  </p:cSld>
-  <p:clrMapOvr>
-    <a:masterClrMapping/>
-  </p:clrMapOvr>
-</p:sld>
-</file>
-
-<file path=ppt/slides/slide4.xml><?xml version="1.0" encoding="utf-8"?>
-<p:sld xmlns:a="http://schemas.openxmlformats.org/drawingml/2006/main" xmlns:r="http://schemas.openxmlformats.org/officeDocument/2006/relationships" xmlns:p="http://schemas.openxmlformats.org/presentationml/2006/main">
-  <p:cSld>
-    <p:spTree>
-      <p:nvGrpSpPr>
-        <p:cNvPr id="1" name=""/>
-        <p:cNvGrpSpPr/>
-        <p:nvPr/>
-      </p:nvGrpSpPr>
-      <p:grpSpPr>
-        <a:xfrm>
-          <a:off x="0" y="0"/>
-          <a:ext cx="0" cy="0"/>
-          <a:chOff x="0" y="0"/>
-          <a:chExt cx="0" cy="0"/>
-        </a:xfrm>
-      </p:grpSpPr>
-      <p:sp>
-        <p:nvSpPr>
-          <p:cNvPr id="38" name="슬라이드 번호 개체 틀 37">
-            <a:extLst>
-              <a:ext uri="{FF2B5EF4-FFF2-40B4-BE49-F238E27FC236}">
-                <a16:creationId xmlns:a16="http://schemas.microsoft.com/office/drawing/2014/main" id="{2F0407BB-40A3-5318-5FA9-C5D63DF555E1}"/>
-              </a:ext>
-            </a:extLst>
-          </p:cNvPr>
-          <p:cNvSpPr>
-            <a:spLocks noGrp="1"/>
-          </p:cNvSpPr>
-          <p:nvPr>
-            <p:ph type="sldNum" sz="quarter" idx="4"/>
-          </p:nvPr>
-        </p:nvSpPr>
-        <p:spPr/>
-        <p:txBody>
-          <a:bodyPr/>
-          <a:lstStyle/>
-          <a:p>
-            <a:r>
-              <a:rPr lang="en-US" altLang="ko-KR"/>
-              <a:t>p. </a:t>
-            </a:r>
-            <a:fld id="{1F335F12-2F84-4C53-9DF5-2927535D2C2D}" type="slidenum">
-              <a:rPr lang="ko-KR" altLang="en-US" smtClean="0"/>
-              <a:pPr/>
-              <a:t>4</a:t>
-            </a:fld>
-            <a:r>
-              <a:rPr lang="en-US" altLang="ko-KR"/>
-              <a:t>/20</a:t>
-            </a:r>
-            <a:endParaRPr lang="ko-KR" altLang="en-US" dirty="0"/>
-          </a:p>
-        </p:txBody>
-      </p:sp>
-      <p:sp>
-        <p:nvSpPr>
-          <p:cNvPr id="39" name="페이지 표시">
-            <a:extLst>
-              <a:ext uri="{FF2B5EF4-FFF2-40B4-BE49-F238E27FC236}">
-                <a16:creationId xmlns:a16="http://schemas.microsoft.com/office/drawing/2014/main" id="{C3C5CAB3-F79A-73DD-7494-2041A2AF327C}"/>
-              </a:ext>
-            </a:extLst>
-          </p:cNvPr>
-          <p:cNvSpPr txBox="1"/>
-          <p:nvPr/>
-        </p:nvSpPr>
-        <p:spPr>
-          <a:xfrm>
-            <a:off x="10482994" y="6696766"/>
-            <a:ext cx="835165" cy="123111"/>
-          </a:xfrm>
-          <a:prstGeom prst="rect">
-            <a:avLst/>
-          </a:prstGeom>
-          <a:noFill/>
-        </p:spPr>
-        <p:txBody>
-          <a:bodyPr wrap="none" lIns="0" tIns="0" rIns="0" bIns="0" rtlCol="0" anchor="ctr" anchorCtr="0">
-            <a:spAutoFit/>
-          </a:bodyPr>
-          <a:lstStyle/>
-          <a:p>
-            <a:pPr algn="r"/>
-            <a:r>
-              <a:rPr lang="en-US" altLang="ko-KR" sz="800" i="1" dirty="0">
-                <a:solidFill>
-                  <a:schemeClr val="bg1"/>
-                </a:solidFill>
-                <a:latin typeface="빛의 계승자 Bold" panose="020B0600000101010101" pitchFamily="50" charset="-127"/>
-                <a:ea typeface="빛의 계승자 Bold" panose="020B0600000101010101" pitchFamily="50" charset="-127"/>
-              </a:rPr>
-              <a:t>1.</a:t>
-            </a:r>
-            <a:r>
-              <a:rPr lang="ko-KR" altLang="en-US" sz="800" i="1" dirty="0">
-                <a:solidFill>
-                  <a:schemeClr val="bg1"/>
-                </a:solidFill>
-                <a:latin typeface="빛의 계승자 Bold" panose="020B0600000101010101" pitchFamily="50" charset="-127"/>
-                <a:ea typeface="빛의 계승자 Bold" panose="020B0600000101010101" pitchFamily="50" charset="-127"/>
-              </a:rPr>
-              <a:t>개요 </a:t>
-            </a:r>
-            <a:r>
-              <a:rPr lang="en-US" altLang="ko-KR" sz="800" i="1" dirty="0">
-                <a:solidFill>
-                  <a:schemeClr val="bg1"/>
-                </a:solidFill>
-                <a:latin typeface="빛의 계승자 Bold" panose="020B0600000101010101" pitchFamily="50" charset="-127"/>
-                <a:ea typeface="빛의 계승자 Bold" panose="020B0600000101010101" pitchFamily="50" charset="-127"/>
-              </a:rPr>
-              <a:t>- </a:t>
-            </a:r>
-            <a:r>
-              <a:rPr lang="ko-KR" altLang="en-US" sz="800" i="1" dirty="0">
-                <a:solidFill>
-                  <a:schemeClr val="bg1"/>
-                </a:solidFill>
-                <a:latin typeface="빛의 계승자 Bold" panose="020B0600000101010101" pitchFamily="50" charset="-127"/>
-                <a:ea typeface="빛의 계승자 Bold" panose="020B0600000101010101" pitchFamily="50" charset="-127"/>
-              </a:rPr>
-              <a:t>기획 의도</a:t>
-            </a:r>
-            <a:endParaRPr lang="en-US" altLang="ko-KR" sz="800" i="1" dirty="0">
-              <a:solidFill>
-                <a:schemeClr val="bg1"/>
-              </a:solidFill>
-              <a:latin typeface="빛의 계승자 Bold" panose="020B0600000101010101" pitchFamily="50" charset="-127"/>
-              <a:ea typeface="빛의 계승자 Bold" panose="020B0600000101010101" pitchFamily="50" charset="-127"/>
-            </a:endParaRPr>
-          </a:p>
-        </p:txBody>
-      </p:sp>
-      <p:sp>
-        <p:nvSpPr>
-          <p:cNvPr id="42" name="직사각형 41">
-            <a:extLst>
-              <a:ext uri="{FF2B5EF4-FFF2-40B4-BE49-F238E27FC236}">
-                <a16:creationId xmlns:a16="http://schemas.microsoft.com/office/drawing/2014/main" id="{E83BC8B4-CC8F-1041-3E12-933B274007DA}"/>
-              </a:ext>
-            </a:extLst>
-          </p:cNvPr>
-          <p:cNvSpPr>
-            <a:spLocks/>
-          </p:cNvSpPr>
-          <p:nvPr/>
-        </p:nvSpPr>
-        <p:spPr>
-          <a:xfrm>
-            <a:off x="11909965" y="2887566"/>
-            <a:ext cx="45719" cy="1082868"/>
-          </a:xfrm>
-          <a:prstGeom prst="rect">
-            <a:avLst/>
-          </a:prstGeom>
-          <a:solidFill>
-            <a:srgbClr val="676555"/>
-          </a:solidFill>
-          <a:ln>
-            <a:noFill/>
-          </a:ln>
-        </p:spPr>
-        <p:style>
-          <a:lnRef idx="2">
-            <a:schemeClr val="accent1">
-              <a:shade val="15000"/>
-            </a:schemeClr>
-          </a:lnRef>
-          <a:fillRef idx="1">
-            <a:schemeClr val="accent1"/>
-          </a:fillRef>
-          <a:effectRef idx="0">
-            <a:schemeClr val="accent1"/>
-          </a:effectRef>
-          <a:fontRef idx="minor">
-            <a:schemeClr val="lt1"/>
-          </a:fontRef>
-        </p:style>
-        <p:txBody>
-          <a:bodyPr rtlCol="0" anchor="ctr"/>
-          <a:lstStyle/>
-          <a:p>
-            <a:pPr algn="ctr"/>
-            <a:endParaRPr lang="ko-KR" altLang="en-US"/>
-          </a:p>
-        </p:txBody>
-      </p:sp>
-      <p:sp>
-        <p:nvSpPr>
-          <p:cNvPr id="68" name="TextBox 67">
-            <a:extLst>
-              <a:ext uri="{FF2B5EF4-FFF2-40B4-BE49-F238E27FC236}">
-                <a16:creationId xmlns:a16="http://schemas.microsoft.com/office/drawing/2014/main" id="{54EB48E8-C19A-E8C8-8496-1E9B00902905}"/>
-              </a:ext>
-            </a:extLst>
-          </p:cNvPr>
-          <p:cNvSpPr txBox="1"/>
-          <p:nvPr/>
-        </p:nvSpPr>
-        <p:spPr>
-          <a:xfrm>
-            <a:off x="1704516" y="391717"/>
-            <a:ext cx="2069797" cy="276999"/>
-          </a:xfrm>
-          <a:prstGeom prst="rect">
-            <a:avLst/>
-          </a:prstGeom>
-          <a:noFill/>
-        </p:spPr>
-        <p:txBody>
-          <a:bodyPr wrap="none" rtlCol="0">
-            <a:spAutoFit/>
-          </a:bodyPr>
-          <a:lstStyle/>
-          <a:p>
-            <a:pPr algn="ctr"/>
-            <a:r>
-              <a:rPr lang="en-US" altLang="ko-KR" sz="1200" dirty="0">
-                <a:solidFill>
-                  <a:schemeClr val="bg1"/>
-                </a:solidFill>
-                <a:effectLst>
-                  <a:glow rad="101600">
-                    <a:schemeClr val="tx1">
-                      <a:alpha val="60000"/>
-                    </a:schemeClr>
-                  </a:glow>
-                </a:effectLst>
-                <a:latin typeface="빛의 계승자 Bold" panose="020B0600000101010101" pitchFamily="50" charset="-127"/>
-                <a:ea typeface="빛의 계승자 Bold" panose="020B0600000101010101" pitchFamily="50" charset="-127"/>
-              </a:rPr>
-              <a:t>(2) </a:t>
-            </a:r>
-            <a:r>
-              <a:rPr lang="ko-KR" altLang="en-US" sz="1200" dirty="0">
-                <a:solidFill>
-                  <a:schemeClr val="bg1"/>
-                </a:solidFill>
-                <a:effectLst>
-                  <a:glow rad="101600">
-                    <a:schemeClr val="tx1">
-                      <a:alpha val="60000"/>
-                    </a:schemeClr>
-                  </a:glow>
-                </a:effectLst>
-                <a:latin typeface="빛의 계승자 Bold" panose="020B0600000101010101" pitchFamily="50" charset="-127"/>
-                <a:ea typeface="빛의 계승자 Bold" panose="020B0600000101010101" pitchFamily="50" charset="-127"/>
-              </a:rPr>
-              <a:t>더욱 더 강조되는 특별함</a:t>
-            </a:r>
-          </a:p>
-        </p:txBody>
-      </p:sp>
-      <p:cxnSp>
-        <p:nvCxnSpPr>
-          <p:cNvPr id="69" name="직선 연결선 68">
-            <a:extLst>
-              <a:ext uri="{FF2B5EF4-FFF2-40B4-BE49-F238E27FC236}">
-                <a16:creationId xmlns:a16="http://schemas.microsoft.com/office/drawing/2014/main" id="{9A7BF967-8285-226A-F321-64D3A68DE9DB}"/>
-              </a:ext>
-            </a:extLst>
-          </p:cNvPr>
-          <p:cNvCxnSpPr>
-            <a:cxnSpLocks/>
-          </p:cNvCxnSpPr>
-          <p:nvPr/>
-        </p:nvCxnSpPr>
-        <p:spPr>
-          <a:xfrm>
-            <a:off x="1704516" y="668716"/>
-            <a:ext cx="4391484" cy="0"/>
-          </a:xfrm>
-          <a:prstGeom prst="line">
-            <a:avLst/>
-          </a:prstGeom>
-          <a:ln w="28575">
-            <a:gradFill flip="none" rotWithShape="1">
-              <a:gsLst>
-                <a:gs pos="0">
-                  <a:srgbClr val="464437">
-                    <a:lumMod val="75000"/>
-                    <a:lumOff val="25000"/>
-                  </a:srgbClr>
-                </a:gs>
-                <a:gs pos="47000">
-                  <a:srgbClr val="464437">
-                    <a:alpha val="80000"/>
-                  </a:srgbClr>
-                </a:gs>
-                <a:gs pos="83000">
-                  <a:srgbClr val="464437">
-                    <a:alpha val="50000"/>
-                  </a:srgbClr>
-                </a:gs>
-                <a:gs pos="100000">
-                  <a:srgbClr val="464437">
-                    <a:alpha val="0"/>
-                  </a:srgbClr>
-                </a:gs>
-              </a:gsLst>
-              <a:lin ang="0" scaled="1"/>
-              <a:tileRect/>
-            </a:gradFill>
-          </a:ln>
-        </p:spPr>
-        <p:style>
-          <a:lnRef idx="2">
-            <a:schemeClr val="accent1"/>
-          </a:lnRef>
-          <a:fillRef idx="0">
-            <a:schemeClr val="accent1"/>
-          </a:fillRef>
-          <a:effectRef idx="1">
-            <a:schemeClr val="accent1"/>
-          </a:effectRef>
-          <a:fontRef idx="minor">
-            <a:schemeClr val="tx1"/>
-          </a:fontRef>
-        </p:style>
-      </p:cxnSp>
-    </p:spTree>
-    <p:extLst>
-      <p:ext uri="{BB962C8B-B14F-4D97-AF65-F5344CB8AC3E}">
-        <p14:creationId xmlns:p14="http://schemas.microsoft.com/office/powerpoint/2010/main" val="4233853183"/>
-      </p:ext>
-    </p:extLst>
-  </p:cSld>
-  <p:clrMapOvr>
-    <a:masterClrMapping/>
-  </p:clrMapOvr>
-</p:sld>
-</file>
-
-<file path=ppt/slides/slide5.xml><?xml version="1.0" encoding="utf-8"?>
-<p:sld xmlns:a="http://schemas.openxmlformats.org/drawingml/2006/main" xmlns:r="http://schemas.openxmlformats.org/officeDocument/2006/relationships" xmlns:p="http://schemas.openxmlformats.org/presentationml/2006/main">
-  <p:cSld>
-    <p:spTree>
-      <p:nvGrpSpPr>
-        <p:cNvPr id="1" name=""/>
-        <p:cNvGrpSpPr/>
-        <p:nvPr/>
-      </p:nvGrpSpPr>
-      <p:grpSpPr>
-        <a:xfrm>
-          <a:off x="0" y="0"/>
-          <a:ext cx="0" cy="0"/>
-          <a:chOff x="0" y="0"/>
-          <a:chExt cx="0" cy="0"/>
-        </a:xfrm>
-      </p:grpSpPr>
-      <p:sp>
-        <p:nvSpPr>
-          <p:cNvPr id="30" name="슬라이드 번호 개체 틀 29">
-            <a:extLst>
-              <a:ext uri="{FF2B5EF4-FFF2-40B4-BE49-F238E27FC236}">
-                <a16:creationId xmlns:a16="http://schemas.microsoft.com/office/drawing/2014/main" id="{397A7815-A5C2-7212-8F22-A2619FDEAF58}"/>
-              </a:ext>
-            </a:extLst>
-          </p:cNvPr>
-          <p:cNvSpPr>
-            <a:spLocks noGrp="1"/>
-          </p:cNvSpPr>
-          <p:nvPr>
-            <p:ph type="sldNum" sz="quarter" idx="4"/>
-          </p:nvPr>
-        </p:nvSpPr>
-        <p:spPr/>
-        <p:txBody>
-          <a:bodyPr/>
-          <a:lstStyle/>
-          <a:p>
-            <a:r>
-              <a:rPr lang="en-US" altLang="ko-KR"/>
-              <a:t>p. </a:t>
-            </a:r>
-            <a:fld id="{1F335F12-2F84-4C53-9DF5-2927535D2C2D}" type="slidenum">
-              <a:rPr lang="ko-KR" altLang="en-US" smtClean="0"/>
-              <a:pPr/>
-              <a:t>5</a:t>
-            </a:fld>
-            <a:r>
-              <a:rPr lang="en-US" altLang="ko-KR"/>
-              <a:t>/20</a:t>
-            </a:r>
-            <a:endParaRPr lang="ko-KR" altLang="en-US" dirty="0"/>
-          </a:p>
-        </p:txBody>
-      </p:sp>
-      <p:sp>
-        <p:nvSpPr>
-          <p:cNvPr id="34" name="페이지 표시">
-            <a:extLst>
-              <a:ext uri="{FF2B5EF4-FFF2-40B4-BE49-F238E27FC236}">
-                <a16:creationId xmlns:a16="http://schemas.microsoft.com/office/drawing/2014/main" id="{FA48DB91-A9E7-6AA2-1FB8-C6F845069A5F}"/>
-              </a:ext>
-            </a:extLst>
-          </p:cNvPr>
-          <p:cNvSpPr txBox="1"/>
-          <p:nvPr/>
-        </p:nvSpPr>
-        <p:spPr>
-          <a:xfrm>
-            <a:off x="10482994" y="6696766"/>
-            <a:ext cx="835165" cy="123111"/>
-          </a:xfrm>
-          <a:prstGeom prst="rect">
-            <a:avLst/>
-          </a:prstGeom>
-          <a:noFill/>
-        </p:spPr>
-        <p:txBody>
-          <a:bodyPr wrap="none" lIns="0" tIns="0" rIns="0" bIns="0" rtlCol="0" anchor="ctr" anchorCtr="0">
-            <a:spAutoFit/>
-          </a:bodyPr>
-          <a:lstStyle/>
-          <a:p>
-            <a:pPr algn="r"/>
-            <a:r>
-              <a:rPr lang="en-US" altLang="ko-KR" sz="800" i="1" dirty="0">
-                <a:solidFill>
-                  <a:schemeClr val="bg1"/>
-                </a:solidFill>
-                <a:latin typeface="빛의 계승자 Bold" panose="020B0600000101010101" pitchFamily="50" charset="-127"/>
-                <a:ea typeface="빛의 계승자 Bold" panose="020B0600000101010101" pitchFamily="50" charset="-127"/>
-              </a:rPr>
-              <a:t>1.</a:t>
-            </a:r>
-            <a:r>
-              <a:rPr lang="ko-KR" altLang="en-US" sz="800" i="1" dirty="0">
-                <a:solidFill>
-                  <a:schemeClr val="bg1"/>
-                </a:solidFill>
-                <a:latin typeface="빛의 계승자 Bold" panose="020B0600000101010101" pitchFamily="50" charset="-127"/>
-                <a:ea typeface="빛의 계승자 Bold" panose="020B0600000101010101" pitchFamily="50" charset="-127"/>
-              </a:rPr>
-              <a:t>개요 </a:t>
-            </a:r>
-            <a:r>
-              <a:rPr lang="en-US" altLang="ko-KR" sz="800" i="1" dirty="0">
-                <a:solidFill>
-                  <a:schemeClr val="bg1"/>
-                </a:solidFill>
-                <a:latin typeface="빛의 계승자 Bold" panose="020B0600000101010101" pitchFamily="50" charset="-127"/>
-                <a:ea typeface="빛의 계승자 Bold" panose="020B0600000101010101" pitchFamily="50" charset="-127"/>
-              </a:rPr>
-              <a:t>- </a:t>
-            </a:r>
-            <a:r>
-              <a:rPr lang="ko-KR" altLang="en-US" sz="800" i="1" dirty="0">
-                <a:solidFill>
-                  <a:schemeClr val="bg1"/>
-                </a:solidFill>
-                <a:latin typeface="빛의 계승자 Bold" panose="020B0600000101010101" pitchFamily="50" charset="-127"/>
-                <a:ea typeface="빛의 계승자 Bold" panose="020B0600000101010101" pitchFamily="50" charset="-127"/>
-              </a:rPr>
-              <a:t>기획 의도</a:t>
-            </a:r>
-            <a:endParaRPr lang="en-US" altLang="ko-KR" sz="800" i="1" dirty="0">
-              <a:solidFill>
-                <a:schemeClr val="bg1"/>
-              </a:solidFill>
-              <a:latin typeface="빛의 계승자 Bold" panose="020B0600000101010101" pitchFamily="50" charset="-127"/>
-              <a:ea typeface="빛의 계승자 Bold" panose="020B0600000101010101" pitchFamily="50" charset="-127"/>
-            </a:endParaRPr>
-          </a:p>
-        </p:txBody>
-      </p:sp>
-      <p:sp>
-        <p:nvSpPr>
-          <p:cNvPr id="35" name="직사각형 34">
-            <a:extLst>
-              <a:ext uri="{FF2B5EF4-FFF2-40B4-BE49-F238E27FC236}">
-                <a16:creationId xmlns:a16="http://schemas.microsoft.com/office/drawing/2014/main" id="{0AB23C68-2B82-9094-72D1-0DCB32390166}"/>
-              </a:ext>
-            </a:extLst>
-          </p:cNvPr>
-          <p:cNvSpPr>
-            <a:spLocks/>
-          </p:cNvSpPr>
-          <p:nvPr/>
-        </p:nvSpPr>
-        <p:spPr>
-          <a:xfrm>
-            <a:off x="11909965" y="4807806"/>
-            <a:ext cx="45719" cy="1082868"/>
-          </a:xfrm>
-          <a:prstGeom prst="rect">
-            <a:avLst/>
-          </a:prstGeom>
-          <a:solidFill>
-            <a:srgbClr val="676555"/>
-          </a:solidFill>
-          <a:ln>
-            <a:noFill/>
-          </a:ln>
-        </p:spPr>
-        <p:style>
-          <a:lnRef idx="2">
-            <a:schemeClr val="accent1">
-              <a:shade val="15000"/>
-            </a:schemeClr>
-          </a:lnRef>
-          <a:fillRef idx="1">
-            <a:schemeClr val="accent1"/>
-          </a:fillRef>
-          <a:effectRef idx="0">
-            <a:schemeClr val="accent1"/>
-          </a:effectRef>
-          <a:fontRef idx="minor">
-            <a:schemeClr val="lt1"/>
-          </a:fontRef>
-        </p:style>
-        <p:txBody>
-          <a:bodyPr rtlCol="0" anchor="ctr"/>
-          <a:lstStyle/>
-          <a:p>
-            <a:pPr algn="ctr"/>
-            <a:endParaRPr lang="ko-KR" altLang="en-US"/>
-          </a:p>
-        </p:txBody>
-      </p:sp>
-    </p:spTree>
-    <p:extLst>
-      <p:ext uri="{BB962C8B-B14F-4D97-AF65-F5344CB8AC3E}">
-        <p14:creationId xmlns:p14="http://schemas.microsoft.com/office/powerpoint/2010/main" val="2336259604"/>
-      </p:ext>
-    </p:extLst>
-  </p:cSld>
-  <p:clrMapOvr>
-    <a:masterClrMapping/>
-  </p:clrMapOvr>
-</p:sld>
-</file>
-
-<file path=ppt/slides/slide6.xml><?xml version="1.0" encoding="utf-8"?>
-<p:sld xmlns:a="http://schemas.openxmlformats.org/drawingml/2006/main" xmlns:r="http://schemas.openxmlformats.org/officeDocument/2006/relationships" xmlns:p="http://schemas.openxmlformats.org/presentationml/2006/main">
-  <p:cSld>
-    <p:spTree>
-      <p:nvGrpSpPr>
-        <p:cNvPr id="1" name=""/>
-        <p:cNvGrpSpPr/>
-        <p:nvPr/>
-      </p:nvGrpSpPr>
-      <p:grpSpPr>
-        <a:xfrm>
-          <a:off x="0" y="0"/>
-          <a:ext cx="0" cy="0"/>
-          <a:chOff x="0" y="0"/>
-          <a:chExt cx="0" cy="0"/>
-        </a:xfrm>
-      </p:grpSpPr>
-      <p:sp>
-        <p:nvSpPr>
-          <p:cNvPr id="2" name="슬라이드 번호 개체 틀 1">
-            <a:extLst>
-              <a:ext uri="{FF2B5EF4-FFF2-40B4-BE49-F238E27FC236}">
-                <a16:creationId xmlns:a16="http://schemas.microsoft.com/office/drawing/2014/main" id="{C5BD0FF6-4671-AD96-A369-8F84840014F5}"/>
-              </a:ext>
-            </a:extLst>
-          </p:cNvPr>
-          <p:cNvSpPr>
-            <a:spLocks noGrp="1"/>
-          </p:cNvSpPr>
-          <p:nvPr>
-            <p:ph type="sldNum" sz="quarter" idx="4"/>
-          </p:nvPr>
-        </p:nvSpPr>
-        <p:spPr/>
-        <p:txBody>
-          <a:bodyPr/>
-          <a:lstStyle/>
-          <a:p>
-            <a:r>
-              <a:rPr lang="en-US" altLang="ko-KR"/>
-              <a:t>p. </a:t>
-            </a:r>
-            <a:fld id="{1F335F12-2F84-4C53-9DF5-2927535D2C2D}" type="slidenum">
-              <a:rPr lang="ko-KR" altLang="en-US" smtClean="0"/>
-              <a:pPr/>
-              <a:t>6</a:t>
-            </a:fld>
-            <a:r>
-              <a:rPr lang="en-US" altLang="ko-KR"/>
-              <a:t>/20</a:t>
-            </a:r>
-            <a:endParaRPr lang="ko-KR" altLang="en-US" dirty="0"/>
-          </a:p>
-        </p:txBody>
-      </p:sp>
-    </p:spTree>
-    <p:extLst>
-      <p:ext uri="{BB962C8B-B14F-4D97-AF65-F5344CB8AC3E}">
-        <p14:creationId xmlns:p14="http://schemas.microsoft.com/office/powerpoint/2010/main" val="2476732998"/>
-      </p:ext>
-    </p:extLst>
-  </p:cSld>
-  <p:clrMapOvr>
-    <a:masterClrMapping/>
-  </p:clrMapOvr>
-</p:sld>
-</file>
-
-<file path=ppt/slides/slide7.xml><?xml version="1.0" encoding="utf-8"?>
-<p:sld xmlns:a="http://schemas.openxmlformats.org/drawingml/2006/main" xmlns:r="http://schemas.openxmlformats.org/officeDocument/2006/relationships" xmlns:p="http://schemas.openxmlformats.org/presentationml/2006/main">
-  <p:cSld>
-    <p:spTree>
-      <p:nvGrpSpPr>
-        <p:cNvPr id="1" name=""/>
-        <p:cNvGrpSpPr/>
-        <p:nvPr/>
-      </p:nvGrpSpPr>
-      <p:grpSpPr>
-        <a:xfrm>
-          <a:off x="0" y="0"/>
-          <a:ext cx="0" cy="0"/>
-          <a:chOff x="0" y="0"/>
-          <a:chExt cx="0" cy="0"/>
-        </a:xfrm>
-      </p:grpSpPr>
-      <p:sp>
-        <p:nvSpPr>
-          <p:cNvPr id="2" name="슬라이드 번호 개체 틀 1">
-            <a:extLst>
-              <a:ext uri="{FF2B5EF4-FFF2-40B4-BE49-F238E27FC236}">
-                <a16:creationId xmlns:a16="http://schemas.microsoft.com/office/drawing/2014/main" id="{A5B78E01-89DF-3758-C89A-F988A80DFFB2}"/>
-              </a:ext>
-            </a:extLst>
-          </p:cNvPr>
-          <p:cNvSpPr>
-            <a:spLocks noGrp="1"/>
-          </p:cNvSpPr>
-          <p:nvPr>
-            <p:ph type="sldNum" sz="quarter" idx="4"/>
-          </p:nvPr>
-        </p:nvSpPr>
-        <p:spPr/>
-        <p:txBody>
-          <a:bodyPr/>
-          <a:lstStyle/>
-          <a:p>
-            <a:r>
-              <a:rPr lang="en-US" altLang="ko-KR"/>
-              <a:t>p. </a:t>
-            </a:r>
-            <a:fld id="{1F335F12-2F84-4C53-9DF5-2927535D2C2D}" type="slidenum">
-              <a:rPr lang="ko-KR" altLang="en-US" smtClean="0"/>
-              <a:pPr/>
-              <a:t>7</a:t>
-            </a:fld>
-            <a:r>
-              <a:rPr lang="en-US" altLang="ko-KR"/>
-              <a:t>/20</a:t>
-            </a:r>
-            <a:endParaRPr lang="ko-KR" altLang="en-US" dirty="0"/>
-          </a:p>
-        </p:txBody>
-      </p:sp>
-    </p:spTree>
-    <p:extLst>
-      <p:ext uri="{BB962C8B-B14F-4D97-AF65-F5344CB8AC3E}">
-        <p14:creationId xmlns:p14="http://schemas.microsoft.com/office/powerpoint/2010/main" val="856074562"/>
-      </p:ext>
-    </p:extLst>
-  </p:cSld>
-  <p:clrMapOvr>
-    <a:masterClrMapping/>
-  </p:clrMapOvr>
-</p:sld>
-</file>
-
-<file path=ppt/slides/slide8.xml><?xml version="1.0" encoding="utf-8"?>
-<p:sld xmlns:a="http://schemas.openxmlformats.org/drawingml/2006/main" xmlns:r="http://schemas.openxmlformats.org/officeDocument/2006/relationships" xmlns:p="http://schemas.openxmlformats.org/presentationml/2006/main">
-  <p:cSld>
-    <p:spTree>
-      <p:nvGrpSpPr>
-        <p:cNvPr id="1" name=""/>
-        <p:cNvGrpSpPr/>
-        <p:nvPr/>
-      </p:nvGrpSpPr>
-      <p:grpSpPr>
-        <a:xfrm>
-          <a:off x="0" y="0"/>
-          <a:ext cx="0" cy="0"/>
-          <a:chOff x="0" y="0"/>
-          <a:chExt cx="0" cy="0"/>
-        </a:xfrm>
-      </p:grpSpPr>
-      <p:sp>
-        <p:nvSpPr>
-          <p:cNvPr id="2" name="슬라이드 번호 개체 틀 1">
-            <a:extLst>
-              <a:ext uri="{FF2B5EF4-FFF2-40B4-BE49-F238E27FC236}">
-                <a16:creationId xmlns:a16="http://schemas.microsoft.com/office/drawing/2014/main" id="{C1CAC341-4901-C77B-232D-39954FCF9790}"/>
-              </a:ext>
-            </a:extLst>
-          </p:cNvPr>
-          <p:cNvSpPr>
-            <a:spLocks noGrp="1"/>
-          </p:cNvSpPr>
-          <p:nvPr>
-            <p:ph type="sldNum" sz="quarter" idx="4"/>
-          </p:nvPr>
-        </p:nvSpPr>
-        <p:spPr/>
-        <p:txBody>
-          <a:bodyPr/>
-          <a:lstStyle/>
-          <a:p>
-            <a:r>
-              <a:rPr lang="en-US" altLang="ko-KR"/>
-              <a:t>p. </a:t>
-            </a:r>
-            <a:fld id="{1F335F12-2F84-4C53-9DF5-2927535D2C2D}" type="slidenum">
-              <a:rPr lang="ko-KR" altLang="en-US" smtClean="0"/>
-              <a:pPr/>
-              <a:t>8</a:t>
-            </a:fld>
-            <a:r>
-              <a:rPr lang="en-US" altLang="ko-KR"/>
-              <a:t>/20</a:t>
-            </a:r>
-            <a:endParaRPr lang="ko-KR" altLang="en-US" dirty="0"/>
-          </a:p>
-        </p:txBody>
-      </p:sp>
-    </p:spTree>
-    <p:extLst>
-      <p:ext uri="{BB962C8B-B14F-4D97-AF65-F5344CB8AC3E}">
-        <p14:creationId xmlns:p14="http://schemas.microsoft.com/office/powerpoint/2010/main" val="345884417"/>
-      </p:ext>
-    </p:extLst>
-  </p:cSld>
-  <p:clrMapOvr>
-    <a:masterClrMapping/>
-  </p:clrMapOvr>
-</p:sld>
-</file>
-
-<file path=ppt/slides/slide9.xml><?xml version="1.0" encoding="utf-8"?>
-<p:sld xmlns:a="http://schemas.openxmlformats.org/drawingml/2006/main" xmlns:r="http://schemas.openxmlformats.org/officeDocument/2006/relationships" xmlns:p="http://schemas.openxmlformats.org/presentationml/2006/main">
-  <p:cSld>
-    <p:spTree>
-      <p:nvGrpSpPr>
-        <p:cNvPr id="1" name=""/>
-        <p:cNvGrpSpPr/>
-        <p:nvPr/>
-      </p:nvGrpSpPr>
-      <p:grpSpPr>
-        <a:xfrm>
-          <a:off x="0" y="0"/>
-          <a:ext cx="0" cy="0"/>
-          <a:chOff x="0" y="0"/>
-          <a:chExt cx="0" cy="0"/>
-        </a:xfrm>
-      </p:grpSpPr>
-      <p:sp>
-        <p:nvSpPr>
-          <p:cNvPr id="2" name="슬라이드 번호 개체 틀 1">
-            <a:extLst>
-              <a:ext uri="{FF2B5EF4-FFF2-40B4-BE49-F238E27FC236}">
-                <a16:creationId xmlns:a16="http://schemas.microsoft.com/office/drawing/2014/main" id="{B5B1BE3C-03E2-6C1F-241F-CCA5D5A08A86}"/>
-              </a:ext>
-            </a:extLst>
-          </p:cNvPr>
-          <p:cNvSpPr>
-            <a:spLocks noGrp="1"/>
-          </p:cNvSpPr>
-          <p:nvPr>
-            <p:ph type="sldNum" sz="quarter" idx="4"/>
-          </p:nvPr>
-        </p:nvSpPr>
-        <p:spPr/>
-        <p:txBody>
-          <a:bodyPr/>
-          <a:lstStyle/>
-          <a:p>
-            <a:r>
-              <a:rPr lang="en-US" altLang="ko-KR"/>
-              <a:t>p. </a:t>
-            </a:r>
-            <a:fld id="{1F335F12-2F84-4C53-9DF5-2927535D2C2D}" type="slidenum">
-              <a:rPr lang="ko-KR" altLang="en-US" smtClean="0"/>
-              <a:pPr/>
-              <a:t>9</a:t>
-            </a:fld>
-            <a:r>
-              <a:rPr lang="en-US" altLang="ko-KR"/>
-              <a:t>/20</a:t>
-            </a:r>
-            <a:endParaRPr lang="ko-KR" altLang="en-US" dirty="0"/>
-          </a:p>
-        </p:txBody>
-      </p:sp>
-    </p:spTree>
-    <p:extLst>
-      <p:ext uri="{BB962C8B-B14F-4D97-AF65-F5344CB8AC3E}">
-        <p14:creationId xmlns:p14="http://schemas.microsoft.com/office/powerpoint/2010/main" val="1240905001"/>
       </p:ext>
     </p:extLst>
   </p:cSld>

--- a/엘든링 역기획서/엘든링_전회컨텐츠_역기획서.pptx
+++ b/엘든링 역기획서/엘든링_전회컨텐츠_역기획서.pptx
@@ -5,7 +5,7 @@
     <p:sldMasterId id="2147483648" r:id="rId1"/>
   </p:sldMasterIdLst>
   <p:notesMasterIdLst>
-    <p:notesMasterId r:id="rId11"/>
+    <p:notesMasterId r:id="rId14"/>
   </p:notesMasterIdLst>
   <p:sldIdLst>
     <p:sldId id="269" r:id="rId2"/>
@@ -13,10 +13,13 @@
     <p:sldId id="288" r:id="rId4"/>
     <p:sldId id="287" r:id="rId5"/>
     <p:sldId id="282" r:id="rId6"/>
-    <p:sldId id="283" r:id="rId7"/>
-    <p:sldId id="284" r:id="rId8"/>
-    <p:sldId id="285" r:id="rId9"/>
-    <p:sldId id="286" r:id="rId10"/>
+    <p:sldId id="289" r:id="rId7"/>
+    <p:sldId id="290" r:id="rId8"/>
+    <p:sldId id="292" r:id="rId9"/>
+    <p:sldId id="283" r:id="rId10"/>
+    <p:sldId id="284" r:id="rId11"/>
+    <p:sldId id="285" r:id="rId12"/>
+    <p:sldId id="286" r:id="rId13"/>
   </p:sldIdLst>
   <p:sldSz cx="12192000" cy="6858000"/>
   <p:notesSz cx="6858000" cy="9144000"/>
@@ -216,7 +219,7 @@
           <a:p>
             <a:fld id="{15B808FB-3DDB-4DAD-BDEB-AB123B9F7CC1}" type="datetimeFigureOut">
               <a:rPr lang="ko-KR" altLang="en-US" smtClean="0"/>
-              <a:t>2024-10-11</a:t>
+              <a:t>2024-10-13</a:t>
             </a:fld>
             <a:endParaRPr lang="ko-KR" altLang="en-US"/>
           </a:p>
@@ -716,7 +719,7 @@
           <a:p>
             <a:fld id="{8CA72C27-D0A0-472F-B7CB-FAB4645A1F36}" type="slidenum">
               <a:rPr lang="ko-KR" altLang="en-US" smtClean="0"/>
-              <a:t>9</a:t>
+              <a:t>12</a:t>
             </a:fld>
             <a:endParaRPr lang="ko-KR" altLang="en-US"/>
           </a:p>
@@ -882,7 +885,7 @@
           <a:p>
             <a:fld id="{3F4C7EE5-2743-4615-BAAD-BA1738C57346}" type="datetime1">
               <a:rPr lang="ko-KR" altLang="en-US" smtClean="0"/>
-              <a:t>2024-10-11</a:t>
+              <a:t>2024-10-13</a:t>
             </a:fld>
             <a:endParaRPr lang="ko-KR" altLang="en-US"/>
           </a:p>
@@ -1281,7 +1284,7 @@
           <a:p>
             <a:fld id="{6F948A0A-5631-425F-970D-62D9E160BB4A}" type="datetime1">
               <a:rPr lang="ko-KR" altLang="en-US" smtClean="0"/>
-              <a:t>2024-10-11</a:t>
+              <a:t>2024-10-13</a:t>
             </a:fld>
             <a:endParaRPr lang="ko-KR" altLang="en-US"/>
           </a:p>
@@ -1430,7 +1433,7 @@
           <a:p>
             <a:fld id="{A7125F7D-C933-4823-B16C-E8329223FCA2}" type="datetime1">
               <a:rPr lang="ko-KR" altLang="en-US" smtClean="0"/>
-              <a:t>2024-10-11</a:t>
+              <a:t>2024-10-13</a:t>
             </a:fld>
             <a:endParaRPr lang="ko-KR" altLang="en-US"/>
           </a:p>
@@ -1551,7 +1554,7 @@
           <a:p>
             <a:fld id="{172AEC7A-CF56-4355-B69C-99E70FFD0594}" type="datetime1">
               <a:rPr lang="ko-KR" altLang="en-US" smtClean="0"/>
-              <a:t>2024-10-11</a:t>
+              <a:t>2024-10-13</a:t>
             </a:fld>
             <a:endParaRPr lang="ko-KR" altLang="en-US"/>
           </a:p>
@@ -1870,7 +1873,7 @@
           <a:p>
             <a:fld id="{03DE2A23-3ACA-4377-BDEC-B489E6A52A6D}" type="datetime1">
               <a:rPr lang="ko-KR" altLang="en-US" smtClean="0"/>
-              <a:t>2024-10-11</a:t>
+              <a:t>2024-10-13</a:t>
             </a:fld>
             <a:endParaRPr lang="ko-KR" altLang="en-US"/>
           </a:p>
@@ -2166,7 +2169,7 @@
           <a:p>
             <a:fld id="{8966ED2F-EA66-41FD-A40A-834EEC507310}" type="datetime1">
               <a:rPr lang="ko-KR" altLang="en-US" smtClean="0"/>
-              <a:t>2024-10-11</a:t>
+              <a:t>2024-10-13</a:t>
             </a:fld>
             <a:endParaRPr lang="ko-KR" altLang="en-US"/>
           </a:p>
@@ -2372,7 +2375,7 @@
           <a:p>
             <a:fld id="{DE92472D-1AC6-48F8-AF0A-6DFA71752292}" type="datetime1">
               <a:rPr lang="ko-KR" altLang="en-US" smtClean="0"/>
-              <a:t>2024-10-11</a:t>
+              <a:t>2024-10-13</a:t>
             </a:fld>
             <a:endParaRPr lang="ko-KR" altLang="en-US"/>
           </a:p>
@@ -2588,7 +2591,7 @@
           <a:p>
             <a:fld id="{DB8DDC07-8A93-4907-ADFC-E2BFCDD8943C}" type="datetime1">
               <a:rPr lang="ko-KR" altLang="en-US" smtClean="0"/>
-              <a:t>2024-10-11</a:t>
+              <a:t>2024-10-13</a:t>
             </a:fld>
             <a:endParaRPr lang="ko-KR" altLang="en-US"/>
           </a:p>
@@ -2794,7 +2797,7 @@
           <a:p>
             <a:fld id="{D27242A3-85E8-4FB9-A509-65F17906E306}" type="datetime1">
               <a:rPr lang="ko-KR" altLang="en-US" smtClean="0"/>
-              <a:t>2024-10-11</a:t>
+              <a:t>2024-10-13</a:t>
             </a:fld>
             <a:endParaRPr lang="ko-KR" altLang="en-US"/>
           </a:p>
@@ -3576,7 +3579,7 @@
         </p:nvSpPr>
         <p:spPr>
           <a:xfrm>
-            <a:off x="386969" y="2968068"/>
+            <a:off x="386970" y="2968068"/>
             <a:ext cx="833883" cy="276999"/>
           </a:xfrm>
           <a:prstGeom prst="rect">
@@ -3610,7 +3613,7 @@
                 <a:ea typeface="빛의 계승자 Bold" panose="020B0600000101010101" pitchFamily="50" charset="-127"/>
                 <a:cs typeface="+mn-cs"/>
               </a:rPr>
-              <a:t>전회 예시</a:t>
+              <a:t>예외 사항</a:t>
             </a:r>
           </a:p>
         </p:txBody>
@@ -4840,7 +4843,7 @@
         </p:nvSpPr>
         <p:spPr>
           <a:xfrm>
-            <a:off x="386969" y="2968068"/>
+            <a:off x="386970" y="2968068"/>
             <a:ext cx="833883" cy="276999"/>
           </a:xfrm>
           <a:prstGeom prst="rect">
@@ -4874,7 +4877,7 @@
                 <a:ea typeface="빛의 계승자 Bold" panose="020B0600000101010101" pitchFamily="50" charset="-127"/>
                 <a:cs typeface="+mn-cs"/>
               </a:rPr>
-              <a:t>전회 예시</a:t>
+              <a:t>예외 사항</a:t>
             </a:r>
           </a:p>
         </p:txBody>
@@ -6259,7 +6262,7 @@
         </p:nvSpPr>
         <p:spPr>
           <a:xfrm>
-            <a:off x="386969" y="2968068"/>
+            <a:off x="386970" y="2968068"/>
             <a:ext cx="833883" cy="276999"/>
           </a:xfrm>
           <a:prstGeom prst="rect">
@@ -6293,7 +6296,7 @@
                 <a:ea typeface="빛의 계승자 Bold" panose="020B0600000101010101" pitchFamily="50" charset="-127"/>
                 <a:cs typeface="+mn-cs"/>
               </a:rPr>
-              <a:t>전회 예시</a:t>
+              <a:t>예외 사항</a:t>
             </a:r>
           </a:p>
         </p:txBody>
@@ -8085,7 +8088,7 @@
         </p:nvSpPr>
         <p:spPr>
           <a:xfrm>
-            <a:off x="386969" y="2968068"/>
+            <a:off x="386970" y="2968068"/>
             <a:ext cx="833883" cy="276999"/>
           </a:xfrm>
           <a:prstGeom prst="rect">
@@ -8119,7 +8122,7 @@
                 <a:ea typeface="빛의 계승자 Bold" panose="020B0600000101010101" pitchFamily="50" charset="-127"/>
                 <a:cs typeface="+mn-cs"/>
               </a:rPr>
-              <a:t>전회 예시</a:t>
+              <a:t>예외 사항</a:t>
             </a:r>
           </a:p>
         </p:txBody>
@@ -9097,7 +9100,7 @@
         </p:nvSpPr>
         <p:spPr>
           <a:xfrm>
-            <a:off x="386969" y="2968068"/>
+            <a:off x="386970" y="2968068"/>
             <a:ext cx="833883" cy="276999"/>
           </a:xfrm>
           <a:prstGeom prst="rect">
@@ -9131,7 +9134,7 @@
                 <a:ea typeface="빛의 계승자 Bold" panose="020B0600000101010101" pitchFamily="50" charset="-127"/>
                 <a:cs typeface="+mn-cs"/>
               </a:rPr>
-              <a:t>전회 예시</a:t>
+              <a:t>예외 사항</a:t>
             </a:r>
           </a:p>
         </p:txBody>
@@ -10151,7 +10154,7 @@
           <a:p>
             <a:fld id="{1FDABBEF-3A66-4EDA-82FD-36CD13E39C1E}" type="datetime1">
               <a:rPr lang="ko-KR" altLang="en-US" smtClean="0"/>
-              <a:t>2024-10-11</a:t>
+              <a:t>2024-10-13</a:t>
             </a:fld>
             <a:endParaRPr lang="ko-KR" altLang="en-US"/>
           </a:p>
@@ -10450,7 +10453,7 @@
           <a:p>
             <a:fld id="{DB5A3179-E8A8-4EAA-8BCC-23E75FA148A0}" type="datetime1">
               <a:rPr lang="ko-KR" altLang="en-US" smtClean="0"/>
-              <a:t>2024-10-11</a:t>
+              <a:t>2024-10-13</a:t>
             </a:fld>
             <a:endParaRPr lang="ko-KR" altLang="en-US"/>
           </a:p>
@@ -10712,7 +10715,7 @@
           <a:p>
             <a:fld id="{8EC0F441-5CE1-4B59-8EBB-432B3AF1BE37}" type="datetime1">
               <a:rPr lang="ko-KR" altLang="en-US" smtClean="0"/>
-              <a:t>2024-10-11</a:t>
+              <a:t>2024-10-13</a:t>
             </a:fld>
             <a:endParaRPr lang="ko-KR" altLang="en-US"/>
           </a:p>
@@ -11217,8 +11220,8 @@
         </p:nvSpPr>
         <p:spPr>
           <a:xfrm>
-            <a:off x="4065637" y="2723748"/>
-            <a:ext cx="4060727" cy="584775"/>
+            <a:off x="4729280" y="2723748"/>
+            <a:ext cx="2733441" cy="584775"/>
           </a:xfrm>
           <a:prstGeom prst="rect">
             <a:avLst/>
@@ -11247,7 +11250,7 @@
                 <a:latin typeface="빛의 계승자 Regular" panose="020B0600000101010101" pitchFamily="50" charset="-127"/>
                 <a:ea typeface="빛의 계승자 Regular" panose="020B0600000101010101" pitchFamily="50" charset="-127"/>
               </a:rPr>
-              <a:t>전회 컨텐츠 역기획서</a:t>
+              <a:t>전회 역기획서</a:t>
             </a:r>
           </a:p>
         </p:txBody>
@@ -11525,6 +11528,784 @@
     <p:extLst>
       <p:ext uri="{BB962C8B-B14F-4D97-AF65-F5344CB8AC3E}">
         <p14:creationId xmlns:p14="http://schemas.microsoft.com/office/powerpoint/2010/main" val="3867282251"/>
+      </p:ext>
+    </p:extLst>
+  </p:cSld>
+  <p:clrMapOvr>
+    <a:masterClrMapping/>
+  </p:clrMapOvr>
+</p:sld>
+</file>
+
+<file path=ppt/slides/slide10.xml><?xml version="1.0" encoding="utf-8"?>
+<p:sld xmlns:a="http://schemas.openxmlformats.org/drawingml/2006/main" xmlns:r="http://schemas.openxmlformats.org/officeDocument/2006/relationships" xmlns:p="http://schemas.openxmlformats.org/presentationml/2006/main">
+  <p:cSld>
+    <p:spTree>
+      <p:nvGrpSpPr>
+        <p:cNvPr id="1" name=""/>
+        <p:cNvGrpSpPr/>
+        <p:nvPr/>
+      </p:nvGrpSpPr>
+      <p:grpSpPr>
+        <a:xfrm>
+          <a:off x="0" y="0"/>
+          <a:ext cx="0" cy="0"/>
+          <a:chOff x="0" y="0"/>
+          <a:chExt cx="0" cy="0"/>
+        </a:xfrm>
+      </p:grpSpPr>
+      <p:sp>
+        <p:nvSpPr>
+          <p:cNvPr id="2" name="슬라이드 번호 개체 틀 1">
+            <a:extLst>
+              <a:ext uri="{FF2B5EF4-FFF2-40B4-BE49-F238E27FC236}">
+                <a16:creationId xmlns:a16="http://schemas.microsoft.com/office/drawing/2014/main" id="{C1CAC341-4901-C77B-232D-39954FCF9790}"/>
+              </a:ext>
+            </a:extLst>
+          </p:cNvPr>
+          <p:cNvSpPr>
+            <a:spLocks noGrp="1"/>
+          </p:cNvSpPr>
+          <p:nvPr>
+            <p:ph type="sldNum" sz="quarter" idx="4"/>
+          </p:nvPr>
+        </p:nvSpPr>
+        <p:spPr/>
+        <p:txBody>
+          <a:bodyPr/>
+          <a:lstStyle/>
+          <a:p>
+            <a:r>
+              <a:rPr lang="en-US" altLang="ko-KR"/>
+              <a:t>p. </a:t>
+            </a:r>
+            <a:fld id="{1F335F12-2F84-4C53-9DF5-2927535D2C2D}" type="slidenum">
+              <a:rPr lang="ko-KR" altLang="en-US" smtClean="0"/>
+              <a:pPr/>
+              <a:t>10</a:t>
+            </a:fld>
+            <a:r>
+              <a:rPr lang="en-US" altLang="ko-KR"/>
+              <a:t>/20</a:t>
+            </a:r>
+            <a:endParaRPr lang="ko-KR" altLang="en-US" dirty="0"/>
+          </a:p>
+        </p:txBody>
+      </p:sp>
+    </p:spTree>
+    <p:extLst>
+      <p:ext uri="{BB962C8B-B14F-4D97-AF65-F5344CB8AC3E}">
+        <p14:creationId xmlns:p14="http://schemas.microsoft.com/office/powerpoint/2010/main" val="345884417"/>
+      </p:ext>
+    </p:extLst>
+  </p:cSld>
+  <p:clrMapOvr>
+    <a:masterClrMapping/>
+  </p:clrMapOvr>
+</p:sld>
+</file>
+
+<file path=ppt/slides/slide11.xml><?xml version="1.0" encoding="utf-8"?>
+<p:sld xmlns:a="http://schemas.openxmlformats.org/drawingml/2006/main" xmlns:r="http://schemas.openxmlformats.org/officeDocument/2006/relationships" xmlns:p="http://schemas.openxmlformats.org/presentationml/2006/main">
+  <p:cSld>
+    <p:spTree>
+      <p:nvGrpSpPr>
+        <p:cNvPr id="1" name=""/>
+        <p:cNvGrpSpPr/>
+        <p:nvPr/>
+      </p:nvGrpSpPr>
+      <p:grpSpPr>
+        <a:xfrm>
+          <a:off x="0" y="0"/>
+          <a:ext cx="0" cy="0"/>
+          <a:chOff x="0" y="0"/>
+          <a:chExt cx="0" cy="0"/>
+        </a:xfrm>
+      </p:grpSpPr>
+      <p:sp>
+        <p:nvSpPr>
+          <p:cNvPr id="2" name="슬라이드 번호 개체 틀 1">
+            <a:extLst>
+              <a:ext uri="{FF2B5EF4-FFF2-40B4-BE49-F238E27FC236}">
+                <a16:creationId xmlns:a16="http://schemas.microsoft.com/office/drawing/2014/main" id="{B5B1BE3C-03E2-6C1F-241F-CCA5D5A08A86}"/>
+              </a:ext>
+            </a:extLst>
+          </p:cNvPr>
+          <p:cNvSpPr>
+            <a:spLocks noGrp="1"/>
+          </p:cNvSpPr>
+          <p:nvPr>
+            <p:ph type="sldNum" sz="quarter" idx="4"/>
+          </p:nvPr>
+        </p:nvSpPr>
+        <p:spPr/>
+        <p:txBody>
+          <a:bodyPr/>
+          <a:lstStyle/>
+          <a:p>
+            <a:r>
+              <a:rPr lang="en-US" altLang="ko-KR"/>
+              <a:t>p. </a:t>
+            </a:r>
+            <a:fld id="{1F335F12-2F84-4C53-9DF5-2927535D2C2D}" type="slidenum">
+              <a:rPr lang="ko-KR" altLang="en-US" smtClean="0"/>
+              <a:pPr/>
+              <a:t>11</a:t>
+            </a:fld>
+            <a:r>
+              <a:rPr lang="en-US" altLang="ko-KR"/>
+              <a:t>/20</a:t>
+            </a:r>
+            <a:endParaRPr lang="ko-KR" altLang="en-US" dirty="0"/>
+          </a:p>
+        </p:txBody>
+      </p:sp>
+      <p:sp>
+        <p:nvSpPr>
+          <p:cNvPr id="3" name="TextBox 2">
+            <a:extLst>
+              <a:ext uri="{FF2B5EF4-FFF2-40B4-BE49-F238E27FC236}">
+                <a16:creationId xmlns:a16="http://schemas.microsoft.com/office/drawing/2014/main" id="{96EABF16-B9A5-02A3-A205-7B4E2E78F7EC}"/>
+              </a:ext>
+            </a:extLst>
+          </p:cNvPr>
+          <p:cNvSpPr txBox="1"/>
+          <p:nvPr/>
+        </p:nvSpPr>
+        <p:spPr>
+          <a:xfrm>
+            <a:off x="2533919" y="2033155"/>
+            <a:ext cx="2896947" cy="2554545"/>
+          </a:xfrm>
+          <a:prstGeom prst="rect">
+            <a:avLst/>
+          </a:prstGeom>
+          <a:noFill/>
+        </p:spPr>
+        <p:txBody>
+          <a:bodyPr wrap="none" rtlCol="0">
+            <a:spAutoFit/>
+          </a:bodyPr>
+          <a:lstStyle/>
+          <a:p>
+            <a:r>
+              <a:rPr lang="ko-KR" altLang="en-US" sz="1000" dirty="0">
+                <a:solidFill>
+                  <a:schemeClr val="bg1"/>
+                </a:solidFill>
+                <a:latin typeface="넥슨Lv1고딕" panose="00000500000000000000" pitchFamily="2" charset="-127"/>
+                <a:ea typeface="넥슨Lv1고딕" panose="00000500000000000000" pitchFamily="2" charset="-127"/>
+              </a:rPr>
+              <a:t>현재 문제점</a:t>
+            </a:r>
+            <a:endParaRPr lang="en-US" altLang="ko-KR" sz="1000" dirty="0">
+              <a:solidFill>
+                <a:schemeClr val="bg1"/>
+              </a:solidFill>
+              <a:latin typeface="넥슨Lv1고딕" panose="00000500000000000000" pitchFamily="2" charset="-127"/>
+              <a:ea typeface="넥슨Lv1고딕" panose="00000500000000000000" pitchFamily="2" charset="-127"/>
+            </a:endParaRPr>
+          </a:p>
+          <a:p>
+            <a:r>
+              <a:rPr lang="en-US" altLang="ko-KR" sz="1000" dirty="0">
+                <a:solidFill>
+                  <a:schemeClr val="bg1"/>
+                </a:solidFill>
+                <a:latin typeface="넥슨Lv1고딕" panose="00000500000000000000" pitchFamily="2" charset="-127"/>
+                <a:ea typeface="넥슨Lv1고딕" panose="00000500000000000000" pitchFamily="2" charset="-127"/>
+              </a:rPr>
+              <a:t>1) </a:t>
+            </a:r>
+          </a:p>
+          <a:p>
+            <a:endParaRPr lang="en-US" altLang="ko-KR" sz="1000" dirty="0">
+              <a:solidFill>
+                <a:schemeClr val="bg1"/>
+              </a:solidFill>
+              <a:latin typeface="넥슨Lv1고딕" panose="00000500000000000000" pitchFamily="2" charset="-127"/>
+              <a:ea typeface="넥슨Lv1고딕" panose="00000500000000000000" pitchFamily="2" charset="-127"/>
+            </a:endParaRPr>
+          </a:p>
+          <a:p>
+            <a:r>
+              <a:rPr lang="ko-KR" altLang="en-US" sz="1000" dirty="0">
+                <a:solidFill>
+                  <a:schemeClr val="bg1"/>
+                </a:solidFill>
+                <a:latin typeface="넥슨Lv1고딕" panose="00000500000000000000" pitchFamily="2" charset="-127"/>
+                <a:ea typeface="넥슨Lv1고딕" panose="00000500000000000000" pitchFamily="2" charset="-127"/>
+              </a:rPr>
+              <a:t>개선 사항의 목적</a:t>
+            </a:r>
+            <a:endParaRPr lang="en-US" altLang="ko-KR" sz="1000" dirty="0">
+              <a:solidFill>
+                <a:schemeClr val="bg1"/>
+              </a:solidFill>
+              <a:latin typeface="넥슨Lv1고딕" panose="00000500000000000000" pitchFamily="2" charset="-127"/>
+              <a:ea typeface="넥슨Lv1고딕" panose="00000500000000000000" pitchFamily="2" charset="-127"/>
+            </a:endParaRPr>
+          </a:p>
+          <a:p>
+            <a:pPr marL="228600" indent="-228600">
+              <a:buAutoNum type="arabicParenR"/>
+            </a:pPr>
+            <a:r>
+              <a:rPr lang="ko-KR" altLang="en-US" sz="1000" dirty="0">
+                <a:solidFill>
+                  <a:schemeClr val="bg1"/>
+                </a:solidFill>
+                <a:latin typeface="넥슨Lv1고딕" panose="00000500000000000000" pitchFamily="2" charset="-127"/>
+                <a:ea typeface="넥슨Lv1고딕" panose="00000500000000000000" pitchFamily="2" charset="-127"/>
+              </a:rPr>
+              <a:t>적극적으로 전회를 바꿔가며 사용하도록 유도</a:t>
+            </a:r>
+            <a:endParaRPr lang="en-US" altLang="ko-KR" sz="1000" dirty="0">
+              <a:solidFill>
+                <a:schemeClr val="bg1"/>
+              </a:solidFill>
+              <a:latin typeface="넥슨Lv1고딕" panose="00000500000000000000" pitchFamily="2" charset="-127"/>
+              <a:ea typeface="넥슨Lv1고딕" panose="00000500000000000000" pitchFamily="2" charset="-127"/>
+            </a:endParaRPr>
+          </a:p>
+          <a:p>
+            <a:pPr marL="228600" indent="-228600">
+              <a:buAutoNum type="arabicParenR"/>
+            </a:pPr>
+            <a:r>
+              <a:rPr lang="ko-KR" altLang="en-US" sz="1000" dirty="0">
+                <a:solidFill>
+                  <a:schemeClr val="bg1"/>
+                </a:solidFill>
+                <a:latin typeface="넥슨Lv1고딕" panose="00000500000000000000" pitchFamily="2" charset="-127"/>
+                <a:ea typeface="넥슨Lv1고딕" panose="00000500000000000000" pitchFamily="2" charset="-127"/>
+              </a:rPr>
+              <a:t>전회를 많이 사용할 수록 </a:t>
+            </a:r>
+            <a:r>
+              <a:rPr lang="ko-KR" altLang="en-US" sz="1000" dirty="0" err="1">
+                <a:solidFill>
+                  <a:schemeClr val="bg1"/>
+                </a:solidFill>
+                <a:latin typeface="넥슨Lv1고딕" panose="00000500000000000000" pitchFamily="2" charset="-127"/>
+                <a:ea typeface="넥슨Lv1고딕" panose="00000500000000000000" pitchFamily="2" charset="-127"/>
+              </a:rPr>
+              <a:t>강해짐</a:t>
+            </a:r>
+            <a:r>
+              <a:rPr lang="en-US" altLang="ko-KR" sz="1000" dirty="0">
+                <a:solidFill>
+                  <a:schemeClr val="bg1"/>
+                </a:solidFill>
+                <a:latin typeface="넥슨Lv1고딕" panose="00000500000000000000" pitchFamily="2" charset="-127"/>
+                <a:ea typeface="넥슨Lv1고딕" panose="00000500000000000000" pitchFamily="2" charset="-127"/>
+              </a:rPr>
+              <a:t>.</a:t>
+            </a:r>
+          </a:p>
+          <a:p>
+            <a:pPr marL="228600" indent="-228600">
+              <a:buAutoNum type="arabicParenR"/>
+            </a:pPr>
+            <a:r>
+              <a:rPr lang="ko-KR" altLang="en-US" sz="1000" dirty="0">
+                <a:solidFill>
+                  <a:schemeClr val="bg1"/>
+                </a:solidFill>
+                <a:latin typeface="넥슨Lv1고딕" panose="00000500000000000000" pitchFamily="2" charset="-127"/>
+                <a:ea typeface="넥슨Lv1고딕" panose="00000500000000000000" pitchFamily="2" charset="-127"/>
+              </a:rPr>
+              <a:t>성취감 제공</a:t>
+            </a:r>
+            <a:endParaRPr lang="en-US" altLang="ko-KR" sz="1000" dirty="0">
+              <a:solidFill>
+                <a:schemeClr val="bg1"/>
+              </a:solidFill>
+              <a:latin typeface="넥슨Lv1고딕" panose="00000500000000000000" pitchFamily="2" charset="-127"/>
+              <a:ea typeface="넥슨Lv1고딕" panose="00000500000000000000" pitchFamily="2" charset="-127"/>
+            </a:endParaRPr>
+          </a:p>
+          <a:p>
+            <a:pPr marL="228600" indent="-228600">
+              <a:buAutoNum type="arabicParenR"/>
+            </a:pPr>
+            <a:endParaRPr lang="en-US" altLang="ko-KR" sz="1000" dirty="0">
+              <a:solidFill>
+                <a:schemeClr val="bg1"/>
+              </a:solidFill>
+              <a:latin typeface="넥슨Lv1고딕" panose="00000500000000000000" pitchFamily="2" charset="-127"/>
+              <a:ea typeface="넥슨Lv1고딕" panose="00000500000000000000" pitchFamily="2" charset="-127"/>
+            </a:endParaRPr>
+          </a:p>
+          <a:p>
+            <a:pPr marL="228600" indent="-228600">
+              <a:buAutoNum type="arabicParenR"/>
+            </a:pPr>
+            <a:endParaRPr lang="en-US" altLang="ko-KR" sz="1000" dirty="0">
+              <a:solidFill>
+                <a:schemeClr val="bg1"/>
+              </a:solidFill>
+              <a:latin typeface="넥슨Lv1고딕" panose="00000500000000000000" pitchFamily="2" charset="-127"/>
+              <a:ea typeface="넥슨Lv1고딕" panose="00000500000000000000" pitchFamily="2" charset="-127"/>
+            </a:endParaRPr>
+          </a:p>
+          <a:p>
+            <a:pPr marL="171450" indent="-171450">
+              <a:buFontTx/>
+              <a:buChar char="-"/>
+            </a:pPr>
+            <a:r>
+              <a:rPr lang="ko-KR" altLang="en-US" sz="1000" dirty="0">
+                <a:solidFill>
+                  <a:schemeClr val="bg1"/>
+                </a:solidFill>
+                <a:latin typeface="넥슨Lv1고딕" panose="00000500000000000000" pitchFamily="2" charset="-127"/>
+                <a:ea typeface="넥슨Lv1고딕" panose="00000500000000000000" pitchFamily="2" charset="-127"/>
+              </a:rPr>
+              <a:t>전회 사용에 대한 업적</a:t>
+            </a:r>
+            <a:r>
+              <a:rPr lang="en-US" altLang="ko-KR" sz="1000" dirty="0">
+                <a:solidFill>
+                  <a:schemeClr val="bg1"/>
+                </a:solidFill>
+                <a:latin typeface="넥슨Lv1고딕" panose="00000500000000000000" pitchFamily="2" charset="-127"/>
+                <a:ea typeface="넥슨Lv1고딕" panose="00000500000000000000" pitchFamily="2" charset="-127"/>
+              </a:rPr>
+              <a:t> </a:t>
+            </a:r>
+            <a:r>
+              <a:rPr lang="ko-KR" altLang="en-US" sz="1000" dirty="0">
+                <a:solidFill>
+                  <a:schemeClr val="bg1"/>
+                </a:solidFill>
+                <a:latin typeface="넥슨Lv1고딕" panose="00000500000000000000" pitchFamily="2" charset="-127"/>
+                <a:ea typeface="넥슨Lv1고딕" panose="00000500000000000000" pitchFamily="2" charset="-127"/>
+              </a:rPr>
+              <a:t>시스템</a:t>
+            </a:r>
+            <a:r>
+              <a:rPr lang="en-US" altLang="ko-KR" sz="1000" dirty="0">
+                <a:solidFill>
+                  <a:schemeClr val="bg1"/>
+                </a:solidFill>
+                <a:latin typeface="넥슨Lv1고딕" panose="00000500000000000000" pitchFamily="2" charset="-127"/>
+                <a:ea typeface="넥슨Lv1고딕" panose="00000500000000000000" pitchFamily="2" charset="-127"/>
+              </a:rPr>
+              <a:t>?</a:t>
+            </a:r>
+            <a:br>
+              <a:rPr lang="en-US" altLang="ko-KR" sz="1000" dirty="0">
+                <a:solidFill>
+                  <a:schemeClr val="bg1"/>
+                </a:solidFill>
+                <a:latin typeface="넥슨Lv1고딕" panose="00000500000000000000" pitchFamily="2" charset="-127"/>
+                <a:ea typeface="넥슨Lv1고딕" panose="00000500000000000000" pitchFamily="2" charset="-127"/>
+              </a:rPr>
+            </a:br>
+            <a:r>
+              <a:rPr lang="en-US" altLang="ko-KR" sz="1000" dirty="0">
+                <a:solidFill>
+                  <a:schemeClr val="bg1"/>
+                </a:solidFill>
+                <a:latin typeface="넥슨Lv1고딕" panose="00000500000000000000" pitchFamily="2" charset="-127"/>
+                <a:ea typeface="넥슨Lv1고딕" panose="00000500000000000000" pitchFamily="2" charset="-127"/>
+              </a:rPr>
+              <a:t>Ex) </a:t>
+            </a:r>
+            <a:r>
+              <a:rPr lang="ko-KR" altLang="en-US" sz="1000" dirty="0">
+                <a:solidFill>
+                  <a:schemeClr val="bg1"/>
+                </a:solidFill>
+                <a:latin typeface="넥슨Lv1고딕" panose="00000500000000000000" pitchFamily="2" charset="-127"/>
+                <a:ea typeface="넥슨Lv1고딕" panose="00000500000000000000" pitchFamily="2" charset="-127"/>
+              </a:rPr>
+              <a:t>어떤 전회를 사용하여 적 처치</a:t>
+            </a:r>
+            <a:endParaRPr lang="en-US" altLang="ko-KR" sz="1000" dirty="0">
+              <a:solidFill>
+                <a:schemeClr val="bg1"/>
+              </a:solidFill>
+              <a:latin typeface="넥슨Lv1고딕" panose="00000500000000000000" pitchFamily="2" charset="-127"/>
+              <a:ea typeface="넥슨Lv1고딕" panose="00000500000000000000" pitchFamily="2" charset="-127"/>
+            </a:endParaRPr>
+          </a:p>
+          <a:p>
+            <a:pPr marL="171450" indent="-171450">
+              <a:buFontTx/>
+              <a:buChar char="-"/>
+            </a:pPr>
+            <a:r>
+              <a:rPr lang="ko-KR" altLang="en-US" sz="1000" dirty="0">
+                <a:solidFill>
+                  <a:schemeClr val="bg1"/>
+                </a:solidFill>
+                <a:latin typeface="넥슨Lv1고딕" panose="00000500000000000000" pitchFamily="2" charset="-127"/>
+                <a:ea typeface="넥슨Lv1고딕" panose="00000500000000000000" pitchFamily="2" charset="-127"/>
+              </a:rPr>
+              <a:t>무기에 특정 전회 부여 시 특별한 능력 발동</a:t>
+            </a:r>
+            <a:r>
+              <a:rPr lang="en-US" altLang="ko-KR" sz="1000" dirty="0">
+                <a:solidFill>
+                  <a:schemeClr val="bg1"/>
+                </a:solidFill>
+                <a:latin typeface="넥슨Lv1고딕" panose="00000500000000000000" pitchFamily="2" charset="-127"/>
+                <a:ea typeface="넥슨Lv1고딕" panose="00000500000000000000" pitchFamily="2" charset="-127"/>
+              </a:rPr>
+              <a:t>?</a:t>
+            </a:r>
+          </a:p>
+          <a:p>
+            <a:pPr marL="171450" indent="-171450">
+              <a:buFontTx/>
+              <a:buChar char="-"/>
+            </a:pPr>
+            <a:r>
+              <a:rPr lang="ko-KR" altLang="en-US" sz="1000" dirty="0">
+                <a:solidFill>
+                  <a:schemeClr val="bg1"/>
+                </a:solidFill>
+                <a:latin typeface="넥슨Lv1고딕" panose="00000500000000000000" pitchFamily="2" charset="-127"/>
+                <a:ea typeface="넥슨Lv1고딕" panose="00000500000000000000" pitchFamily="2" charset="-127"/>
+              </a:rPr>
+              <a:t>전회 숙련도 도입</a:t>
+            </a:r>
+            <a:r>
+              <a:rPr lang="en-US" altLang="ko-KR" sz="1000" dirty="0">
+                <a:solidFill>
+                  <a:schemeClr val="bg1"/>
+                </a:solidFill>
+                <a:latin typeface="넥슨Lv1고딕" panose="00000500000000000000" pitchFamily="2" charset="-127"/>
+                <a:ea typeface="넥슨Lv1고딕" panose="00000500000000000000" pitchFamily="2" charset="-127"/>
+              </a:rPr>
+              <a:t>? </a:t>
+            </a:r>
+          </a:p>
+          <a:p>
+            <a:pPr marL="171450" indent="-171450">
+              <a:buFontTx/>
+              <a:buChar char="-"/>
+            </a:pPr>
+            <a:endParaRPr lang="en-US" altLang="ko-KR" sz="1000" dirty="0">
+              <a:solidFill>
+                <a:schemeClr val="bg1"/>
+              </a:solidFill>
+              <a:latin typeface="넥슨Lv1고딕" panose="00000500000000000000" pitchFamily="2" charset="-127"/>
+              <a:ea typeface="넥슨Lv1고딕" panose="00000500000000000000" pitchFamily="2" charset="-127"/>
+            </a:endParaRPr>
+          </a:p>
+          <a:p>
+            <a:endParaRPr lang="en-US" altLang="ko-KR" sz="1000" dirty="0">
+              <a:solidFill>
+                <a:schemeClr val="bg1"/>
+              </a:solidFill>
+              <a:latin typeface="넥슨Lv1고딕" panose="00000500000000000000" pitchFamily="2" charset="-127"/>
+              <a:ea typeface="넥슨Lv1고딕" panose="00000500000000000000" pitchFamily="2" charset="-127"/>
+            </a:endParaRPr>
+          </a:p>
+          <a:p>
+            <a:pPr marL="171450" indent="-171450">
+              <a:buFontTx/>
+              <a:buChar char="-"/>
+            </a:pPr>
+            <a:endParaRPr lang="en-US" altLang="ko-KR" sz="1000" dirty="0">
+              <a:solidFill>
+                <a:schemeClr val="bg1"/>
+              </a:solidFill>
+              <a:latin typeface="넥슨Lv1고딕" panose="00000500000000000000" pitchFamily="2" charset="-127"/>
+              <a:ea typeface="넥슨Lv1고딕" panose="00000500000000000000" pitchFamily="2" charset="-127"/>
+            </a:endParaRPr>
+          </a:p>
+        </p:txBody>
+      </p:sp>
+    </p:spTree>
+    <p:extLst>
+      <p:ext uri="{BB962C8B-B14F-4D97-AF65-F5344CB8AC3E}">
+        <p14:creationId xmlns:p14="http://schemas.microsoft.com/office/powerpoint/2010/main" val="1240905001"/>
+      </p:ext>
+    </p:extLst>
+  </p:cSld>
+  <p:clrMapOvr>
+    <a:masterClrMapping/>
+  </p:clrMapOvr>
+</p:sld>
+</file>
+
+<file path=ppt/slides/slide12.xml><?xml version="1.0" encoding="utf-8"?>
+<p:sld xmlns:a="http://schemas.openxmlformats.org/drawingml/2006/main" xmlns:r="http://schemas.openxmlformats.org/officeDocument/2006/relationships" xmlns:p="http://schemas.openxmlformats.org/presentationml/2006/main">
+  <p:cSld>
+    <p:spTree>
+      <p:nvGrpSpPr>
+        <p:cNvPr id="1" name=""/>
+        <p:cNvGrpSpPr/>
+        <p:nvPr/>
+      </p:nvGrpSpPr>
+      <p:grpSpPr>
+        <a:xfrm>
+          <a:off x="0" y="0"/>
+          <a:ext cx="0" cy="0"/>
+          <a:chOff x="0" y="0"/>
+          <a:chExt cx="0" cy="0"/>
+        </a:xfrm>
+      </p:grpSpPr>
+      <p:grpSp>
+        <p:nvGrpSpPr>
+          <p:cNvPr id="13" name="그룹 12">
+            <a:extLst>
+              <a:ext uri="{FF2B5EF4-FFF2-40B4-BE49-F238E27FC236}">
+                <a16:creationId xmlns:a16="http://schemas.microsoft.com/office/drawing/2014/main" id="{13271B4B-C487-7F2C-9A2C-7DBE0AA185CC}"/>
+              </a:ext>
+            </a:extLst>
+          </p:cNvPr>
+          <p:cNvGrpSpPr/>
+          <p:nvPr/>
+        </p:nvGrpSpPr>
+        <p:grpSpPr>
+          <a:xfrm>
+            <a:off x="811698" y="2926414"/>
+            <a:ext cx="10568605" cy="1134058"/>
+            <a:chOff x="917880" y="2926414"/>
+            <a:chExt cx="10568605" cy="1134058"/>
+          </a:xfrm>
+        </p:grpSpPr>
+        <p:sp>
+          <p:nvSpPr>
+            <p:cNvPr id="5" name="직사각형 4">
+              <a:extLst>
+                <a:ext uri="{FF2B5EF4-FFF2-40B4-BE49-F238E27FC236}">
+                  <a16:creationId xmlns:a16="http://schemas.microsoft.com/office/drawing/2014/main" id="{A1FF7143-4FD2-6778-721A-1127EBA36C1D}"/>
+                </a:ext>
+              </a:extLst>
+            </p:cNvPr>
+            <p:cNvSpPr/>
+            <p:nvPr/>
+          </p:nvSpPr>
+          <p:spPr>
+            <a:xfrm>
+              <a:off x="958440" y="2926414"/>
+              <a:ext cx="10487484" cy="1015664"/>
+            </a:xfrm>
+            <a:prstGeom prst="rect">
+              <a:avLst/>
+            </a:prstGeom>
+            <a:gradFill flip="none" rotWithShape="1">
+              <a:gsLst>
+                <a:gs pos="75000">
+                  <a:srgbClr val="464437">
+                    <a:alpha val="50000"/>
+                  </a:srgbClr>
+                </a:gs>
+                <a:gs pos="13000">
+                  <a:srgbClr val="464437">
+                    <a:alpha val="40000"/>
+                  </a:srgbClr>
+                </a:gs>
+                <a:gs pos="50000">
+                  <a:srgbClr val="464437">
+                    <a:alpha val="50000"/>
+                  </a:srgbClr>
+                </a:gs>
+                <a:gs pos="25000">
+                  <a:srgbClr val="464437">
+                    <a:alpha val="50000"/>
+                  </a:srgbClr>
+                </a:gs>
+                <a:gs pos="0">
+                  <a:srgbClr val="464437">
+                    <a:alpha val="0"/>
+                  </a:srgbClr>
+                </a:gs>
+                <a:gs pos="2000">
+                  <a:srgbClr val="464437">
+                    <a:alpha val="10000"/>
+                  </a:srgbClr>
+                </a:gs>
+                <a:gs pos="87000">
+                  <a:srgbClr val="474438">
+                    <a:alpha val="40000"/>
+                  </a:srgbClr>
+                </a:gs>
+                <a:gs pos="100000">
+                  <a:srgbClr val="484439">
+                    <a:alpha val="0"/>
+                  </a:srgbClr>
+                </a:gs>
+                <a:gs pos="98000">
+                  <a:srgbClr val="48443A">
+                    <a:alpha val="10000"/>
+                  </a:srgbClr>
+                </a:gs>
+              </a:gsLst>
+              <a:lin ang="0" scaled="1"/>
+              <a:tileRect/>
+            </a:gradFill>
+            <a:ln>
+              <a:noFill/>
+            </a:ln>
+          </p:spPr>
+          <p:style>
+            <a:lnRef idx="2">
+              <a:schemeClr val="accent1">
+                <a:shade val="15000"/>
+              </a:schemeClr>
+            </a:lnRef>
+            <a:fillRef idx="1">
+              <a:schemeClr val="accent1"/>
+            </a:fillRef>
+            <a:effectRef idx="0">
+              <a:schemeClr val="accent1"/>
+            </a:effectRef>
+            <a:fontRef idx="minor">
+              <a:schemeClr val="lt1"/>
+            </a:fontRef>
+          </p:style>
+          <p:txBody>
+            <a:bodyPr rtlCol="0" anchor="ctr"/>
+            <a:lstStyle/>
+            <a:p>
+              <a:pPr algn="ctr"/>
+              <a:endParaRPr lang="ko-KR" altLang="en-US"/>
+            </a:p>
+          </p:txBody>
+        </p:sp>
+        <p:sp>
+          <p:nvSpPr>
+            <p:cNvPr id="27" name="TextBox 26">
+              <a:extLst>
+                <a:ext uri="{FF2B5EF4-FFF2-40B4-BE49-F238E27FC236}">
+                  <a16:creationId xmlns:a16="http://schemas.microsoft.com/office/drawing/2014/main" id="{B19CCC01-3141-AE1B-433D-6D12C88ECA2B}"/>
+                </a:ext>
+              </a:extLst>
+            </p:cNvPr>
+            <p:cNvSpPr txBox="1"/>
+            <p:nvPr/>
+          </p:nvSpPr>
+          <p:spPr>
+            <a:xfrm>
+              <a:off x="2809266" y="3044809"/>
+              <a:ext cx="6785832" cy="1015663"/>
+            </a:xfrm>
+            <a:prstGeom prst="rect">
+              <a:avLst/>
+            </a:prstGeom>
+            <a:noFill/>
+          </p:spPr>
+          <p:txBody>
+            <a:bodyPr wrap="none" rtlCol="0">
+              <a:spAutoFit/>
+            </a:bodyPr>
+            <a:lstStyle/>
+            <a:p>
+              <a:pPr algn="ctr"/>
+              <a:r>
+                <a:rPr lang="en-US" altLang="ko-KR" sz="6000" b="1" dirty="0">
+                  <a:solidFill>
+                    <a:schemeClr val="bg1"/>
+                  </a:solidFill>
+                  <a:effectLst>
+                    <a:glow rad="101600">
+                      <a:schemeClr val="tx1">
+                        <a:alpha val="60000"/>
+                      </a:schemeClr>
+                    </a:glow>
+                  </a:effectLst>
+                  <a:latin typeface="빛의 계승자 Regular" panose="020B0600000101010101" pitchFamily="50" charset="-127"/>
+                  <a:ea typeface="빛의 계승자 Regular" panose="020B0600000101010101" pitchFamily="50" charset="-127"/>
+                </a:rPr>
+                <a:t>End Of Document</a:t>
+              </a:r>
+              <a:endParaRPr lang="ko-KR" altLang="en-US" sz="6000" b="1" dirty="0">
+                <a:solidFill>
+                  <a:schemeClr val="bg1"/>
+                </a:solidFill>
+                <a:effectLst>
+                  <a:glow rad="101600">
+                    <a:schemeClr val="tx1">
+                      <a:alpha val="60000"/>
+                    </a:schemeClr>
+                  </a:glow>
+                </a:effectLst>
+                <a:latin typeface="빛의 계승자 Regular" panose="020B0600000101010101" pitchFamily="50" charset="-127"/>
+                <a:ea typeface="빛의 계승자 Regular" panose="020B0600000101010101" pitchFamily="50" charset="-127"/>
+              </a:endParaRPr>
+            </a:p>
+          </p:txBody>
+        </p:sp>
+        <p:cxnSp>
+          <p:nvCxnSpPr>
+            <p:cNvPr id="6" name="직선 연결선 5">
+              <a:extLst>
+                <a:ext uri="{FF2B5EF4-FFF2-40B4-BE49-F238E27FC236}">
+                  <a16:creationId xmlns:a16="http://schemas.microsoft.com/office/drawing/2014/main" id="{7E5034E6-0444-8EA3-06D8-BF99AB1E0BEB}"/>
+                </a:ext>
+              </a:extLst>
+            </p:cNvPr>
+            <p:cNvCxnSpPr>
+              <a:cxnSpLocks/>
+            </p:cNvCxnSpPr>
+            <p:nvPr/>
+          </p:nvCxnSpPr>
+          <p:spPr>
+            <a:xfrm flipV="1">
+              <a:off x="917880" y="3920553"/>
+              <a:ext cx="10568605" cy="0"/>
+            </a:xfrm>
+            <a:prstGeom prst="line">
+              <a:avLst/>
+            </a:prstGeom>
+            <a:ln w="28575">
+              <a:gradFill flip="none" rotWithShape="1">
+                <a:gsLst>
+                  <a:gs pos="0">
+                    <a:srgbClr val="464437">
+                      <a:alpha val="70000"/>
+                    </a:srgbClr>
+                  </a:gs>
+                  <a:gs pos="47000">
+                    <a:srgbClr val="464437">
+                      <a:alpha val="50000"/>
+                    </a:srgbClr>
+                  </a:gs>
+                  <a:gs pos="83000">
+                    <a:srgbClr val="464437">
+                      <a:alpha val="50000"/>
+                    </a:srgbClr>
+                  </a:gs>
+                  <a:gs pos="100000">
+                    <a:srgbClr val="464437">
+                      <a:alpha val="0"/>
+                    </a:srgbClr>
+                  </a:gs>
+                </a:gsLst>
+                <a:path path="circle">
+                  <a:fillToRect l="50000" t="50000" r="50000" b="50000"/>
+                </a:path>
+                <a:tileRect/>
+              </a:gradFill>
+            </a:ln>
+          </p:spPr>
+          <p:style>
+            <a:lnRef idx="2">
+              <a:schemeClr val="accent1"/>
+            </a:lnRef>
+            <a:fillRef idx="0">
+              <a:schemeClr val="accent1"/>
+            </a:fillRef>
+            <a:effectRef idx="1">
+              <a:schemeClr val="accent1"/>
+            </a:effectRef>
+            <a:fontRef idx="minor">
+              <a:schemeClr val="tx1"/>
+            </a:fontRef>
+          </p:style>
+        </p:cxnSp>
+      </p:grpSp>
+    </p:spTree>
+    <p:extLst>
+      <p:ext uri="{BB962C8B-B14F-4D97-AF65-F5344CB8AC3E}">
+        <p14:creationId xmlns:p14="http://schemas.microsoft.com/office/powerpoint/2010/main" val="626421955"/>
       </p:ext>
     </p:extLst>
   </p:cSld>
@@ -12494,116 +13275,12 @@
           </a:p>
         </p:txBody>
       </p:sp>
-      <p:sp>
-        <p:nvSpPr>
-          <p:cNvPr id="17" name="TextBox 16">
+      <p:grpSp>
+        <p:nvGrpSpPr>
+          <p:cNvPr id="2" name="그룹 1">
             <a:extLst>
               <a:ext uri="{FF2B5EF4-FFF2-40B4-BE49-F238E27FC236}">
-                <a16:creationId xmlns:a16="http://schemas.microsoft.com/office/drawing/2014/main" id="{64EA75A8-9B50-D515-943E-E88C9F08AC63}"/>
-              </a:ext>
-            </a:extLst>
-          </p:cNvPr>
-          <p:cNvSpPr txBox="1"/>
-          <p:nvPr/>
-        </p:nvSpPr>
-        <p:spPr>
-          <a:xfrm>
-            <a:off x="2205525" y="1454419"/>
-            <a:ext cx="4836580" cy="553998"/>
-          </a:xfrm>
-          <a:prstGeom prst="rect">
-            <a:avLst/>
-          </a:prstGeom>
-          <a:noFill/>
-        </p:spPr>
-        <p:txBody>
-          <a:bodyPr wrap="none" rtlCol="0">
-            <a:spAutoFit/>
-          </a:bodyPr>
-          <a:lstStyle/>
-          <a:p>
-            <a:pPr marL="171450" indent="-171450">
-              <a:buFontTx/>
-              <a:buChar char="-"/>
-            </a:pPr>
-            <a:r>
-              <a:rPr lang="ko-KR" altLang="en-US" sz="1000" dirty="0">
-                <a:solidFill>
-                  <a:schemeClr val="bg1"/>
-                </a:solidFill>
-                <a:latin typeface="나눔고딕" panose="020D0604000000000000" pitchFamily="50" charset="-127"/>
-                <a:ea typeface="나눔고딕" panose="020D0604000000000000" pitchFamily="50" charset="-127"/>
-              </a:rPr>
-              <a:t>다양한 전회를 무기에 부여하여 유저 스스로 난이도를 조절할 수 있습니다</a:t>
-            </a:r>
-            <a:r>
-              <a:rPr lang="en-US" altLang="ko-KR" sz="1000" dirty="0">
-                <a:solidFill>
-                  <a:schemeClr val="bg1"/>
-                </a:solidFill>
-                <a:latin typeface="나눔고딕" panose="020D0604000000000000" pitchFamily="50" charset="-127"/>
-                <a:ea typeface="나눔고딕" panose="020D0604000000000000" pitchFamily="50" charset="-127"/>
-              </a:rPr>
-              <a:t>.</a:t>
-            </a:r>
-          </a:p>
-          <a:p>
-            <a:pPr marL="171450" indent="-171450">
-              <a:buFontTx/>
-              <a:buChar char="-"/>
-            </a:pPr>
-            <a:endParaRPr lang="en-US" altLang="ko-KR" sz="1000" dirty="0">
-              <a:solidFill>
-                <a:schemeClr val="bg1"/>
-              </a:solidFill>
-              <a:latin typeface="나눔고딕" panose="020D0604000000000000" pitchFamily="50" charset="-127"/>
-              <a:ea typeface="나눔고딕" panose="020D0604000000000000" pitchFamily="50" charset="-127"/>
-            </a:endParaRPr>
-          </a:p>
-          <a:p>
-            <a:pPr marL="171450" indent="-171450">
-              <a:buFontTx/>
-              <a:buChar char="-"/>
-            </a:pPr>
-            <a:r>
-              <a:rPr lang="ko-KR" altLang="en-US" sz="1000" dirty="0" err="1">
-                <a:solidFill>
-                  <a:schemeClr val="bg1"/>
-                </a:solidFill>
-                <a:latin typeface="나눔고딕" panose="020D0604000000000000" pitchFamily="50" charset="-127"/>
-                <a:ea typeface="나눔고딕" panose="020D0604000000000000" pitchFamily="50" charset="-127"/>
-              </a:rPr>
-              <a:t>소울라이크</a:t>
-            </a:r>
-            <a:r>
-              <a:rPr lang="ko-KR" altLang="en-US" sz="1000" dirty="0">
-                <a:solidFill>
-                  <a:schemeClr val="bg1"/>
-                </a:solidFill>
-                <a:latin typeface="나눔고딕" panose="020D0604000000000000" pitchFamily="50" charset="-127"/>
-                <a:ea typeface="나눔고딕" panose="020D0604000000000000" pitchFamily="50" charset="-127"/>
-              </a:rPr>
-              <a:t> 장르에 익숙하지 않은 유저도 게임에 도전할 수 있는 기회를 제공합니다</a:t>
-            </a:r>
-            <a:r>
-              <a:rPr lang="en-US" altLang="ko-KR" sz="1000" dirty="0">
-                <a:solidFill>
-                  <a:schemeClr val="bg1"/>
-                </a:solidFill>
-                <a:latin typeface="나눔고딕" panose="020D0604000000000000" pitchFamily="50" charset="-127"/>
-                <a:ea typeface="나눔고딕" panose="020D0604000000000000" pitchFamily="50" charset="-127"/>
-              </a:rPr>
-              <a:t>.</a:t>
-            </a:r>
-          </a:p>
-        </p:txBody>
-      </p:sp>
-      <p:grpSp>
-        <p:nvGrpSpPr>
-          <p:cNvPr id="37" name="그룹 36">
-            <a:extLst>
-              <a:ext uri="{FF2B5EF4-FFF2-40B4-BE49-F238E27FC236}">
-                <a16:creationId xmlns:a16="http://schemas.microsoft.com/office/drawing/2014/main" id="{8F92391C-5AC7-C61D-0F9D-2A2304AD77C0}"/>
+                <a16:creationId xmlns:a16="http://schemas.microsoft.com/office/drawing/2014/main" id="{3E2FF999-279F-DE61-7B03-C3091CB2F909}"/>
               </a:ext>
             </a:extLst>
           </p:cNvPr>
@@ -12613,296 +13290,17 @@
         <p:grpSpPr>
           <a:xfrm>
             <a:off x="1992916" y="954061"/>
-            <a:ext cx="2831662" cy="367200"/>
-            <a:chOff x="2500453" y="1274905"/>
-            <a:chExt cx="2831662" cy="367200"/>
+            <a:ext cx="8001921" cy="1362132"/>
+            <a:chOff x="1992916" y="954061"/>
+            <a:chExt cx="8001921" cy="1362132"/>
           </a:xfrm>
         </p:grpSpPr>
-        <p:pic>
-          <p:nvPicPr>
-            <p:cNvPr id="3076" name="Picture 4">
+        <p:sp>
+          <p:nvSpPr>
+            <p:cNvPr id="17" name="TextBox 16">
               <a:extLst>
                 <a:ext uri="{FF2B5EF4-FFF2-40B4-BE49-F238E27FC236}">
-                  <a16:creationId xmlns:a16="http://schemas.microsoft.com/office/drawing/2014/main" id="{DA3BEAF4-A60B-29E4-87C1-34BA3D3B0E88}"/>
-                </a:ext>
-              </a:extLst>
-            </p:cNvPr>
-            <p:cNvPicPr>
-              <a:picLocks noChangeArrowheads="1"/>
-            </p:cNvPicPr>
-            <p:nvPr/>
-          </p:nvPicPr>
-          <p:blipFill rotWithShape="1">
-            <a:blip r:embed="rId2">
-              <a:clrChange>
-                <a:clrFrom>
-                  <a:srgbClr val="000000"/>
-                </a:clrFrom>
-                <a:clrTo>
-                  <a:srgbClr val="000000">
-                    <a:alpha val="0"/>
-                  </a:srgbClr>
-                </a:clrTo>
-              </a:clrChange>
-              <a:extLst>
-                <a:ext uri="{28A0092B-C50C-407E-A947-70E740481C1C}">
-                  <a14:useLocalDpi xmlns:a14="http://schemas.microsoft.com/office/drawing/2010/main" val="0"/>
-                </a:ext>
-              </a:extLst>
-            </a:blip>
-            <a:srcRect l="39323" t="43581" r="59826" b="39566"/>
-            <a:stretch/>
-          </p:blipFill>
-          <p:spPr bwMode="auto">
-            <a:xfrm>
-              <a:off x="2500453" y="1274905"/>
-              <a:ext cx="36000" cy="367200"/>
-            </a:xfrm>
-            <a:prstGeom prst="rect">
-              <a:avLst/>
-            </a:prstGeom>
-            <a:noFill/>
-            <a:extLst>
-              <a:ext uri="{909E8E84-426E-40DD-AFC4-6F175D3DCCD1}">
-                <a14:hiddenFill xmlns:a14="http://schemas.microsoft.com/office/drawing/2010/main">
-                  <a:solidFill>
-                    <a:srgbClr val="FFFFFF"/>
-                  </a:solidFill>
-                </a14:hiddenFill>
-              </a:ext>
-            </a:extLst>
-          </p:spPr>
-        </p:pic>
-        <p:grpSp>
-          <p:nvGrpSpPr>
-            <p:cNvPr id="31" name="그룹 30">
-              <a:extLst>
-                <a:ext uri="{FF2B5EF4-FFF2-40B4-BE49-F238E27FC236}">
-                  <a16:creationId xmlns:a16="http://schemas.microsoft.com/office/drawing/2014/main" id="{A9B671DA-6498-E320-D3A5-36406F2A7B24}"/>
-                </a:ext>
-              </a:extLst>
-            </p:cNvPr>
-            <p:cNvGrpSpPr/>
-            <p:nvPr/>
-          </p:nvGrpSpPr>
-          <p:grpSpPr>
-            <a:xfrm>
-              <a:off x="2536453" y="1287843"/>
-              <a:ext cx="2795662" cy="343894"/>
-              <a:chOff x="4774676" y="2919518"/>
-              <a:chExt cx="2734338" cy="336351"/>
-            </a:xfrm>
-          </p:grpSpPr>
-          <p:sp>
-            <p:nvSpPr>
-              <p:cNvPr id="32" name="직사각형 31">
-                <a:extLst>
-                  <a:ext uri="{FF2B5EF4-FFF2-40B4-BE49-F238E27FC236}">
-                    <a16:creationId xmlns:a16="http://schemas.microsoft.com/office/drawing/2014/main" id="{7519EAAF-B4AD-75B0-3473-EE4981831CBE}"/>
-                  </a:ext>
-                </a:extLst>
-              </p:cNvPr>
-              <p:cNvSpPr>
-                <a:spLocks/>
-              </p:cNvSpPr>
-              <p:nvPr/>
-            </p:nvSpPr>
-            <p:spPr>
-              <a:xfrm>
-                <a:off x="4774676" y="2919518"/>
-                <a:ext cx="2734338" cy="336351"/>
-              </a:xfrm>
-              <a:prstGeom prst="rect">
-                <a:avLst/>
-              </a:prstGeom>
-              <a:gradFill flip="none" rotWithShape="1">
-                <a:gsLst>
-                  <a:gs pos="59000">
-                    <a:srgbClr val="1A1810">
-                      <a:alpha val="70000"/>
-                    </a:srgbClr>
-                  </a:gs>
-                  <a:gs pos="3000">
-                    <a:srgbClr val="1A1810">
-                      <a:alpha val="90000"/>
-                    </a:srgbClr>
-                  </a:gs>
-                  <a:gs pos="100000">
-                    <a:srgbClr val="1A1810">
-                      <a:alpha val="0"/>
-                    </a:srgbClr>
-                  </a:gs>
-                </a:gsLst>
-                <a:lin ang="0" scaled="1"/>
-                <a:tileRect/>
-              </a:gradFill>
-              <a:ln>
-                <a:noFill/>
-              </a:ln>
-              <a:effectLst/>
-            </p:spPr>
-            <p:style>
-              <a:lnRef idx="2">
-                <a:schemeClr val="accent1">
-                  <a:shade val="15000"/>
-                </a:schemeClr>
-              </a:lnRef>
-              <a:fillRef idx="1">
-                <a:schemeClr val="accent1"/>
-              </a:fillRef>
-              <a:effectRef idx="0">
-                <a:schemeClr val="accent1"/>
-              </a:effectRef>
-              <a:fontRef idx="minor">
-                <a:schemeClr val="lt1"/>
-              </a:fontRef>
-            </p:style>
-            <p:txBody>
-              <a:bodyPr rtlCol="0" anchor="ctr"/>
-              <a:lstStyle/>
-              <a:p>
-                <a:pPr algn="ctr"/>
-                <a:endParaRPr lang="ko-KR" altLang="en-US" dirty="0"/>
-              </a:p>
-            </p:txBody>
-          </p:sp>
-          <p:cxnSp>
-            <p:nvCxnSpPr>
-              <p:cNvPr id="33" name="직선 연결선 32">
-                <a:extLst>
-                  <a:ext uri="{FF2B5EF4-FFF2-40B4-BE49-F238E27FC236}">
-                    <a16:creationId xmlns:a16="http://schemas.microsoft.com/office/drawing/2014/main" id="{50516C1D-3C14-D3A7-FE1A-5A2935B5C237}"/>
-                  </a:ext>
-                </a:extLst>
-              </p:cNvPr>
-              <p:cNvCxnSpPr>
-                <a:cxnSpLocks/>
-              </p:cNvCxnSpPr>
-              <p:nvPr/>
-            </p:nvCxnSpPr>
-            <p:spPr>
-              <a:xfrm flipH="1">
-                <a:off x="4774676" y="3255869"/>
-                <a:ext cx="2734338" cy="0"/>
-              </a:xfrm>
-              <a:prstGeom prst="line">
-                <a:avLst/>
-              </a:prstGeom>
-              <a:ln>
-                <a:gradFill flip="none" rotWithShape="1">
-                  <a:gsLst>
-                    <a:gs pos="0">
-                      <a:srgbClr val="33332B"/>
-                    </a:gs>
-                    <a:gs pos="31000">
-                      <a:srgbClr val="33332B">
-                        <a:alpha val="70000"/>
-                      </a:srgbClr>
-                    </a:gs>
-                    <a:gs pos="54000">
-                      <a:srgbClr val="33332B">
-                        <a:alpha val="30000"/>
-                      </a:srgbClr>
-                    </a:gs>
-                    <a:gs pos="100000">
-                      <a:srgbClr val="33332B">
-                        <a:alpha val="0"/>
-                      </a:srgbClr>
-                    </a:gs>
-                  </a:gsLst>
-                  <a:lin ang="10800000" scaled="1"/>
-                  <a:tileRect/>
-                </a:gradFill>
-              </a:ln>
-              <a:effectLst/>
-            </p:spPr>
-            <p:style>
-              <a:lnRef idx="2">
-                <a:schemeClr val="accent1"/>
-              </a:lnRef>
-              <a:fillRef idx="0">
-                <a:schemeClr val="accent1"/>
-              </a:fillRef>
-              <a:effectRef idx="1">
-                <a:schemeClr val="accent1"/>
-              </a:effectRef>
-              <a:fontRef idx="minor">
-                <a:schemeClr val="tx1"/>
-              </a:fontRef>
-            </p:style>
-          </p:cxnSp>
-          <p:cxnSp>
-            <p:nvCxnSpPr>
-              <p:cNvPr id="35" name="직선 연결선 34">
-                <a:extLst>
-                  <a:ext uri="{FF2B5EF4-FFF2-40B4-BE49-F238E27FC236}">
-                    <a16:creationId xmlns:a16="http://schemas.microsoft.com/office/drawing/2014/main" id="{4671B640-0CAE-C2E7-7C7A-9005BD94FF7F}"/>
-                  </a:ext>
-                </a:extLst>
-              </p:cNvPr>
-              <p:cNvCxnSpPr>
-                <a:cxnSpLocks/>
-              </p:cNvCxnSpPr>
-              <p:nvPr/>
-            </p:nvCxnSpPr>
-            <p:spPr>
-              <a:xfrm flipH="1">
-                <a:off x="4774676" y="2919518"/>
-                <a:ext cx="2734338" cy="0"/>
-              </a:xfrm>
-              <a:prstGeom prst="line">
-                <a:avLst/>
-              </a:prstGeom>
-              <a:ln>
-                <a:gradFill flip="none" rotWithShape="1">
-                  <a:gsLst>
-                    <a:gs pos="0">
-                      <a:srgbClr val="33332B"/>
-                    </a:gs>
-                    <a:gs pos="31000">
-                      <a:srgbClr val="33332B">
-                        <a:alpha val="70000"/>
-                      </a:srgbClr>
-                    </a:gs>
-                    <a:gs pos="54000">
-                      <a:srgbClr val="33332B">
-                        <a:alpha val="30000"/>
-                      </a:srgbClr>
-                    </a:gs>
-                    <a:gs pos="100000">
-                      <a:srgbClr val="33332B">
-                        <a:alpha val="0"/>
-                      </a:srgbClr>
-                    </a:gs>
-                  </a:gsLst>
-                  <a:lin ang="10800000" scaled="1"/>
-                  <a:tileRect/>
-                </a:gradFill>
-              </a:ln>
-              <a:effectLst/>
-            </p:spPr>
-            <p:style>
-              <a:lnRef idx="2">
-                <a:schemeClr val="accent1"/>
-              </a:lnRef>
-              <a:fillRef idx="0">
-                <a:schemeClr val="accent1"/>
-              </a:fillRef>
-              <a:effectRef idx="1">
-                <a:schemeClr val="accent1"/>
-              </a:effectRef>
-              <a:fontRef idx="minor">
-                <a:schemeClr val="tx1"/>
-              </a:fontRef>
-            </p:style>
-          </p:cxnSp>
-        </p:grpSp>
-        <p:sp>
-          <p:nvSpPr>
-            <p:cNvPr id="36" name="TextBox 35">
-              <a:extLst>
-                <a:ext uri="{FF2B5EF4-FFF2-40B4-BE49-F238E27FC236}">
-                  <a16:creationId xmlns:a16="http://schemas.microsoft.com/office/drawing/2014/main" id="{865E6199-86F4-44D4-7A4C-57897DFFEEC3}"/>
+                  <a16:creationId xmlns:a16="http://schemas.microsoft.com/office/drawing/2014/main" id="{64EA75A8-9B50-D515-943E-E88C9F08AC63}"/>
                 </a:ext>
               </a:extLst>
             </p:cNvPr>
@@ -12911,8 +13309,8 @@
           </p:nvSpPr>
           <p:spPr>
             <a:xfrm>
-              <a:off x="2554184" y="1328985"/>
-              <a:ext cx="889987" cy="261610"/>
+              <a:off x="2205525" y="1454419"/>
+              <a:ext cx="7789312" cy="861774"/>
             </a:xfrm>
             <a:prstGeom prst="rect">
               <a:avLst/>
@@ -12925,222 +13323,197 @@
             </a:bodyPr>
             <a:lstStyle/>
             <a:p>
+              <a:pPr marL="171450" indent="-171450">
+                <a:buFontTx/>
+                <a:buChar char="-"/>
+              </a:pPr>
               <a:r>
-                <a:rPr lang="ko-KR" altLang="en-US" sz="1100" b="1" dirty="0">
+                <a:rPr lang="ko-KR" altLang="en-US" sz="1000" dirty="0">
                   <a:solidFill>
                     <a:schemeClr val="bg1"/>
                   </a:solidFill>
-                  <a:effectLst>
-                    <a:glow rad="101600">
-                      <a:schemeClr val="tx1">
-                        <a:alpha val="60000"/>
-                      </a:schemeClr>
-                    </a:glow>
-                  </a:effectLst>
-                  <a:latin typeface="나눔고딕" panose="020D0604000000000000" pitchFamily="50" charset="-127"/>
-                  <a:ea typeface="나눔고딕" panose="020D0604000000000000" pitchFamily="50" charset="-127"/>
+                  <a:latin typeface="넥슨Lv1고딕" panose="00000500000000000000" pitchFamily="2" charset="-127"/>
+                  <a:ea typeface="넥슨Lv1고딕" panose="00000500000000000000" pitchFamily="2" charset="-127"/>
                 </a:rPr>
-                <a:t>난이도 조절</a:t>
+                <a:t>다양한 전회를 무기에 부여하며 유저 스스로 난이도를 조절할 수 있습니다</a:t>
+              </a:r>
+              <a:r>
+                <a:rPr lang="en-US" altLang="ko-KR" sz="1000" dirty="0">
+                  <a:solidFill>
+                    <a:schemeClr val="bg1"/>
+                  </a:solidFill>
+                  <a:latin typeface="넥슨Lv1고딕" panose="00000500000000000000" pitchFamily="2" charset="-127"/>
+                  <a:ea typeface="넥슨Lv1고딕" panose="00000500000000000000" pitchFamily="2" charset="-127"/>
+                </a:rPr>
+                <a:t>.</a:t>
+              </a:r>
+            </a:p>
+            <a:p>
+              <a:pPr marL="171450" indent="-171450">
+                <a:buFontTx/>
+                <a:buChar char="-"/>
+              </a:pPr>
+              <a:endParaRPr lang="en-US" altLang="ko-KR" sz="1000" dirty="0">
+                <a:solidFill>
+                  <a:schemeClr val="bg1"/>
+                </a:solidFill>
+                <a:latin typeface="넥슨Lv1고딕" panose="00000500000000000000" pitchFamily="2" charset="-127"/>
+                <a:ea typeface="넥슨Lv1고딕" panose="00000500000000000000" pitchFamily="2" charset="-127"/>
+              </a:endParaRPr>
+            </a:p>
+            <a:p>
+              <a:pPr marL="171450" indent="-171450">
+                <a:buFontTx/>
+                <a:buChar char="-"/>
+              </a:pPr>
+              <a:r>
+                <a:rPr lang="en-US" altLang="ko-KR" sz="1000" dirty="0">
+                  <a:solidFill>
+                    <a:schemeClr val="bg1"/>
+                  </a:solidFill>
+                  <a:latin typeface="넥슨Lv1고딕" panose="00000500000000000000" pitchFamily="2" charset="-127"/>
+                  <a:ea typeface="넥슨Lv1고딕" panose="00000500000000000000" pitchFamily="2" charset="-127"/>
+                </a:rPr>
+                <a:t>‘</a:t>
+              </a:r>
+              <a:r>
+                <a:rPr lang="ko-KR" altLang="en-US" sz="1000" dirty="0">
+                  <a:solidFill>
+                    <a:schemeClr val="bg1"/>
+                  </a:solidFill>
+                  <a:latin typeface="넥슨Lv1고딕" panose="00000500000000000000" pitchFamily="2" charset="-127"/>
+                  <a:ea typeface="넥슨Lv1고딕" panose="00000500000000000000" pitchFamily="2" charset="-127"/>
+                </a:rPr>
+                <a:t>좋아하는 무기와 전투 기술을 사용하고 싶은 유저</a:t>
+              </a:r>
+              <a:r>
+                <a:rPr lang="en-US" altLang="ko-KR" sz="1000" dirty="0">
+                  <a:solidFill>
+                    <a:schemeClr val="bg1"/>
+                  </a:solidFill>
+                  <a:latin typeface="넥슨Lv1고딕" panose="00000500000000000000" pitchFamily="2" charset="-127"/>
+                  <a:ea typeface="넥슨Lv1고딕" panose="00000500000000000000" pitchFamily="2" charset="-127"/>
+                </a:rPr>
+                <a:t>’</a:t>
+              </a:r>
+              <a:r>
+                <a:rPr lang="ko-KR" altLang="en-US" sz="1000" dirty="0">
+                  <a:solidFill>
+                    <a:schemeClr val="bg1"/>
+                  </a:solidFill>
+                  <a:latin typeface="넥슨Lv1고딕" panose="00000500000000000000" pitchFamily="2" charset="-127"/>
+                  <a:ea typeface="넥슨Lv1고딕" panose="00000500000000000000" pitchFamily="2" charset="-127"/>
+                </a:rPr>
+                <a:t>와 </a:t>
+              </a:r>
+              <a:r>
+                <a:rPr lang="en-US" altLang="ko-KR" sz="1000" dirty="0">
+                  <a:solidFill>
+                    <a:schemeClr val="bg1"/>
+                  </a:solidFill>
+                  <a:latin typeface="넥슨Lv1고딕" panose="00000500000000000000" pitchFamily="2" charset="-127"/>
+                  <a:ea typeface="넥슨Lv1고딕" panose="00000500000000000000" pitchFamily="2" charset="-127"/>
+                </a:rPr>
+                <a:t>‘</a:t>
+              </a:r>
+              <a:r>
+                <a:rPr lang="ko-KR" altLang="en-US" sz="1000" dirty="0">
+                  <a:solidFill>
+                    <a:schemeClr val="bg1"/>
+                  </a:solidFill>
+                  <a:latin typeface="넥슨Lv1고딕" panose="00000500000000000000" pitchFamily="2" charset="-127"/>
+                  <a:ea typeface="넥슨Lv1고딕" panose="00000500000000000000" pitchFamily="2" charset="-127"/>
+                </a:rPr>
+                <a:t>성능이 좋은 무기와 전투 기술을 사용하고 싶은 유저</a:t>
+              </a:r>
+              <a:r>
+                <a:rPr lang="en-US" altLang="ko-KR" sz="1000" dirty="0">
+                  <a:solidFill>
+                    <a:schemeClr val="bg1"/>
+                  </a:solidFill>
+                  <a:latin typeface="넥슨Lv1고딕" panose="00000500000000000000" pitchFamily="2" charset="-127"/>
+                  <a:ea typeface="넥슨Lv1고딕" panose="00000500000000000000" pitchFamily="2" charset="-127"/>
+                </a:rPr>
+                <a:t>’</a:t>
+              </a:r>
+              <a:r>
+                <a:rPr lang="ko-KR" altLang="en-US" sz="1000" dirty="0">
+                  <a:solidFill>
+                    <a:schemeClr val="bg1"/>
+                  </a:solidFill>
+                  <a:latin typeface="넥슨Lv1고딕" panose="00000500000000000000" pitchFamily="2" charset="-127"/>
+                  <a:ea typeface="넥슨Lv1고딕" panose="00000500000000000000" pitchFamily="2" charset="-127"/>
+                </a:rPr>
+                <a:t> 모두를 충족시킬 수 있습니다</a:t>
+              </a:r>
+              <a:r>
+                <a:rPr lang="en-US" altLang="ko-KR" sz="1000" dirty="0">
+                  <a:solidFill>
+                    <a:schemeClr val="bg1"/>
+                  </a:solidFill>
+                  <a:latin typeface="넥슨Lv1고딕" panose="00000500000000000000" pitchFamily="2" charset="-127"/>
+                  <a:ea typeface="넥슨Lv1고딕" panose="00000500000000000000" pitchFamily="2" charset="-127"/>
+                </a:rPr>
+                <a:t>.</a:t>
+              </a:r>
+            </a:p>
+            <a:p>
+              <a:pPr marL="171450" indent="-171450">
+                <a:buFontTx/>
+                <a:buChar char="-"/>
+              </a:pPr>
+              <a:endParaRPr lang="en-US" altLang="ko-KR" sz="1000" dirty="0">
+                <a:solidFill>
+                  <a:schemeClr val="bg1"/>
+                </a:solidFill>
+                <a:latin typeface="넥슨Lv1고딕" panose="00000500000000000000" pitchFamily="2" charset="-127"/>
+                <a:ea typeface="넥슨Lv1고딕" panose="00000500000000000000" pitchFamily="2" charset="-127"/>
+              </a:endParaRPr>
+            </a:p>
+            <a:p>
+              <a:pPr marL="171450" indent="-171450">
+                <a:buFontTx/>
+                <a:buChar char="-"/>
+              </a:pPr>
+              <a:r>
+                <a:rPr lang="ko-KR" altLang="en-US" sz="1000" dirty="0" err="1">
+                  <a:solidFill>
+                    <a:schemeClr val="bg1"/>
+                  </a:solidFill>
+                  <a:latin typeface="넥슨Lv1고딕" panose="00000500000000000000" pitchFamily="2" charset="-127"/>
+                  <a:ea typeface="넥슨Lv1고딕" panose="00000500000000000000" pitchFamily="2" charset="-127"/>
+                </a:rPr>
+                <a:t>소울라이크</a:t>
+              </a:r>
+              <a:r>
+                <a:rPr lang="ko-KR" altLang="en-US" sz="1000" dirty="0">
+                  <a:solidFill>
+                    <a:schemeClr val="bg1"/>
+                  </a:solidFill>
+                  <a:latin typeface="넥슨Lv1고딕" panose="00000500000000000000" pitchFamily="2" charset="-127"/>
+                  <a:ea typeface="넥슨Lv1고딕" panose="00000500000000000000" pitchFamily="2" charset="-127"/>
+                </a:rPr>
+                <a:t> 장르에 익숙하지 않은 유저도 게임에 도전할 수 있는 기회를 제공합니다</a:t>
+              </a:r>
+              <a:r>
+                <a:rPr lang="en-US" altLang="ko-KR" sz="1000" dirty="0">
+                  <a:solidFill>
+                    <a:schemeClr val="bg1"/>
+                  </a:solidFill>
+                  <a:latin typeface="넥슨Lv1고딕" panose="00000500000000000000" pitchFamily="2" charset="-127"/>
+                  <a:ea typeface="넥슨Lv1고딕" panose="00000500000000000000" pitchFamily="2" charset="-127"/>
+                </a:rPr>
+                <a:t>.</a:t>
               </a:r>
             </a:p>
           </p:txBody>
         </p:sp>
-      </p:grpSp>
-      <p:sp>
-        <p:nvSpPr>
-          <p:cNvPr id="38" name="TextBox 37">
-            <a:extLst>
-              <a:ext uri="{FF2B5EF4-FFF2-40B4-BE49-F238E27FC236}">
-                <a16:creationId xmlns:a16="http://schemas.microsoft.com/office/drawing/2014/main" id="{050E3445-B541-7EE4-6FCB-EAD37CD51B2C}"/>
-              </a:ext>
-            </a:extLst>
-          </p:cNvPr>
-          <p:cNvSpPr txBox="1"/>
-          <p:nvPr/>
-        </p:nvSpPr>
-        <p:spPr>
-          <a:xfrm>
-            <a:off x="2205525" y="3057638"/>
-            <a:ext cx="4751622" cy="553998"/>
-          </a:xfrm>
-          <a:prstGeom prst="rect">
-            <a:avLst/>
-          </a:prstGeom>
-          <a:noFill/>
-        </p:spPr>
-        <p:txBody>
-          <a:bodyPr wrap="none" rtlCol="0">
-            <a:spAutoFit/>
-          </a:bodyPr>
-          <a:lstStyle/>
-          <a:p>
-            <a:pPr marL="171450" indent="-171450">
-              <a:buFontTx/>
-              <a:buChar char="-"/>
-            </a:pPr>
-            <a:r>
-              <a:rPr lang="ko-KR" altLang="en-US" sz="1000" dirty="0">
-                <a:solidFill>
-                  <a:schemeClr val="bg1"/>
-                </a:solidFill>
-                <a:latin typeface="나눔고딕" panose="020D0604000000000000" pitchFamily="50" charset="-127"/>
-                <a:ea typeface="나눔고딕" panose="020D0604000000000000" pitchFamily="50" charset="-127"/>
-              </a:rPr>
-              <a:t>유저는 무기와 전회의 조합을 통해 자신에게 맞는 전투 방식을 선택할 수 있습니다</a:t>
-            </a:r>
-            <a:r>
-              <a:rPr lang="en-US" altLang="ko-KR" sz="1000" dirty="0">
-                <a:solidFill>
-                  <a:schemeClr val="bg1"/>
-                </a:solidFill>
-                <a:latin typeface="나눔고딕" panose="020D0604000000000000" pitchFamily="50" charset="-127"/>
-                <a:ea typeface="나눔고딕" panose="020D0604000000000000" pitchFamily="50" charset="-127"/>
-              </a:rPr>
-              <a:t>.</a:t>
-            </a:r>
-          </a:p>
-          <a:p>
-            <a:pPr marL="171450" indent="-171450">
-              <a:buFontTx/>
-              <a:buChar char="-"/>
-            </a:pPr>
-            <a:endParaRPr lang="en-US" altLang="ko-KR" sz="1000" dirty="0">
-              <a:solidFill>
-                <a:schemeClr val="bg1"/>
-              </a:solidFill>
-              <a:latin typeface="나눔고딕" panose="020D0604000000000000" pitchFamily="50" charset="-127"/>
-              <a:ea typeface="나눔고딕" panose="020D0604000000000000" pitchFamily="50" charset="-127"/>
-            </a:endParaRPr>
-          </a:p>
-          <a:p>
-            <a:pPr marL="171450" indent="-171450">
-              <a:buFontTx/>
-              <a:buChar char="-"/>
-            </a:pPr>
-            <a:r>
-              <a:rPr lang="ko-KR" altLang="en-US" sz="1000" dirty="0">
-                <a:solidFill>
-                  <a:schemeClr val="bg1"/>
-                </a:solidFill>
-                <a:latin typeface="나눔고딕" panose="020D0604000000000000" pitchFamily="50" charset="-127"/>
-                <a:ea typeface="나눔고딕" panose="020D0604000000000000" pitchFamily="50" charset="-127"/>
-              </a:rPr>
-              <a:t>다양한 조합을 실험하는 즐거움을 제공하며</a:t>
-            </a:r>
-            <a:r>
-              <a:rPr lang="en-US" altLang="ko-KR" sz="1000" dirty="0">
-                <a:solidFill>
-                  <a:schemeClr val="bg1"/>
-                </a:solidFill>
-                <a:latin typeface="나눔고딕" panose="020D0604000000000000" pitchFamily="50" charset="-127"/>
-                <a:ea typeface="나눔고딕" panose="020D0604000000000000" pitchFamily="50" charset="-127"/>
-              </a:rPr>
-              <a:t>, </a:t>
-            </a:r>
-            <a:r>
-              <a:rPr lang="ko-KR" altLang="en-US" sz="1000" dirty="0">
-                <a:solidFill>
-                  <a:schemeClr val="bg1"/>
-                </a:solidFill>
-                <a:latin typeface="나눔고딕" panose="020D0604000000000000" pitchFamily="50" charset="-127"/>
-                <a:ea typeface="나눔고딕" panose="020D0604000000000000" pitchFamily="50" charset="-127"/>
-              </a:rPr>
-              <a:t>반복 플레이의 지루함을 덜어줍니다</a:t>
-            </a:r>
-            <a:r>
-              <a:rPr lang="en-US" altLang="ko-KR" sz="1000" dirty="0">
-                <a:solidFill>
-                  <a:schemeClr val="bg1"/>
-                </a:solidFill>
-                <a:latin typeface="나눔고딕" panose="020D0604000000000000" pitchFamily="50" charset="-127"/>
-                <a:ea typeface="나눔고딕" panose="020D0604000000000000" pitchFamily="50" charset="-127"/>
-              </a:rPr>
-              <a:t>.</a:t>
-            </a:r>
-          </a:p>
-        </p:txBody>
-      </p:sp>
-      <p:grpSp>
-        <p:nvGrpSpPr>
-          <p:cNvPr id="39" name="그룹 38">
-            <a:extLst>
-              <a:ext uri="{FF2B5EF4-FFF2-40B4-BE49-F238E27FC236}">
-                <a16:creationId xmlns:a16="http://schemas.microsoft.com/office/drawing/2014/main" id="{9544E296-67CC-AC03-BC7F-4315731E43F1}"/>
-              </a:ext>
-            </a:extLst>
-          </p:cNvPr>
-          <p:cNvGrpSpPr/>
-          <p:nvPr/>
-        </p:nvGrpSpPr>
-        <p:grpSpPr>
-          <a:xfrm>
-            <a:off x="1992916" y="2579169"/>
-            <a:ext cx="2831662" cy="367200"/>
-            <a:chOff x="2500453" y="1274905"/>
-            <a:chExt cx="2831662" cy="367200"/>
-          </a:xfrm>
-        </p:grpSpPr>
-        <p:pic>
-          <p:nvPicPr>
-            <p:cNvPr id="40" name="Picture 4">
+        <p:grpSp>
+          <p:nvGrpSpPr>
+            <p:cNvPr id="37" name="그룹 36">
               <a:extLst>
                 <a:ext uri="{FF2B5EF4-FFF2-40B4-BE49-F238E27FC236}">
-                  <a16:creationId xmlns:a16="http://schemas.microsoft.com/office/drawing/2014/main" id="{D5C1D580-AD3E-4CB4-94C2-BF3DFAE179EB}"/>
-                </a:ext>
-              </a:extLst>
-            </p:cNvPr>
-            <p:cNvPicPr>
-              <a:picLocks noChangeArrowheads="1"/>
-            </p:cNvPicPr>
-            <p:nvPr/>
-          </p:nvPicPr>
-          <p:blipFill rotWithShape="1">
-            <a:blip r:embed="rId2">
-              <a:clrChange>
-                <a:clrFrom>
-                  <a:srgbClr val="000000"/>
-                </a:clrFrom>
-                <a:clrTo>
-                  <a:srgbClr val="000000">
-                    <a:alpha val="0"/>
-                  </a:srgbClr>
-                </a:clrTo>
-              </a:clrChange>
-              <a:extLst>
-                <a:ext uri="{28A0092B-C50C-407E-A947-70E740481C1C}">
-                  <a14:useLocalDpi xmlns:a14="http://schemas.microsoft.com/office/drawing/2010/main" val="0"/>
-                </a:ext>
-              </a:extLst>
-            </a:blip>
-            <a:srcRect l="39323" t="43581" r="59826" b="39566"/>
-            <a:stretch/>
-          </p:blipFill>
-          <p:spPr bwMode="auto">
-            <a:xfrm>
-              <a:off x="2500453" y="1274905"/>
-              <a:ext cx="36000" cy="367200"/>
-            </a:xfrm>
-            <a:prstGeom prst="rect">
-              <a:avLst/>
-            </a:prstGeom>
-            <a:noFill/>
-            <a:extLst>
-              <a:ext uri="{909E8E84-426E-40DD-AFC4-6F175D3DCCD1}">
-                <a14:hiddenFill xmlns:a14="http://schemas.microsoft.com/office/drawing/2010/main">
-                  <a:solidFill>
-                    <a:srgbClr val="FFFFFF"/>
-                  </a:solidFill>
-                </a14:hiddenFill>
-              </a:ext>
-            </a:extLst>
-          </p:spPr>
-        </p:pic>
-        <p:grpSp>
-          <p:nvGrpSpPr>
-            <p:cNvPr id="41" name="그룹 40">
-              <a:extLst>
-                <a:ext uri="{FF2B5EF4-FFF2-40B4-BE49-F238E27FC236}">
-                  <a16:creationId xmlns:a16="http://schemas.microsoft.com/office/drawing/2014/main" id="{8E476F4B-E0EA-EC9F-1EAB-2F5140C4DEF5}"/>
+                  <a16:creationId xmlns:a16="http://schemas.microsoft.com/office/drawing/2014/main" id="{8F92391C-5AC7-C61D-0F9D-2A2304AD77C0}"/>
                 </a:ext>
               </a:extLst>
             </p:cNvPr>
@@ -13149,220 +13522,367 @@
           </p:nvGrpSpPr>
           <p:grpSpPr>
             <a:xfrm>
-              <a:off x="2536453" y="1287843"/>
-              <a:ext cx="2795662" cy="343894"/>
-              <a:chOff x="4774676" y="2919518"/>
-              <a:chExt cx="2734338" cy="336351"/>
+              <a:off x="1992916" y="954061"/>
+              <a:ext cx="2831662" cy="367200"/>
+              <a:chOff x="2500453" y="1274905"/>
+              <a:chExt cx="2831662" cy="367200"/>
             </a:xfrm>
           </p:grpSpPr>
-          <p:sp>
-            <p:nvSpPr>
-              <p:cNvPr id="43" name="직사각형 42">
+          <p:pic>
+            <p:nvPicPr>
+              <p:cNvPr id="3076" name="Picture 4">
                 <a:extLst>
                   <a:ext uri="{FF2B5EF4-FFF2-40B4-BE49-F238E27FC236}">
-                    <a16:creationId xmlns:a16="http://schemas.microsoft.com/office/drawing/2014/main" id="{CF307547-FF07-5118-3657-E01557EB62B1}"/>
+                    <a16:creationId xmlns:a16="http://schemas.microsoft.com/office/drawing/2014/main" id="{DA3BEAF4-A60B-29E4-87C1-34BA3D3B0E88}"/>
                   </a:ext>
                 </a:extLst>
               </p:cNvPr>
-              <p:cNvSpPr>
-                <a:spLocks/>
-              </p:cNvSpPr>
+              <p:cNvPicPr>
+                <a:picLocks noChangeArrowheads="1"/>
+              </p:cNvPicPr>
+              <p:nvPr/>
+            </p:nvPicPr>
+            <p:blipFill rotWithShape="1">
+              <a:blip r:embed="rId2">
+                <a:clrChange>
+                  <a:clrFrom>
+                    <a:srgbClr val="000000"/>
+                  </a:clrFrom>
+                  <a:clrTo>
+                    <a:srgbClr val="000000">
+                      <a:alpha val="0"/>
+                    </a:srgbClr>
+                  </a:clrTo>
+                </a:clrChange>
+                <a:extLst>
+                  <a:ext uri="{28A0092B-C50C-407E-A947-70E740481C1C}">
+                    <a14:useLocalDpi xmlns:a14="http://schemas.microsoft.com/office/drawing/2010/main" val="0"/>
+                  </a:ext>
+                </a:extLst>
+              </a:blip>
+              <a:srcRect l="39323" t="43581" r="59826" b="39566"/>
+              <a:stretch/>
+            </p:blipFill>
+            <p:spPr bwMode="auto">
+              <a:xfrm>
+                <a:off x="2500453" y="1274905"/>
+                <a:ext cx="36000" cy="367200"/>
+              </a:xfrm>
+              <a:prstGeom prst="rect">
+                <a:avLst/>
+              </a:prstGeom>
+              <a:noFill/>
+              <a:extLst>
+                <a:ext uri="{909E8E84-426E-40DD-AFC4-6F175D3DCCD1}">
+                  <a14:hiddenFill xmlns:a14="http://schemas.microsoft.com/office/drawing/2010/main">
+                    <a:solidFill>
+                      <a:srgbClr val="FFFFFF"/>
+                    </a:solidFill>
+                  </a14:hiddenFill>
+                </a:ext>
+              </a:extLst>
+            </p:spPr>
+          </p:pic>
+          <p:grpSp>
+            <p:nvGrpSpPr>
+              <p:cNvPr id="31" name="그룹 30">
+                <a:extLst>
+                  <a:ext uri="{FF2B5EF4-FFF2-40B4-BE49-F238E27FC236}">
+                    <a16:creationId xmlns:a16="http://schemas.microsoft.com/office/drawing/2014/main" id="{A9B671DA-6498-E320-D3A5-36406F2A7B24}"/>
+                  </a:ext>
+                </a:extLst>
+              </p:cNvPr>
+              <p:cNvGrpSpPr/>
+              <p:nvPr/>
+            </p:nvGrpSpPr>
+            <p:grpSpPr>
+              <a:xfrm>
+                <a:off x="2536453" y="1287843"/>
+                <a:ext cx="2795662" cy="343894"/>
+                <a:chOff x="4774676" y="2919518"/>
+                <a:chExt cx="2734338" cy="336351"/>
+              </a:xfrm>
+            </p:grpSpPr>
+            <p:sp>
+              <p:nvSpPr>
+                <p:cNvPr id="32" name="직사각형 31">
+                  <a:extLst>
+                    <a:ext uri="{FF2B5EF4-FFF2-40B4-BE49-F238E27FC236}">
+                      <a16:creationId xmlns:a16="http://schemas.microsoft.com/office/drawing/2014/main" id="{7519EAAF-B4AD-75B0-3473-EE4981831CBE}"/>
+                    </a:ext>
+                  </a:extLst>
+                </p:cNvPr>
+                <p:cNvSpPr>
+                  <a:spLocks/>
+                </p:cNvSpPr>
+                <p:nvPr/>
+              </p:nvSpPr>
+              <p:spPr>
+                <a:xfrm>
+                  <a:off x="4774676" y="2919518"/>
+                  <a:ext cx="2734338" cy="336351"/>
+                </a:xfrm>
+                <a:prstGeom prst="rect">
+                  <a:avLst/>
+                </a:prstGeom>
+                <a:gradFill flip="none" rotWithShape="1">
+                  <a:gsLst>
+                    <a:gs pos="59000">
+                      <a:srgbClr val="1A1810">
+                        <a:alpha val="70000"/>
+                      </a:srgbClr>
+                    </a:gs>
+                    <a:gs pos="3000">
+                      <a:srgbClr val="1A1810">
+                        <a:alpha val="90000"/>
+                      </a:srgbClr>
+                    </a:gs>
+                    <a:gs pos="100000">
+                      <a:srgbClr val="1A1810">
+                        <a:alpha val="0"/>
+                      </a:srgbClr>
+                    </a:gs>
+                  </a:gsLst>
+                  <a:lin ang="0" scaled="1"/>
+                  <a:tileRect/>
+                </a:gradFill>
+                <a:ln>
+                  <a:noFill/>
+                </a:ln>
+                <a:effectLst/>
+              </p:spPr>
+              <p:style>
+                <a:lnRef idx="2">
+                  <a:schemeClr val="accent1">
+                    <a:shade val="15000"/>
+                  </a:schemeClr>
+                </a:lnRef>
+                <a:fillRef idx="1">
+                  <a:schemeClr val="accent1"/>
+                </a:fillRef>
+                <a:effectRef idx="0">
+                  <a:schemeClr val="accent1"/>
+                </a:effectRef>
+                <a:fontRef idx="minor">
+                  <a:schemeClr val="lt1"/>
+                </a:fontRef>
+              </p:style>
+              <p:txBody>
+                <a:bodyPr rtlCol="0" anchor="ctr"/>
+                <a:lstStyle/>
+                <a:p>
+                  <a:pPr algn="ctr"/>
+                  <a:endParaRPr lang="ko-KR" altLang="en-US" dirty="0"/>
+                </a:p>
+              </p:txBody>
+            </p:sp>
+            <p:cxnSp>
+              <p:nvCxnSpPr>
+                <p:cNvPr id="33" name="직선 연결선 32">
+                  <a:extLst>
+                    <a:ext uri="{FF2B5EF4-FFF2-40B4-BE49-F238E27FC236}">
+                      <a16:creationId xmlns:a16="http://schemas.microsoft.com/office/drawing/2014/main" id="{50516C1D-3C14-D3A7-FE1A-5A2935B5C237}"/>
+                    </a:ext>
+                  </a:extLst>
+                </p:cNvPr>
+                <p:cNvCxnSpPr>
+                  <a:cxnSpLocks/>
+                </p:cNvCxnSpPr>
+                <p:nvPr/>
+              </p:nvCxnSpPr>
+              <p:spPr>
+                <a:xfrm flipH="1">
+                  <a:off x="4774676" y="3255869"/>
+                  <a:ext cx="2734338" cy="0"/>
+                </a:xfrm>
+                <a:prstGeom prst="line">
+                  <a:avLst/>
+                </a:prstGeom>
+                <a:ln>
+                  <a:gradFill flip="none" rotWithShape="1">
+                    <a:gsLst>
+                      <a:gs pos="0">
+                        <a:srgbClr val="33332B"/>
+                      </a:gs>
+                      <a:gs pos="31000">
+                        <a:srgbClr val="33332B">
+                          <a:alpha val="70000"/>
+                        </a:srgbClr>
+                      </a:gs>
+                      <a:gs pos="54000">
+                        <a:srgbClr val="33332B">
+                          <a:alpha val="30000"/>
+                        </a:srgbClr>
+                      </a:gs>
+                      <a:gs pos="100000">
+                        <a:srgbClr val="33332B">
+                          <a:alpha val="0"/>
+                        </a:srgbClr>
+                      </a:gs>
+                    </a:gsLst>
+                    <a:lin ang="10800000" scaled="1"/>
+                    <a:tileRect/>
+                  </a:gradFill>
+                </a:ln>
+                <a:effectLst/>
+              </p:spPr>
+              <p:style>
+                <a:lnRef idx="2">
+                  <a:schemeClr val="accent1"/>
+                </a:lnRef>
+                <a:fillRef idx="0">
+                  <a:schemeClr val="accent1"/>
+                </a:fillRef>
+                <a:effectRef idx="1">
+                  <a:schemeClr val="accent1"/>
+                </a:effectRef>
+                <a:fontRef idx="minor">
+                  <a:schemeClr val="tx1"/>
+                </a:fontRef>
+              </p:style>
+            </p:cxnSp>
+            <p:cxnSp>
+              <p:nvCxnSpPr>
+                <p:cNvPr id="35" name="직선 연결선 34">
+                  <a:extLst>
+                    <a:ext uri="{FF2B5EF4-FFF2-40B4-BE49-F238E27FC236}">
+                      <a16:creationId xmlns:a16="http://schemas.microsoft.com/office/drawing/2014/main" id="{4671B640-0CAE-C2E7-7C7A-9005BD94FF7F}"/>
+                    </a:ext>
+                  </a:extLst>
+                </p:cNvPr>
+                <p:cNvCxnSpPr>
+                  <a:cxnSpLocks/>
+                </p:cNvCxnSpPr>
+                <p:nvPr/>
+              </p:nvCxnSpPr>
+              <p:spPr>
+                <a:xfrm flipH="1">
+                  <a:off x="4774676" y="2919518"/>
+                  <a:ext cx="2734338" cy="0"/>
+                </a:xfrm>
+                <a:prstGeom prst="line">
+                  <a:avLst/>
+                </a:prstGeom>
+                <a:ln>
+                  <a:gradFill flip="none" rotWithShape="1">
+                    <a:gsLst>
+                      <a:gs pos="0">
+                        <a:srgbClr val="33332B"/>
+                      </a:gs>
+                      <a:gs pos="31000">
+                        <a:srgbClr val="33332B">
+                          <a:alpha val="70000"/>
+                        </a:srgbClr>
+                      </a:gs>
+                      <a:gs pos="54000">
+                        <a:srgbClr val="33332B">
+                          <a:alpha val="30000"/>
+                        </a:srgbClr>
+                      </a:gs>
+                      <a:gs pos="100000">
+                        <a:srgbClr val="33332B">
+                          <a:alpha val="0"/>
+                        </a:srgbClr>
+                      </a:gs>
+                    </a:gsLst>
+                    <a:lin ang="10800000" scaled="1"/>
+                    <a:tileRect/>
+                  </a:gradFill>
+                </a:ln>
+                <a:effectLst/>
+              </p:spPr>
+              <p:style>
+                <a:lnRef idx="2">
+                  <a:schemeClr val="accent1"/>
+                </a:lnRef>
+                <a:fillRef idx="0">
+                  <a:schemeClr val="accent1"/>
+                </a:fillRef>
+                <a:effectRef idx="1">
+                  <a:schemeClr val="accent1"/>
+                </a:effectRef>
+                <a:fontRef idx="minor">
+                  <a:schemeClr val="tx1"/>
+                </a:fontRef>
+              </p:style>
+            </p:cxnSp>
+          </p:grpSp>
+          <p:sp>
+            <p:nvSpPr>
+              <p:cNvPr id="36" name="TextBox 35">
+                <a:extLst>
+                  <a:ext uri="{FF2B5EF4-FFF2-40B4-BE49-F238E27FC236}">
+                    <a16:creationId xmlns:a16="http://schemas.microsoft.com/office/drawing/2014/main" id="{865E6199-86F4-44D4-7A4C-57897DFFEEC3}"/>
+                  </a:ext>
+                </a:extLst>
+              </p:cNvPr>
+              <p:cNvSpPr txBox="1"/>
               <p:nvPr/>
             </p:nvSpPr>
             <p:spPr>
               <a:xfrm>
-                <a:off x="4774676" y="2919518"/>
-                <a:ext cx="2734338" cy="336351"/>
+                <a:off x="2554184" y="1328985"/>
+                <a:ext cx="1521570" cy="261610"/>
               </a:xfrm>
               <a:prstGeom prst="rect">
                 <a:avLst/>
               </a:prstGeom>
-              <a:gradFill flip="none" rotWithShape="1">
-                <a:gsLst>
-                  <a:gs pos="59000">
-                    <a:srgbClr val="1A1810">
-                      <a:alpha val="70000"/>
-                    </a:srgbClr>
-                  </a:gs>
-                  <a:gs pos="3000">
-                    <a:srgbClr val="1A1810">
-                      <a:alpha val="90000"/>
-                    </a:srgbClr>
-                  </a:gs>
-                  <a:gs pos="100000">
-                    <a:srgbClr val="1A1810">
-                      <a:alpha val="0"/>
-                    </a:srgbClr>
-                  </a:gs>
-                </a:gsLst>
-                <a:lin ang="0" scaled="1"/>
-                <a:tileRect/>
-              </a:gradFill>
-              <a:ln>
-                <a:noFill/>
-              </a:ln>
-              <a:effectLst/>
+              <a:noFill/>
             </p:spPr>
-            <p:style>
-              <a:lnRef idx="2">
-                <a:schemeClr val="accent1">
-                  <a:shade val="15000"/>
-                </a:schemeClr>
-              </a:lnRef>
-              <a:fillRef idx="1">
-                <a:schemeClr val="accent1"/>
-              </a:fillRef>
-              <a:effectRef idx="0">
-                <a:schemeClr val="accent1"/>
-              </a:effectRef>
-              <a:fontRef idx="minor">
-                <a:schemeClr val="lt1"/>
-              </a:fontRef>
-            </p:style>
             <p:txBody>
-              <a:bodyPr rtlCol="0" anchor="ctr"/>
+              <a:bodyPr wrap="none" rtlCol="0">
+                <a:spAutoFit/>
+              </a:bodyPr>
               <a:lstStyle/>
               <a:p>
-                <a:pPr algn="ctr"/>
-                <a:endParaRPr lang="ko-KR" altLang="en-US" dirty="0"/>
+                <a:r>
+                  <a:rPr lang="ko-KR" altLang="en-US" sz="1100" dirty="0">
+                    <a:solidFill>
+                      <a:schemeClr val="bg1"/>
+                    </a:solidFill>
+                    <a:effectLst>
+                      <a:glow rad="101600">
+                        <a:schemeClr val="tx1">
+                          <a:alpha val="60000"/>
+                        </a:schemeClr>
+                      </a:glow>
+                    </a:effectLst>
+                    <a:latin typeface="넥슨Lv1고딕 Bold" panose="00000800000000000000" pitchFamily="2" charset="-127"/>
+                    <a:ea typeface="넥슨Lv1고딕 Bold" panose="00000800000000000000" pitchFamily="2" charset="-127"/>
+                  </a:rPr>
+                  <a:t>여러 성향의 유저 겨냥</a:t>
+                </a:r>
               </a:p>
             </p:txBody>
           </p:sp>
-          <p:cxnSp>
-            <p:nvCxnSpPr>
-              <p:cNvPr id="44" name="직선 연결선 43">
-                <a:extLst>
-                  <a:ext uri="{FF2B5EF4-FFF2-40B4-BE49-F238E27FC236}">
-                    <a16:creationId xmlns:a16="http://schemas.microsoft.com/office/drawing/2014/main" id="{34112FAE-1654-70C4-35B3-5611459585FA}"/>
-                  </a:ext>
-                </a:extLst>
-              </p:cNvPr>
-              <p:cNvCxnSpPr>
-                <a:cxnSpLocks/>
-              </p:cNvCxnSpPr>
-              <p:nvPr/>
-            </p:nvCxnSpPr>
-            <p:spPr>
-              <a:xfrm flipH="1">
-                <a:off x="4774676" y="3255869"/>
-                <a:ext cx="2734338" cy="0"/>
-              </a:xfrm>
-              <a:prstGeom prst="line">
-                <a:avLst/>
-              </a:prstGeom>
-              <a:ln>
-                <a:gradFill flip="none" rotWithShape="1">
-                  <a:gsLst>
-                    <a:gs pos="0">
-                      <a:srgbClr val="33332B"/>
-                    </a:gs>
-                    <a:gs pos="31000">
-                      <a:srgbClr val="33332B">
-                        <a:alpha val="70000"/>
-                      </a:srgbClr>
-                    </a:gs>
-                    <a:gs pos="54000">
-                      <a:srgbClr val="33332B">
-                        <a:alpha val="30000"/>
-                      </a:srgbClr>
-                    </a:gs>
-                    <a:gs pos="100000">
-                      <a:srgbClr val="33332B">
-                        <a:alpha val="0"/>
-                      </a:srgbClr>
-                    </a:gs>
-                  </a:gsLst>
-                  <a:lin ang="10800000" scaled="1"/>
-                  <a:tileRect/>
-                </a:gradFill>
-              </a:ln>
-            </p:spPr>
-            <p:style>
-              <a:lnRef idx="2">
-                <a:schemeClr val="accent1"/>
-              </a:lnRef>
-              <a:fillRef idx="0">
-                <a:schemeClr val="accent1"/>
-              </a:fillRef>
-              <a:effectRef idx="1">
-                <a:schemeClr val="accent1"/>
-              </a:effectRef>
-              <a:fontRef idx="minor">
-                <a:schemeClr val="tx1"/>
-              </a:fontRef>
-            </p:style>
-          </p:cxnSp>
-          <p:cxnSp>
-            <p:nvCxnSpPr>
-              <p:cNvPr id="45" name="직선 연결선 44">
-                <a:extLst>
-                  <a:ext uri="{FF2B5EF4-FFF2-40B4-BE49-F238E27FC236}">
-                    <a16:creationId xmlns:a16="http://schemas.microsoft.com/office/drawing/2014/main" id="{2155266F-A7A3-A660-CC13-1D9AFA554A48}"/>
-                  </a:ext>
-                </a:extLst>
-              </p:cNvPr>
-              <p:cNvCxnSpPr>
-                <a:cxnSpLocks/>
-              </p:cNvCxnSpPr>
-              <p:nvPr/>
-            </p:nvCxnSpPr>
-            <p:spPr>
-              <a:xfrm flipH="1">
-                <a:off x="4774676" y="2919518"/>
-                <a:ext cx="2734338" cy="0"/>
-              </a:xfrm>
-              <a:prstGeom prst="line">
-                <a:avLst/>
-              </a:prstGeom>
-              <a:ln>
-                <a:gradFill flip="none" rotWithShape="1">
-                  <a:gsLst>
-                    <a:gs pos="0">
-                      <a:srgbClr val="33332B"/>
-                    </a:gs>
-                    <a:gs pos="31000">
-                      <a:srgbClr val="33332B">
-                        <a:alpha val="70000"/>
-                      </a:srgbClr>
-                    </a:gs>
-                    <a:gs pos="54000">
-                      <a:srgbClr val="33332B">
-                        <a:alpha val="30000"/>
-                      </a:srgbClr>
-                    </a:gs>
-                    <a:gs pos="100000">
-                      <a:srgbClr val="33332B">
-                        <a:alpha val="0"/>
-                      </a:srgbClr>
-                    </a:gs>
-                  </a:gsLst>
-                  <a:lin ang="10800000" scaled="1"/>
-                  <a:tileRect/>
-                </a:gradFill>
-              </a:ln>
-            </p:spPr>
-            <p:style>
-              <a:lnRef idx="2">
-                <a:schemeClr val="accent1"/>
-              </a:lnRef>
-              <a:fillRef idx="0">
-                <a:schemeClr val="accent1"/>
-              </a:fillRef>
-              <a:effectRef idx="1">
-                <a:schemeClr val="accent1"/>
-              </a:effectRef>
-              <a:fontRef idx="minor">
-                <a:schemeClr val="tx1"/>
-              </a:fontRef>
-            </p:style>
-          </p:cxnSp>
         </p:grpSp>
+      </p:grpSp>
+      <p:grpSp>
+        <p:nvGrpSpPr>
+          <p:cNvPr id="3" name="그룹 2">
+            <a:extLst>
+              <a:ext uri="{FF2B5EF4-FFF2-40B4-BE49-F238E27FC236}">
+                <a16:creationId xmlns:a16="http://schemas.microsoft.com/office/drawing/2014/main" id="{B9DBF470-3D41-23CF-400C-8030822942E0}"/>
+              </a:ext>
+            </a:extLst>
+          </p:cNvPr>
+          <p:cNvGrpSpPr/>
+          <p:nvPr/>
+        </p:nvGrpSpPr>
+        <p:grpSpPr>
+          <a:xfrm>
+            <a:off x="1992916" y="2818973"/>
+            <a:ext cx="4625997" cy="1340243"/>
+            <a:chOff x="1992916" y="2579169"/>
+            <a:chExt cx="4625997" cy="1340243"/>
+          </a:xfrm>
+        </p:grpSpPr>
         <p:sp>
           <p:nvSpPr>
-            <p:cNvPr id="42" name="TextBox 41">
+            <p:cNvPr id="38" name="TextBox 37">
               <a:extLst>
                 <a:ext uri="{FF2B5EF4-FFF2-40B4-BE49-F238E27FC236}">
-                  <a16:creationId xmlns:a16="http://schemas.microsoft.com/office/drawing/2014/main" id="{4382A8EB-2682-9DF2-F893-04CC0977201F}"/>
+                  <a16:creationId xmlns:a16="http://schemas.microsoft.com/office/drawing/2014/main" id="{050E3445-B541-7EE4-6FCB-EAD37CD51B2C}"/>
                 </a:ext>
               </a:extLst>
             </p:cNvPr>
@@ -13371,8 +13891,8 @@
           </p:nvSpPr>
           <p:spPr>
             <a:xfrm>
-              <a:off x="2554184" y="1328985"/>
-              <a:ext cx="889987" cy="261610"/>
+              <a:off x="2205525" y="3057638"/>
+              <a:ext cx="4413388" cy="861774"/>
             </a:xfrm>
             <a:prstGeom prst="rect">
               <a:avLst/>
@@ -13385,108 +13905,137 @@
             </a:bodyPr>
             <a:lstStyle/>
             <a:p>
+              <a:pPr marL="171450" indent="-171450">
+                <a:buFontTx/>
+                <a:buChar char="-"/>
+              </a:pPr>
               <a:r>
-                <a:rPr lang="ko-KR" altLang="en-US" sz="1100" b="1" dirty="0">
+                <a:rPr lang="ko-KR" altLang="en-US" sz="1000" dirty="0">
                   <a:solidFill>
                     <a:schemeClr val="bg1"/>
                   </a:solidFill>
-                  <a:effectLst>
-                    <a:glow rad="101600">
-                      <a:schemeClr val="tx1">
-                        <a:alpha val="60000"/>
-                      </a:schemeClr>
-                    </a:glow>
-                  </a:effectLst>
-                  <a:latin typeface="나눔고딕" panose="020D0604000000000000" pitchFamily="50" charset="-127"/>
-                  <a:ea typeface="나눔고딕" panose="020D0604000000000000" pitchFamily="50" charset="-127"/>
+                  <a:latin typeface="넥슨Lv1고딕" panose="00000500000000000000" pitchFamily="2" charset="-127"/>
+                  <a:ea typeface="넥슨Lv1고딕" panose="00000500000000000000" pitchFamily="2" charset="-127"/>
                 </a:rPr>
-                <a:t>다양한 조합</a:t>
+                <a:t>보스 전투</a:t>
+              </a:r>
+              <a:r>
+                <a:rPr lang="en-US" altLang="ko-KR" sz="1000" dirty="0">
+                  <a:solidFill>
+                    <a:schemeClr val="bg1"/>
+                  </a:solidFill>
+                  <a:latin typeface="넥슨Lv1고딕" panose="00000500000000000000" pitchFamily="2" charset="-127"/>
+                  <a:ea typeface="넥슨Lv1고딕" panose="00000500000000000000" pitchFamily="2" charset="-127"/>
+                </a:rPr>
+                <a:t>, PVP </a:t>
+              </a:r>
+              <a:r>
+                <a:rPr lang="ko-KR" altLang="en-US" sz="1000" dirty="0">
+                  <a:solidFill>
+                    <a:schemeClr val="bg1"/>
+                  </a:solidFill>
+                  <a:latin typeface="넥슨Lv1고딕" panose="00000500000000000000" pitchFamily="2" charset="-127"/>
+                  <a:ea typeface="넥슨Lv1고딕" panose="00000500000000000000" pitchFamily="2" charset="-127"/>
+                </a:rPr>
+                <a:t>등 다양한 전투 컨텐츠의 재미를 극대화합니다</a:t>
+              </a:r>
+              <a:r>
+                <a:rPr lang="en-US" altLang="ko-KR" sz="1000" dirty="0">
+                  <a:solidFill>
+                    <a:schemeClr val="bg1"/>
+                  </a:solidFill>
+                  <a:latin typeface="넥슨Lv1고딕" panose="00000500000000000000" pitchFamily="2" charset="-127"/>
+                  <a:ea typeface="넥슨Lv1고딕" panose="00000500000000000000" pitchFamily="2" charset="-127"/>
+                </a:rPr>
+                <a:t>.</a:t>
+              </a:r>
+            </a:p>
+            <a:p>
+              <a:pPr marL="171450" indent="-171450">
+                <a:buFontTx/>
+                <a:buChar char="-"/>
+              </a:pPr>
+              <a:endParaRPr lang="en-US" altLang="ko-KR" sz="1000" dirty="0">
+                <a:solidFill>
+                  <a:schemeClr val="bg1"/>
+                </a:solidFill>
+                <a:latin typeface="넥슨Lv1고딕" panose="00000500000000000000" pitchFamily="2" charset="-127"/>
+                <a:ea typeface="넥슨Lv1고딕" panose="00000500000000000000" pitchFamily="2" charset="-127"/>
+              </a:endParaRPr>
+            </a:p>
+            <a:p>
+              <a:pPr marL="171450" indent="-171450">
+                <a:buFontTx/>
+                <a:buChar char="-"/>
+              </a:pPr>
+              <a:r>
+                <a:rPr lang="ko-KR" altLang="en-US" sz="1000" dirty="0">
+                  <a:solidFill>
+                    <a:schemeClr val="bg1"/>
+                  </a:solidFill>
+                  <a:latin typeface="넥슨Lv1고딕" panose="00000500000000000000" pitchFamily="2" charset="-127"/>
+                  <a:ea typeface="넥슨Lv1고딕" panose="00000500000000000000" pitchFamily="2" charset="-127"/>
+                </a:rPr>
+                <a:t>유저는 무기와 전회의 조합을 통해 자신에게 맞는 전투 방식을 선택합니다</a:t>
+              </a:r>
+              <a:r>
+                <a:rPr lang="en-US" altLang="ko-KR" sz="1000" dirty="0">
+                  <a:solidFill>
+                    <a:schemeClr val="bg1"/>
+                  </a:solidFill>
+                  <a:latin typeface="넥슨Lv1고딕" panose="00000500000000000000" pitchFamily="2" charset="-127"/>
+                  <a:ea typeface="넥슨Lv1고딕" panose="00000500000000000000" pitchFamily="2" charset="-127"/>
+                </a:rPr>
+                <a:t>.</a:t>
+              </a:r>
+            </a:p>
+            <a:p>
+              <a:pPr marL="171450" indent="-171450">
+                <a:buFontTx/>
+                <a:buChar char="-"/>
+              </a:pPr>
+              <a:endParaRPr lang="en-US" altLang="ko-KR" sz="1000" dirty="0">
+                <a:solidFill>
+                  <a:schemeClr val="bg1"/>
+                </a:solidFill>
+                <a:latin typeface="넥슨Lv1고딕" panose="00000500000000000000" pitchFamily="2" charset="-127"/>
+                <a:ea typeface="넥슨Lv1고딕" panose="00000500000000000000" pitchFamily="2" charset="-127"/>
+              </a:endParaRPr>
+            </a:p>
+            <a:p>
+              <a:pPr marL="171450" indent="-171450">
+                <a:buFontTx/>
+                <a:buChar char="-"/>
+              </a:pPr>
+              <a:r>
+                <a:rPr lang="ko-KR" altLang="en-US" sz="1000" dirty="0">
+                  <a:solidFill>
+                    <a:schemeClr val="bg1"/>
+                  </a:solidFill>
+                  <a:latin typeface="넥슨Lv1고딕" panose="00000500000000000000" pitchFamily="2" charset="-127"/>
+                  <a:ea typeface="넥슨Lv1고딕" panose="00000500000000000000" pitchFamily="2" charset="-127"/>
+                </a:rPr>
+                <a:t>여러 조합을 실험하는 즐거움을 주고 다양한 전투 스타일을 제공합니다</a:t>
+              </a:r>
+              <a:r>
+                <a:rPr lang="en-US" altLang="ko-KR" sz="1000" dirty="0">
+                  <a:solidFill>
+                    <a:schemeClr val="bg1"/>
+                  </a:solidFill>
+                  <a:latin typeface="넥슨Lv1고딕" panose="00000500000000000000" pitchFamily="2" charset="-127"/>
+                  <a:ea typeface="넥슨Lv1고딕" panose="00000500000000000000" pitchFamily="2" charset="-127"/>
+                </a:rPr>
+                <a:t>.</a:t>
               </a:r>
             </a:p>
           </p:txBody>
         </p:sp>
-      </p:grpSp>
-      <p:grpSp>
-        <p:nvGrpSpPr>
-          <p:cNvPr id="46" name="그룹 45">
-            <a:extLst>
-              <a:ext uri="{FF2B5EF4-FFF2-40B4-BE49-F238E27FC236}">
-                <a16:creationId xmlns:a16="http://schemas.microsoft.com/office/drawing/2014/main" id="{0AE4ED9F-08AD-89E5-9B7D-C0F7BA92FD38}"/>
-              </a:ext>
-            </a:extLst>
-          </p:cNvPr>
-          <p:cNvGrpSpPr/>
-          <p:nvPr/>
-        </p:nvGrpSpPr>
-        <p:grpSpPr>
-          <a:xfrm>
-            <a:off x="1992916" y="4181500"/>
-            <a:ext cx="2831662" cy="367200"/>
-            <a:chOff x="2500453" y="1274905"/>
-            <a:chExt cx="2831662" cy="367200"/>
-          </a:xfrm>
-        </p:grpSpPr>
-        <p:pic>
-          <p:nvPicPr>
-            <p:cNvPr id="47" name="Picture 4">
+        <p:grpSp>
+          <p:nvGrpSpPr>
+            <p:cNvPr id="39" name="그룹 38">
               <a:extLst>
                 <a:ext uri="{FF2B5EF4-FFF2-40B4-BE49-F238E27FC236}">
-                  <a16:creationId xmlns:a16="http://schemas.microsoft.com/office/drawing/2014/main" id="{849318A8-B8E3-0B26-EAC4-0A5B1C865085}"/>
-                </a:ext>
-              </a:extLst>
-            </p:cNvPr>
-            <p:cNvPicPr>
-              <a:picLocks noChangeArrowheads="1"/>
-            </p:cNvPicPr>
-            <p:nvPr/>
-          </p:nvPicPr>
-          <p:blipFill rotWithShape="1">
-            <a:blip r:embed="rId2">
-              <a:clrChange>
-                <a:clrFrom>
-                  <a:srgbClr val="000000"/>
-                </a:clrFrom>
-                <a:clrTo>
-                  <a:srgbClr val="000000">
-                    <a:alpha val="0"/>
-                  </a:srgbClr>
-                </a:clrTo>
-              </a:clrChange>
-              <a:extLst>
-                <a:ext uri="{28A0092B-C50C-407E-A947-70E740481C1C}">
-                  <a14:useLocalDpi xmlns:a14="http://schemas.microsoft.com/office/drawing/2010/main" val="0"/>
-                </a:ext>
-              </a:extLst>
-            </a:blip>
-            <a:srcRect l="39323" t="43581" r="59826" b="39566"/>
-            <a:stretch/>
-          </p:blipFill>
-          <p:spPr bwMode="auto">
-            <a:xfrm>
-              <a:off x="2500453" y="1274905"/>
-              <a:ext cx="36000" cy="367200"/>
-            </a:xfrm>
-            <a:prstGeom prst="rect">
-              <a:avLst/>
-            </a:prstGeom>
-            <a:noFill/>
-            <a:extLst>
-              <a:ext uri="{909E8E84-426E-40DD-AFC4-6F175D3DCCD1}">
-                <a14:hiddenFill xmlns:a14="http://schemas.microsoft.com/office/drawing/2010/main">
-                  <a:solidFill>
-                    <a:srgbClr val="FFFFFF"/>
-                  </a:solidFill>
-                </a14:hiddenFill>
-              </a:ext>
-            </a:extLst>
-          </p:spPr>
-        </p:pic>
-        <p:grpSp>
-          <p:nvGrpSpPr>
-            <p:cNvPr id="48" name="그룹 47">
-              <a:extLst>
-                <a:ext uri="{FF2B5EF4-FFF2-40B4-BE49-F238E27FC236}">
-                  <a16:creationId xmlns:a16="http://schemas.microsoft.com/office/drawing/2014/main" id="{D7E46BAC-6919-A0B1-7B5F-9094A9897FDD}"/>
+                  <a16:creationId xmlns:a16="http://schemas.microsoft.com/office/drawing/2014/main" id="{9544E296-67CC-AC03-BC7F-4315731E43F1}"/>
                 </a:ext>
               </a:extLst>
             </p:cNvPr>
@@ -13495,220 +14044,734 @@
           </p:nvGrpSpPr>
           <p:grpSpPr>
             <a:xfrm>
-              <a:off x="2536453" y="1287843"/>
-              <a:ext cx="2795662" cy="343894"/>
-              <a:chOff x="4774676" y="2919518"/>
-              <a:chExt cx="2734338" cy="336351"/>
+              <a:off x="1992916" y="2579169"/>
+              <a:ext cx="2831662" cy="367200"/>
+              <a:chOff x="2500453" y="1274905"/>
+              <a:chExt cx="2831662" cy="367200"/>
             </a:xfrm>
           </p:grpSpPr>
-          <p:sp>
-            <p:nvSpPr>
-              <p:cNvPr id="52" name="직사각형 51">
+          <p:pic>
+            <p:nvPicPr>
+              <p:cNvPr id="40" name="Picture 4">
                 <a:extLst>
                   <a:ext uri="{FF2B5EF4-FFF2-40B4-BE49-F238E27FC236}">
-                    <a16:creationId xmlns:a16="http://schemas.microsoft.com/office/drawing/2014/main" id="{37C449E1-25F5-B651-4A96-80B5451C62D9}"/>
+                    <a16:creationId xmlns:a16="http://schemas.microsoft.com/office/drawing/2014/main" id="{D5C1D580-AD3E-4CB4-94C2-BF3DFAE179EB}"/>
                   </a:ext>
                 </a:extLst>
               </p:cNvPr>
-              <p:cNvSpPr>
-                <a:spLocks/>
-              </p:cNvSpPr>
+              <p:cNvPicPr>
+                <a:picLocks noChangeArrowheads="1"/>
+              </p:cNvPicPr>
+              <p:nvPr/>
+            </p:nvPicPr>
+            <p:blipFill rotWithShape="1">
+              <a:blip r:embed="rId2">
+                <a:clrChange>
+                  <a:clrFrom>
+                    <a:srgbClr val="000000"/>
+                  </a:clrFrom>
+                  <a:clrTo>
+                    <a:srgbClr val="000000">
+                      <a:alpha val="0"/>
+                    </a:srgbClr>
+                  </a:clrTo>
+                </a:clrChange>
+                <a:extLst>
+                  <a:ext uri="{28A0092B-C50C-407E-A947-70E740481C1C}">
+                    <a14:useLocalDpi xmlns:a14="http://schemas.microsoft.com/office/drawing/2010/main" val="0"/>
+                  </a:ext>
+                </a:extLst>
+              </a:blip>
+              <a:srcRect l="39323" t="43581" r="59826" b="39566"/>
+              <a:stretch/>
+            </p:blipFill>
+            <p:spPr bwMode="auto">
+              <a:xfrm>
+                <a:off x="2500453" y="1274905"/>
+                <a:ext cx="36000" cy="367200"/>
+              </a:xfrm>
+              <a:prstGeom prst="rect">
+                <a:avLst/>
+              </a:prstGeom>
+              <a:noFill/>
+              <a:extLst>
+                <a:ext uri="{909E8E84-426E-40DD-AFC4-6F175D3DCCD1}">
+                  <a14:hiddenFill xmlns:a14="http://schemas.microsoft.com/office/drawing/2010/main">
+                    <a:solidFill>
+                      <a:srgbClr val="FFFFFF"/>
+                    </a:solidFill>
+                  </a14:hiddenFill>
+                </a:ext>
+              </a:extLst>
+            </p:spPr>
+          </p:pic>
+          <p:grpSp>
+            <p:nvGrpSpPr>
+              <p:cNvPr id="41" name="그룹 40">
+                <a:extLst>
+                  <a:ext uri="{FF2B5EF4-FFF2-40B4-BE49-F238E27FC236}">
+                    <a16:creationId xmlns:a16="http://schemas.microsoft.com/office/drawing/2014/main" id="{8E476F4B-E0EA-EC9F-1EAB-2F5140C4DEF5}"/>
+                  </a:ext>
+                </a:extLst>
+              </p:cNvPr>
+              <p:cNvGrpSpPr/>
+              <p:nvPr/>
+            </p:nvGrpSpPr>
+            <p:grpSpPr>
+              <a:xfrm>
+                <a:off x="2536453" y="1287843"/>
+                <a:ext cx="2795662" cy="343894"/>
+                <a:chOff x="4774676" y="2919518"/>
+                <a:chExt cx="2734338" cy="336351"/>
+              </a:xfrm>
+            </p:grpSpPr>
+            <p:sp>
+              <p:nvSpPr>
+                <p:cNvPr id="43" name="직사각형 42">
+                  <a:extLst>
+                    <a:ext uri="{FF2B5EF4-FFF2-40B4-BE49-F238E27FC236}">
+                      <a16:creationId xmlns:a16="http://schemas.microsoft.com/office/drawing/2014/main" id="{CF307547-FF07-5118-3657-E01557EB62B1}"/>
+                    </a:ext>
+                  </a:extLst>
+                </p:cNvPr>
+                <p:cNvSpPr>
+                  <a:spLocks/>
+                </p:cNvSpPr>
+                <p:nvPr/>
+              </p:nvSpPr>
+              <p:spPr>
+                <a:xfrm>
+                  <a:off x="4774676" y="2919518"/>
+                  <a:ext cx="2734338" cy="336351"/>
+                </a:xfrm>
+                <a:prstGeom prst="rect">
+                  <a:avLst/>
+                </a:prstGeom>
+                <a:gradFill flip="none" rotWithShape="1">
+                  <a:gsLst>
+                    <a:gs pos="59000">
+                      <a:srgbClr val="1A1810">
+                        <a:alpha val="70000"/>
+                      </a:srgbClr>
+                    </a:gs>
+                    <a:gs pos="3000">
+                      <a:srgbClr val="1A1810">
+                        <a:alpha val="90000"/>
+                      </a:srgbClr>
+                    </a:gs>
+                    <a:gs pos="100000">
+                      <a:srgbClr val="1A1810">
+                        <a:alpha val="0"/>
+                      </a:srgbClr>
+                    </a:gs>
+                  </a:gsLst>
+                  <a:lin ang="0" scaled="1"/>
+                  <a:tileRect/>
+                </a:gradFill>
+                <a:ln>
+                  <a:noFill/>
+                </a:ln>
+                <a:effectLst/>
+              </p:spPr>
+              <p:style>
+                <a:lnRef idx="2">
+                  <a:schemeClr val="accent1">
+                    <a:shade val="15000"/>
+                  </a:schemeClr>
+                </a:lnRef>
+                <a:fillRef idx="1">
+                  <a:schemeClr val="accent1"/>
+                </a:fillRef>
+                <a:effectRef idx="0">
+                  <a:schemeClr val="accent1"/>
+                </a:effectRef>
+                <a:fontRef idx="minor">
+                  <a:schemeClr val="lt1"/>
+                </a:fontRef>
+              </p:style>
+              <p:txBody>
+                <a:bodyPr rtlCol="0" anchor="ctr"/>
+                <a:lstStyle/>
+                <a:p>
+                  <a:pPr algn="ctr"/>
+                  <a:endParaRPr lang="ko-KR" altLang="en-US" dirty="0">
+                    <a:latin typeface="넥슨Lv1고딕 Bold" panose="00000800000000000000" pitchFamily="2" charset="-127"/>
+                    <a:ea typeface="넥슨Lv1고딕 Bold" panose="00000800000000000000" pitchFamily="2" charset="-127"/>
+                  </a:endParaRPr>
+                </a:p>
+              </p:txBody>
+            </p:sp>
+            <p:cxnSp>
+              <p:nvCxnSpPr>
+                <p:cNvPr id="44" name="직선 연결선 43">
+                  <a:extLst>
+                    <a:ext uri="{FF2B5EF4-FFF2-40B4-BE49-F238E27FC236}">
+                      <a16:creationId xmlns:a16="http://schemas.microsoft.com/office/drawing/2014/main" id="{34112FAE-1654-70C4-35B3-5611459585FA}"/>
+                    </a:ext>
+                  </a:extLst>
+                </p:cNvPr>
+                <p:cNvCxnSpPr>
+                  <a:cxnSpLocks/>
+                </p:cNvCxnSpPr>
+                <p:nvPr/>
+              </p:nvCxnSpPr>
+              <p:spPr>
+                <a:xfrm flipH="1">
+                  <a:off x="4774676" y="3255869"/>
+                  <a:ext cx="2734338" cy="0"/>
+                </a:xfrm>
+                <a:prstGeom prst="line">
+                  <a:avLst/>
+                </a:prstGeom>
+                <a:ln>
+                  <a:gradFill flip="none" rotWithShape="1">
+                    <a:gsLst>
+                      <a:gs pos="0">
+                        <a:srgbClr val="33332B"/>
+                      </a:gs>
+                      <a:gs pos="31000">
+                        <a:srgbClr val="33332B">
+                          <a:alpha val="70000"/>
+                        </a:srgbClr>
+                      </a:gs>
+                      <a:gs pos="54000">
+                        <a:srgbClr val="33332B">
+                          <a:alpha val="30000"/>
+                        </a:srgbClr>
+                      </a:gs>
+                      <a:gs pos="100000">
+                        <a:srgbClr val="33332B">
+                          <a:alpha val="0"/>
+                        </a:srgbClr>
+                      </a:gs>
+                    </a:gsLst>
+                    <a:lin ang="10800000" scaled="1"/>
+                    <a:tileRect/>
+                  </a:gradFill>
+                </a:ln>
+              </p:spPr>
+              <p:style>
+                <a:lnRef idx="2">
+                  <a:schemeClr val="accent1"/>
+                </a:lnRef>
+                <a:fillRef idx="0">
+                  <a:schemeClr val="accent1"/>
+                </a:fillRef>
+                <a:effectRef idx="1">
+                  <a:schemeClr val="accent1"/>
+                </a:effectRef>
+                <a:fontRef idx="minor">
+                  <a:schemeClr val="tx1"/>
+                </a:fontRef>
+              </p:style>
+            </p:cxnSp>
+            <p:cxnSp>
+              <p:nvCxnSpPr>
+                <p:cNvPr id="45" name="직선 연결선 44">
+                  <a:extLst>
+                    <a:ext uri="{FF2B5EF4-FFF2-40B4-BE49-F238E27FC236}">
+                      <a16:creationId xmlns:a16="http://schemas.microsoft.com/office/drawing/2014/main" id="{2155266F-A7A3-A660-CC13-1D9AFA554A48}"/>
+                    </a:ext>
+                  </a:extLst>
+                </p:cNvPr>
+                <p:cNvCxnSpPr>
+                  <a:cxnSpLocks/>
+                </p:cNvCxnSpPr>
+                <p:nvPr/>
+              </p:nvCxnSpPr>
+              <p:spPr>
+                <a:xfrm flipH="1">
+                  <a:off x="4774676" y="2919518"/>
+                  <a:ext cx="2734338" cy="0"/>
+                </a:xfrm>
+                <a:prstGeom prst="line">
+                  <a:avLst/>
+                </a:prstGeom>
+                <a:ln>
+                  <a:gradFill flip="none" rotWithShape="1">
+                    <a:gsLst>
+                      <a:gs pos="0">
+                        <a:srgbClr val="33332B"/>
+                      </a:gs>
+                      <a:gs pos="31000">
+                        <a:srgbClr val="33332B">
+                          <a:alpha val="70000"/>
+                        </a:srgbClr>
+                      </a:gs>
+                      <a:gs pos="54000">
+                        <a:srgbClr val="33332B">
+                          <a:alpha val="30000"/>
+                        </a:srgbClr>
+                      </a:gs>
+                      <a:gs pos="100000">
+                        <a:srgbClr val="33332B">
+                          <a:alpha val="0"/>
+                        </a:srgbClr>
+                      </a:gs>
+                    </a:gsLst>
+                    <a:lin ang="10800000" scaled="1"/>
+                    <a:tileRect/>
+                  </a:gradFill>
+                </a:ln>
+              </p:spPr>
+              <p:style>
+                <a:lnRef idx="2">
+                  <a:schemeClr val="accent1"/>
+                </a:lnRef>
+                <a:fillRef idx="0">
+                  <a:schemeClr val="accent1"/>
+                </a:fillRef>
+                <a:effectRef idx="1">
+                  <a:schemeClr val="accent1"/>
+                </a:effectRef>
+                <a:fontRef idx="minor">
+                  <a:schemeClr val="tx1"/>
+                </a:fontRef>
+              </p:style>
+            </p:cxnSp>
+          </p:grpSp>
+          <p:sp>
+            <p:nvSpPr>
+              <p:cNvPr id="42" name="TextBox 41">
+                <a:extLst>
+                  <a:ext uri="{FF2B5EF4-FFF2-40B4-BE49-F238E27FC236}">
+                    <a16:creationId xmlns:a16="http://schemas.microsoft.com/office/drawing/2014/main" id="{4382A8EB-2682-9DF2-F893-04CC0977201F}"/>
+                  </a:ext>
+                </a:extLst>
+              </p:cNvPr>
+              <p:cNvSpPr txBox="1"/>
               <p:nvPr/>
             </p:nvSpPr>
             <p:spPr>
               <a:xfrm>
-                <a:off x="4774676" y="2919518"/>
-                <a:ext cx="2734338" cy="336351"/>
+                <a:off x="2554184" y="1328985"/>
+                <a:ext cx="1608133" cy="261610"/>
               </a:xfrm>
               <a:prstGeom prst="rect">
                 <a:avLst/>
               </a:prstGeom>
-              <a:gradFill flip="none" rotWithShape="1">
-                <a:gsLst>
-                  <a:gs pos="59000">
-                    <a:srgbClr val="1A1810">
-                      <a:alpha val="70000"/>
-                    </a:srgbClr>
-                  </a:gs>
-                  <a:gs pos="3000">
-                    <a:srgbClr val="1A1810">
-                      <a:alpha val="90000"/>
-                    </a:srgbClr>
-                  </a:gs>
-                  <a:gs pos="100000">
-                    <a:srgbClr val="1A1810">
-                      <a:alpha val="0"/>
-                    </a:srgbClr>
-                  </a:gs>
-                </a:gsLst>
-                <a:lin ang="0" scaled="1"/>
-                <a:tileRect/>
-              </a:gradFill>
-              <a:ln>
-                <a:noFill/>
-              </a:ln>
-              <a:effectLst/>
+              <a:noFill/>
             </p:spPr>
-            <p:style>
-              <a:lnRef idx="2">
-                <a:schemeClr val="accent1">
-                  <a:shade val="15000"/>
-                </a:schemeClr>
-              </a:lnRef>
-              <a:fillRef idx="1">
-                <a:schemeClr val="accent1"/>
-              </a:fillRef>
-              <a:effectRef idx="0">
-                <a:schemeClr val="accent1"/>
-              </a:effectRef>
-              <a:fontRef idx="minor">
-                <a:schemeClr val="lt1"/>
-              </a:fontRef>
-            </p:style>
             <p:txBody>
-              <a:bodyPr rtlCol="0" anchor="ctr"/>
+              <a:bodyPr wrap="none" rtlCol="0">
+                <a:spAutoFit/>
+              </a:bodyPr>
               <a:lstStyle/>
               <a:p>
-                <a:pPr algn="ctr"/>
-                <a:endParaRPr lang="ko-KR" altLang="en-US" dirty="0"/>
+                <a:r>
+                  <a:rPr lang="ko-KR" altLang="en-US" sz="1100" dirty="0">
+                    <a:solidFill>
+                      <a:schemeClr val="bg1"/>
+                    </a:solidFill>
+                    <a:effectLst>
+                      <a:glow rad="101600">
+                        <a:schemeClr val="tx1">
+                          <a:alpha val="60000"/>
+                        </a:schemeClr>
+                      </a:glow>
+                    </a:effectLst>
+                    <a:latin typeface="넥슨Lv1고딕 Bold" panose="00000800000000000000" pitchFamily="2" charset="-127"/>
+                    <a:ea typeface="넥슨Lv1고딕 Bold" panose="00000800000000000000" pitchFamily="2" charset="-127"/>
+                  </a:rPr>
+                  <a:t>전투 컨텐츠와의 연관성</a:t>
+                </a:r>
               </a:p>
             </p:txBody>
           </p:sp>
-          <p:cxnSp>
-            <p:nvCxnSpPr>
-              <p:cNvPr id="53" name="직선 연결선 52">
+        </p:grpSp>
+      </p:grpSp>
+      <p:grpSp>
+        <p:nvGrpSpPr>
+          <p:cNvPr id="6" name="그룹 5">
+            <a:extLst>
+              <a:ext uri="{FF2B5EF4-FFF2-40B4-BE49-F238E27FC236}">
+                <a16:creationId xmlns:a16="http://schemas.microsoft.com/office/drawing/2014/main" id="{7B100007-0D80-B94A-B0AD-9F4E61EFB472}"/>
+              </a:ext>
+            </a:extLst>
+          </p:cNvPr>
+          <p:cNvGrpSpPr/>
+          <p:nvPr/>
+        </p:nvGrpSpPr>
+        <p:grpSpPr>
+          <a:xfrm>
+            <a:off x="1992916" y="4661996"/>
+            <a:ext cx="6312356" cy="1032467"/>
+            <a:chOff x="1992916" y="4384942"/>
+            <a:chExt cx="6312356" cy="1032467"/>
+          </a:xfrm>
+        </p:grpSpPr>
+        <p:grpSp>
+          <p:nvGrpSpPr>
+            <p:cNvPr id="46" name="그룹 45">
+              <a:extLst>
+                <a:ext uri="{FF2B5EF4-FFF2-40B4-BE49-F238E27FC236}">
+                  <a16:creationId xmlns:a16="http://schemas.microsoft.com/office/drawing/2014/main" id="{0AE4ED9F-08AD-89E5-9B7D-C0F7BA92FD38}"/>
+                </a:ext>
+              </a:extLst>
+            </p:cNvPr>
+            <p:cNvGrpSpPr/>
+            <p:nvPr/>
+          </p:nvGrpSpPr>
+          <p:grpSpPr>
+            <a:xfrm>
+              <a:off x="1992916" y="4384942"/>
+              <a:ext cx="2831662" cy="367200"/>
+              <a:chOff x="2500453" y="1274905"/>
+              <a:chExt cx="2831662" cy="367200"/>
+            </a:xfrm>
+          </p:grpSpPr>
+          <p:pic>
+            <p:nvPicPr>
+              <p:cNvPr id="47" name="Picture 4">
                 <a:extLst>
                   <a:ext uri="{FF2B5EF4-FFF2-40B4-BE49-F238E27FC236}">
-                    <a16:creationId xmlns:a16="http://schemas.microsoft.com/office/drawing/2014/main" id="{C742542D-77ED-A242-2941-CBA9190C154E}"/>
+                    <a16:creationId xmlns:a16="http://schemas.microsoft.com/office/drawing/2014/main" id="{849318A8-B8E3-0B26-EAC4-0A5B1C865085}"/>
                   </a:ext>
                 </a:extLst>
               </p:cNvPr>
-              <p:cNvCxnSpPr>
-                <a:cxnSpLocks/>
-              </p:cNvCxnSpPr>
+              <p:cNvPicPr>
+                <a:picLocks noChangeArrowheads="1"/>
+              </p:cNvPicPr>
               <p:nvPr/>
-            </p:nvCxnSpPr>
-            <p:spPr>
-              <a:xfrm flipH="1">
-                <a:off x="4774676" y="3255869"/>
-                <a:ext cx="2734338" cy="0"/>
+            </p:nvPicPr>
+            <p:blipFill rotWithShape="1">
+              <a:blip r:embed="rId2">
+                <a:clrChange>
+                  <a:clrFrom>
+                    <a:srgbClr val="000000"/>
+                  </a:clrFrom>
+                  <a:clrTo>
+                    <a:srgbClr val="000000">
+                      <a:alpha val="0"/>
+                    </a:srgbClr>
+                  </a:clrTo>
+                </a:clrChange>
+                <a:extLst>
+                  <a:ext uri="{28A0092B-C50C-407E-A947-70E740481C1C}">
+                    <a14:useLocalDpi xmlns:a14="http://schemas.microsoft.com/office/drawing/2010/main" val="0"/>
+                  </a:ext>
+                </a:extLst>
+              </a:blip>
+              <a:srcRect l="39323" t="43581" r="59826" b="39566"/>
+              <a:stretch/>
+            </p:blipFill>
+            <p:spPr bwMode="auto">
+              <a:xfrm>
+                <a:off x="2500453" y="1274905"/>
+                <a:ext cx="36000" cy="367200"/>
               </a:xfrm>
-              <a:prstGeom prst="line">
+              <a:prstGeom prst="rect">
                 <a:avLst/>
               </a:prstGeom>
-              <a:ln>
+              <a:noFill/>
+              <a:extLst>
+                <a:ext uri="{909E8E84-426E-40DD-AFC4-6F175D3DCCD1}">
+                  <a14:hiddenFill xmlns:a14="http://schemas.microsoft.com/office/drawing/2010/main">
+                    <a:solidFill>
+                      <a:srgbClr val="FFFFFF"/>
+                    </a:solidFill>
+                  </a14:hiddenFill>
+                </a:ext>
+              </a:extLst>
+            </p:spPr>
+          </p:pic>
+          <p:grpSp>
+            <p:nvGrpSpPr>
+              <p:cNvPr id="48" name="그룹 47">
+                <a:extLst>
+                  <a:ext uri="{FF2B5EF4-FFF2-40B4-BE49-F238E27FC236}">
+                    <a16:creationId xmlns:a16="http://schemas.microsoft.com/office/drawing/2014/main" id="{D7E46BAC-6919-A0B1-7B5F-9094A9897FDD}"/>
+                  </a:ext>
+                </a:extLst>
+              </p:cNvPr>
+              <p:cNvGrpSpPr/>
+              <p:nvPr/>
+            </p:nvGrpSpPr>
+            <p:grpSpPr>
+              <a:xfrm>
+                <a:off x="2536453" y="1287843"/>
+                <a:ext cx="2795662" cy="343894"/>
+                <a:chOff x="4774676" y="2919518"/>
+                <a:chExt cx="2734338" cy="336351"/>
+              </a:xfrm>
+            </p:grpSpPr>
+            <p:sp>
+              <p:nvSpPr>
+                <p:cNvPr id="52" name="직사각형 51">
+                  <a:extLst>
+                    <a:ext uri="{FF2B5EF4-FFF2-40B4-BE49-F238E27FC236}">
+                      <a16:creationId xmlns:a16="http://schemas.microsoft.com/office/drawing/2014/main" id="{37C449E1-25F5-B651-4A96-80B5451C62D9}"/>
+                    </a:ext>
+                  </a:extLst>
+                </p:cNvPr>
+                <p:cNvSpPr>
+                  <a:spLocks/>
+                </p:cNvSpPr>
+                <p:nvPr/>
+              </p:nvSpPr>
+              <p:spPr>
+                <a:xfrm>
+                  <a:off x="4774676" y="2919518"/>
+                  <a:ext cx="2734338" cy="336351"/>
+                </a:xfrm>
+                <a:prstGeom prst="rect">
+                  <a:avLst/>
+                </a:prstGeom>
                 <a:gradFill flip="none" rotWithShape="1">
                   <a:gsLst>
-                    <a:gs pos="0">
-                      <a:srgbClr val="33332B"/>
-                    </a:gs>
-                    <a:gs pos="31000">
-                      <a:srgbClr val="33332B">
+                    <a:gs pos="59000">
+                      <a:srgbClr val="1A1810">
                         <a:alpha val="70000"/>
                       </a:srgbClr>
                     </a:gs>
-                    <a:gs pos="54000">
-                      <a:srgbClr val="33332B">
-                        <a:alpha val="30000"/>
+                    <a:gs pos="3000">
+                      <a:srgbClr val="1A1810">
+                        <a:alpha val="90000"/>
                       </a:srgbClr>
                     </a:gs>
                     <a:gs pos="100000">
-                      <a:srgbClr val="33332B">
+                      <a:srgbClr val="1A1810">
                         <a:alpha val="0"/>
                       </a:srgbClr>
                     </a:gs>
                   </a:gsLst>
-                  <a:lin ang="10800000" scaled="1"/>
+                  <a:lin ang="0" scaled="1"/>
                   <a:tileRect/>
                 </a:gradFill>
-              </a:ln>
-            </p:spPr>
-            <p:style>
-              <a:lnRef idx="2">
-                <a:schemeClr val="accent1"/>
-              </a:lnRef>
-              <a:fillRef idx="0">
-                <a:schemeClr val="accent1"/>
-              </a:fillRef>
-              <a:effectRef idx="1">
-                <a:schemeClr val="accent1"/>
-              </a:effectRef>
-              <a:fontRef idx="minor">
-                <a:schemeClr val="tx1"/>
-              </a:fontRef>
-            </p:style>
-          </p:cxnSp>
-          <p:cxnSp>
-            <p:nvCxnSpPr>
-              <p:cNvPr id="55" name="직선 연결선 54">
+                <a:ln>
+                  <a:noFill/>
+                </a:ln>
+                <a:effectLst/>
+              </p:spPr>
+              <p:style>
+                <a:lnRef idx="2">
+                  <a:schemeClr val="accent1">
+                    <a:shade val="15000"/>
+                  </a:schemeClr>
+                </a:lnRef>
+                <a:fillRef idx="1">
+                  <a:schemeClr val="accent1"/>
+                </a:fillRef>
+                <a:effectRef idx="0">
+                  <a:schemeClr val="accent1"/>
+                </a:effectRef>
+                <a:fontRef idx="minor">
+                  <a:schemeClr val="lt1"/>
+                </a:fontRef>
+              </p:style>
+              <p:txBody>
+                <a:bodyPr rtlCol="0" anchor="ctr"/>
+                <a:lstStyle/>
+                <a:p>
+                  <a:pPr algn="ctr"/>
+                  <a:endParaRPr lang="ko-KR" altLang="en-US" dirty="0">
+                    <a:latin typeface="넥슨Lv1고딕 Bold" panose="00000800000000000000" pitchFamily="2" charset="-127"/>
+                    <a:ea typeface="넥슨Lv1고딕 Bold" panose="00000800000000000000" pitchFamily="2" charset="-127"/>
+                  </a:endParaRPr>
+                </a:p>
+              </p:txBody>
+            </p:sp>
+            <p:cxnSp>
+              <p:nvCxnSpPr>
+                <p:cNvPr id="53" name="직선 연결선 52">
+                  <a:extLst>
+                    <a:ext uri="{FF2B5EF4-FFF2-40B4-BE49-F238E27FC236}">
+                      <a16:creationId xmlns:a16="http://schemas.microsoft.com/office/drawing/2014/main" id="{C742542D-77ED-A242-2941-CBA9190C154E}"/>
+                    </a:ext>
+                  </a:extLst>
+                </p:cNvPr>
+                <p:cNvCxnSpPr>
+                  <a:cxnSpLocks/>
+                </p:cNvCxnSpPr>
+                <p:nvPr/>
+              </p:nvCxnSpPr>
+              <p:spPr>
+                <a:xfrm flipH="1">
+                  <a:off x="4774676" y="3255869"/>
+                  <a:ext cx="2734338" cy="0"/>
+                </a:xfrm>
+                <a:prstGeom prst="line">
+                  <a:avLst/>
+                </a:prstGeom>
+                <a:ln>
+                  <a:gradFill flip="none" rotWithShape="1">
+                    <a:gsLst>
+                      <a:gs pos="0">
+                        <a:srgbClr val="33332B"/>
+                      </a:gs>
+                      <a:gs pos="31000">
+                        <a:srgbClr val="33332B">
+                          <a:alpha val="70000"/>
+                        </a:srgbClr>
+                      </a:gs>
+                      <a:gs pos="54000">
+                        <a:srgbClr val="33332B">
+                          <a:alpha val="30000"/>
+                        </a:srgbClr>
+                      </a:gs>
+                      <a:gs pos="100000">
+                        <a:srgbClr val="33332B">
+                          <a:alpha val="0"/>
+                        </a:srgbClr>
+                      </a:gs>
+                    </a:gsLst>
+                    <a:lin ang="10800000" scaled="1"/>
+                    <a:tileRect/>
+                  </a:gradFill>
+                </a:ln>
+              </p:spPr>
+              <p:style>
+                <a:lnRef idx="2">
+                  <a:schemeClr val="accent1"/>
+                </a:lnRef>
+                <a:fillRef idx="0">
+                  <a:schemeClr val="accent1"/>
+                </a:fillRef>
+                <a:effectRef idx="1">
+                  <a:schemeClr val="accent1"/>
+                </a:effectRef>
+                <a:fontRef idx="minor">
+                  <a:schemeClr val="tx1"/>
+                </a:fontRef>
+              </p:style>
+            </p:cxnSp>
+            <p:cxnSp>
+              <p:nvCxnSpPr>
+                <p:cNvPr id="55" name="직선 연결선 54">
+                  <a:extLst>
+                    <a:ext uri="{FF2B5EF4-FFF2-40B4-BE49-F238E27FC236}">
+                      <a16:creationId xmlns:a16="http://schemas.microsoft.com/office/drawing/2014/main" id="{DB72299A-469B-63E2-35CF-8373857FF161}"/>
+                    </a:ext>
+                  </a:extLst>
+                </p:cNvPr>
+                <p:cNvCxnSpPr>
+                  <a:cxnSpLocks/>
+                </p:cNvCxnSpPr>
+                <p:nvPr/>
+              </p:nvCxnSpPr>
+              <p:spPr>
+                <a:xfrm flipH="1">
+                  <a:off x="4774676" y="2919518"/>
+                  <a:ext cx="2734338" cy="0"/>
+                </a:xfrm>
+                <a:prstGeom prst="line">
+                  <a:avLst/>
+                </a:prstGeom>
+                <a:ln>
+                  <a:gradFill flip="none" rotWithShape="1">
+                    <a:gsLst>
+                      <a:gs pos="0">
+                        <a:srgbClr val="33332B"/>
+                      </a:gs>
+                      <a:gs pos="31000">
+                        <a:srgbClr val="33332B">
+                          <a:alpha val="70000"/>
+                        </a:srgbClr>
+                      </a:gs>
+                      <a:gs pos="54000">
+                        <a:srgbClr val="33332B">
+                          <a:alpha val="30000"/>
+                        </a:srgbClr>
+                      </a:gs>
+                      <a:gs pos="100000">
+                        <a:srgbClr val="33332B">
+                          <a:alpha val="0"/>
+                        </a:srgbClr>
+                      </a:gs>
+                    </a:gsLst>
+                    <a:lin ang="10800000" scaled="1"/>
+                    <a:tileRect/>
+                  </a:gradFill>
+                </a:ln>
+              </p:spPr>
+              <p:style>
+                <a:lnRef idx="2">
+                  <a:schemeClr val="accent1"/>
+                </a:lnRef>
+                <a:fillRef idx="0">
+                  <a:schemeClr val="accent1"/>
+                </a:fillRef>
+                <a:effectRef idx="1">
+                  <a:schemeClr val="accent1"/>
+                </a:effectRef>
+                <a:fontRef idx="minor">
+                  <a:schemeClr val="tx1"/>
+                </a:fontRef>
+              </p:style>
+            </p:cxnSp>
+          </p:grpSp>
+          <p:sp>
+            <p:nvSpPr>
+              <p:cNvPr id="49" name="TextBox 48">
                 <a:extLst>
                   <a:ext uri="{FF2B5EF4-FFF2-40B4-BE49-F238E27FC236}">
-                    <a16:creationId xmlns:a16="http://schemas.microsoft.com/office/drawing/2014/main" id="{DB72299A-469B-63E2-35CF-8373857FF161}"/>
+                    <a16:creationId xmlns:a16="http://schemas.microsoft.com/office/drawing/2014/main" id="{06D1AFA0-4B4B-39B0-56FF-2BFE96F664F7}"/>
                   </a:ext>
                 </a:extLst>
               </p:cNvPr>
-              <p:cNvCxnSpPr>
-                <a:cxnSpLocks/>
-              </p:cNvCxnSpPr>
+              <p:cNvSpPr txBox="1"/>
               <p:nvPr/>
-            </p:nvCxnSpPr>
+            </p:nvSpPr>
             <p:spPr>
-              <a:xfrm flipH="1">
-                <a:off x="4774676" y="2919518"/>
-                <a:ext cx="2734338" cy="0"/>
+              <a:xfrm>
+                <a:off x="2554184" y="1328985"/>
+                <a:ext cx="896399" cy="261610"/>
               </a:xfrm>
-              <a:prstGeom prst="line">
+              <a:prstGeom prst="rect">
                 <a:avLst/>
               </a:prstGeom>
-              <a:ln>
-                <a:gradFill flip="none" rotWithShape="1">
-                  <a:gsLst>
-                    <a:gs pos="0">
-                      <a:srgbClr val="33332B"/>
-                    </a:gs>
-                    <a:gs pos="31000">
-                      <a:srgbClr val="33332B">
-                        <a:alpha val="70000"/>
-                      </a:srgbClr>
-                    </a:gs>
-                    <a:gs pos="54000">
-                      <a:srgbClr val="33332B">
-                        <a:alpha val="30000"/>
-                      </a:srgbClr>
-                    </a:gs>
-                    <a:gs pos="100000">
-                      <a:srgbClr val="33332B">
-                        <a:alpha val="0"/>
-                      </a:srgbClr>
-                    </a:gs>
-                  </a:gsLst>
-                  <a:lin ang="10800000" scaled="1"/>
-                  <a:tileRect/>
-                </a:gradFill>
-              </a:ln>
+              <a:noFill/>
             </p:spPr>
-            <p:style>
-              <a:lnRef idx="2">
-                <a:schemeClr val="accent1"/>
-              </a:lnRef>
-              <a:fillRef idx="0">
-                <a:schemeClr val="accent1"/>
-              </a:fillRef>
-              <a:effectRef idx="1">
-                <a:schemeClr val="accent1"/>
-              </a:effectRef>
-              <a:fontRef idx="minor">
-                <a:schemeClr val="tx1"/>
-              </a:fontRef>
-            </p:style>
-          </p:cxnSp>
+            <p:txBody>
+              <a:bodyPr wrap="none" rtlCol="0">
+                <a:spAutoFit/>
+              </a:bodyPr>
+              <a:lstStyle/>
+              <a:p>
+                <a:r>
+                  <a:rPr lang="ko-KR" altLang="en-US" sz="1100" dirty="0" err="1">
+                    <a:solidFill>
+                      <a:schemeClr val="bg1"/>
+                    </a:solidFill>
+                    <a:effectLst>
+                      <a:glow rad="101600">
+                        <a:schemeClr val="tx1">
+                          <a:alpha val="60000"/>
+                        </a:schemeClr>
+                      </a:glow>
+                    </a:effectLst>
+                    <a:latin typeface="넥슨Lv1고딕 Bold" panose="00000800000000000000" pitchFamily="2" charset="-127"/>
+                    <a:ea typeface="넥슨Lv1고딕 Bold" panose="00000800000000000000" pitchFamily="2" charset="-127"/>
+                  </a:rPr>
+                  <a:t>몰입감</a:t>
+                </a:r>
+                <a:r>
+                  <a:rPr lang="ko-KR" altLang="en-US" sz="1100" dirty="0">
+                    <a:solidFill>
+                      <a:schemeClr val="bg1"/>
+                    </a:solidFill>
+                    <a:effectLst>
+                      <a:glow rad="101600">
+                        <a:schemeClr val="tx1">
+                          <a:alpha val="60000"/>
+                        </a:schemeClr>
+                      </a:glow>
+                    </a:effectLst>
+                    <a:latin typeface="넥슨Lv1고딕 Bold" panose="00000800000000000000" pitchFamily="2" charset="-127"/>
+                    <a:ea typeface="넥슨Lv1고딕 Bold" panose="00000800000000000000" pitchFamily="2" charset="-127"/>
+                  </a:rPr>
+                  <a:t> 증가</a:t>
+                </a:r>
+              </a:p>
+            </p:txBody>
+          </p:sp>
         </p:grpSp>
         <p:sp>
           <p:nvSpPr>
-            <p:cNvPr id="49" name="TextBox 48">
+            <p:cNvPr id="56" name="TextBox 55">
               <a:extLst>
                 <a:ext uri="{FF2B5EF4-FFF2-40B4-BE49-F238E27FC236}">
-                  <a16:creationId xmlns:a16="http://schemas.microsoft.com/office/drawing/2014/main" id="{06D1AFA0-4B4B-39B0-56FF-2BFE96F664F7}"/>
+                  <a16:creationId xmlns:a16="http://schemas.microsoft.com/office/drawing/2014/main" id="{2774E442-180B-F9A9-1092-B296988D9ED1}"/>
                 </a:ext>
               </a:extLst>
             </p:cNvPr>
@@ -13717,8 +14780,8 @@
           </p:nvSpPr>
           <p:spPr>
             <a:xfrm>
-              <a:off x="2554184" y="1328985"/>
-              <a:ext cx="1063112" cy="261610"/>
+              <a:off x="2205525" y="4863411"/>
+              <a:ext cx="6099747" cy="553998"/>
             </a:xfrm>
             <a:prstGeom prst="rect">
               <a:avLst/>
@@ -13731,121 +14794,73 @@
             </a:bodyPr>
             <a:lstStyle/>
             <a:p>
+              <a:pPr marL="171450" indent="-171450">
+                <a:buFontTx/>
+                <a:buChar char="-"/>
+              </a:pPr>
               <a:r>
-                <a:rPr lang="ko-KR" altLang="en-US" sz="1100" b="1" dirty="0">
+                <a:rPr lang="ko-KR" altLang="en-US" sz="1000" dirty="0">
                   <a:solidFill>
                     <a:schemeClr val="bg1"/>
                   </a:solidFill>
-                  <a:effectLst>
-                    <a:glow rad="101600">
-                      <a:schemeClr val="tx1">
-                        <a:alpha val="60000"/>
-                      </a:schemeClr>
-                    </a:glow>
-                  </a:effectLst>
-                  <a:latin typeface="나눔고딕" panose="020D0604000000000000" pitchFamily="50" charset="-127"/>
-                  <a:ea typeface="나눔고딕" panose="020D0604000000000000" pitchFamily="50" charset="-127"/>
+                  <a:latin typeface="넥슨Lv1고딕" panose="00000500000000000000" pitchFamily="2" charset="-127"/>
+                  <a:ea typeface="넥슨Lv1고딕" panose="00000500000000000000" pitchFamily="2" charset="-127"/>
                 </a:rPr>
-                <a:t>수집 욕구 자극</a:t>
+                <a:t>오픈 월드의 곳곳에 전회를 배치하여 유저가 오픈 월드를 탐험하는 재미를 증가시킵니다</a:t>
+              </a:r>
+              <a:r>
+                <a:rPr lang="en-US" altLang="ko-KR" sz="1000" dirty="0">
+                  <a:solidFill>
+                    <a:schemeClr val="bg1"/>
+                  </a:solidFill>
+                  <a:latin typeface="넥슨Lv1고딕" panose="00000500000000000000" pitchFamily="2" charset="-127"/>
+                  <a:ea typeface="넥슨Lv1고딕" panose="00000500000000000000" pitchFamily="2" charset="-127"/>
+                </a:rPr>
+                <a:t>.</a:t>
+              </a:r>
+            </a:p>
+            <a:p>
+              <a:pPr marL="171450" indent="-171450">
+                <a:buFontTx/>
+                <a:buChar char="-"/>
+              </a:pPr>
+              <a:endParaRPr lang="en-US" altLang="ko-KR" sz="1000" dirty="0">
+                <a:solidFill>
+                  <a:schemeClr val="bg1"/>
+                </a:solidFill>
+                <a:latin typeface="넥슨Lv1고딕" panose="00000500000000000000" pitchFamily="2" charset="-127"/>
+                <a:ea typeface="넥슨Lv1고딕" panose="00000500000000000000" pitchFamily="2" charset="-127"/>
+              </a:endParaRPr>
+            </a:p>
+            <a:p>
+              <a:pPr marL="171450" indent="-171450">
+                <a:buFontTx/>
+                <a:buChar char="-"/>
+              </a:pPr>
+              <a:r>
+                <a:rPr lang="ko-KR" altLang="en-US" sz="1000" dirty="0">
+                  <a:solidFill>
+                    <a:schemeClr val="bg1"/>
+                  </a:solidFill>
+                  <a:latin typeface="넥슨Lv1고딕" panose="00000500000000000000" pitchFamily="2" charset="-127"/>
+                  <a:ea typeface="넥슨Lv1고딕" panose="00000500000000000000" pitchFamily="2" charset="-127"/>
+                </a:rPr>
+                <a:t>원하는 무기와 전회의 조합을 찾아 전투를 하는 과정에서 게임 세계와 더 많은 상호작용을 하게 됩니다</a:t>
+              </a:r>
+              <a:r>
+                <a:rPr lang="en-US" altLang="ko-KR" sz="1000" dirty="0">
+                  <a:solidFill>
+                    <a:schemeClr val="bg1"/>
+                  </a:solidFill>
+                  <a:latin typeface="넥슨Lv1고딕" panose="00000500000000000000" pitchFamily="2" charset="-127"/>
+                  <a:ea typeface="넥슨Lv1고딕" panose="00000500000000000000" pitchFamily="2" charset="-127"/>
+                </a:rPr>
+                <a:t>.</a:t>
               </a:r>
             </a:p>
           </p:txBody>
         </p:sp>
       </p:grpSp>
-      <p:sp>
-        <p:nvSpPr>
-          <p:cNvPr id="56" name="TextBox 55">
-            <a:extLst>
-              <a:ext uri="{FF2B5EF4-FFF2-40B4-BE49-F238E27FC236}">
-                <a16:creationId xmlns:a16="http://schemas.microsoft.com/office/drawing/2014/main" id="{2774E442-180B-F9A9-1092-B296988D9ED1}"/>
-              </a:ext>
-            </a:extLst>
-          </p:cNvPr>
-          <p:cNvSpPr txBox="1"/>
-          <p:nvPr/>
-        </p:nvSpPr>
-        <p:spPr>
-          <a:xfrm>
-            <a:off x="2205525" y="4659969"/>
-            <a:ext cx="5868914" cy="553998"/>
-          </a:xfrm>
-          <a:prstGeom prst="rect">
-            <a:avLst/>
-          </a:prstGeom>
-          <a:noFill/>
-        </p:spPr>
-        <p:txBody>
-          <a:bodyPr wrap="none" rtlCol="0">
-            <a:spAutoFit/>
-          </a:bodyPr>
-          <a:lstStyle/>
-          <a:p>
-            <a:pPr marL="171450" indent="-171450">
-              <a:buFontTx/>
-              <a:buChar char="-"/>
-            </a:pPr>
-            <a:r>
-              <a:rPr lang="ko-KR" altLang="en-US" sz="1000" dirty="0">
-                <a:solidFill>
-                  <a:schemeClr val="bg1"/>
-                </a:solidFill>
-                <a:latin typeface="나눔고딕" panose="020D0604000000000000" pitchFamily="50" charset="-127"/>
-                <a:ea typeface="나눔고딕" panose="020D0604000000000000" pitchFamily="50" charset="-127"/>
-              </a:rPr>
-              <a:t>특정 무기는 고정된 전투 기술이 있어 무기에 전회를 부여할 수 없습니다</a:t>
-            </a:r>
-            <a:r>
-              <a:rPr lang="en-US" altLang="ko-KR" sz="1000" dirty="0">
-                <a:solidFill>
-                  <a:schemeClr val="bg1"/>
-                </a:solidFill>
-                <a:latin typeface="나눔고딕" panose="020D0604000000000000" pitchFamily="50" charset="-127"/>
-                <a:ea typeface="나눔고딕" panose="020D0604000000000000" pitchFamily="50" charset="-127"/>
-              </a:rPr>
-              <a:t>.</a:t>
-            </a:r>
-          </a:p>
-          <a:p>
-            <a:pPr marL="171450" indent="-171450">
-              <a:buFontTx/>
-              <a:buChar char="-"/>
-            </a:pPr>
-            <a:endParaRPr lang="en-US" altLang="ko-KR" sz="1000" dirty="0">
-              <a:solidFill>
-                <a:schemeClr val="bg1"/>
-              </a:solidFill>
-              <a:latin typeface="나눔고딕" panose="020D0604000000000000" pitchFamily="50" charset="-127"/>
-              <a:ea typeface="나눔고딕" panose="020D0604000000000000" pitchFamily="50" charset="-127"/>
-            </a:endParaRPr>
-          </a:p>
-          <a:p>
-            <a:pPr marL="171450" indent="-171450">
-              <a:buFontTx/>
-              <a:buChar char="-"/>
-            </a:pPr>
-            <a:r>
-              <a:rPr lang="ko-KR" altLang="en-US" sz="1000" dirty="0">
-                <a:solidFill>
-                  <a:schemeClr val="bg1"/>
-                </a:solidFill>
-                <a:latin typeface="나눔고딕" panose="020D0604000000000000" pitchFamily="50" charset="-127"/>
-                <a:ea typeface="나눔고딕" panose="020D0604000000000000" pitchFamily="50" charset="-127"/>
-              </a:rPr>
-              <a:t>무기의 특별함과 희귀성을 강조하여 수집 욕구를 자극하고 획득 시 얻는 성취감과 만족감을 높여줍니다</a:t>
-            </a:r>
-            <a:r>
-              <a:rPr lang="en-US" altLang="ko-KR" sz="1000" dirty="0">
-                <a:solidFill>
-                  <a:schemeClr val="bg1"/>
-                </a:solidFill>
-                <a:latin typeface="나눔고딕" panose="020D0604000000000000" pitchFamily="50" charset="-127"/>
-                <a:ea typeface="나눔고딕" panose="020D0604000000000000" pitchFamily="50" charset="-127"/>
-              </a:rPr>
-              <a:t>.</a:t>
-            </a:r>
-          </a:p>
-        </p:txBody>
-      </p:sp>
     </p:spTree>
     <p:extLst>
       <p:ext uri="{BB962C8B-B14F-4D97-AF65-F5344CB8AC3E}">
@@ -14357,10 +15372,10 @@
       </p:sp>
       <p:grpSp>
         <p:nvGrpSpPr>
-          <p:cNvPr id="7" name="그룹 6">
+          <p:cNvPr id="37" name="그룹 36">
             <a:extLst>
               <a:ext uri="{FF2B5EF4-FFF2-40B4-BE49-F238E27FC236}">
-                <a16:creationId xmlns:a16="http://schemas.microsoft.com/office/drawing/2014/main" id="{C47FFD3E-E89D-6F0B-13FD-B8C0D5357208}"/>
+                <a16:creationId xmlns:a16="http://schemas.microsoft.com/office/drawing/2014/main" id="{A8938B3A-CC95-3846-9F36-E2F44F4D1768}"/>
               </a:ext>
             </a:extLst>
           </p:cNvPr>
@@ -14370,72 +15385,17 @@
         <p:grpSpPr>
           <a:xfrm>
             <a:off x="1992916" y="954061"/>
-            <a:ext cx="2831662" cy="367200"/>
-            <a:chOff x="2500453" y="1274905"/>
-            <a:chExt cx="2831662" cy="367200"/>
+            <a:ext cx="5616246" cy="1049006"/>
+            <a:chOff x="1992916" y="954061"/>
+            <a:chExt cx="5616246" cy="1049006"/>
           </a:xfrm>
         </p:grpSpPr>
-        <p:pic>
-          <p:nvPicPr>
-            <p:cNvPr id="29" name="Picture 4">
+        <p:grpSp>
+          <p:nvGrpSpPr>
+            <p:cNvPr id="7" name="그룹 6">
               <a:extLst>
                 <a:ext uri="{FF2B5EF4-FFF2-40B4-BE49-F238E27FC236}">
-                  <a16:creationId xmlns:a16="http://schemas.microsoft.com/office/drawing/2014/main" id="{6C4CF741-1C9F-37AE-4554-0FCA785B1DAF}"/>
-                </a:ext>
-              </a:extLst>
-            </p:cNvPr>
-            <p:cNvPicPr>
-              <a:picLocks noChangeArrowheads="1"/>
-            </p:cNvPicPr>
-            <p:nvPr/>
-          </p:nvPicPr>
-          <p:blipFill rotWithShape="1">
-            <a:blip r:embed="rId2">
-              <a:clrChange>
-                <a:clrFrom>
-                  <a:srgbClr val="000000"/>
-                </a:clrFrom>
-                <a:clrTo>
-                  <a:srgbClr val="000000">
-                    <a:alpha val="0"/>
-                  </a:srgbClr>
-                </a:clrTo>
-              </a:clrChange>
-              <a:extLst>
-                <a:ext uri="{28A0092B-C50C-407E-A947-70E740481C1C}">
-                  <a14:useLocalDpi xmlns:a14="http://schemas.microsoft.com/office/drawing/2010/main" val="0"/>
-                </a:ext>
-              </a:extLst>
-            </a:blip>
-            <a:srcRect l="39323" t="43581" r="59826" b="39566"/>
-            <a:stretch/>
-          </p:blipFill>
-          <p:spPr bwMode="auto">
-            <a:xfrm>
-              <a:off x="2500453" y="1274905"/>
-              <a:ext cx="36000" cy="367200"/>
-            </a:xfrm>
-            <a:prstGeom prst="rect">
-              <a:avLst/>
-            </a:prstGeom>
-            <a:noFill/>
-            <a:extLst>
-              <a:ext uri="{909E8E84-426E-40DD-AFC4-6F175D3DCCD1}">
-                <a14:hiddenFill xmlns:a14="http://schemas.microsoft.com/office/drawing/2010/main">
-                  <a:solidFill>
-                    <a:srgbClr val="FFFFFF"/>
-                  </a:solidFill>
-                </a14:hiddenFill>
-              </a:ext>
-            </a:extLst>
-          </p:spPr>
-        </p:pic>
-        <p:grpSp>
-          <p:nvGrpSpPr>
-            <p:cNvPr id="30" name="그룹 29">
-              <a:extLst>
-                <a:ext uri="{FF2B5EF4-FFF2-40B4-BE49-F238E27FC236}">
-                  <a16:creationId xmlns:a16="http://schemas.microsoft.com/office/drawing/2014/main" id="{6E2D85DA-EA92-51BE-FA74-4EE16C624B74}"/>
+                  <a16:creationId xmlns:a16="http://schemas.microsoft.com/office/drawing/2014/main" id="{C47FFD3E-E89D-6F0B-13FD-B8C0D5357208}"/>
                 </a:ext>
               </a:extLst>
             </p:cNvPr>
@@ -14444,222 +15404,885 @@
           </p:nvGrpSpPr>
           <p:grpSpPr>
             <a:xfrm>
-              <a:off x="2536453" y="1287843"/>
-              <a:ext cx="2795662" cy="343894"/>
-              <a:chOff x="4774676" y="2919518"/>
-              <a:chExt cx="2734338" cy="336351"/>
+              <a:off x="1992916" y="954061"/>
+              <a:ext cx="2831662" cy="367200"/>
+              <a:chOff x="2500453" y="1274905"/>
+              <a:chExt cx="2831662" cy="367200"/>
+            </a:xfrm>
+          </p:grpSpPr>
+          <p:pic>
+            <p:nvPicPr>
+              <p:cNvPr id="29" name="Picture 4">
+                <a:extLst>
+                  <a:ext uri="{FF2B5EF4-FFF2-40B4-BE49-F238E27FC236}">
+                    <a16:creationId xmlns:a16="http://schemas.microsoft.com/office/drawing/2014/main" id="{6C4CF741-1C9F-37AE-4554-0FCA785B1DAF}"/>
+                  </a:ext>
+                </a:extLst>
+              </p:cNvPr>
+              <p:cNvPicPr>
+                <a:picLocks noChangeArrowheads="1"/>
+              </p:cNvPicPr>
+              <p:nvPr/>
+            </p:nvPicPr>
+            <p:blipFill rotWithShape="1">
+              <a:blip r:embed="rId2">
+                <a:clrChange>
+                  <a:clrFrom>
+                    <a:srgbClr val="000000"/>
+                  </a:clrFrom>
+                  <a:clrTo>
+                    <a:srgbClr val="000000">
+                      <a:alpha val="0"/>
+                    </a:srgbClr>
+                  </a:clrTo>
+                </a:clrChange>
+                <a:extLst>
+                  <a:ext uri="{28A0092B-C50C-407E-A947-70E740481C1C}">
+                    <a14:useLocalDpi xmlns:a14="http://schemas.microsoft.com/office/drawing/2010/main" val="0"/>
+                  </a:ext>
+                </a:extLst>
+              </a:blip>
+              <a:srcRect l="39323" t="43581" r="59826" b="39566"/>
+              <a:stretch/>
+            </p:blipFill>
+            <p:spPr bwMode="auto">
+              <a:xfrm>
+                <a:off x="2500453" y="1274905"/>
+                <a:ext cx="36000" cy="367200"/>
+              </a:xfrm>
+              <a:prstGeom prst="rect">
+                <a:avLst/>
+              </a:prstGeom>
+              <a:noFill/>
+              <a:extLst>
+                <a:ext uri="{909E8E84-426E-40DD-AFC4-6F175D3DCCD1}">
+                  <a14:hiddenFill xmlns:a14="http://schemas.microsoft.com/office/drawing/2010/main">
+                    <a:solidFill>
+                      <a:srgbClr val="FFFFFF"/>
+                    </a:solidFill>
+                  </a14:hiddenFill>
+                </a:ext>
+              </a:extLst>
+            </p:spPr>
+          </p:pic>
+          <p:grpSp>
+            <p:nvGrpSpPr>
+              <p:cNvPr id="30" name="그룹 29">
+                <a:extLst>
+                  <a:ext uri="{FF2B5EF4-FFF2-40B4-BE49-F238E27FC236}">
+                    <a16:creationId xmlns:a16="http://schemas.microsoft.com/office/drawing/2014/main" id="{6E2D85DA-EA92-51BE-FA74-4EE16C624B74}"/>
+                  </a:ext>
+                </a:extLst>
+              </p:cNvPr>
+              <p:cNvGrpSpPr/>
+              <p:nvPr/>
+            </p:nvGrpSpPr>
+            <p:grpSpPr>
+              <a:xfrm>
+                <a:off x="2536453" y="1287843"/>
+                <a:ext cx="2795662" cy="343894"/>
+                <a:chOff x="4774676" y="2919518"/>
+                <a:chExt cx="2734338" cy="336351"/>
+              </a:xfrm>
+            </p:grpSpPr>
+            <p:sp>
+              <p:nvSpPr>
+                <p:cNvPr id="32" name="직사각형 31">
+                  <a:extLst>
+                    <a:ext uri="{FF2B5EF4-FFF2-40B4-BE49-F238E27FC236}">
+                      <a16:creationId xmlns:a16="http://schemas.microsoft.com/office/drawing/2014/main" id="{19BB2CE0-F9D4-FA1A-83B2-C82ACA17D4F0}"/>
+                    </a:ext>
+                  </a:extLst>
+                </p:cNvPr>
+                <p:cNvSpPr>
+                  <a:spLocks/>
+                </p:cNvSpPr>
+                <p:nvPr/>
+              </p:nvSpPr>
+              <p:spPr>
+                <a:xfrm>
+                  <a:off x="4774676" y="2919518"/>
+                  <a:ext cx="2734338" cy="336351"/>
+                </a:xfrm>
+                <a:prstGeom prst="rect">
+                  <a:avLst/>
+                </a:prstGeom>
+                <a:gradFill flip="none" rotWithShape="1">
+                  <a:gsLst>
+                    <a:gs pos="59000">
+                      <a:srgbClr val="1A1810">
+                        <a:alpha val="70000"/>
+                      </a:srgbClr>
+                    </a:gs>
+                    <a:gs pos="3000">
+                      <a:srgbClr val="1A1810">
+                        <a:alpha val="90000"/>
+                      </a:srgbClr>
+                    </a:gs>
+                    <a:gs pos="100000">
+                      <a:srgbClr val="1A1810">
+                        <a:alpha val="0"/>
+                      </a:srgbClr>
+                    </a:gs>
+                  </a:gsLst>
+                  <a:lin ang="0" scaled="1"/>
+                  <a:tileRect/>
+                </a:gradFill>
+                <a:ln>
+                  <a:noFill/>
+                </a:ln>
+                <a:effectLst/>
+              </p:spPr>
+              <p:style>
+                <a:lnRef idx="2">
+                  <a:schemeClr val="accent1">
+                    <a:shade val="15000"/>
+                  </a:schemeClr>
+                </a:lnRef>
+                <a:fillRef idx="1">
+                  <a:schemeClr val="accent1"/>
+                </a:fillRef>
+                <a:effectRef idx="0">
+                  <a:schemeClr val="accent1"/>
+                </a:effectRef>
+                <a:fontRef idx="minor">
+                  <a:schemeClr val="lt1"/>
+                </a:fontRef>
+              </p:style>
+              <p:txBody>
+                <a:bodyPr rtlCol="0" anchor="ctr"/>
+                <a:lstStyle/>
+                <a:p>
+                  <a:pPr algn="ctr"/>
+                  <a:endParaRPr lang="ko-KR" altLang="en-US" dirty="0"/>
+                </a:p>
+              </p:txBody>
+            </p:sp>
+            <p:cxnSp>
+              <p:nvCxnSpPr>
+                <p:cNvPr id="33" name="직선 연결선 32">
+                  <a:extLst>
+                    <a:ext uri="{FF2B5EF4-FFF2-40B4-BE49-F238E27FC236}">
+                      <a16:creationId xmlns:a16="http://schemas.microsoft.com/office/drawing/2014/main" id="{2C923CBD-D1EB-BCAF-2E31-CB9E66F7881A}"/>
+                    </a:ext>
+                  </a:extLst>
+                </p:cNvPr>
+                <p:cNvCxnSpPr>
+                  <a:cxnSpLocks/>
+                </p:cNvCxnSpPr>
+                <p:nvPr/>
+              </p:nvCxnSpPr>
+              <p:spPr>
+                <a:xfrm flipH="1">
+                  <a:off x="4774676" y="3255869"/>
+                  <a:ext cx="2734338" cy="0"/>
+                </a:xfrm>
+                <a:prstGeom prst="line">
+                  <a:avLst/>
+                </a:prstGeom>
+                <a:ln>
+                  <a:gradFill flip="none" rotWithShape="1">
+                    <a:gsLst>
+                      <a:gs pos="0">
+                        <a:srgbClr val="33332B"/>
+                      </a:gs>
+                      <a:gs pos="31000">
+                        <a:srgbClr val="33332B">
+                          <a:alpha val="70000"/>
+                        </a:srgbClr>
+                      </a:gs>
+                      <a:gs pos="54000">
+                        <a:srgbClr val="33332B">
+                          <a:alpha val="30000"/>
+                        </a:srgbClr>
+                      </a:gs>
+                      <a:gs pos="100000">
+                        <a:srgbClr val="33332B">
+                          <a:alpha val="0"/>
+                        </a:srgbClr>
+                      </a:gs>
+                    </a:gsLst>
+                    <a:lin ang="10800000" scaled="1"/>
+                    <a:tileRect/>
+                  </a:gradFill>
+                </a:ln>
+                <a:effectLst/>
+              </p:spPr>
+              <p:style>
+                <a:lnRef idx="2">
+                  <a:schemeClr val="accent1"/>
+                </a:lnRef>
+                <a:fillRef idx="0">
+                  <a:schemeClr val="accent1"/>
+                </a:fillRef>
+                <a:effectRef idx="1">
+                  <a:schemeClr val="accent1"/>
+                </a:effectRef>
+                <a:fontRef idx="minor">
+                  <a:schemeClr val="tx1"/>
+                </a:fontRef>
+              </p:style>
+            </p:cxnSp>
+            <p:cxnSp>
+              <p:nvCxnSpPr>
+                <p:cNvPr id="34" name="직선 연결선 33">
+                  <a:extLst>
+                    <a:ext uri="{FF2B5EF4-FFF2-40B4-BE49-F238E27FC236}">
+                      <a16:creationId xmlns:a16="http://schemas.microsoft.com/office/drawing/2014/main" id="{8DF4B55E-3568-84EB-B5D5-E8595BD56789}"/>
+                    </a:ext>
+                  </a:extLst>
+                </p:cNvPr>
+                <p:cNvCxnSpPr>
+                  <a:cxnSpLocks/>
+                </p:cNvCxnSpPr>
+                <p:nvPr/>
+              </p:nvCxnSpPr>
+              <p:spPr>
+                <a:xfrm flipH="1">
+                  <a:off x="4774676" y="2919518"/>
+                  <a:ext cx="2734338" cy="0"/>
+                </a:xfrm>
+                <a:prstGeom prst="line">
+                  <a:avLst/>
+                </a:prstGeom>
+                <a:ln>
+                  <a:gradFill flip="none" rotWithShape="1">
+                    <a:gsLst>
+                      <a:gs pos="0">
+                        <a:srgbClr val="33332B"/>
+                      </a:gs>
+                      <a:gs pos="31000">
+                        <a:srgbClr val="33332B">
+                          <a:alpha val="70000"/>
+                        </a:srgbClr>
+                      </a:gs>
+                      <a:gs pos="54000">
+                        <a:srgbClr val="33332B">
+                          <a:alpha val="30000"/>
+                        </a:srgbClr>
+                      </a:gs>
+                      <a:gs pos="100000">
+                        <a:srgbClr val="33332B">
+                          <a:alpha val="0"/>
+                        </a:srgbClr>
+                      </a:gs>
+                    </a:gsLst>
+                    <a:lin ang="10800000" scaled="1"/>
+                    <a:tileRect/>
+                  </a:gradFill>
+                </a:ln>
+                <a:effectLst/>
+              </p:spPr>
+              <p:style>
+                <a:lnRef idx="2">
+                  <a:schemeClr val="accent1"/>
+                </a:lnRef>
+                <a:fillRef idx="0">
+                  <a:schemeClr val="accent1"/>
+                </a:fillRef>
+                <a:effectRef idx="1">
+                  <a:schemeClr val="accent1"/>
+                </a:effectRef>
+                <a:fontRef idx="minor">
+                  <a:schemeClr val="tx1"/>
+                </a:fontRef>
+              </p:style>
+            </p:cxnSp>
+          </p:grpSp>
+          <p:sp>
+            <p:nvSpPr>
+              <p:cNvPr id="31" name="TextBox 30">
+                <a:extLst>
+                  <a:ext uri="{FF2B5EF4-FFF2-40B4-BE49-F238E27FC236}">
+                    <a16:creationId xmlns:a16="http://schemas.microsoft.com/office/drawing/2014/main" id="{97CC5734-E9E5-9B5F-0C78-B474FAB53301}"/>
+                  </a:ext>
+                </a:extLst>
+              </p:cNvPr>
+              <p:cNvSpPr txBox="1"/>
+              <p:nvPr/>
+            </p:nvSpPr>
+            <p:spPr>
+              <a:xfrm>
+                <a:off x="2554184" y="1328985"/>
+                <a:ext cx="756938" cy="261610"/>
+              </a:xfrm>
+              <a:prstGeom prst="rect">
+                <a:avLst/>
+              </a:prstGeom>
+              <a:noFill/>
+            </p:spPr>
+            <p:txBody>
+              <a:bodyPr wrap="none" rtlCol="0">
+                <a:spAutoFit/>
+              </a:bodyPr>
+              <a:lstStyle/>
+              <a:p>
+                <a:r>
+                  <a:rPr lang="ko-KR" altLang="en-US" sz="1100" dirty="0">
+                    <a:solidFill>
+                      <a:schemeClr val="bg1"/>
+                    </a:solidFill>
+                    <a:effectLst>
+                      <a:glow rad="101600">
+                        <a:schemeClr val="tx1">
+                          <a:alpha val="60000"/>
+                        </a:schemeClr>
+                      </a:glow>
+                    </a:effectLst>
+                    <a:latin typeface="넥슨Lv1고딕 Bold" panose="00000800000000000000" pitchFamily="2" charset="-127"/>
+                    <a:ea typeface="넥슨Lv1고딕 Bold" panose="00000800000000000000" pitchFamily="2" charset="-127"/>
+                  </a:rPr>
+                  <a:t>단어의 뜻</a:t>
+                </a:r>
+              </a:p>
+            </p:txBody>
+          </p:sp>
+        </p:grpSp>
+        <p:grpSp>
+          <p:nvGrpSpPr>
+            <p:cNvPr id="57" name="그룹 56">
+              <a:extLst>
+                <a:ext uri="{FF2B5EF4-FFF2-40B4-BE49-F238E27FC236}">
+                  <a16:creationId xmlns:a16="http://schemas.microsoft.com/office/drawing/2014/main" id="{D312A4AB-749F-0625-1E9D-8663E0614CD8}"/>
+                </a:ext>
+              </a:extLst>
+            </p:cNvPr>
+            <p:cNvGrpSpPr/>
+            <p:nvPr/>
+          </p:nvGrpSpPr>
+          <p:grpSpPr>
+            <a:xfrm>
+              <a:off x="2046647" y="1478879"/>
+              <a:ext cx="5562515" cy="524188"/>
+              <a:chOff x="2218168" y="1478879"/>
+              <a:chExt cx="5562515" cy="524188"/>
             </a:xfrm>
           </p:grpSpPr>
           <p:sp>
             <p:nvSpPr>
-              <p:cNvPr id="32" name="직사각형 31">
+              <p:cNvPr id="6" name="TextBox 5">
                 <a:extLst>
                   <a:ext uri="{FF2B5EF4-FFF2-40B4-BE49-F238E27FC236}">
-                    <a16:creationId xmlns:a16="http://schemas.microsoft.com/office/drawing/2014/main" id="{19BB2CE0-F9D4-FA1A-83B2-C82ACA17D4F0}"/>
+                    <a16:creationId xmlns:a16="http://schemas.microsoft.com/office/drawing/2014/main" id="{E3EDE4F6-7C0B-8FBF-09C2-E400C57E9041}"/>
                   </a:ext>
                 </a:extLst>
               </p:cNvPr>
-              <p:cNvSpPr>
-                <a:spLocks/>
-              </p:cNvSpPr>
+              <p:cNvSpPr txBox="1"/>
               <p:nvPr/>
             </p:nvSpPr>
             <p:spPr>
               <a:xfrm>
-                <a:off x="4774676" y="2919518"/>
-                <a:ext cx="2734338" cy="336351"/>
+                <a:off x="3844990" y="1602700"/>
+                <a:ext cx="3935693" cy="246221"/>
               </a:xfrm>
               <a:prstGeom prst="rect">
                 <a:avLst/>
               </a:prstGeom>
-              <a:gradFill flip="none" rotWithShape="1">
-                <a:gsLst>
-                  <a:gs pos="59000">
-                    <a:srgbClr val="1A1810">
-                      <a:alpha val="70000"/>
-                    </a:srgbClr>
-                  </a:gs>
-                  <a:gs pos="3000">
-                    <a:srgbClr val="1A1810">
-                      <a:alpha val="90000"/>
-                    </a:srgbClr>
-                  </a:gs>
-                  <a:gs pos="100000">
-                    <a:srgbClr val="1A1810">
-                      <a:alpha val="0"/>
-                    </a:srgbClr>
-                  </a:gs>
-                </a:gsLst>
-                <a:lin ang="0" scaled="1"/>
-                <a:tileRect/>
-              </a:gradFill>
-              <a:ln>
-                <a:noFill/>
-              </a:ln>
-              <a:effectLst/>
+              <a:noFill/>
             </p:spPr>
-            <p:style>
-              <a:lnRef idx="2">
-                <a:schemeClr val="accent1">
-                  <a:shade val="15000"/>
-                </a:schemeClr>
-              </a:lnRef>
-              <a:fillRef idx="1">
-                <a:schemeClr val="accent1"/>
-              </a:fillRef>
-              <a:effectRef idx="0">
-                <a:schemeClr val="accent1"/>
-              </a:effectRef>
-              <a:fontRef idx="minor">
-                <a:schemeClr val="lt1"/>
-              </a:fontRef>
-            </p:style>
             <p:txBody>
-              <a:bodyPr rtlCol="0" anchor="ctr"/>
+              <a:bodyPr wrap="none" rtlCol="0">
+                <a:spAutoFit/>
+              </a:bodyPr>
               <a:lstStyle/>
               <a:p>
-                <a:pPr algn="ctr"/>
-                <a:endParaRPr lang="ko-KR" altLang="en-US" dirty="0"/>
+                <a:r>
+                  <a:rPr lang="en-US" altLang="ko-KR" sz="1000" dirty="0">
+                    <a:solidFill>
+                      <a:schemeClr val="bg1"/>
+                    </a:solidFill>
+                    <a:latin typeface="넥슨Lv1고딕" panose="00000500000000000000" pitchFamily="2" charset="-127"/>
+                    <a:ea typeface="넥슨Lv1고딕" panose="00000500000000000000" pitchFamily="2" charset="-127"/>
+                  </a:rPr>
+                  <a:t>:    </a:t>
+                </a:r>
+                <a:r>
+                  <a:rPr lang="ko-KR" altLang="en-US" sz="1000" dirty="0">
+                    <a:solidFill>
+                      <a:schemeClr val="bg1"/>
+                    </a:solidFill>
+                    <a:latin typeface="넥슨Lv1고딕" panose="00000500000000000000" pitchFamily="2" charset="-127"/>
+                    <a:ea typeface="넥슨Lv1고딕" panose="00000500000000000000" pitchFamily="2" charset="-127"/>
+                  </a:rPr>
+                  <a:t>전회는 </a:t>
+                </a:r>
+                <a:r>
+                  <a:rPr lang="en-US" altLang="ko-KR" sz="1000" dirty="0">
+                    <a:solidFill>
+                      <a:schemeClr val="bg1"/>
+                    </a:solidFill>
+                    <a:latin typeface="넥슨Lv1고딕" panose="00000500000000000000" pitchFamily="2" charset="-127"/>
+                    <a:ea typeface="넥슨Lv1고딕" panose="00000500000000000000" pitchFamily="2" charset="-127"/>
+                  </a:rPr>
+                  <a:t>‘</a:t>
+                </a:r>
+                <a:r>
+                  <a:rPr lang="ko-KR" altLang="en-US" sz="1000" dirty="0">
+                    <a:solidFill>
+                      <a:schemeClr val="bg1"/>
+                    </a:solidFill>
+                    <a:latin typeface="넥슨Lv1고딕" panose="00000500000000000000" pitchFamily="2" charset="-127"/>
+                    <a:ea typeface="넥슨Lv1고딕" panose="00000500000000000000" pitchFamily="2" charset="-127"/>
+                  </a:rPr>
+                  <a:t>전쟁의 재</a:t>
+                </a:r>
+                <a:r>
+                  <a:rPr lang="en-US" altLang="ko-KR" sz="1000" dirty="0">
+                    <a:solidFill>
+                      <a:schemeClr val="bg1"/>
+                    </a:solidFill>
+                    <a:latin typeface="넥슨Lv1고딕" panose="00000500000000000000" pitchFamily="2" charset="-127"/>
+                    <a:ea typeface="넥슨Lv1고딕" panose="00000500000000000000" pitchFamily="2" charset="-127"/>
+                  </a:rPr>
+                  <a:t>’</a:t>
+                </a:r>
+                <a:r>
+                  <a:rPr lang="ko-KR" altLang="en-US" sz="1000" dirty="0">
+                    <a:solidFill>
+                      <a:schemeClr val="bg1"/>
+                    </a:solidFill>
+                    <a:latin typeface="넥슨Lv1고딕" panose="00000500000000000000" pitchFamily="2" charset="-127"/>
+                    <a:ea typeface="넥슨Lv1고딕" panose="00000500000000000000" pitchFamily="2" charset="-127"/>
+                  </a:rPr>
+                  <a:t>라는 뜻으로 영어로는 </a:t>
+                </a:r>
+                <a:r>
+                  <a:rPr lang="en-US" altLang="ko-KR" sz="1000" dirty="0">
+                    <a:solidFill>
+                      <a:schemeClr val="bg1"/>
+                    </a:solidFill>
+                    <a:effectLst>
+                      <a:glow rad="101600">
+                        <a:schemeClr val="tx1">
+                          <a:alpha val="60000"/>
+                        </a:schemeClr>
+                      </a:glow>
+                    </a:effectLst>
+                    <a:latin typeface="넥슨Lv1고딕" panose="00000500000000000000" pitchFamily="2" charset="-127"/>
+                    <a:ea typeface="넥슨Lv1고딕" panose="00000500000000000000" pitchFamily="2" charset="-127"/>
+                  </a:rPr>
+                  <a:t>‘</a:t>
+                </a:r>
+                <a:r>
+                  <a:rPr lang="en-US" altLang="ko-KR" sz="1000" dirty="0">
+                    <a:solidFill>
+                      <a:schemeClr val="bg1"/>
+                    </a:solidFill>
+                    <a:latin typeface="넥슨Lv1고딕" panose="00000500000000000000" pitchFamily="2" charset="-127"/>
+                    <a:ea typeface="넥슨Lv1고딕" panose="00000500000000000000" pitchFamily="2" charset="-127"/>
+                  </a:rPr>
+                  <a:t>Ashes Of War’ </a:t>
+                </a:r>
+                <a:r>
+                  <a:rPr lang="ko-KR" altLang="en-US" sz="1000" dirty="0">
+                    <a:solidFill>
+                      <a:schemeClr val="bg1"/>
+                    </a:solidFill>
+                    <a:latin typeface="넥슨Lv1고딕" panose="00000500000000000000" pitchFamily="2" charset="-127"/>
+                    <a:ea typeface="넥슨Lv1고딕" panose="00000500000000000000" pitchFamily="2" charset="-127"/>
+                  </a:rPr>
+                  <a:t>입니다</a:t>
+                </a:r>
+                <a:r>
+                  <a:rPr lang="en-US" altLang="ko-KR" sz="1000" dirty="0">
+                    <a:solidFill>
+                      <a:schemeClr val="bg1"/>
+                    </a:solidFill>
+                    <a:latin typeface="넥슨Lv1고딕" panose="00000500000000000000" pitchFamily="2" charset="-127"/>
+                    <a:ea typeface="넥슨Lv1고딕" panose="00000500000000000000" pitchFamily="2" charset="-127"/>
+                  </a:rPr>
+                  <a:t>.</a:t>
+                </a:r>
               </a:p>
             </p:txBody>
           </p:sp>
-          <p:cxnSp>
-            <p:nvCxnSpPr>
-              <p:cNvPr id="33" name="직선 연결선 32">
+          <p:grpSp>
+            <p:nvGrpSpPr>
+              <p:cNvPr id="47" name="그룹 46">
                 <a:extLst>
                   <a:ext uri="{FF2B5EF4-FFF2-40B4-BE49-F238E27FC236}">
-                    <a16:creationId xmlns:a16="http://schemas.microsoft.com/office/drawing/2014/main" id="{2C923CBD-D1EB-BCAF-2E31-CB9E66F7881A}"/>
+                    <a16:creationId xmlns:a16="http://schemas.microsoft.com/office/drawing/2014/main" id="{7855795D-BB07-50D5-DF98-E5022039B450}"/>
                   </a:ext>
                 </a:extLst>
               </p:cNvPr>
-              <p:cNvCxnSpPr>
-                <a:cxnSpLocks/>
-              </p:cNvCxnSpPr>
+              <p:cNvGrpSpPr/>
               <p:nvPr/>
-            </p:nvCxnSpPr>
-            <p:spPr>
-              <a:xfrm flipH="1">
-                <a:off x="4774676" y="3255869"/>
-                <a:ext cx="2734338" cy="0"/>
+            </p:nvGrpSpPr>
+            <p:grpSpPr>
+              <a:xfrm>
+                <a:off x="2218168" y="1478879"/>
+                <a:ext cx="1562298" cy="524188"/>
+                <a:chOff x="2218168" y="1511334"/>
+                <a:chExt cx="1562298" cy="524188"/>
               </a:xfrm>
-              <a:prstGeom prst="line">
-                <a:avLst/>
-              </a:prstGeom>
-              <a:ln>
-                <a:gradFill flip="none" rotWithShape="1">
-                  <a:gsLst>
-                    <a:gs pos="0">
-                      <a:srgbClr val="33332B"/>
-                    </a:gs>
-                    <a:gs pos="31000">
-                      <a:srgbClr val="33332B">
-                        <a:alpha val="70000"/>
-                      </a:srgbClr>
-                    </a:gs>
-                    <a:gs pos="54000">
-                      <a:srgbClr val="33332B">
-                        <a:alpha val="30000"/>
-                      </a:srgbClr>
-                    </a:gs>
-                    <a:gs pos="100000">
-                      <a:srgbClr val="33332B">
-                        <a:alpha val="0"/>
-                      </a:srgbClr>
-                    </a:gs>
-                  </a:gsLst>
-                  <a:lin ang="10800000" scaled="1"/>
-                  <a:tileRect/>
-                </a:gradFill>
-              </a:ln>
-              <a:effectLst/>
-            </p:spPr>
-            <p:style>
-              <a:lnRef idx="2">
-                <a:schemeClr val="accent1"/>
-              </a:lnRef>
-              <a:fillRef idx="0">
-                <a:schemeClr val="accent1"/>
-              </a:fillRef>
-              <a:effectRef idx="1">
-                <a:schemeClr val="accent1"/>
-              </a:effectRef>
-              <a:fontRef idx="minor">
-                <a:schemeClr val="tx1"/>
-              </a:fontRef>
-            </p:style>
-          </p:cxnSp>
-          <p:cxnSp>
-            <p:nvCxnSpPr>
-              <p:cNvPr id="34" name="직선 연결선 33">
-                <a:extLst>
-                  <a:ext uri="{FF2B5EF4-FFF2-40B4-BE49-F238E27FC236}">
-                    <a16:creationId xmlns:a16="http://schemas.microsoft.com/office/drawing/2014/main" id="{8DF4B55E-3568-84EB-B5D5-E8595BD56789}"/>
-                  </a:ext>
-                </a:extLst>
-              </p:cNvPr>
-              <p:cNvCxnSpPr>
-                <a:cxnSpLocks/>
-              </p:cNvCxnSpPr>
-              <p:nvPr/>
-            </p:nvCxnSpPr>
-            <p:spPr>
-              <a:xfrm flipH="1">
-                <a:off x="4774676" y="2919518"/>
-                <a:ext cx="2734338" cy="0"/>
-              </a:xfrm>
-              <a:prstGeom prst="line">
-                <a:avLst/>
-              </a:prstGeom>
-              <a:ln>
-                <a:gradFill flip="none" rotWithShape="1">
-                  <a:gsLst>
-                    <a:gs pos="0">
-                      <a:srgbClr val="33332B"/>
-                    </a:gs>
-                    <a:gs pos="31000">
-                      <a:srgbClr val="33332B">
-                        <a:alpha val="70000"/>
-                      </a:srgbClr>
-                    </a:gs>
-                    <a:gs pos="54000">
-                      <a:srgbClr val="33332B">
-                        <a:alpha val="30000"/>
-                      </a:srgbClr>
-                    </a:gs>
-                    <a:gs pos="100000">
-                      <a:srgbClr val="33332B">
-                        <a:alpha val="0"/>
-                      </a:srgbClr>
-                    </a:gs>
-                  </a:gsLst>
-                  <a:lin ang="10800000" scaled="1"/>
-                  <a:tileRect/>
-                </a:gradFill>
-              </a:ln>
-              <a:effectLst/>
-            </p:spPr>
-            <p:style>
-              <a:lnRef idx="2">
-                <a:schemeClr val="accent1"/>
-              </a:lnRef>
-              <a:fillRef idx="0">
-                <a:schemeClr val="accent1"/>
-              </a:fillRef>
-              <a:effectRef idx="1">
-                <a:schemeClr val="accent1"/>
-              </a:effectRef>
-              <a:fontRef idx="minor">
-                <a:schemeClr val="tx1"/>
-              </a:fontRef>
-            </p:style>
-          </p:cxnSp>
+            </p:grpSpPr>
+            <p:grpSp>
+              <p:nvGrpSpPr>
+                <p:cNvPr id="46" name="그룹 45">
+                  <a:extLst>
+                    <a:ext uri="{FF2B5EF4-FFF2-40B4-BE49-F238E27FC236}">
+                      <a16:creationId xmlns:a16="http://schemas.microsoft.com/office/drawing/2014/main" id="{9FCCAD22-BB3A-7943-E696-7A6224ED4131}"/>
+                    </a:ext>
+                  </a:extLst>
+                </p:cNvPr>
+                <p:cNvGrpSpPr/>
+                <p:nvPr/>
+              </p:nvGrpSpPr>
+              <p:grpSpPr>
+                <a:xfrm>
+                  <a:off x="3257566" y="1511334"/>
+                  <a:ext cx="522900" cy="524188"/>
+                  <a:chOff x="3257566" y="1511334"/>
+                  <a:chExt cx="522900" cy="524188"/>
+                </a:xfrm>
+              </p:grpSpPr>
+              <p:sp>
+                <p:nvSpPr>
+                  <p:cNvPr id="39" name="TextBox 38">
+                    <a:extLst>
+                      <a:ext uri="{FF2B5EF4-FFF2-40B4-BE49-F238E27FC236}">
+                        <a16:creationId xmlns:a16="http://schemas.microsoft.com/office/drawing/2014/main" id="{2F91A618-87A0-7C27-4B26-9AF54309C9D7}"/>
+                      </a:ext>
+                    </a:extLst>
+                  </p:cNvPr>
+                  <p:cNvSpPr txBox="1"/>
+                  <p:nvPr/>
+                </p:nvSpPr>
+                <p:spPr>
+                  <a:xfrm>
+                    <a:off x="3330503" y="1511334"/>
+                    <a:ext cx="377026" cy="338554"/>
+                  </a:xfrm>
+                  <a:prstGeom prst="rect">
+                    <a:avLst/>
+                  </a:prstGeom>
+                  <a:noFill/>
+                </p:spPr>
+                <p:txBody>
+                  <a:bodyPr wrap="none" rtlCol="0">
+                    <a:spAutoFit/>
+                  </a:bodyPr>
+                  <a:lstStyle/>
+                  <a:p>
+                    <a:r>
+                      <a:rPr lang="ko-KR" altLang="en-US" sz="1600" dirty="0">
+                        <a:solidFill>
+                          <a:schemeClr val="bg1"/>
+                        </a:solidFill>
+                        <a:latin typeface="나눔고딕" panose="020D0604000000000000" pitchFamily="50" charset="-127"/>
+                        <a:ea typeface="나눔고딕" panose="020D0604000000000000" pitchFamily="50" charset="-127"/>
+                      </a:rPr>
+                      <a:t>灰</a:t>
+                    </a:r>
+                    <a:endParaRPr lang="en-US" altLang="ko-KR" sz="1600" dirty="0">
+                      <a:solidFill>
+                        <a:schemeClr val="bg1"/>
+                      </a:solidFill>
+                      <a:latin typeface="나눔고딕" panose="020D0604000000000000" pitchFamily="50" charset="-127"/>
+                      <a:ea typeface="나눔고딕" panose="020D0604000000000000" pitchFamily="50" charset="-127"/>
+                    </a:endParaRPr>
+                  </a:p>
+                </p:txBody>
+              </p:sp>
+              <p:sp>
+                <p:nvSpPr>
+                  <p:cNvPr id="40" name="TextBox 39">
+                    <a:extLst>
+                      <a:ext uri="{FF2B5EF4-FFF2-40B4-BE49-F238E27FC236}">
+                        <a16:creationId xmlns:a16="http://schemas.microsoft.com/office/drawing/2014/main" id="{200CC2B1-070A-4BEA-E96B-FB3185B95CEC}"/>
+                      </a:ext>
+                    </a:extLst>
+                  </p:cNvPr>
+                  <p:cNvSpPr txBox="1"/>
+                  <p:nvPr/>
+                </p:nvSpPr>
+                <p:spPr>
+                  <a:xfrm>
+                    <a:off x="3257566" y="1789301"/>
+                    <a:ext cx="522900" cy="246221"/>
+                  </a:xfrm>
+                  <a:prstGeom prst="rect">
+                    <a:avLst/>
+                  </a:prstGeom>
+                  <a:noFill/>
+                </p:spPr>
+                <p:txBody>
+                  <a:bodyPr wrap="none" rtlCol="0">
+                    <a:spAutoFit/>
+                  </a:bodyPr>
+                  <a:lstStyle/>
+                  <a:p>
+                    <a:r>
+                      <a:rPr lang="ko-KR" altLang="en-US" sz="1000" dirty="0">
+                        <a:solidFill>
+                          <a:schemeClr val="bg1"/>
+                        </a:solidFill>
+                        <a:latin typeface="넥슨Lv1고딕" panose="00000500000000000000" pitchFamily="2" charset="-127"/>
+                        <a:ea typeface="넥슨Lv1고딕" panose="00000500000000000000" pitchFamily="2" charset="-127"/>
+                      </a:rPr>
+                      <a:t>재 </a:t>
+                    </a:r>
+                    <a:r>
+                      <a:rPr lang="en-US" altLang="ko-KR" sz="1000" dirty="0">
+                        <a:solidFill>
+                          <a:schemeClr val="bg1"/>
+                        </a:solidFill>
+                        <a:latin typeface="넥슨Lv1고딕" panose="00000500000000000000" pitchFamily="2" charset="-127"/>
+                        <a:ea typeface="넥슨Lv1고딕" panose="00000500000000000000" pitchFamily="2" charset="-127"/>
+                      </a:rPr>
+                      <a:t>‘</a:t>
+                    </a:r>
+                    <a:r>
+                      <a:rPr lang="ko-KR" altLang="en-US" sz="1000" dirty="0">
+                        <a:solidFill>
+                          <a:schemeClr val="bg1"/>
+                        </a:solidFill>
+                        <a:latin typeface="넥슨Lv1고딕" panose="00000500000000000000" pitchFamily="2" charset="-127"/>
+                        <a:ea typeface="넥슨Lv1고딕" panose="00000500000000000000" pitchFamily="2" charset="-127"/>
+                      </a:rPr>
+                      <a:t>회</a:t>
+                    </a:r>
+                    <a:r>
+                      <a:rPr lang="en-US" altLang="ko-KR" sz="1000" dirty="0">
+                        <a:solidFill>
+                          <a:schemeClr val="bg1"/>
+                        </a:solidFill>
+                        <a:latin typeface="넥슨Lv1고딕" panose="00000500000000000000" pitchFamily="2" charset="-127"/>
+                        <a:ea typeface="넥슨Lv1고딕" panose="00000500000000000000" pitchFamily="2" charset="-127"/>
+                      </a:rPr>
+                      <a:t>’</a:t>
+                    </a:r>
+                  </a:p>
+                </p:txBody>
+              </p:sp>
+            </p:grpSp>
+            <p:grpSp>
+              <p:nvGrpSpPr>
+                <p:cNvPr id="45" name="그룹 44">
+                  <a:extLst>
+                    <a:ext uri="{FF2B5EF4-FFF2-40B4-BE49-F238E27FC236}">
+                      <a16:creationId xmlns:a16="http://schemas.microsoft.com/office/drawing/2014/main" id="{BB9D5E48-1D18-DB87-9C9A-5539C7D3429E}"/>
+                    </a:ext>
+                  </a:extLst>
+                </p:cNvPr>
+                <p:cNvGrpSpPr/>
+                <p:nvPr/>
+              </p:nvGrpSpPr>
+              <p:grpSpPr>
+                <a:xfrm>
+                  <a:off x="2218168" y="1511334"/>
+                  <a:ext cx="643125" cy="524188"/>
+                  <a:chOff x="2218168" y="1511334"/>
+                  <a:chExt cx="643125" cy="524188"/>
+                </a:xfrm>
+              </p:grpSpPr>
+              <p:sp>
+                <p:nvSpPr>
+                  <p:cNvPr id="41" name="TextBox 40">
+                    <a:extLst>
+                      <a:ext uri="{FF2B5EF4-FFF2-40B4-BE49-F238E27FC236}">
+                        <a16:creationId xmlns:a16="http://schemas.microsoft.com/office/drawing/2014/main" id="{0209C594-6FA6-BB46-50E7-30BE71154C0C}"/>
+                      </a:ext>
+                    </a:extLst>
+                  </p:cNvPr>
+                  <p:cNvSpPr txBox="1"/>
+                  <p:nvPr/>
+                </p:nvSpPr>
+                <p:spPr>
+                  <a:xfrm>
+                    <a:off x="2351217" y="1511334"/>
+                    <a:ext cx="377026" cy="338554"/>
+                  </a:xfrm>
+                  <a:prstGeom prst="rect">
+                    <a:avLst/>
+                  </a:prstGeom>
+                  <a:noFill/>
+                </p:spPr>
+                <p:txBody>
+                  <a:bodyPr wrap="none" rtlCol="0">
+                    <a:spAutoFit/>
+                  </a:bodyPr>
+                  <a:lstStyle/>
+                  <a:p>
+                    <a:r>
+                      <a:rPr lang="ko-KR" altLang="en-US" sz="1600" dirty="0">
+                        <a:solidFill>
+                          <a:schemeClr val="bg1"/>
+                        </a:solidFill>
+                        <a:latin typeface="나눔고딕" panose="020D0604000000000000" pitchFamily="50" charset="-127"/>
+                        <a:ea typeface="나눔고딕" panose="020D0604000000000000" pitchFamily="50" charset="-127"/>
+                      </a:rPr>
+                      <a:t>戰</a:t>
+                    </a:r>
+                    <a:endParaRPr lang="en-US" altLang="ko-KR" sz="1600" dirty="0">
+                      <a:solidFill>
+                        <a:schemeClr val="bg1"/>
+                      </a:solidFill>
+                      <a:latin typeface="나눔고딕" panose="020D0604000000000000" pitchFamily="50" charset="-127"/>
+                      <a:ea typeface="나눔고딕" panose="020D0604000000000000" pitchFamily="50" charset="-127"/>
+                    </a:endParaRPr>
+                  </a:p>
+                </p:txBody>
+              </p:sp>
+              <p:sp>
+                <p:nvSpPr>
+                  <p:cNvPr id="42" name="TextBox 41">
+                    <a:extLst>
+                      <a:ext uri="{FF2B5EF4-FFF2-40B4-BE49-F238E27FC236}">
+                        <a16:creationId xmlns:a16="http://schemas.microsoft.com/office/drawing/2014/main" id="{588E6938-1A75-331B-1A7E-65410361B8C2}"/>
+                      </a:ext>
+                    </a:extLst>
+                  </p:cNvPr>
+                  <p:cNvSpPr txBox="1"/>
+                  <p:nvPr/>
+                </p:nvSpPr>
+                <p:spPr>
+                  <a:xfrm>
+                    <a:off x="2218168" y="1789301"/>
+                    <a:ext cx="643125" cy="246221"/>
+                  </a:xfrm>
+                  <a:prstGeom prst="rect">
+                    <a:avLst/>
+                  </a:prstGeom>
+                  <a:noFill/>
+                </p:spPr>
+                <p:txBody>
+                  <a:bodyPr wrap="none" rtlCol="0">
+                    <a:spAutoFit/>
+                  </a:bodyPr>
+                  <a:lstStyle/>
+                  <a:p>
+                    <a:r>
+                      <a:rPr lang="ko-KR" altLang="en-US" sz="1000" dirty="0">
+                        <a:solidFill>
+                          <a:schemeClr val="bg1"/>
+                        </a:solidFill>
+                        <a:latin typeface="넥슨Lv1고딕" panose="00000500000000000000" pitchFamily="2" charset="-127"/>
+                        <a:ea typeface="넥슨Lv1고딕" panose="00000500000000000000" pitchFamily="2" charset="-127"/>
+                      </a:rPr>
+                      <a:t>싸움 </a:t>
+                    </a:r>
+                    <a:r>
+                      <a:rPr lang="en-US" altLang="ko-KR" sz="1000" dirty="0">
+                        <a:solidFill>
+                          <a:schemeClr val="bg1"/>
+                        </a:solidFill>
+                        <a:latin typeface="넥슨Lv1고딕" panose="00000500000000000000" pitchFamily="2" charset="-127"/>
+                        <a:ea typeface="넥슨Lv1고딕" panose="00000500000000000000" pitchFamily="2" charset="-127"/>
+                      </a:rPr>
+                      <a:t>‘</a:t>
+                    </a:r>
+                    <a:r>
+                      <a:rPr lang="ko-KR" altLang="en-US" sz="1000" dirty="0">
+                        <a:solidFill>
+                          <a:schemeClr val="bg1"/>
+                        </a:solidFill>
+                        <a:latin typeface="넥슨Lv1고딕" panose="00000500000000000000" pitchFamily="2" charset="-127"/>
+                        <a:ea typeface="넥슨Lv1고딕" panose="00000500000000000000" pitchFamily="2" charset="-127"/>
+                      </a:rPr>
+                      <a:t>전</a:t>
+                    </a:r>
+                    <a:r>
+                      <a:rPr lang="en-US" altLang="ko-KR" sz="1000" dirty="0">
+                        <a:solidFill>
+                          <a:schemeClr val="bg1"/>
+                        </a:solidFill>
+                        <a:latin typeface="넥슨Lv1고딕" panose="00000500000000000000" pitchFamily="2" charset="-127"/>
+                        <a:ea typeface="넥슨Lv1고딕" panose="00000500000000000000" pitchFamily="2" charset="-127"/>
+                      </a:rPr>
+                      <a:t>’</a:t>
+                    </a:r>
+                  </a:p>
+                </p:txBody>
+              </p:sp>
+            </p:grpSp>
+            <p:sp>
+              <p:nvSpPr>
+                <p:cNvPr id="43" name="십자형 42">
+                  <a:extLst>
+                    <a:ext uri="{FF2B5EF4-FFF2-40B4-BE49-F238E27FC236}">
+                      <a16:creationId xmlns:a16="http://schemas.microsoft.com/office/drawing/2014/main" id="{7432DCB2-AF61-42F3-96A3-0502B4C784D5}"/>
+                    </a:ext>
+                  </a:extLst>
+                </p:cNvPr>
+                <p:cNvSpPr/>
+                <p:nvPr/>
+              </p:nvSpPr>
+              <p:spPr>
+                <a:xfrm>
+                  <a:off x="2931350" y="1680611"/>
+                  <a:ext cx="185634" cy="185634"/>
+                </a:xfrm>
+                <a:prstGeom prst="plus">
+                  <a:avLst>
+                    <a:gd name="adj" fmla="val 39667"/>
+                  </a:avLst>
+                </a:prstGeom>
+                <a:solidFill>
+                  <a:schemeClr val="bg1">
+                    <a:lumMod val="50000"/>
+                  </a:schemeClr>
+                </a:solidFill>
+                <a:ln>
+                  <a:solidFill>
+                    <a:schemeClr val="bg1"/>
+                  </a:solidFill>
+                </a:ln>
+              </p:spPr>
+              <p:style>
+                <a:lnRef idx="2">
+                  <a:schemeClr val="accent1">
+                    <a:shade val="15000"/>
+                  </a:schemeClr>
+                </a:lnRef>
+                <a:fillRef idx="1">
+                  <a:schemeClr val="accent1"/>
+                </a:fillRef>
+                <a:effectRef idx="0">
+                  <a:schemeClr val="accent1"/>
+                </a:effectRef>
+                <a:fontRef idx="minor">
+                  <a:schemeClr val="lt1"/>
+                </a:fontRef>
+              </p:style>
+              <p:txBody>
+                <a:bodyPr rtlCol="0" anchor="ctr"/>
+                <a:lstStyle/>
+                <a:p>
+                  <a:pPr algn="ctr"/>
+                  <a:endParaRPr lang="ko-KR" altLang="en-US"/>
+                </a:p>
+              </p:txBody>
+            </p:sp>
+          </p:grpSp>
         </p:grpSp>
+      </p:grpSp>
+      <p:grpSp>
+        <p:nvGrpSpPr>
+          <p:cNvPr id="36" name="그룹 35">
+            <a:extLst>
+              <a:ext uri="{FF2B5EF4-FFF2-40B4-BE49-F238E27FC236}">
+                <a16:creationId xmlns:a16="http://schemas.microsoft.com/office/drawing/2014/main" id="{8A94B2E9-5730-AE81-32B5-0EFBB7B23020}"/>
+              </a:ext>
+            </a:extLst>
+          </p:cNvPr>
+          <p:cNvGrpSpPr/>
+          <p:nvPr/>
+        </p:nvGrpSpPr>
+        <p:grpSpPr>
+          <a:xfrm>
+            <a:off x="1992916" y="2526558"/>
+            <a:ext cx="5130943" cy="1032467"/>
+            <a:chOff x="2005200" y="2539496"/>
+            <a:chExt cx="5130943" cy="1032467"/>
+          </a:xfrm>
+        </p:grpSpPr>
         <p:sp>
           <p:nvSpPr>
-            <p:cNvPr id="31" name="TextBox 30">
+            <p:cNvPr id="109" name="TextBox 108">
               <a:extLst>
                 <a:ext uri="{FF2B5EF4-FFF2-40B4-BE49-F238E27FC236}">
-                  <a16:creationId xmlns:a16="http://schemas.microsoft.com/office/drawing/2014/main" id="{97CC5734-E9E5-9B5F-0C78-B474FAB53301}"/>
+                  <a16:creationId xmlns:a16="http://schemas.microsoft.com/office/drawing/2014/main" id="{5C7C7A70-6646-BDA1-70BC-AEC495846D65}"/>
                 </a:ext>
               </a:extLst>
             </p:cNvPr>
@@ -14668,8 +16291,8 @@
           </p:nvSpPr>
           <p:spPr>
             <a:xfrm>
-              <a:off x="2554184" y="1328985"/>
-              <a:ext cx="756938" cy="261610"/>
+              <a:off x="2217809" y="3017965"/>
+              <a:ext cx="4918334" cy="553998"/>
             </a:xfrm>
             <a:prstGeom prst="rect">
               <a:avLst/>
@@ -14682,8 +16305,543 @@
             </a:bodyPr>
             <a:lstStyle/>
             <a:p>
+              <a:pPr marL="171450" indent="-171450">
+                <a:buFontTx/>
+                <a:buChar char="-"/>
+              </a:pPr>
               <a:r>
-                <a:rPr lang="ko-KR" altLang="en-US" sz="1100" b="1" dirty="0">
+                <a:rPr lang="ko-KR" altLang="en-US" sz="1000" dirty="0">
+                  <a:solidFill>
+                    <a:schemeClr val="bg1"/>
+                  </a:solidFill>
+                  <a:latin typeface="넥슨Lv1고딕" panose="00000500000000000000" pitchFamily="2" charset="-127"/>
+                  <a:ea typeface="넥슨Lv1고딕" panose="00000500000000000000" pitchFamily="2" charset="-127"/>
+                </a:rPr>
+                <a:t>전회는 전투 기술과 속성을 무기에 부여하는 아이템입니다</a:t>
+              </a:r>
+              <a:r>
+                <a:rPr lang="en-US" altLang="ko-KR" sz="1000" dirty="0">
+                  <a:solidFill>
+                    <a:schemeClr val="bg1"/>
+                  </a:solidFill>
+                  <a:latin typeface="넥슨Lv1고딕" panose="00000500000000000000" pitchFamily="2" charset="-127"/>
+                  <a:ea typeface="넥슨Lv1고딕" panose="00000500000000000000" pitchFamily="2" charset="-127"/>
+                </a:rPr>
+                <a:t>.</a:t>
+              </a:r>
+            </a:p>
+            <a:p>
+              <a:pPr marL="171450" indent="-171450">
+                <a:buFontTx/>
+                <a:buChar char="-"/>
+              </a:pPr>
+              <a:endParaRPr lang="en-US" altLang="ko-KR" sz="1000" dirty="0">
+                <a:solidFill>
+                  <a:schemeClr val="bg1"/>
+                </a:solidFill>
+                <a:latin typeface="넥슨Lv1고딕" panose="00000500000000000000" pitchFamily="2" charset="-127"/>
+                <a:ea typeface="넥슨Lv1고딕" panose="00000500000000000000" pitchFamily="2" charset="-127"/>
+              </a:endParaRPr>
+            </a:p>
+            <a:p>
+              <a:pPr marL="171450" indent="-171450">
+                <a:buFontTx/>
+                <a:buChar char="-"/>
+              </a:pPr>
+              <a:r>
+                <a:rPr lang="ko-KR" altLang="en-US" sz="1000" dirty="0">
+                  <a:solidFill>
+                    <a:schemeClr val="bg1"/>
+                  </a:solidFill>
+                  <a:latin typeface="넥슨Lv1고딕" panose="00000500000000000000" pitchFamily="2" charset="-127"/>
+                  <a:ea typeface="넥슨Lv1고딕" panose="00000500000000000000" pitchFamily="2" charset="-127"/>
+                </a:rPr>
+                <a:t>다른 </a:t>
+              </a:r>
+              <a:r>
+                <a:rPr lang="ko-KR" altLang="en-US" sz="1000" dirty="0" err="1">
+                  <a:solidFill>
+                    <a:schemeClr val="bg1"/>
+                  </a:solidFill>
+                  <a:latin typeface="넥슨Lv1고딕" panose="00000500000000000000" pitchFamily="2" charset="-127"/>
+                  <a:ea typeface="넥슨Lv1고딕" panose="00000500000000000000" pitchFamily="2" charset="-127"/>
+                </a:rPr>
+                <a:t>소울라이크</a:t>
+              </a:r>
+              <a:r>
+                <a:rPr lang="ko-KR" altLang="en-US" sz="1000" dirty="0">
+                  <a:solidFill>
+                    <a:schemeClr val="bg1"/>
+                  </a:solidFill>
+                  <a:latin typeface="넥슨Lv1고딕" panose="00000500000000000000" pitchFamily="2" charset="-127"/>
+                  <a:ea typeface="넥슨Lv1고딕" panose="00000500000000000000" pitchFamily="2" charset="-127"/>
+                </a:rPr>
+                <a:t> 장르의 게임과 차별화된 </a:t>
+              </a:r>
+              <a:r>
+                <a:rPr lang="ko-KR" altLang="en-US" sz="1000" dirty="0" err="1">
+                  <a:solidFill>
+                    <a:schemeClr val="bg1"/>
+                  </a:solidFill>
+                  <a:latin typeface="넥슨Lv1고딕" panose="00000500000000000000" pitchFamily="2" charset="-127"/>
+                  <a:ea typeface="넥슨Lv1고딕" panose="00000500000000000000" pitchFamily="2" charset="-127"/>
+                </a:rPr>
+                <a:t>엘든링만의</a:t>
+              </a:r>
+              <a:r>
+                <a:rPr lang="ko-KR" altLang="en-US" sz="1000" dirty="0">
+                  <a:solidFill>
+                    <a:schemeClr val="bg1"/>
+                  </a:solidFill>
+                  <a:latin typeface="넥슨Lv1고딕" panose="00000500000000000000" pitchFamily="2" charset="-127"/>
+                  <a:ea typeface="넥슨Lv1고딕" panose="00000500000000000000" pitchFamily="2" charset="-127"/>
+                </a:rPr>
+                <a:t> 고유한 컨텐츠</a:t>
+              </a:r>
+              <a:r>
+                <a:rPr lang="en-US" altLang="ko-KR" sz="1000" dirty="0">
+                  <a:solidFill>
+                    <a:schemeClr val="bg1"/>
+                  </a:solidFill>
+                  <a:latin typeface="넥슨Lv1고딕" panose="00000500000000000000" pitchFamily="2" charset="-127"/>
+                  <a:ea typeface="넥슨Lv1고딕" panose="00000500000000000000" pitchFamily="2" charset="-127"/>
+                </a:rPr>
+                <a:t>&amp;</a:t>
+              </a:r>
+              <a:r>
+                <a:rPr lang="ko-KR" altLang="en-US" sz="1000" dirty="0">
+                  <a:solidFill>
+                    <a:schemeClr val="bg1"/>
+                  </a:solidFill>
+                  <a:latin typeface="넥슨Lv1고딕" panose="00000500000000000000" pitchFamily="2" charset="-127"/>
+                  <a:ea typeface="넥슨Lv1고딕" panose="00000500000000000000" pitchFamily="2" charset="-127"/>
+                </a:rPr>
+                <a:t>시스템입니다</a:t>
+              </a:r>
+              <a:r>
+                <a:rPr lang="en-US" altLang="ko-KR" sz="1000" dirty="0">
+                  <a:solidFill>
+                    <a:schemeClr val="bg1"/>
+                  </a:solidFill>
+                  <a:latin typeface="넥슨Lv1고딕" panose="00000500000000000000" pitchFamily="2" charset="-127"/>
+                  <a:ea typeface="넥슨Lv1고딕" panose="00000500000000000000" pitchFamily="2" charset="-127"/>
+                </a:rPr>
+                <a:t>.</a:t>
+              </a:r>
+            </a:p>
+          </p:txBody>
+        </p:sp>
+        <p:grpSp>
+          <p:nvGrpSpPr>
+            <p:cNvPr id="110" name="그룹 109">
+              <a:extLst>
+                <a:ext uri="{FF2B5EF4-FFF2-40B4-BE49-F238E27FC236}">
+                  <a16:creationId xmlns:a16="http://schemas.microsoft.com/office/drawing/2014/main" id="{CDF9CE60-F8C6-9382-15B9-4362C395E967}"/>
+                </a:ext>
+              </a:extLst>
+            </p:cNvPr>
+            <p:cNvGrpSpPr/>
+            <p:nvPr/>
+          </p:nvGrpSpPr>
+          <p:grpSpPr>
+            <a:xfrm>
+              <a:off x="2005200" y="2539496"/>
+              <a:ext cx="2831662" cy="367200"/>
+              <a:chOff x="2500453" y="1274905"/>
+              <a:chExt cx="2831662" cy="367200"/>
+            </a:xfrm>
+          </p:grpSpPr>
+          <p:pic>
+            <p:nvPicPr>
+              <p:cNvPr id="111" name="Picture 4">
+                <a:extLst>
+                  <a:ext uri="{FF2B5EF4-FFF2-40B4-BE49-F238E27FC236}">
+                    <a16:creationId xmlns:a16="http://schemas.microsoft.com/office/drawing/2014/main" id="{10831D75-38E4-EB09-9600-0BD51F6BB530}"/>
+                  </a:ext>
+                </a:extLst>
+              </p:cNvPr>
+              <p:cNvPicPr>
+                <a:picLocks noChangeArrowheads="1"/>
+              </p:cNvPicPr>
+              <p:nvPr/>
+            </p:nvPicPr>
+            <p:blipFill rotWithShape="1">
+              <a:blip r:embed="rId2">
+                <a:clrChange>
+                  <a:clrFrom>
+                    <a:srgbClr val="000000"/>
+                  </a:clrFrom>
+                  <a:clrTo>
+                    <a:srgbClr val="000000">
+                      <a:alpha val="0"/>
+                    </a:srgbClr>
+                  </a:clrTo>
+                </a:clrChange>
+                <a:extLst>
+                  <a:ext uri="{28A0092B-C50C-407E-A947-70E740481C1C}">
+                    <a14:useLocalDpi xmlns:a14="http://schemas.microsoft.com/office/drawing/2010/main" val="0"/>
+                  </a:ext>
+                </a:extLst>
+              </a:blip>
+              <a:srcRect l="39323" t="43581" r="59826" b="39566"/>
+              <a:stretch/>
+            </p:blipFill>
+            <p:spPr bwMode="auto">
+              <a:xfrm>
+                <a:off x="2500453" y="1274905"/>
+                <a:ext cx="36000" cy="367200"/>
+              </a:xfrm>
+              <a:prstGeom prst="rect">
+                <a:avLst/>
+              </a:prstGeom>
+              <a:noFill/>
+              <a:extLst>
+                <a:ext uri="{909E8E84-426E-40DD-AFC4-6F175D3DCCD1}">
+                  <a14:hiddenFill xmlns:a14="http://schemas.microsoft.com/office/drawing/2010/main">
+                    <a:solidFill>
+                      <a:srgbClr val="FFFFFF"/>
+                    </a:solidFill>
+                  </a14:hiddenFill>
+                </a:ext>
+              </a:extLst>
+            </p:spPr>
+          </p:pic>
+          <p:grpSp>
+            <p:nvGrpSpPr>
+              <p:cNvPr id="112" name="그룹 111">
+                <a:extLst>
+                  <a:ext uri="{FF2B5EF4-FFF2-40B4-BE49-F238E27FC236}">
+                    <a16:creationId xmlns:a16="http://schemas.microsoft.com/office/drawing/2014/main" id="{4F4E7A64-B022-C937-AA20-5570323E7FB1}"/>
+                  </a:ext>
+                </a:extLst>
+              </p:cNvPr>
+              <p:cNvGrpSpPr/>
+              <p:nvPr/>
+            </p:nvGrpSpPr>
+            <p:grpSpPr>
+              <a:xfrm>
+                <a:off x="2536453" y="1287843"/>
+                <a:ext cx="2795662" cy="343894"/>
+                <a:chOff x="4774676" y="2919518"/>
+                <a:chExt cx="2734338" cy="336351"/>
+              </a:xfrm>
+            </p:grpSpPr>
+            <p:sp>
+              <p:nvSpPr>
+                <p:cNvPr id="114" name="직사각형 113">
+                  <a:extLst>
+                    <a:ext uri="{FF2B5EF4-FFF2-40B4-BE49-F238E27FC236}">
+                      <a16:creationId xmlns:a16="http://schemas.microsoft.com/office/drawing/2014/main" id="{66CA6A73-B786-5165-6AD2-3102F26AD6AD}"/>
+                    </a:ext>
+                  </a:extLst>
+                </p:cNvPr>
+                <p:cNvSpPr>
+                  <a:spLocks/>
+                </p:cNvSpPr>
+                <p:nvPr/>
+              </p:nvSpPr>
+              <p:spPr>
+                <a:xfrm>
+                  <a:off x="4774676" y="2919518"/>
+                  <a:ext cx="2734338" cy="336351"/>
+                </a:xfrm>
+                <a:prstGeom prst="rect">
+                  <a:avLst/>
+                </a:prstGeom>
+                <a:gradFill flip="none" rotWithShape="1">
+                  <a:gsLst>
+                    <a:gs pos="59000">
+                      <a:srgbClr val="1A1810">
+                        <a:alpha val="70000"/>
+                      </a:srgbClr>
+                    </a:gs>
+                    <a:gs pos="3000">
+                      <a:srgbClr val="1A1810">
+                        <a:alpha val="90000"/>
+                      </a:srgbClr>
+                    </a:gs>
+                    <a:gs pos="100000">
+                      <a:srgbClr val="1A1810">
+                        <a:alpha val="0"/>
+                      </a:srgbClr>
+                    </a:gs>
+                  </a:gsLst>
+                  <a:lin ang="0" scaled="1"/>
+                  <a:tileRect/>
+                </a:gradFill>
+                <a:ln>
+                  <a:noFill/>
+                </a:ln>
+                <a:effectLst/>
+              </p:spPr>
+              <p:style>
+                <a:lnRef idx="2">
+                  <a:schemeClr val="accent1">
+                    <a:shade val="15000"/>
+                  </a:schemeClr>
+                </a:lnRef>
+                <a:fillRef idx="1">
+                  <a:schemeClr val="accent1"/>
+                </a:fillRef>
+                <a:effectRef idx="0">
+                  <a:schemeClr val="accent1"/>
+                </a:effectRef>
+                <a:fontRef idx="minor">
+                  <a:schemeClr val="lt1"/>
+                </a:fontRef>
+              </p:style>
+              <p:txBody>
+                <a:bodyPr rtlCol="0" anchor="ctr"/>
+                <a:lstStyle/>
+                <a:p>
+                  <a:pPr algn="ctr"/>
+                  <a:endParaRPr lang="ko-KR" altLang="en-US" dirty="0"/>
+                </a:p>
+              </p:txBody>
+            </p:sp>
+            <p:cxnSp>
+              <p:nvCxnSpPr>
+                <p:cNvPr id="115" name="직선 연결선 114">
+                  <a:extLst>
+                    <a:ext uri="{FF2B5EF4-FFF2-40B4-BE49-F238E27FC236}">
+                      <a16:creationId xmlns:a16="http://schemas.microsoft.com/office/drawing/2014/main" id="{A85BA55A-3D24-297C-3B45-90550B4B6F68}"/>
+                    </a:ext>
+                  </a:extLst>
+                </p:cNvPr>
+                <p:cNvCxnSpPr>
+                  <a:cxnSpLocks/>
+                </p:cNvCxnSpPr>
+                <p:nvPr/>
+              </p:nvCxnSpPr>
+              <p:spPr>
+                <a:xfrm flipH="1">
+                  <a:off x="4774676" y="3255869"/>
+                  <a:ext cx="2734338" cy="0"/>
+                </a:xfrm>
+                <a:prstGeom prst="line">
+                  <a:avLst/>
+                </a:prstGeom>
+                <a:ln>
+                  <a:gradFill flip="none" rotWithShape="1">
+                    <a:gsLst>
+                      <a:gs pos="0">
+                        <a:srgbClr val="33332B"/>
+                      </a:gs>
+                      <a:gs pos="31000">
+                        <a:srgbClr val="33332B">
+                          <a:alpha val="70000"/>
+                        </a:srgbClr>
+                      </a:gs>
+                      <a:gs pos="54000">
+                        <a:srgbClr val="33332B">
+                          <a:alpha val="30000"/>
+                        </a:srgbClr>
+                      </a:gs>
+                      <a:gs pos="100000">
+                        <a:srgbClr val="33332B">
+                          <a:alpha val="0"/>
+                        </a:srgbClr>
+                      </a:gs>
+                    </a:gsLst>
+                    <a:lin ang="10800000" scaled="1"/>
+                    <a:tileRect/>
+                  </a:gradFill>
+                </a:ln>
+              </p:spPr>
+              <p:style>
+                <a:lnRef idx="2">
+                  <a:schemeClr val="accent1"/>
+                </a:lnRef>
+                <a:fillRef idx="0">
+                  <a:schemeClr val="accent1"/>
+                </a:fillRef>
+                <a:effectRef idx="1">
+                  <a:schemeClr val="accent1"/>
+                </a:effectRef>
+                <a:fontRef idx="minor">
+                  <a:schemeClr val="tx1"/>
+                </a:fontRef>
+              </p:style>
+            </p:cxnSp>
+            <p:cxnSp>
+              <p:nvCxnSpPr>
+                <p:cNvPr id="116" name="직선 연결선 115">
+                  <a:extLst>
+                    <a:ext uri="{FF2B5EF4-FFF2-40B4-BE49-F238E27FC236}">
+                      <a16:creationId xmlns:a16="http://schemas.microsoft.com/office/drawing/2014/main" id="{2CD6E9FC-7FA2-2324-0F23-051A560D399A}"/>
+                    </a:ext>
+                  </a:extLst>
+                </p:cNvPr>
+                <p:cNvCxnSpPr>
+                  <a:cxnSpLocks/>
+                </p:cNvCxnSpPr>
+                <p:nvPr/>
+              </p:nvCxnSpPr>
+              <p:spPr>
+                <a:xfrm flipH="1">
+                  <a:off x="4774676" y="2919518"/>
+                  <a:ext cx="2734338" cy="0"/>
+                </a:xfrm>
+                <a:prstGeom prst="line">
+                  <a:avLst/>
+                </a:prstGeom>
+                <a:ln>
+                  <a:gradFill flip="none" rotWithShape="1">
+                    <a:gsLst>
+                      <a:gs pos="0">
+                        <a:srgbClr val="33332B"/>
+                      </a:gs>
+                      <a:gs pos="31000">
+                        <a:srgbClr val="33332B">
+                          <a:alpha val="70000"/>
+                        </a:srgbClr>
+                      </a:gs>
+                      <a:gs pos="54000">
+                        <a:srgbClr val="33332B">
+                          <a:alpha val="30000"/>
+                        </a:srgbClr>
+                      </a:gs>
+                      <a:gs pos="100000">
+                        <a:srgbClr val="33332B">
+                          <a:alpha val="0"/>
+                        </a:srgbClr>
+                      </a:gs>
+                    </a:gsLst>
+                    <a:lin ang="10800000" scaled="1"/>
+                    <a:tileRect/>
+                  </a:gradFill>
+                </a:ln>
+              </p:spPr>
+              <p:style>
+                <a:lnRef idx="2">
+                  <a:schemeClr val="accent1"/>
+                </a:lnRef>
+                <a:fillRef idx="0">
+                  <a:schemeClr val="accent1"/>
+                </a:fillRef>
+                <a:effectRef idx="1">
+                  <a:schemeClr val="accent1"/>
+                </a:effectRef>
+                <a:fontRef idx="minor">
+                  <a:schemeClr val="tx1"/>
+                </a:fontRef>
+              </p:style>
+            </p:cxnSp>
+          </p:grpSp>
+          <p:sp>
+            <p:nvSpPr>
+              <p:cNvPr id="113" name="TextBox 112">
+                <a:extLst>
+                  <a:ext uri="{FF2B5EF4-FFF2-40B4-BE49-F238E27FC236}">
+                    <a16:creationId xmlns:a16="http://schemas.microsoft.com/office/drawing/2014/main" id="{016AD2FD-2D21-C430-DBF8-D5AFCB8E7EE6}"/>
+                  </a:ext>
+                </a:extLst>
+              </p:cNvPr>
+              <p:cNvSpPr txBox="1"/>
+              <p:nvPr/>
+            </p:nvSpPr>
+            <p:spPr>
+              <a:xfrm>
+                <a:off x="2554184" y="1328985"/>
+                <a:ext cx="760144" cy="261610"/>
+              </a:xfrm>
+              <a:prstGeom prst="rect">
+                <a:avLst/>
+              </a:prstGeom>
+              <a:noFill/>
+            </p:spPr>
+            <p:txBody>
+              <a:bodyPr wrap="none" rtlCol="0">
+                <a:spAutoFit/>
+              </a:bodyPr>
+              <a:lstStyle/>
+              <a:p>
+                <a:r>
+                  <a:rPr lang="en-US" altLang="ko-KR" sz="1100" dirty="0">
+                    <a:solidFill>
+                      <a:schemeClr val="bg1"/>
+                    </a:solidFill>
+                    <a:effectLst>
+                      <a:glow rad="101600">
+                        <a:schemeClr val="tx1">
+                          <a:alpha val="60000"/>
+                        </a:schemeClr>
+                      </a:glow>
+                    </a:effectLst>
+                    <a:latin typeface="넥슨Lv1고딕 Bold" panose="00000800000000000000" pitchFamily="2" charset="-127"/>
+                    <a:ea typeface="넥슨Lv1고딕 Bold" panose="00000800000000000000" pitchFamily="2" charset="-127"/>
+                  </a:rPr>
+                  <a:t>‘</a:t>
+                </a:r>
+                <a:r>
+                  <a:rPr lang="ko-KR" altLang="en-US" sz="1100" dirty="0">
+                    <a:solidFill>
+                      <a:schemeClr val="bg1"/>
+                    </a:solidFill>
+                    <a:effectLst>
+                      <a:glow rad="101600">
+                        <a:schemeClr val="tx1">
+                          <a:alpha val="60000"/>
+                        </a:schemeClr>
+                      </a:glow>
+                    </a:effectLst>
+                    <a:latin typeface="넥슨Lv1고딕 Bold" panose="00000800000000000000" pitchFamily="2" charset="-127"/>
+                    <a:ea typeface="넥슨Lv1고딕 Bold" panose="00000800000000000000" pitchFamily="2" charset="-127"/>
+                  </a:rPr>
+                  <a:t>전회</a:t>
+                </a:r>
+                <a:r>
+                  <a:rPr lang="en-US" altLang="ko-KR" sz="1100" dirty="0">
+                    <a:solidFill>
+                      <a:schemeClr val="bg1"/>
+                    </a:solidFill>
+                    <a:effectLst>
+                      <a:glow rad="101600">
+                        <a:schemeClr val="tx1">
+                          <a:alpha val="60000"/>
+                        </a:schemeClr>
+                      </a:glow>
+                    </a:effectLst>
+                    <a:latin typeface="넥슨Lv1고딕 Bold" panose="00000800000000000000" pitchFamily="2" charset="-127"/>
+                    <a:ea typeface="넥슨Lv1고딕 Bold" panose="00000800000000000000" pitchFamily="2" charset="-127"/>
+                  </a:rPr>
+                  <a:t>’ </a:t>
+                </a:r>
+                <a:r>
+                  <a:rPr lang="ko-KR" altLang="en-US" sz="1100" dirty="0">
+                    <a:solidFill>
+                      <a:schemeClr val="bg1"/>
+                    </a:solidFill>
+                    <a:effectLst>
+                      <a:glow rad="101600">
+                        <a:schemeClr val="tx1">
+                          <a:alpha val="60000"/>
+                        </a:schemeClr>
+                      </a:glow>
+                    </a:effectLst>
+                    <a:latin typeface="넥슨Lv1고딕 Bold" panose="00000800000000000000" pitchFamily="2" charset="-127"/>
+                    <a:ea typeface="넥슨Lv1고딕 Bold" panose="00000800000000000000" pitchFamily="2" charset="-127"/>
+                  </a:rPr>
+                  <a:t>란</a:t>
+                </a:r>
+                <a:r>
+                  <a:rPr lang="en-US" altLang="ko-KR" sz="1100" dirty="0">
+                    <a:solidFill>
+                      <a:schemeClr val="bg1"/>
+                    </a:solidFill>
+                    <a:effectLst>
+                      <a:glow rad="101600">
+                        <a:schemeClr val="tx1">
+                          <a:alpha val="60000"/>
+                        </a:schemeClr>
+                      </a:glow>
+                    </a:effectLst>
+                    <a:latin typeface="넥슨Lv1고딕 Bold" panose="00000800000000000000" pitchFamily="2" charset="-127"/>
+                    <a:ea typeface="넥슨Lv1고딕 Bold" panose="00000800000000000000" pitchFamily="2" charset="-127"/>
+                  </a:rPr>
+                  <a:t>?</a:t>
+                </a:r>
+                <a:endParaRPr lang="ko-KR" altLang="en-US" sz="1100" dirty="0">
                   <a:solidFill>
                     <a:schemeClr val="bg1"/>
                   </a:solidFill>
@@ -14694,21 +16852,20 @@
                       </a:schemeClr>
                     </a:glow>
                   </a:effectLst>
-                  <a:latin typeface="나눔고딕" panose="020D0604000000000000" pitchFamily="50" charset="-127"/>
-                  <a:ea typeface="나눔고딕" panose="020D0604000000000000" pitchFamily="50" charset="-127"/>
-                </a:rPr>
-                <a:t>단어의 뜻</a:t>
-              </a:r>
-            </a:p>
-          </p:txBody>
-        </p:sp>
+                  <a:latin typeface="넥슨Lv1고딕 Bold" panose="00000800000000000000" pitchFamily="2" charset="-127"/>
+                  <a:ea typeface="넥슨Lv1고딕 Bold" panose="00000800000000000000" pitchFamily="2" charset="-127"/>
+                </a:endParaRPr>
+              </a:p>
+            </p:txBody>
+          </p:sp>
+        </p:grpSp>
       </p:grpSp>
       <p:grpSp>
         <p:nvGrpSpPr>
-          <p:cNvPr id="57" name="그룹 56">
+          <p:cNvPr id="38" name="그룹 37">
             <a:extLst>
               <a:ext uri="{FF2B5EF4-FFF2-40B4-BE49-F238E27FC236}">
-                <a16:creationId xmlns:a16="http://schemas.microsoft.com/office/drawing/2014/main" id="{D312A4AB-749F-0625-1E9D-8663E0614CD8}"/>
+                <a16:creationId xmlns:a16="http://schemas.microsoft.com/office/drawing/2014/main" id="{FB6BF6B1-672D-7513-E7CF-D1251AE60587}"/>
               </a:ext>
             </a:extLst>
           </p:cNvPr>
@@ -14717,18 +16874,18 @@
         </p:nvGrpSpPr>
         <p:grpSpPr>
           <a:xfrm>
-            <a:off x="2046647" y="1478879"/>
-            <a:ext cx="5346110" cy="524188"/>
-            <a:chOff x="2218168" y="1478879"/>
-            <a:chExt cx="5346110" cy="524188"/>
+            <a:off x="1991018" y="4124931"/>
+            <a:ext cx="4273336" cy="1032467"/>
+            <a:chOff x="2005200" y="4204555"/>
+            <a:chExt cx="4273336" cy="1032467"/>
           </a:xfrm>
         </p:grpSpPr>
         <p:sp>
           <p:nvSpPr>
-            <p:cNvPr id="6" name="TextBox 5">
+            <p:cNvPr id="5" name="TextBox 4">
               <a:extLst>
                 <a:ext uri="{FF2B5EF4-FFF2-40B4-BE49-F238E27FC236}">
-                  <a16:creationId xmlns:a16="http://schemas.microsoft.com/office/drawing/2014/main" id="{E3EDE4F6-7C0B-8FBF-09C2-E400C57E9041}"/>
+                  <a16:creationId xmlns:a16="http://schemas.microsoft.com/office/drawing/2014/main" id="{B9D3A2C5-FC17-CDE0-EEAE-3E7ACABB7FC5}"/>
                 </a:ext>
               </a:extLst>
             </p:cNvPr>
@@ -14737,8 +16894,8 @@
           </p:nvSpPr>
           <p:spPr>
             <a:xfrm>
-              <a:off x="3844990" y="1602700"/>
-              <a:ext cx="3719288" cy="246221"/>
+              <a:off x="2217809" y="4683024"/>
+              <a:ext cx="4060727" cy="553998"/>
             </a:xfrm>
             <a:prstGeom prst="rect">
               <a:avLst/>
@@ -14751,110 +16908,66 @@
             </a:bodyPr>
             <a:lstStyle/>
             <a:p>
-              <a:r>
-                <a:rPr lang="en-US" altLang="ko-KR" sz="1000" dirty="0">
-                  <a:solidFill>
-                    <a:schemeClr val="bg1"/>
-                  </a:solidFill>
-                  <a:latin typeface="나눔고딕" panose="020D0604000000000000" pitchFamily="50" charset="-127"/>
-                  <a:ea typeface="나눔고딕" panose="020D0604000000000000" pitchFamily="50" charset="-127"/>
-                </a:rPr>
-                <a:t>: </a:t>
-              </a:r>
+              <a:pPr marL="171450" indent="-171450">
+                <a:buFontTx/>
+                <a:buChar char="-"/>
+              </a:pPr>
               <a:r>
                 <a:rPr lang="ko-KR" altLang="en-US" sz="1000" dirty="0">
                   <a:solidFill>
                     <a:schemeClr val="bg1"/>
                   </a:solidFill>
-                  <a:latin typeface="나눔고딕" panose="020D0604000000000000" pitchFamily="50" charset="-127"/>
-                  <a:ea typeface="나눔고딕" panose="020D0604000000000000" pitchFamily="50" charset="-127"/>
+                  <a:latin typeface="넥슨Lv1고딕" panose="00000500000000000000" pitchFamily="2" charset="-127"/>
+                  <a:ea typeface="넥슨Lv1고딕" panose="00000500000000000000" pitchFamily="2" charset="-127"/>
                 </a:rPr>
-                <a:t>전회는 </a:t>
+                <a:t>전투 상황에서 유저에게 전략적 선택을 제공합니다</a:t>
               </a:r>
               <a:r>
                 <a:rPr lang="en-US" altLang="ko-KR" sz="1000" dirty="0">
                   <a:solidFill>
                     <a:schemeClr val="bg1"/>
                   </a:solidFill>
-                  <a:latin typeface="나눔고딕" panose="020D0604000000000000" pitchFamily="50" charset="-127"/>
-                  <a:ea typeface="나눔고딕" panose="020D0604000000000000" pitchFamily="50" charset="-127"/>
+                  <a:latin typeface="넥슨Lv1고딕" panose="00000500000000000000" pitchFamily="2" charset="-127"/>
+                  <a:ea typeface="넥슨Lv1고딕" panose="00000500000000000000" pitchFamily="2" charset="-127"/>
                 </a:rPr>
-                <a:t>‘</a:t>
+                <a:t>.</a:t>
               </a:r>
+            </a:p>
+            <a:p>
+              <a:pPr marL="171450" indent="-171450">
+                <a:buFontTx/>
+                <a:buChar char="-"/>
+              </a:pPr>
+              <a:endParaRPr lang="en-US" altLang="ko-KR" sz="1000" dirty="0">
+                <a:solidFill>
+                  <a:schemeClr val="bg1"/>
+                </a:solidFill>
+                <a:latin typeface="넥슨Lv1고딕" panose="00000500000000000000" pitchFamily="2" charset="-127"/>
+                <a:ea typeface="넥슨Lv1고딕" panose="00000500000000000000" pitchFamily="2" charset="-127"/>
+              </a:endParaRPr>
+            </a:p>
+            <a:p>
+              <a:pPr marL="171450" indent="-171450">
+                <a:buFontTx/>
+                <a:buChar char="-"/>
+              </a:pPr>
               <a:r>
                 <a:rPr lang="ko-KR" altLang="en-US" sz="1000" dirty="0">
                   <a:solidFill>
                     <a:schemeClr val="bg1"/>
                   </a:solidFill>
-                  <a:latin typeface="나눔고딕" panose="020D0604000000000000" pitchFamily="50" charset="-127"/>
-                  <a:ea typeface="나눔고딕" panose="020D0604000000000000" pitchFamily="50" charset="-127"/>
+                  <a:latin typeface="넥슨Lv1고딕" panose="00000500000000000000" pitchFamily="2" charset="-127"/>
+                  <a:ea typeface="넥슨Lv1고딕" panose="00000500000000000000" pitchFamily="2" charset="-127"/>
                 </a:rPr>
-                <a:t>전쟁의 재</a:t>
+                <a:t>다양한 무기와 전회의 조합으로 반복 플레이의 지루함을 덜어줍니다</a:t>
               </a:r>
               <a:r>
                 <a:rPr lang="en-US" altLang="ko-KR" sz="1000" dirty="0">
                   <a:solidFill>
                     <a:schemeClr val="bg1"/>
                   </a:solidFill>
-                  <a:latin typeface="나눔고딕" panose="020D0604000000000000" pitchFamily="50" charset="-127"/>
-                  <a:ea typeface="나눔고딕" panose="020D0604000000000000" pitchFamily="50" charset="-127"/>
-                </a:rPr>
-                <a:t>’</a:t>
-              </a:r>
-              <a:r>
-                <a:rPr lang="ko-KR" altLang="en-US" sz="1000" dirty="0">
-                  <a:solidFill>
-                    <a:schemeClr val="bg1"/>
-                  </a:solidFill>
-                  <a:latin typeface="나눔고딕" panose="020D0604000000000000" pitchFamily="50" charset="-127"/>
-                  <a:ea typeface="나눔고딕" panose="020D0604000000000000" pitchFamily="50" charset="-127"/>
-                </a:rPr>
-                <a:t>라는 뜻으로 영어로는 </a:t>
-              </a:r>
-              <a:r>
-                <a:rPr lang="en-US" altLang="ko-KR" sz="1000" dirty="0">
-                  <a:solidFill>
-                    <a:schemeClr val="bg1"/>
-                  </a:solidFill>
-                  <a:effectLst>
-                    <a:glow rad="101600">
-                      <a:schemeClr val="tx1">
-                        <a:alpha val="60000"/>
-                      </a:schemeClr>
-                    </a:glow>
-                  </a:effectLst>
-                  <a:latin typeface="나눔고딕" panose="020D0604000000000000" pitchFamily="50" charset="-127"/>
-                  <a:ea typeface="나눔고딕" panose="020D0604000000000000" pitchFamily="50" charset="-127"/>
-                </a:rPr>
-                <a:t>‘</a:t>
-              </a:r>
-              <a:r>
-                <a:rPr lang="en-US" altLang="ko-KR" sz="1000" dirty="0">
-                  <a:solidFill>
-                    <a:schemeClr val="bg1"/>
-                  </a:solidFill>
-                  <a:latin typeface="나눔고딕" panose="020D0604000000000000" pitchFamily="50" charset="-127"/>
-                  <a:ea typeface="나눔고딕" panose="020D0604000000000000" pitchFamily="50" charset="-127"/>
-                </a:rPr>
-                <a:t>Ashes Of War’ </a:t>
-              </a:r>
-              <a:r>
-                <a:rPr lang="ko-KR" altLang="en-US" sz="1000" dirty="0">
-                  <a:solidFill>
-                    <a:schemeClr val="bg1"/>
-                  </a:solidFill>
-                  <a:latin typeface="나눔고딕" panose="020D0604000000000000" pitchFamily="50" charset="-127"/>
-                  <a:ea typeface="나눔고딕" panose="020D0604000000000000" pitchFamily="50" charset="-127"/>
-                </a:rPr>
-                <a:t>입니다</a:t>
-              </a:r>
-              <a:r>
-                <a:rPr lang="en-US" altLang="ko-KR" sz="1000" dirty="0">
-                  <a:solidFill>
-                    <a:schemeClr val="bg1"/>
-                  </a:solidFill>
-                  <a:latin typeface="나눔고딕" panose="020D0604000000000000" pitchFamily="50" charset="-127"/>
-                  <a:ea typeface="나눔고딕" panose="020D0604000000000000" pitchFamily="50" charset="-127"/>
+                  <a:latin typeface="넥슨Lv1고딕" panose="00000500000000000000" pitchFamily="2" charset="-127"/>
+                  <a:ea typeface="넥슨Lv1고딕" panose="00000500000000000000" pitchFamily="2" charset="-127"/>
                 </a:rPr>
                 <a:t>.</a:t>
               </a:r>
@@ -14863,10 +16976,10 @@
         </p:sp>
         <p:grpSp>
           <p:nvGrpSpPr>
-            <p:cNvPr id="47" name="그룹 46">
+            <p:cNvPr id="13" name="그룹 12">
               <a:extLst>
                 <a:ext uri="{FF2B5EF4-FFF2-40B4-BE49-F238E27FC236}">
-                  <a16:creationId xmlns:a16="http://schemas.microsoft.com/office/drawing/2014/main" id="{7855795D-BB07-50D5-DF98-E5022039B450}"/>
+                  <a16:creationId xmlns:a16="http://schemas.microsoft.com/office/drawing/2014/main" id="{07111A2E-B8E4-F431-67EC-044CD4A42A74}"/>
                 </a:ext>
               </a:extLst>
             </p:cNvPr>
@@ -14875,18 +16988,73 @@
           </p:nvGrpSpPr>
           <p:grpSpPr>
             <a:xfrm>
-              <a:off x="2218168" y="1478879"/>
-              <a:ext cx="1562298" cy="524188"/>
-              <a:chOff x="2218168" y="1511334"/>
-              <a:chExt cx="1562298" cy="524188"/>
+              <a:off x="2005200" y="4204555"/>
+              <a:ext cx="2831662" cy="367200"/>
+              <a:chOff x="2500453" y="1274905"/>
+              <a:chExt cx="2831662" cy="367200"/>
             </a:xfrm>
           </p:grpSpPr>
+          <p:pic>
+            <p:nvPicPr>
+              <p:cNvPr id="14" name="Picture 4">
+                <a:extLst>
+                  <a:ext uri="{FF2B5EF4-FFF2-40B4-BE49-F238E27FC236}">
+                    <a16:creationId xmlns:a16="http://schemas.microsoft.com/office/drawing/2014/main" id="{4F87904E-7B29-4C03-97AF-056CAEAD81DC}"/>
+                  </a:ext>
+                </a:extLst>
+              </p:cNvPr>
+              <p:cNvPicPr>
+                <a:picLocks noChangeArrowheads="1"/>
+              </p:cNvPicPr>
+              <p:nvPr/>
+            </p:nvPicPr>
+            <p:blipFill rotWithShape="1">
+              <a:blip r:embed="rId2">
+                <a:clrChange>
+                  <a:clrFrom>
+                    <a:srgbClr val="000000"/>
+                  </a:clrFrom>
+                  <a:clrTo>
+                    <a:srgbClr val="000000">
+                      <a:alpha val="0"/>
+                    </a:srgbClr>
+                  </a:clrTo>
+                </a:clrChange>
+                <a:extLst>
+                  <a:ext uri="{28A0092B-C50C-407E-A947-70E740481C1C}">
+                    <a14:useLocalDpi xmlns:a14="http://schemas.microsoft.com/office/drawing/2010/main" val="0"/>
+                  </a:ext>
+                </a:extLst>
+              </a:blip>
+              <a:srcRect l="39323" t="43581" r="59826" b="39566"/>
+              <a:stretch/>
+            </p:blipFill>
+            <p:spPr bwMode="auto">
+              <a:xfrm>
+                <a:off x="2500453" y="1274905"/>
+                <a:ext cx="36000" cy="367200"/>
+              </a:xfrm>
+              <a:prstGeom prst="rect">
+                <a:avLst/>
+              </a:prstGeom>
+              <a:noFill/>
+              <a:extLst>
+                <a:ext uri="{909E8E84-426E-40DD-AFC4-6F175D3DCCD1}">
+                  <a14:hiddenFill xmlns:a14="http://schemas.microsoft.com/office/drawing/2010/main">
+                    <a:solidFill>
+                      <a:srgbClr val="FFFFFF"/>
+                    </a:solidFill>
+                  </a14:hiddenFill>
+                </a:ext>
+              </a:extLst>
+            </p:spPr>
+          </p:pic>
           <p:grpSp>
             <p:nvGrpSpPr>
-              <p:cNvPr id="46" name="그룹 45">
+              <p:cNvPr id="15" name="그룹 14">
                 <a:extLst>
                   <a:ext uri="{FF2B5EF4-FFF2-40B4-BE49-F238E27FC236}">
-                    <a16:creationId xmlns:a16="http://schemas.microsoft.com/office/drawing/2014/main" id="{9FCCAD22-BB3A-7943-E696-7A6224ED4131}"/>
+                    <a16:creationId xmlns:a16="http://schemas.microsoft.com/office/drawing/2014/main" id="{A11E501F-8EF7-EA60-9484-02975461BC85}"/>
                   </a:ext>
                 </a:extLst>
               </p:cNvPr>
@@ -14895,903 +17063,263 @@
             </p:nvGrpSpPr>
             <p:grpSpPr>
               <a:xfrm>
-                <a:off x="3257566" y="1511334"/>
-                <a:ext cx="522900" cy="524188"/>
-                <a:chOff x="3257566" y="1511334"/>
-                <a:chExt cx="522900" cy="524188"/>
+                <a:off x="2536453" y="1287843"/>
+                <a:ext cx="2795662" cy="343894"/>
+                <a:chOff x="4774676" y="2919518"/>
+                <a:chExt cx="2734338" cy="336351"/>
               </a:xfrm>
             </p:grpSpPr>
             <p:sp>
               <p:nvSpPr>
-                <p:cNvPr id="39" name="TextBox 38">
+                <p:cNvPr id="17" name="직사각형 16">
                   <a:extLst>
                     <a:ext uri="{FF2B5EF4-FFF2-40B4-BE49-F238E27FC236}">
-                      <a16:creationId xmlns:a16="http://schemas.microsoft.com/office/drawing/2014/main" id="{2F91A618-87A0-7C27-4B26-9AF54309C9D7}"/>
+                      <a16:creationId xmlns:a16="http://schemas.microsoft.com/office/drawing/2014/main" id="{2742A239-408E-5BBF-97A8-02E735D15BFF}"/>
                     </a:ext>
                   </a:extLst>
                 </p:cNvPr>
-                <p:cNvSpPr txBox="1"/>
+                <p:cNvSpPr>
+                  <a:spLocks/>
+                </p:cNvSpPr>
                 <p:nvPr/>
               </p:nvSpPr>
               <p:spPr>
                 <a:xfrm>
-                  <a:off x="3330503" y="1511334"/>
-                  <a:ext cx="377026" cy="338554"/>
+                  <a:off x="4774676" y="2919518"/>
+                  <a:ext cx="2734338" cy="336351"/>
                 </a:xfrm>
                 <a:prstGeom prst="rect">
                   <a:avLst/>
                 </a:prstGeom>
-                <a:noFill/>
+                <a:gradFill flip="none" rotWithShape="1">
+                  <a:gsLst>
+                    <a:gs pos="59000">
+                      <a:srgbClr val="1A1810">
+                        <a:alpha val="70000"/>
+                      </a:srgbClr>
+                    </a:gs>
+                    <a:gs pos="3000">
+                      <a:srgbClr val="1A1810">
+                        <a:alpha val="90000"/>
+                      </a:srgbClr>
+                    </a:gs>
+                    <a:gs pos="100000">
+                      <a:srgbClr val="1A1810">
+                        <a:alpha val="0"/>
+                      </a:srgbClr>
+                    </a:gs>
+                  </a:gsLst>
+                  <a:lin ang="0" scaled="1"/>
+                  <a:tileRect/>
+                </a:gradFill>
+                <a:ln>
+                  <a:noFill/>
+                </a:ln>
+                <a:effectLst/>
               </p:spPr>
+              <p:style>
+                <a:lnRef idx="2">
+                  <a:schemeClr val="accent1">
+                    <a:shade val="15000"/>
+                  </a:schemeClr>
+                </a:lnRef>
+                <a:fillRef idx="1">
+                  <a:schemeClr val="accent1"/>
+                </a:fillRef>
+                <a:effectRef idx="0">
+                  <a:schemeClr val="accent1"/>
+                </a:effectRef>
+                <a:fontRef idx="minor">
+                  <a:schemeClr val="lt1"/>
+                </a:fontRef>
+              </p:style>
               <p:txBody>
-                <a:bodyPr wrap="none" rtlCol="0">
-                  <a:spAutoFit/>
-                </a:bodyPr>
+                <a:bodyPr rtlCol="0" anchor="ctr"/>
                 <a:lstStyle/>
                 <a:p>
-                  <a:r>
-                    <a:rPr lang="ko-KR" altLang="en-US" sz="1600" dirty="0">
-                      <a:solidFill>
-                        <a:schemeClr val="bg1"/>
-                      </a:solidFill>
-                      <a:latin typeface="나눔고딕" panose="020D0604000000000000" pitchFamily="50" charset="-127"/>
-                      <a:ea typeface="나눔고딕" panose="020D0604000000000000" pitchFamily="50" charset="-127"/>
-                    </a:rPr>
-                    <a:t>灰</a:t>
-                  </a:r>
-                  <a:endParaRPr lang="en-US" altLang="ko-KR" sz="1600" dirty="0">
-                    <a:solidFill>
-                      <a:schemeClr val="bg1"/>
-                    </a:solidFill>
-                    <a:latin typeface="나눔고딕" panose="020D0604000000000000" pitchFamily="50" charset="-127"/>
-                    <a:ea typeface="나눔고딕" panose="020D0604000000000000" pitchFamily="50" charset="-127"/>
-                  </a:endParaRPr>
+                  <a:pPr algn="ctr"/>
+                  <a:endParaRPr lang="ko-KR" altLang="en-US" dirty="0"/>
                 </a:p>
               </p:txBody>
             </p:sp>
-            <p:sp>
-              <p:nvSpPr>
-                <p:cNvPr id="40" name="TextBox 39">
+            <p:cxnSp>
+              <p:nvCxnSpPr>
+                <p:cNvPr id="18" name="직선 연결선 17">
                   <a:extLst>
                     <a:ext uri="{FF2B5EF4-FFF2-40B4-BE49-F238E27FC236}">
-                      <a16:creationId xmlns:a16="http://schemas.microsoft.com/office/drawing/2014/main" id="{200CC2B1-070A-4BEA-E96B-FB3185B95CEC}"/>
+                      <a16:creationId xmlns:a16="http://schemas.microsoft.com/office/drawing/2014/main" id="{E48C635F-C8CF-249C-47F7-7999FE635CE1}"/>
                     </a:ext>
                   </a:extLst>
                 </p:cNvPr>
-                <p:cNvSpPr txBox="1"/>
+                <p:cNvCxnSpPr>
+                  <a:cxnSpLocks/>
+                </p:cNvCxnSpPr>
                 <p:nvPr/>
-              </p:nvSpPr>
+              </p:nvCxnSpPr>
               <p:spPr>
-                <a:xfrm>
-                  <a:off x="3257566" y="1789301"/>
-                  <a:ext cx="522900" cy="246221"/>
+                <a:xfrm flipH="1">
+                  <a:off x="4774676" y="3255869"/>
+                  <a:ext cx="2734338" cy="0"/>
                 </a:xfrm>
-                <a:prstGeom prst="rect">
+                <a:prstGeom prst="line">
                   <a:avLst/>
                 </a:prstGeom>
-                <a:noFill/>
+                <a:ln>
+                  <a:gradFill flip="none" rotWithShape="1">
+                    <a:gsLst>
+                      <a:gs pos="0">
+                        <a:srgbClr val="33332B"/>
+                      </a:gs>
+                      <a:gs pos="31000">
+                        <a:srgbClr val="33332B">
+                          <a:alpha val="70000"/>
+                        </a:srgbClr>
+                      </a:gs>
+                      <a:gs pos="54000">
+                        <a:srgbClr val="33332B">
+                          <a:alpha val="30000"/>
+                        </a:srgbClr>
+                      </a:gs>
+                      <a:gs pos="100000">
+                        <a:srgbClr val="33332B">
+                          <a:alpha val="0"/>
+                        </a:srgbClr>
+                      </a:gs>
+                    </a:gsLst>
+                    <a:lin ang="10800000" scaled="1"/>
+                    <a:tileRect/>
+                  </a:gradFill>
+                </a:ln>
               </p:spPr>
-              <p:txBody>
-                <a:bodyPr wrap="none" rtlCol="0">
-                  <a:spAutoFit/>
-                </a:bodyPr>
-                <a:lstStyle/>
-                <a:p>
-                  <a:r>
-                    <a:rPr lang="ko-KR" altLang="en-US" sz="1000" dirty="0">
-                      <a:solidFill>
-                        <a:schemeClr val="bg1"/>
-                      </a:solidFill>
-                      <a:latin typeface="나눔고딕" panose="020D0604000000000000" pitchFamily="50" charset="-127"/>
-                      <a:ea typeface="나눔고딕" panose="020D0604000000000000" pitchFamily="50" charset="-127"/>
-                    </a:rPr>
-                    <a:t>재 </a:t>
-                  </a:r>
-                  <a:r>
-                    <a:rPr lang="en-US" altLang="ko-KR" sz="1000" dirty="0">
-                      <a:solidFill>
-                        <a:schemeClr val="bg1"/>
-                      </a:solidFill>
-                      <a:latin typeface="나눔고딕" panose="020D0604000000000000" pitchFamily="50" charset="-127"/>
-                      <a:ea typeface="나눔고딕" panose="020D0604000000000000" pitchFamily="50" charset="-127"/>
-                    </a:rPr>
-                    <a:t>‘</a:t>
-                  </a:r>
-                  <a:r>
-                    <a:rPr lang="ko-KR" altLang="en-US" sz="1000" dirty="0">
-                      <a:solidFill>
-                        <a:schemeClr val="bg1"/>
-                      </a:solidFill>
-                      <a:latin typeface="나눔고딕" panose="020D0604000000000000" pitchFamily="50" charset="-127"/>
-                      <a:ea typeface="나눔고딕" panose="020D0604000000000000" pitchFamily="50" charset="-127"/>
-                    </a:rPr>
-                    <a:t>회</a:t>
-                  </a:r>
-                  <a:r>
-                    <a:rPr lang="en-US" altLang="ko-KR" sz="1000" dirty="0">
-                      <a:solidFill>
-                        <a:schemeClr val="bg1"/>
-                      </a:solidFill>
-                      <a:latin typeface="나눔고딕" panose="020D0604000000000000" pitchFamily="50" charset="-127"/>
-                      <a:ea typeface="나눔고딕" panose="020D0604000000000000" pitchFamily="50" charset="-127"/>
-                    </a:rPr>
-                    <a:t>’</a:t>
-                  </a:r>
-                </a:p>
-              </p:txBody>
-            </p:sp>
+              <p:style>
+                <a:lnRef idx="2">
+                  <a:schemeClr val="accent1"/>
+                </a:lnRef>
+                <a:fillRef idx="0">
+                  <a:schemeClr val="accent1"/>
+                </a:fillRef>
+                <a:effectRef idx="1">
+                  <a:schemeClr val="accent1"/>
+                </a:effectRef>
+                <a:fontRef idx="minor">
+                  <a:schemeClr val="tx1"/>
+                </a:fontRef>
+              </p:style>
+            </p:cxnSp>
+            <p:cxnSp>
+              <p:nvCxnSpPr>
+                <p:cNvPr id="19" name="직선 연결선 18">
+                  <a:extLst>
+                    <a:ext uri="{FF2B5EF4-FFF2-40B4-BE49-F238E27FC236}">
+                      <a16:creationId xmlns:a16="http://schemas.microsoft.com/office/drawing/2014/main" id="{376C0A39-8195-2260-A20D-0F411E951750}"/>
+                    </a:ext>
+                  </a:extLst>
+                </p:cNvPr>
+                <p:cNvCxnSpPr>
+                  <a:cxnSpLocks/>
+                </p:cNvCxnSpPr>
+                <p:nvPr/>
+              </p:nvCxnSpPr>
+              <p:spPr>
+                <a:xfrm flipH="1">
+                  <a:off x="4774676" y="2919518"/>
+                  <a:ext cx="2734338" cy="0"/>
+                </a:xfrm>
+                <a:prstGeom prst="line">
+                  <a:avLst/>
+                </a:prstGeom>
+                <a:ln>
+                  <a:gradFill flip="none" rotWithShape="1">
+                    <a:gsLst>
+                      <a:gs pos="0">
+                        <a:srgbClr val="33332B"/>
+                      </a:gs>
+                      <a:gs pos="31000">
+                        <a:srgbClr val="33332B">
+                          <a:alpha val="70000"/>
+                        </a:srgbClr>
+                      </a:gs>
+                      <a:gs pos="54000">
+                        <a:srgbClr val="33332B">
+                          <a:alpha val="30000"/>
+                        </a:srgbClr>
+                      </a:gs>
+                      <a:gs pos="100000">
+                        <a:srgbClr val="33332B">
+                          <a:alpha val="0"/>
+                        </a:srgbClr>
+                      </a:gs>
+                    </a:gsLst>
+                    <a:lin ang="10800000" scaled="1"/>
+                    <a:tileRect/>
+                  </a:gradFill>
+                </a:ln>
+              </p:spPr>
+              <p:style>
+                <a:lnRef idx="2">
+                  <a:schemeClr val="accent1"/>
+                </a:lnRef>
+                <a:fillRef idx="0">
+                  <a:schemeClr val="accent1"/>
+                </a:fillRef>
+                <a:effectRef idx="1">
+                  <a:schemeClr val="accent1"/>
+                </a:effectRef>
+                <a:fontRef idx="minor">
+                  <a:schemeClr val="tx1"/>
+                </a:fontRef>
+              </p:style>
+            </p:cxnSp>
           </p:grpSp>
-          <p:grpSp>
-            <p:nvGrpSpPr>
-              <p:cNvPr id="45" name="그룹 44">
+          <p:sp>
+            <p:nvSpPr>
+              <p:cNvPr id="16" name="TextBox 15">
                 <a:extLst>
                   <a:ext uri="{FF2B5EF4-FFF2-40B4-BE49-F238E27FC236}">
-                    <a16:creationId xmlns:a16="http://schemas.microsoft.com/office/drawing/2014/main" id="{BB9D5E48-1D18-DB87-9C9A-5539C7D3429E}"/>
+                    <a16:creationId xmlns:a16="http://schemas.microsoft.com/office/drawing/2014/main" id="{F1861849-BF9C-6481-1890-0A4FD7D4F550}"/>
                   </a:ext>
                 </a:extLst>
               </p:cNvPr>
-              <p:cNvGrpSpPr/>
-              <p:nvPr/>
-            </p:nvGrpSpPr>
-            <p:grpSpPr>
-              <a:xfrm>
-                <a:off x="2218168" y="1511334"/>
-                <a:ext cx="643125" cy="524188"/>
-                <a:chOff x="2218168" y="1511334"/>
-                <a:chExt cx="643125" cy="524188"/>
-              </a:xfrm>
-            </p:grpSpPr>
-            <p:sp>
-              <p:nvSpPr>
-                <p:cNvPr id="41" name="TextBox 40">
-                  <a:extLst>
-                    <a:ext uri="{FF2B5EF4-FFF2-40B4-BE49-F238E27FC236}">
-                      <a16:creationId xmlns:a16="http://schemas.microsoft.com/office/drawing/2014/main" id="{0209C594-6FA6-BB46-50E7-30BE71154C0C}"/>
-                    </a:ext>
-                  </a:extLst>
-                </p:cNvPr>
-                <p:cNvSpPr txBox="1"/>
-                <p:nvPr/>
-              </p:nvSpPr>
-              <p:spPr>
-                <a:xfrm>
-                  <a:off x="2351217" y="1511334"/>
-                  <a:ext cx="377026" cy="338554"/>
-                </a:xfrm>
-                <a:prstGeom prst="rect">
-                  <a:avLst/>
-                </a:prstGeom>
-                <a:noFill/>
-              </p:spPr>
-              <p:txBody>
-                <a:bodyPr wrap="none" rtlCol="0">
-                  <a:spAutoFit/>
-                </a:bodyPr>
-                <a:lstStyle/>
-                <a:p>
-                  <a:r>
-                    <a:rPr lang="ko-KR" altLang="en-US" sz="1600" dirty="0">
-                      <a:solidFill>
-                        <a:schemeClr val="bg1"/>
-                      </a:solidFill>
-                      <a:latin typeface="나눔고딕" panose="020D0604000000000000" pitchFamily="50" charset="-127"/>
-                      <a:ea typeface="나눔고딕" panose="020D0604000000000000" pitchFamily="50" charset="-127"/>
-                    </a:rPr>
-                    <a:t>戰</a:t>
-                  </a:r>
-                  <a:endParaRPr lang="en-US" altLang="ko-KR" sz="1600" dirty="0">
-                    <a:solidFill>
-                      <a:schemeClr val="bg1"/>
-                    </a:solidFill>
-                    <a:latin typeface="나눔고딕" panose="020D0604000000000000" pitchFamily="50" charset="-127"/>
-                    <a:ea typeface="나눔고딕" panose="020D0604000000000000" pitchFamily="50" charset="-127"/>
-                  </a:endParaRPr>
-                </a:p>
-              </p:txBody>
-            </p:sp>
-            <p:sp>
-              <p:nvSpPr>
-                <p:cNvPr id="42" name="TextBox 41">
-                  <a:extLst>
-                    <a:ext uri="{FF2B5EF4-FFF2-40B4-BE49-F238E27FC236}">
-                      <a16:creationId xmlns:a16="http://schemas.microsoft.com/office/drawing/2014/main" id="{588E6938-1A75-331B-1A7E-65410361B8C2}"/>
-                    </a:ext>
-                  </a:extLst>
-                </p:cNvPr>
-                <p:cNvSpPr txBox="1"/>
-                <p:nvPr/>
-              </p:nvSpPr>
-              <p:spPr>
-                <a:xfrm>
-                  <a:off x="2218168" y="1789301"/>
-                  <a:ext cx="643125" cy="246221"/>
-                </a:xfrm>
-                <a:prstGeom prst="rect">
-                  <a:avLst/>
-                </a:prstGeom>
-                <a:noFill/>
-              </p:spPr>
-              <p:txBody>
-                <a:bodyPr wrap="none" rtlCol="0">
-                  <a:spAutoFit/>
-                </a:bodyPr>
-                <a:lstStyle/>
-                <a:p>
-                  <a:r>
-                    <a:rPr lang="ko-KR" altLang="en-US" sz="1000" dirty="0">
-                      <a:solidFill>
-                        <a:schemeClr val="bg1"/>
-                      </a:solidFill>
-                      <a:latin typeface="나눔고딕" panose="020D0604000000000000" pitchFamily="50" charset="-127"/>
-                      <a:ea typeface="나눔고딕" panose="020D0604000000000000" pitchFamily="50" charset="-127"/>
-                    </a:rPr>
-                    <a:t>싸움 </a:t>
-                  </a:r>
-                  <a:r>
-                    <a:rPr lang="en-US" altLang="ko-KR" sz="1000" dirty="0">
-                      <a:solidFill>
-                        <a:schemeClr val="bg1"/>
-                      </a:solidFill>
-                      <a:latin typeface="나눔고딕" panose="020D0604000000000000" pitchFamily="50" charset="-127"/>
-                      <a:ea typeface="나눔고딕" panose="020D0604000000000000" pitchFamily="50" charset="-127"/>
-                    </a:rPr>
-                    <a:t>‘</a:t>
-                  </a:r>
-                  <a:r>
-                    <a:rPr lang="ko-KR" altLang="en-US" sz="1000" dirty="0">
-                      <a:solidFill>
-                        <a:schemeClr val="bg1"/>
-                      </a:solidFill>
-                      <a:latin typeface="나눔고딕" panose="020D0604000000000000" pitchFamily="50" charset="-127"/>
-                      <a:ea typeface="나눔고딕" panose="020D0604000000000000" pitchFamily="50" charset="-127"/>
-                    </a:rPr>
-                    <a:t>전</a:t>
-                  </a:r>
-                  <a:r>
-                    <a:rPr lang="en-US" altLang="ko-KR" sz="1000" dirty="0">
-                      <a:solidFill>
-                        <a:schemeClr val="bg1"/>
-                      </a:solidFill>
-                      <a:latin typeface="나눔고딕" panose="020D0604000000000000" pitchFamily="50" charset="-127"/>
-                      <a:ea typeface="나눔고딕" panose="020D0604000000000000" pitchFamily="50" charset="-127"/>
-                    </a:rPr>
-                    <a:t>’</a:t>
-                  </a:r>
-                </a:p>
-              </p:txBody>
-            </p:sp>
-          </p:grpSp>
-          <p:sp>
-            <p:nvSpPr>
-              <p:cNvPr id="43" name="십자형 42">
-                <a:extLst>
-                  <a:ext uri="{FF2B5EF4-FFF2-40B4-BE49-F238E27FC236}">
-                    <a16:creationId xmlns:a16="http://schemas.microsoft.com/office/drawing/2014/main" id="{7432DCB2-AF61-42F3-96A3-0502B4C784D5}"/>
-                  </a:ext>
-                </a:extLst>
-              </p:cNvPr>
-              <p:cNvSpPr/>
+              <p:cNvSpPr txBox="1"/>
               <p:nvPr/>
             </p:nvSpPr>
             <p:spPr>
               <a:xfrm>
-                <a:off x="2931350" y="1680611"/>
-                <a:ext cx="185634" cy="185634"/>
+                <a:off x="2554184" y="1328985"/>
+                <a:ext cx="942887" cy="261610"/>
               </a:xfrm>
-              <a:prstGeom prst="plus">
-                <a:avLst>
-                  <a:gd name="adj" fmla="val 39667"/>
-                </a:avLst>
+              <a:prstGeom prst="rect">
+                <a:avLst/>
               </a:prstGeom>
-              <a:solidFill>
-                <a:schemeClr val="bg1">
-                  <a:lumMod val="50000"/>
-                </a:schemeClr>
-              </a:solidFill>
-              <a:ln>
-                <a:solidFill>
-                  <a:schemeClr val="bg1"/>
-                </a:solidFill>
-              </a:ln>
+              <a:noFill/>
             </p:spPr>
-            <p:style>
-              <a:lnRef idx="2">
-                <a:schemeClr val="accent1">
-                  <a:shade val="15000"/>
-                </a:schemeClr>
-              </a:lnRef>
-              <a:fillRef idx="1">
-                <a:schemeClr val="accent1"/>
-              </a:fillRef>
-              <a:effectRef idx="0">
-                <a:schemeClr val="accent1"/>
-              </a:effectRef>
-              <a:fontRef idx="minor">
-                <a:schemeClr val="lt1"/>
-              </a:fontRef>
-            </p:style>
             <p:txBody>
-              <a:bodyPr rtlCol="0" anchor="ctr"/>
+              <a:bodyPr wrap="none" rtlCol="0">
+                <a:spAutoFit/>
+              </a:bodyPr>
               <a:lstStyle/>
               <a:p>
-                <a:pPr algn="ctr"/>
-                <a:endParaRPr lang="ko-KR" altLang="en-US"/>
+                <a:r>
+                  <a:rPr lang="ko-KR" altLang="en-US" sz="1100" dirty="0">
+                    <a:solidFill>
+                      <a:schemeClr val="bg1"/>
+                    </a:solidFill>
+                    <a:effectLst>
+                      <a:glow rad="101600">
+                        <a:schemeClr val="tx1">
+                          <a:alpha val="60000"/>
+                        </a:schemeClr>
+                      </a:glow>
+                    </a:effectLst>
+                    <a:latin typeface="넥슨Lv1고딕 Bold" panose="00000800000000000000" pitchFamily="2" charset="-127"/>
+                    <a:ea typeface="넥슨Lv1고딕 Bold" panose="00000800000000000000" pitchFamily="2" charset="-127"/>
+                  </a:rPr>
+                  <a:t>기능 및 역할</a:t>
+                </a:r>
               </a:p>
             </p:txBody>
           </p:sp>
         </p:grpSp>
-      </p:grpSp>
-      <p:sp>
-        <p:nvSpPr>
-          <p:cNvPr id="109" name="TextBox 108">
-            <a:extLst>
-              <a:ext uri="{FF2B5EF4-FFF2-40B4-BE49-F238E27FC236}">
-                <a16:creationId xmlns:a16="http://schemas.microsoft.com/office/drawing/2014/main" id="{5C7C7A70-6646-BDA1-70BC-AEC495846D65}"/>
-              </a:ext>
-            </a:extLst>
-          </p:cNvPr>
-          <p:cNvSpPr txBox="1"/>
-          <p:nvPr/>
-        </p:nvSpPr>
-        <p:spPr>
-          <a:xfrm>
-            <a:off x="2217809" y="3057638"/>
-            <a:ext cx="3791423" cy="553998"/>
-          </a:xfrm>
-          <a:prstGeom prst="rect">
-            <a:avLst/>
-          </a:prstGeom>
-          <a:noFill/>
-        </p:spPr>
-        <p:txBody>
-          <a:bodyPr wrap="none" rtlCol="0">
-            <a:spAutoFit/>
-          </a:bodyPr>
-          <a:lstStyle/>
-          <a:p>
-            <a:pPr marL="171450" indent="-171450">
-              <a:buFontTx/>
-              <a:buChar char="-"/>
-            </a:pPr>
-            <a:r>
-              <a:rPr lang="ko-KR" altLang="en-US" sz="1000" dirty="0">
-                <a:solidFill>
-                  <a:schemeClr val="bg1"/>
-                </a:solidFill>
-                <a:latin typeface="나눔고딕" panose="020D0604000000000000" pitchFamily="50" charset="-127"/>
-                <a:ea typeface="나눔고딕" panose="020D0604000000000000" pitchFamily="50" charset="-127"/>
-              </a:rPr>
-              <a:t>전회는 전투 기술과 속성을 무기에 부여하는 아이템입니다</a:t>
-            </a:r>
-            <a:r>
-              <a:rPr lang="en-US" altLang="ko-KR" sz="1000" dirty="0">
-                <a:solidFill>
-                  <a:schemeClr val="bg1"/>
-                </a:solidFill>
-                <a:latin typeface="나눔고딕" panose="020D0604000000000000" pitchFamily="50" charset="-127"/>
-                <a:ea typeface="나눔고딕" panose="020D0604000000000000" pitchFamily="50" charset="-127"/>
-              </a:rPr>
-              <a:t>.</a:t>
-            </a:r>
-          </a:p>
-          <a:p>
-            <a:pPr marL="171450" indent="-171450">
-              <a:buFontTx/>
-              <a:buChar char="-"/>
-            </a:pPr>
-            <a:endParaRPr lang="en-US" altLang="ko-KR" sz="1000" dirty="0">
-              <a:solidFill>
-                <a:schemeClr val="bg1"/>
-              </a:solidFill>
-              <a:latin typeface="나눔고딕" panose="020D0604000000000000" pitchFamily="50" charset="-127"/>
-              <a:ea typeface="나눔고딕" panose="020D0604000000000000" pitchFamily="50" charset="-127"/>
-            </a:endParaRPr>
-          </a:p>
-          <a:p>
-            <a:pPr marL="171450" indent="-171450">
-              <a:buFontTx/>
-              <a:buChar char="-"/>
-            </a:pPr>
-            <a:r>
-              <a:rPr lang="ko-KR" altLang="en-US" sz="1000" dirty="0" err="1">
-                <a:solidFill>
-                  <a:schemeClr val="bg1"/>
-                </a:solidFill>
-                <a:latin typeface="나눔고딕" panose="020D0604000000000000" pitchFamily="50" charset="-127"/>
-                <a:ea typeface="나눔고딕" panose="020D0604000000000000" pitchFamily="50" charset="-127"/>
-              </a:rPr>
-              <a:t>다크</a:t>
-            </a:r>
-            <a:r>
-              <a:rPr lang="ko-KR" altLang="en-US" sz="1000" dirty="0">
-                <a:solidFill>
-                  <a:schemeClr val="bg1"/>
-                </a:solidFill>
-                <a:latin typeface="나눔고딕" panose="020D0604000000000000" pitchFamily="50" charset="-127"/>
-                <a:ea typeface="나눔고딕" panose="020D0604000000000000" pitchFamily="50" charset="-127"/>
-              </a:rPr>
-              <a:t> 소울 시리즈와 차별화된 </a:t>
-            </a:r>
-            <a:r>
-              <a:rPr lang="ko-KR" altLang="en-US" sz="1000" dirty="0" err="1">
-                <a:solidFill>
-                  <a:schemeClr val="bg1"/>
-                </a:solidFill>
-                <a:latin typeface="나눔고딕" panose="020D0604000000000000" pitchFamily="50" charset="-127"/>
-                <a:ea typeface="나눔고딕" panose="020D0604000000000000" pitchFamily="50" charset="-127"/>
-              </a:rPr>
-              <a:t>엘든링만의</a:t>
-            </a:r>
-            <a:r>
-              <a:rPr lang="ko-KR" altLang="en-US" sz="1000" dirty="0">
-                <a:solidFill>
-                  <a:schemeClr val="bg1"/>
-                </a:solidFill>
-                <a:latin typeface="나눔고딕" panose="020D0604000000000000" pitchFamily="50" charset="-127"/>
-                <a:ea typeface="나눔고딕" panose="020D0604000000000000" pitchFamily="50" charset="-127"/>
-              </a:rPr>
-              <a:t> 컨텐츠</a:t>
-            </a:r>
-            <a:r>
-              <a:rPr lang="en-US" altLang="ko-KR" sz="1000" dirty="0">
-                <a:solidFill>
-                  <a:schemeClr val="bg1"/>
-                </a:solidFill>
-                <a:latin typeface="나눔고딕" panose="020D0604000000000000" pitchFamily="50" charset="-127"/>
-                <a:ea typeface="나눔고딕" panose="020D0604000000000000" pitchFamily="50" charset="-127"/>
-              </a:rPr>
-              <a:t>&amp;</a:t>
-            </a:r>
-            <a:r>
-              <a:rPr lang="ko-KR" altLang="en-US" sz="1000" dirty="0">
-                <a:solidFill>
-                  <a:schemeClr val="bg1"/>
-                </a:solidFill>
-                <a:latin typeface="나눔고딕" panose="020D0604000000000000" pitchFamily="50" charset="-127"/>
-                <a:ea typeface="나눔고딕" panose="020D0604000000000000" pitchFamily="50" charset="-127"/>
-              </a:rPr>
-              <a:t>시스템입니다</a:t>
-            </a:r>
-            <a:r>
-              <a:rPr lang="en-US" altLang="ko-KR" sz="1000" dirty="0">
-                <a:solidFill>
-                  <a:schemeClr val="bg1"/>
-                </a:solidFill>
-                <a:latin typeface="나눔고딕" panose="020D0604000000000000" pitchFamily="50" charset="-127"/>
-                <a:ea typeface="나눔고딕" panose="020D0604000000000000" pitchFamily="50" charset="-127"/>
-              </a:rPr>
-              <a:t>.</a:t>
-            </a:r>
-          </a:p>
-        </p:txBody>
-      </p:sp>
-      <p:grpSp>
-        <p:nvGrpSpPr>
-          <p:cNvPr id="110" name="그룹 109">
-            <a:extLst>
-              <a:ext uri="{FF2B5EF4-FFF2-40B4-BE49-F238E27FC236}">
-                <a16:creationId xmlns:a16="http://schemas.microsoft.com/office/drawing/2014/main" id="{CDF9CE60-F8C6-9382-15B9-4362C395E967}"/>
-              </a:ext>
-            </a:extLst>
-          </p:cNvPr>
-          <p:cNvGrpSpPr/>
-          <p:nvPr/>
-        </p:nvGrpSpPr>
-        <p:grpSpPr>
-          <a:xfrm>
-            <a:off x="2005200" y="2579169"/>
-            <a:ext cx="2831662" cy="367200"/>
-            <a:chOff x="2500453" y="1274905"/>
-            <a:chExt cx="2831662" cy="367200"/>
-          </a:xfrm>
-        </p:grpSpPr>
-        <p:pic>
-          <p:nvPicPr>
-            <p:cNvPr id="111" name="Picture 4">
-              <a:extLst>
-                <a:ext uri="{FF2B5EF4-FFF2-40B4-BE49-F238E27FC236}">
-                  <a16:creationId xmlns:a16="http://schemas.microsoft.com/office/drawing/2014/main" id="{10831D75-38E4-EB09-9600-0BD51F6BB530}"/>
-                </a:ext>
-              </a:extLst>
-            </p:cNvPr>
-            <p:cNvPicPr>
-              <a:picLocks noChangeArrowheads="1"/>
-            </p:cNvPicPr>
-            <p:nvPr/>
-          </p:nvPicPr>
-          <p:blipFill rotWithShape="1">
-            <a:blip r:embed="rId2">
-              <a:clrChange>
-                <a:clrFrom>
-                  <a:srgbClr val="000000"/>
-                </a:clrFrom>
-                <a:clrTo>
-                  <a:srgbClr val="000000">
-                    <a:alpha val="0"/>
-                  </a:srgbClr>
-                </a:clrTo>
-              </a:clrChange>
-              <a:extLst>
-                <a:ext uri="{28A0092B-C50C-407E-A947-70E740481C1C}">
-                  <a14:useLocalDpi xmlns:a14="http://schemas.microsoft.com/office/drawing/2010/main" val="0"/>
-                </a:ext>
-              </a:extLst>
-            </a:blip>
-            <a:srcRect l="39323" t="43581" r="59826" b="39566"/>
-            <a:stretch/>
-          </p:blipFill>
-          <p:spPr bwMode="auto">
-            <a:xfrm>
-              <a:off x="2500453" y="1274905"/>
-              <a:ext cx="36000" cy="367200"/>
-            </a:xfrm>
-            <a:prstGeom prst="rect">
-              <a:avLst/>
-            </a:prstGeom>
-            <a:noFill/>
-            <a:extLst>
-              <a:ext uri="{909E8E84-426E-40DD-AFC4-6F175D3DCCD1}">
-                <a14:hiddenFill xmlns:a14="http://schemas.microsoft.com/office/drawing/2010/main">
-                  <a:solidFill>
-                    <a:srgbClr val="FFFFFF"/>
-                  </a:solidFill>
-                </a14:hiddenFill>
-              </a:ext>
-            </a:extLst>
-          </p:spPr>
-        </p:pic>
-        <p:grpSp>
-          <p:nvGrpSpPr>
-            <p:cNvPr id="112" name="그룹 111">
-              <a:extLst>
-                <a:ext uri="{FF2B5EF4-FFF2-40B4-BE49-F238E27FC236}">
-                  <a16:creationId xmlns:a16="http://schemas.microsoft.com/office/drawing/2014/main" id="{4F4E7A64-B022-C937-AA20-5570323E7FB1}"/>
-                </a:ext>
-              </a:extLst>
-            </p:cNvPr>
-            <p:cNvGrpSpPr/>
-            <p:nvPr/>
-          </p:nvGrpSpPr>
-          <p:grpSpPr>
-            <a:xfrm>
-              <a:off x="2536453" y="1287843"/>
-              <a:ext cx="2795662" cy="343894"/>
-              <a:chOff x="4774676" y="2919518"/>
-              <a:chExt cx="2734338" cy="336351"/>
-            </a:xfrm>
-          </p:grpSpPr>
-          <p:sp>
-            <p:nvSpPr>
-              <p:cNvPr id="114" name="직사각형 113">
-                <a:extLst>
-                  <a:ext uri="{FF2B5EF4-FFF2-40B4-BE49-F238E27FC236}">
-                    <a16:creationId xmlns:a16="http://schemas.microsoft.com/office/drawing/2014/main" id="{66CA6A73-B786-5165-6AD2-3102F26AD6AD}"/>
-                  </a:ext>
-                </a:extLst>
-              </p:cNvPr>
-              <p:cNvSpPr>
-                <a:spLocks/>
-              </p:cNvSpPr>
-              <p:nvPr/>
-            </p:nvSpPr>
-            <p:spPr>
-              <a:xfrm>
-                <a:off x="4774676" y="2919518"/>
-                <a:ext cx="2734338" cy="336351"/>
-              </a:xfrm>
-              <a:prstGeom prst="rect">
-                <a:avLst/>
-              </a:prstGeom>
-              <a:gradFill flip="none" rotWithShape="1">
-                <a:gsLst>
-                  <a:gs pos="59000">
-                    <a:srgbClr val="1A1810">
-                      <a:alpha val="70000"/>
-                    </a:srgbClr>
-                  </a:gs>
-                  <a:gs pos="3000">
-                    <a:srgbClr val="1A1810">
-                      <a:alpha val="90000"/>
-                    </a:srgbClr>
-                  </a:gs>
-                  <a:gs pos="100000">
-                    <a:srgbClr val="1A1810">
-                      <a:alpha val="0"/>
-                    </a:srgbClr>
-                  </a:gs>
-                </a:gsLst>
-                <a:lin ang="0" scaled="1"/>
-                <a:tileRect/>
-              </a:gradFill>
-              <a:ln>
-                <a:noFill/>
-              </a:ln>
-              <a:effectLst/>
-            </p:spPr>
-            <p:style>
-              <a:lnRef idx="2">
-                <a:schemeClr val="accent1">
-                  <a:shade val="15000"/>
-                </a:schemeClr>
-              </a:lnRef>
-              <a:fillRef idx="1">
-                <a:schemeClr val="accent1"/>
-              </a:fillRef>
-              <a:effectRef idx="0">
-                <a:schemeClr val="accent1"/>
-              </a:effectRef>
-              <a:fontRef idx="minor">
-                <a:schemeClr val="lt1"/>
-              </a:fontRef>
-            </p:style>
-            <p:txBody>
-              <a:bodyPr rtlCol="0" anchor="ctr"/>
-              <a:lstStyle/>
-              <a:p>
-                <a:pPr algn="ctr"/>
-                <a:endParaRPr lang="ko-KR" altLang="en-US" dirty="0"/>
-              </a:p>
-            </p:txBody>
-          </p:sp>
-          <p:cxnSp>
-            <p:nvCxnSpPr>
-              <p:cNvPr id="115" name="직선 연결선 114">
-                <a:extLst>
-                  <a:ext uri="{FF2B5EF4-FFF2-40B4-BE49-F238E27FC236}">
-                    <a16:creationId xmlns:a16="http://schemas.microsoft.com/office/drawing/2014/main" id="{A85BA55A-3D24-297C-3B45-90550B4B6F68}"/>
-                  </a:ext>
-                </a:extLst>
-              </p:cNvPr>
-              <p:cNvCxnSpPr>
-                <a:cxnSpLocks/>
-              </p:cNvCxnSpPr>
-              <p:nvPr/>
-            </p:nvCxnSpPr>
-            <p:spPr>
-              <a:xfrm flipH="1">
-                <a:off x="4774676" y="3255869"/>
-                <a:ext cx="2734338" cy="0"/>
-              </a:xfrm>
-              <a:prstGeom prst="line">
-                <a:avLst/>
-              </a:prstGeom>
-              <a:ln>
-                <a:gradFill flip="none" rotWithShape="1">
-                  <a:gsLst>
-                    <a:gs pos="0">
-                      <a:srgbClr val="33332B"/>
-                    </a:gs>
-                    <a:gs pos="31000">
-                      <a:srgbClr val="33332B">
-                        <a:alpha val="70000"/>
-                      </a:srgbClr>
-                    </a:gs>
-                    <a:gs pos="54000">
-                      <a:srgbClr val="33332B">
-                        <a:alpha val="30000"/>
-                      </a:srgbClr>
-                    </a:gs>
-                    <a:gs pos="100000">
-                      <a:srgbClr val="33332B">
-                        <a:alpha val="0"/>
-                      </a:srgbClr>
-                    </a:gs>
-                  </a:gsLst>
-                  <a:lin ang="10800000" scaled="1"/>
-                  <a:tileRect/>
-                </a:gradFill>
-              </a:ln>
-            </p:spPr>
-            <p:style>
-              <a:lnRef idx="2">
-                <a:schemeClr val="accent1"/>
-              </a:lnRef>
-              <a:fillRef idx="0">
-                <a:schemeClr val="accent1"/>
-              </a:fillRef>
-              <a:effectRef idx="1">
-                <a:schemeClr val="accent1"/>
-              </a:effectRef>
-              <a:fontRef idx="minor">
-                <a:schemeClr val="tx1"/>
-              </a:fontRef>
-            </p:style>
-          </p:cxnSp>
-          <p:cxnSp>
-            <p:nvCxnSpPr>
-              <p:cNvPr id="116" name="직선 연결선 115">
-                <a:extLst>
-                  <a:ext uri="{FF2B5EF4-FFF2-40B4-BE49-F238E27FC236}">
-                    <a16:creationId xmlns:a16="http://schemas.microsoft.com/office/drawing/2014/main" id="{2CD6E9FC-7FA2-2324-0F23-051A560D399A}"/>
-                  </a:ext>
-                </a:extLst>
-              </p:cNvPr>
-              <p:cNvCxnSpPr>
-                <a:cxnSpLocks/>
-              </p:cNvCxnSpPr>
-              <p:nvPr/>
-            </p:nvCxnSpPr>
-            <p:spPr>
-              <a:xfrm flipH="1">
-                <a:off x="4774676" y="2919518"/>
-                <a:ext cx="2734338" cy="0"/>
-              </a:xfrm>
-              <a:prstGeom prst="line">
-                <a:avLst/>
-              </a:prstGeom>
-              <a:ln>
-                <a:gradFill flip="none" rotWithShape="1">
-                  <a:gsLst>
-                    <a:gs pos="0">
-                      <a:srgbClr val="33332B"/>
-                    </a:gs>
-                    <a:gs pos="31000">
-                      <a:srgbClr val="33332B">
-                        <a:alpha val="70000"/>
-                      </a:srgbClr>
-                    </a:gs>
-                    <a:gs pos="54000">
-                      <a:srgbClr val="33332B">
-                        <a:alpha val="30000"/>
-                      </a:srgbClr>
-                    </a:gs>
-                    <a:gs pos="100000">
-                      <a:srgbClr val="33332B">
-                        <a:alpha val="0"/>
-                      </a:srgbClr>
-                    </a:gs>
-                  </a:gsLst>
-                  <a:lin ang="10800000" scaled="1"/>
-                  <a:tileRect/>
-                </a:gradFill>
-              </a:ln>
-            </p:spPr>
-            <p:style>
-              <a:lnRef idx="2">
-                <a:schemeClr val="accent1"/>
-              </a:lnRef>
-              <a:fillRef idx="0">
-                <a:schemeClr val="accent1"/>
-              </a:fillRef>
-              <a:effectRef idx="1">
-                <a:schemeClr val="accent1"/>
-              </a:effectRef>
-              <a:fontRef idx="minor">
-                <a:schemeClr val="tx1"/>
-              </a:fontRef>
-            </p:style>
-          </p:cxnSp>
-        </p:grpSp>
-        <p:sp>
-          <p:nvSpPr>
-            <p:cNvPr id="113" name="TextBox 112">
-              <a:extLst>
-                <a:ext uri="{FF2B5EF4-FFF2-40B4-BE49-F238E27FC236}">
-                  <a16:creationId xmlns:a16="http://schemas.microsoft.com/office/drawing/2014/main" id="{016AD2FD-2D21-C430-DBF8-D5AFCB8E7EE6}"/>
-                </a:ext>
-              </a:extLst>
-            </p:cNvPr>
-            <p:cNvSpPr txBox="1"/>
-            <p:nvPr/>
-          </p:nvSpPr>
-          <p:spPr>
-            <a:xfrm>
-              <a:off x="2554184" y="1328985"/>
-              <a:ext cx="752129" cy="261610"/>
-            </a:xfrm>
-            <a:prstGeom prst="rect">
-              <a:avLst/>
-            </a:prstGeom>
-            <a:noFill/>
-          </p:spPr>
-          <p:txBody>
-            <a:bodyPr wrap="none" rtlCol="0">
-              <a:spAutoFit/>
-            </a:bodyPr>
-            <a:lstStyle/>
-            <a:p>
-              <a:r>
-                <a:rPr lang="en-US" altLang="ko-KR" sz="1100" b="1" dirty="0">
-                  <a:solidFill>
-                    <a:schemeClr val="bg1"/>
-                  </a:solidFill>
-                  <a:effectLst>
-                    <a:glow rad="101600">
-                      <a:schemeClr val="tx1">
-                        <a:alpha val="60000"/>
-                      </a:schemeClr>
-                    </a:glow>
-                  </a:effectLst>
-                  <a:latin typeface="나눔고딕" panose="020D0604000000000000" pitchFamily="50" charset="-127"/>
-                  <a:ea typeface="나눔고딕" panose="020D0604000000000000" pitchFamily="50" charset="-127"/>
-                </a:rPr>
-                <a:t>‘</a:t>
-              </a:r>
-              <a:r>
-                <a:rPr lang="ko-KR" altLang="en-US" sz="1100" b="1" dirty="0">
-                  <a:solidFill>
-                    <a:schemeClr val="bg1"/>
-                  </a:solidFill>
-                  <a:effectLst>
-                    <a:glow rad="101600">
-                      <a:schemeClr val="tx1">
-                        <a:alpha val="60000"/>
-                      </a:schemeClr>
-                    </a:glow>
-                  </a:effectLst>
-                  <a:latin typeface="나눔고딕" panose="020D0604000000000000" pitchFamily="50" charset="-127"/>
-                  <a:ea typeface="나눔고딕" panose="020D0604000000000000" pitchFamily="50" charset="-127"/>
-                </a:rPr>
-                <a:t>전회</a:t>
-              </a:r>
-              <a:r>
-                <a:rPr lang="en-US" altLang="ko-KR" sz="1100" b="1" dirty="0">
-                  <a:solidFill>
-                    <a:schemeClr val="bg1"/>
-                  </a:solidFill>
-                  <a:effectLst>
-                    <a:glow rad="101600">
-                      <a:schemeClr val="tx1">
-                        <a:alpha val="60000"/>
-                      </a:schemeClr>
-                    </a:glow>
-                  </a:effectLst>
-                  <a:latin typeface="나눔고딕" panose="020D0604000000000000" pitchFamily="50" charset="-127"/>
-                  <a:ea typeface="나눔고딕" panose="020D0604000000000000" pitchFamily="50" charset="-127"/>
-                </a:rPr>
-                <a:t>’ </a:t>
-              </a:r>
-              <a:r>
-                <a:rPr lang="ko-KR" altLang="en-US" sz="1100" b="1" dirty="0">
-                  <a:solidFill>
-                    <a:schemeClr val="bg1"/>
-                  </a:solidFill>
-                  <a:effectLst>
-                    <a:glow rad="101600">
-                      <a:schemeClr val="tx1">
-                        <a:alpha val="60000"/>
-                      </a:schemeClr>
-                    </a:glow>
-                  </a:effectLst>
-                  <a:latin typeface="나눔고딕" panose="020D0604000000000000" pitchFamily="50" charset="-127"/>
-                  <a:ea typeface="나눔고딕" panose="020D0604000000000000" pitchFamily="50" charset="-127"/>
-                </a:rPr>
-                <a:t>란</a:t>
-              </a:r>
-              <a:r>
-                <a:rPr lang="en-US" altLang="ko-KR" sz="1100" b="1" dirty="0">
-                  <a:solidFill>
-                    <a:schemeClr val="bg1"/>
-                  </a:solidFill>
-                  <a:effectLst>
-                    <a:glow rad="101600">
-                      <a:schemeClr val="tx1">
-                        <a:alpha val="60000"/>
-                      </a:schemeClr>
-                    </a:glow>
-                  </a:effectLst>
-                  <a:latin typeface="나눔고딕" panose="020D0604000000000000" pitchFamily="50" charset="-127"/>
-                  <a:ea typeface="나눔고딕" panose="020D0604000000000000" pitchFamily="50" charset="-127"/>
-                </a:rPr>
-                <a:t>?</a:t>
-              </a:r>
-              <a:endParaRPr lang="ko-KR" altLang="en-US" sz="1100" b="1" dirty="0">
-                <a:solidFill>
-                  <a:schemeClr val="bg1"/>
-                </a:solidFill>
-                <a:effectLst>
-                  <a:glow rad="101600">
-                    <a:schemeClr val="tx1">
-                      <a:alpha val="60000"/>
-                    </a:schemeClr>
-                  </a:glow>
-                </a:effectLst>
-                <a:latin typeface="나눔고딕" panose="020D0604000000000000" pitchFamily="50" charset="-127"/>
-                <a:ea typeface="나눔고딕" panose="020D0604000000000000" pitchFamily="50" charset="-127"/>
-              </a:endParaRPr>
-            </a:p>
-          </p:txBody>
-        </p:sp>
       </p:grpSp>
     </p:spTree>
     <p:extLst>
@@ -16096,6 +17624,1240 @@
           </p:txBody>
         </p:sp>
       </p:grpSp>
+      <p:graphicFrame>
+        <p:nvGraphicFramePr>
+          <p:cNvPr id="42" name="표 41">
+            <a:extLst>
+              <a:ext uri="{FF2B5EF4-FFF2-40B4-BE49-F238E27FC236}">
+                <a16:creationId xmlns:a16="http://schemas.microsoft.com/office/drawing/2014/main" id="{E1EF9165-4F1E-8B6E-F608-FC252F1414C0}"/>
+              </a:ext>
+            </a:extLst>
+          </p:cNvPr>
+          <p:cNvGraphicFramePr>
+            <a:graphicFrameLocks noGrp="1"/>
+          </p:cNvGraphicFramePr>
+          <p:nvPr>
+            <p:extLst>
+              <p:ext uri="{D42A27DB-BD31-4B8C-83A1-F6EECF244321}">
+                <p14:modId xmlns:p14="http://schemas.microsoft.com/office/powerpoint/2010/main" val="1910584172"/>
+              </p:ext>
+            </p:extLst>
+          </p:nvPr>
+        </p:nvGraphicFramePr>
+        <p:xfrm>
+          <a:off x="2230461" y="1816799"/>
+          <a:ext cx="5017484" cy="1112520"/>
+        </p:xfrm>
+        <a:graphic>
+          <a:graphicData uri="http://schemas.openxmlformats.org/drawingml/2006/table">
+            <a:tbl>
+              <a:tblPr firstRow="1" bandRow="1">
+                <a:tableStyleId>{5C22544A-7EE6-4342-B048-85BDC9FD1C3A}</a:tableStyleId>
+              </a:tblPr>
+              <a:tblGrid>
+                <a:gridCol w="1634204">
+                  <a:extLst>
+                    <a:ext uri="{9D8B030D-6E8A-4147-A177-3AD203B41FA5}">
+                      <a16:colId xmlns:a16="http://schemas.microsoft.com/office/drawing/2014/main" val="3721366542"/>
+                    </a:ext>
+                  </a:extLst>
+                </a:gridCol>
+                <a:gridCol w="1869440">
+                  <a:extLst>
+                    <a:ext uri="{9D8B030D-6E8A-4147-A177-3AD203B41FA5}">
+                      <a16:colId xmlns:a16="http://schemas.microsoft.com/office/drawing/2014/main" val="4093792713"/>
+                    </a:ext>
+                  </a:extLst>
+                </a:gridCol>
+                <a:gridCol w="1513840">
+                  <a:extLst>
+                    <a:ext uri="{9D8B030D-6E8A-4147-A177-3AD203B41FA5}">
+                      <a16:colId xmlns:a16="http://schemas.microsoft.com/office/drawing/2014/main" val="3383943271"/>
+                    </a:ext>
+                  </a:extLst>
+                </a:gridCol>
+              </a:tblGrid>
+              <a:tr h="370840">
+                <a:tc>
+                  <a:txBody>
+                    <a:bodyPr/>
+                    <a:lstStyle/>
+                    <a:p>
+                      <a:pPr algn="ctr" latinLnBrk="1"/>
+                      <a:r>
+                        <a:rPr lang="ko-KR" altLang="en-US" sz="1050" dirty="0"/>
+                        <a:t>부여 방법</a:t>
+                      </a:r>
+                    </a:p>
+                  </a:txBody>
+                  <a:tcPr anchor="ctr">
+                    <a:lnL w="19050" cap="flat" cmpd="sng" algn="ctr">
+                      <a:solidFill>
+                        <a:srgbClr val="464437"/>
+                      </a:solidFill>
+                      <a:prstDash val="solid"/>
+                      <a:round/>
+                      <a:headEnd type="none" w="med" len="med"/>
+                      <a:tailEnd type="none" w="med" len="med"/>
+                    </a:lnL>
+                    <a:lnT w="19050" cap="flat" cmpd="sng" algn="ctr">
+                      <a:solidFill>
+                        <a:srgbClr val="464437"/>
+                      </a:solidFill>
+                      <a:prstDash val="solid"/>
+                      <a:round/>
+                      <a:headEnd type="none" w="med" len="med"/>
+                      <a:tailEnd type="none" w="med" len="med"/>
+                    </a:lnT>
+                    <a:solidFill>
+                      <a:srgbClr val="3D3B30"/>
+                    </a:solidFill>
+                  </a:tcPr>
+                </a:tc>
+                <a:tc>
+                  <a:txBody>
+                    <a:bodyPr/>
+                    <a:lstStyle/>
+                    <a:p>
+                      <a:pPr algn="ctr" latinLnBrk="1"/>
+                      <a:r>
+                        <a:rPr lang="ko-KR" altLang="en-US" sz="1050" dirty="0"/>
+                        <a:t>조건</a:t>
+                      </a:r>
+                    </a:p>
+                  </a:txBody>
+                  <a:tcPr anchor="ctr">
+                    <a:lnT w="19050" cap="flat" cmpd="sng" algn="ctr">
+                      <a:solidFill>
+                        <a:srgbClr val="464437"/>
+                      </a:solidFill>
+                      <a:prstDash val="solid"/>
+                      <a:round/>
+                      <a:headEnd type="none" w="med" len="med"/>
+                      <a:tailEnd type="none" w="med" len="med"/>
+                    </a:lnT>
+                    <a:solidFill>
+                      <a:srgbClr val="3D3B30"/>
+                    </a:solidFill>
+                  </a:tcPr>
+                </a:tc>
+                <a:tc>
+                  <a:txBody>
+                    <a:bodyPr/>
+                    <a:lstStyle/>
+                    <a:p>
+                      <a:pPr algn="ctr" latinLnBrk="1"/>
+                      <a:r>
+                        <a:rPr lang="ko-KR" altLang="en-US" sz="1050" dirty="0"/>
+                        <a:t>위치</a:t>
+                      </a:r>
+                    </a:p>
+                  </a:txBody>
+                  <a:tcPr anchor="ctr">
+                    <a:lnR w="19050" cap="flat" cmpd="sng" algn="ctr">
+                      <a:solidFill>
+                        <a:srgbClr val="464437"/>
+                      </a:solidFill>
+                      <a:prstDash val="solid"/>
+                      <a:round/>
+                      <a:headEnd type="none" w="med" len="med"/>
+                      <a:tailEnd type="none" w="med" len="med"/>
+                    </a:lnR>
+                    <a:lnT w="19050" cap="flat" cmpd="sng" algn="ctr">
+                      <a:solidFill>
+                        <a:srgbClr val="464437"/>
+                      </a:solidFill>
+                      <a:prstDash val="solid"/>
+                      <a:round/>
+                      <a:headEnd type="none" w="med" len="med"/>
+                      <a:tailEnd type="none" w="med" len="med"/>
+                    </a:lnT>
+                    <a:solidFill>
+                      <a:srgbClr val="3D3B30"/>
+                    </a:solidFill>
+                  </a:tcPr>
+                </a:tc>
+                <a:extLst>
+                  <a:ext uri="{0D108BD9-81ED-4DB2-BD59-A6C34878D82A}">
+                    <a16:rowId xmlns:a16="http://schemas.microsoft.com/office/drawing/2014/main" val="2086089720"/>
+                  </a:ext>
+                </a:extLst>
+              </a:tr>
+              <a:tr h="370840">
+                <a:tc>
+                  <a:txBody>
+                    <a:bodyPr/>
+                    <a:lstStyle/>
+                    <a:p>
+                      <a:pPr algn="ctr" latinLnBrk="1"/>
+                      <a:r>
+                        <a:rPr lang="en-US" altLang="ko-KR" sz="1000" dirty="0"/>
+                        <a:t>NPC</a:t>
+                      </a:r>
+                      <a:endParaRPr lang="ko-KR" altLang="en-US" sz="1000" dirty="0"/>
+                    </a:p>
+                  </a:txBody>
+                  <a:tcPr anchor="ctr">
+                    <a:lnL w="19050" cap="flat" cmpd="sng" algn="ctr">
+                      <a:solidFill>
+                        <a:srgbClr val="464437"/>
+                      </a:solidFill>
+                      <a:prstDash val="solid"/>
+                      <a:round/>
+                      <a:headEnd type="none" w="med" len="med"/>
+                      <a:tailEnd type="none" w="med" len="med"/>
+                    </a:lnL>
+                  </a:tcPr>
+                </a:tc>
+                <a:tc>
+                  <a:txBody>
+                    <a:bodyPr/>
+                    <a:lstStyle/>
+                    <a:p>
+                      <a:pPr algn="ctr" latinLnBrk="1"/>
+                      <a:r>
+                        <a:rPr lang="ko-KR" altLang="en-US" sz="1000" dirty="0"/>
+                        <a:t>대장장이 </a:t>
+                      </a:r>
+                      <a:r>
+                        <a:rPr lang="ko-KR" altLang="en-US" sz="1000" dirty="0" err="1"/>
+                        <a:t>휴그와</a:t>
+                      </a:r>
+                      <a:r>
+                        <a:rPr lang="ko-KR" altLang="en-US" sz="1000" dirty="0"/>
+                        <a:t> 상호작용</a:t>
+                      </a:r>
+                    </a:p>
+                  </a:txBody>
+                  <a:tcPr anchor="ctr"/>
+                </a:tc>
+                <a:tc>
+                  <a:txBody>
+                    <a:bodyPr/>
+                    <a:lstStyle/>
+                    <a:p>
+                      <a:pPr algn="ctr" latinLnBrk="1"/>
+                      <a:r>
+                        <a:rPr lang="ko-KR" altLang="en-US" sz="1000" dirty="0"/>
+                        <a:t>원탁</a:t>
+                      </a:r>
+                    </a:p>
+                  </a:txBody>
+                  <a:tcPr anchor="ctr">
+                    <a:lnR w="19050" cap="flat" cmpd="sng" algn="ctr">
+                      <a:solidFill>
+                        <a:srgbClr val="464437"/>
+                      </a:solidFill>
+                      <a:prstDash val="solid"/>
+                      <a:round/>
+                      <a:headEnd type="none" w="med" len="med"/>
+                      <a:tailEnd type="none" w="med" len="med"/>
+                    </a:lnR>
+                  </a:tcPr>
+                </a:tc>
+                <a:extLst>
+                  <a:ext uri="{0D108BD9-81ED-4DB2-BD59-A6C34878D82A}">
+                    <a16:rowId xmlns:a16="http://schemas.microsoft.com/office/drawing/2014/main" val="3920823165"/>
+                  </a:ext>
+                </a:extLst>
+              </a:tr>
+              <a:tr h="370840">
+                <a:tc>
+                  <a:txBody>
+                    <a:bodyPr/>
+                    <a:lstStyle/>
+                    <a:p>
+                      <a:pPr algn="ctr" latinLnBrk="1"/>
+                      <a:r>
+                        <a:rPr lang="ko-KR" altLang="en-US" sz="1000" dirty="0"/>
+                        <a:t>축복 활성화</a:t>
+                      </a:r>
+                    </a:p>
+                  </a:txBody>
+                  <a:tcPr anchor="ctr">
+                    <a:lnL w="19050" cap="flat" cmpd="sng" algn="ctr">
+                      <a:solidFill>
+                        <a:srgbClr val="464437"/>
+                      </a:solidFill>
+                      <a:prstDash val="solid"/>
+                      <a:round/>
+                      <a:headEnd type="none" w="med" len="med"/>
+                      <a:tailEnd type="none" w="med" len="med"/>
+                    </a:lnL>
+                    <a:lnB w="19050" cap="flat" cmpd="sng" algn="ctr">
+                      <a:solidFill>
+                        <a:srgbClr val="464437"/>
+                      </a:solidFill>
+                      <a:prstDash val="solid"/>
+                      <a:round/>
+                      <a:headEnd type="none" w="med" len="med"/>
+                      <a:tailEnd type="none" w="med" len="med"/>
+                    </a:lnB>
+                  </a:tcPr>
+                </a:tc>
+                <a:tc>
+                  <a:txBody>
+                    <a:bodyPr/>
+                    <a:lstStyle/>
+                    <a:p>
+                      <a:pPr algn="ctr" latinLnBrk="1"/>
+                      <a:r>
+                        <a:rPr lang="ko-KR" altLang="en-US" sz="1000" dirty="0"/>
+                        <a:t>숫돌 소도 보유</a:t>
+                      </a:r>
+                    </a:p>
+                  </a:txBody>
+                  <a:tcPr anchor="ctr">
+                    <a:lnB w="19050" cap="flat" cmpd="sng" algn="ctr">
+                      <a:solidFill>
+                        <a:srgbClr val="464437"/>
+                      </a:solidFill>
+                      <a:prstDash val="solid"/>
+                      <a:round/>
+                      <a:headEnd type="none" w="med" len="med"/>
+                      <a:tailEnd type="none" w="med" len="med"/>
+                    </a:lnB>
+                  </a:tcPr>
+                </a:tc>
+                <a:tc>
+                  <a:txBody>
+                    <a:bodyPr/>
+                    <a:lstStyle/>
+                    <a:p>
+                      <a:pPr algn="ctr" latinLnBrk="1"/>
+                      <a:r>
+                        <a:rPr lang="ko-KR" altLang="en-US" sz="1000" dirty="0"/>
+                        <a:t>모든 축복</a:t>
+                      </a:r>
+                    </a:p>
+                  </a:txBody>
+                  <a:tcPr anchor="ctr">
+                    <a:lnR w="19050" cap="flat" cmpd="sng" algn="ctr">
+                      <a:solidFill>
+                        <a:srgbClr val="464437"/>
+                      </a:solidFill>
+                      <a:prstDash val="solid"/>
+                      <a:round/>
+                      <a:headEnd type="none" w="med" len="med"/>
+                      <a:tailEnd type="none" w="med" len="med"/>
+                    </a:lnR>
+                    <a:lnB w="19050" cap="flat" cmpd="sng" algn="ctr">
+                      <a:solidFill>
+                        <a:srgbClr val="464437"/>
+                      </a:solidFill>
+                      <a:prstDash val="solid"/>
+                      <a:round/>
+                      <a:headEnd type="none" w="med" len="med"/>
+                      <a:tailEnd type="none" w="med" len="med"/>
+                    </a:lnB>
+                  </a:tcPr>
+                </a:tc>
+                <a:extLst>
+                  <a:ext uri="{0D108BD9-81ED-4DB2-BD59-A6C34878D82A}">
+                    <a16:rowId xmlns:a16="http://schemas.microsoft.com/office/drawing/2014/main" val="2929691328"/>
+                  </a:ext>
+                </a:extLst>
+              </a:tr>
+            </a:tbl>
+          </a:graphicData>
+        </a:graphic>
+      </p:graphicFrame>
+      <p:grpSp>
+        <p:nvGrpSpPr>
+          <p:cNvPr id="51" name="그룹 50">
+            <a:extLst>
+              <a:ext uri="{FF2B5EF4-FFF2-40B4-BE49-F238E27FC236}">
+                <a16:creationId xmlns:a16="http://schemas.microsoft.com/office/drawing/2014/main" id="{FF8C48FB-8271-70A1-C1F1-7EE7D32A0FFF}"/>
+              </a:ext>
+            </a:extLst>
+          </p:cNvPr>
+          <p:cNvGrpSpPr/>
+          <p:nvPr/>
+        </p:nvGrpSpPr>
+        <p:grpSpPr>
+          <a:xfrm>
+            <a:off x="1992916" y="954061"/>
+            <a:ext cx="2831662" cy="746579"/>
+            <a:chOff x="1992916" y="954061"/>
+            <a:chExt cx="2831662" cy="746579"/>
+          </a:xfrm>
+        </p:grpSpPr>
+        <p:sp>
+          <p:nvSpPr>
+            <p:cNvPr id="52" name="TextBox 51">
+              <a:extLst>
+                <a:ext uri="{FF2B5EF4-FFF2-40B4-BE49-F238E27FC236}">
+                  <a16:creationId xmlns:a16="http://schemas.microsoft.com/office/drawing/2014/main" id="{DF7583F5-9510-8F8B-D32C-43A1AC202884}"/>
+                </a:ext>
+              </a:extLst>
+            </p:cNvPr>
+            <p:cNvSpPr txBox="1"/>
+            <p:nvPr/>
+          </p:nvSpPr>
+          <p:spPr>
+            <a:xfrm>
+              <a:off x="2205525" y="1454419"/>
+              <a:ext cx="2499402" cy="246221"/>
+            </a:xfrm>
+            <a:prstGeom prst="rect">
+              <a:avLst/>
+            </a:prstGeom>
+            <a:noFill/>
+          </p:spPr>
+          <p:txBody>
+            <a:bodyPr wrap="none" rtlCol="0">
+              <a:spAutoFit/>
+            </a:bodyPr>
+            <a:lstStyle/>
+            <a:p>
+              <a:pPr marL="171450" indent="-171450">
+                <a:buFontTx/>
+                <a:buChar char="-"/>
+              </a:pPr>
+              <a:r>
+                <a:rPr lang="ko-KR" altLang="en-US" sz="1000" dirty="0">
+                  <a:solidFill>
+                    <a:schemeClr val="bg1"/>
+                  </a:solidFill>
+                  <a:latin typeface="넥슨Lv1고딕" panose="00000500000000000000" pitchFamily="2" charset="-127"/>
+                  <a:ea typeface="넥슨Lv1고딕" panose="00000500000000000000" pitchFamily="2" charset="-127"/>
+                </a:rPr>
+                <a:t>전회를 부여하는 방법은 두가지 입니다</a:t>
+              </a:r>
+              <a:r>
+                <a:rPr lang="en-US" altLang="ko-KR" sz="1000" dirty="0">
+                  <a:solidFill>
+                    <a:schemeClr val="bg1"/>
+                  </a:solidFill>
+                  <a:latin typeface="넥슨Lv1고딕" panose="00000500000000000000" pitchFamily="2" charset="-127"/>
+                  <a:ea typeface="넥슨Lv1고딕" panose="00000500000000000000" pitchFamily="2" charset="-127"/>
+                </a:rPr>
+                <a:t>.</a:t>
+              </a:r>
+            </a:p>
+          </p:txBody>
+        </p:sp>
+        <p:grpSp>
+          <p:nvGrpSpPr>
+            <p:cNvPr id="53" name="그룹 52">
+              <a:extLst>
+                <a:ext uri="{FF2B5EF4-FFF2-40B4-BE49-F238E27FC236}">
+                  <a16:creationId xmlns:a16="http://schemas.microsoft.com/office/drawing/2014/main" id="{02158374-77CB-80F9-8394-94EF19A28B9A}"/>
+                </a:ext>
+              </a:extLst>
+            </p:cNvPr>
+            <p:cNvGrpSpPr/>
+            <p:nvPr/>
+          </p:nvGrpSpPr>
+          <p:grpSpPr>
+            <a:xfrm>
+              <a:off x="1992916" y="954061"/>
+              <a:ext cx="2831662" cy="367200"/>
+              <a:chOff x="2500453" y="1274905"/>
+              <a:chExt cx="2831662" cy="367200"/>
+            </a:xfrm>
+          </p:grpSpPr>
+          <p:pic>
+            <p:nvPicPr>
+              <p:cNvPr id="54" name="Picture 4">
+                <a:extLst>
+                  <a:ext uri="{FF2B5EF4-FFF2-40B4-BE49-F238E27FC236}">
+                    <a16:creationId xmlns:a16="http://schemas.microsoft.com/office/drawing/2014/main" id="{815DBAC6-D4DB-BF7F-D723-1B9F6E3E0852}"/>
+                  </a:ext>
+                </a:extLst>
+              </p:cNvPr>
+              <p:cNvPicPr>
+                <a:picLocks noChangeArrowheads="1"/>
+              </p:cNvPicPr>
+              <p:nvPr/>
+            </p:nvPicPr>
+            <p:blipFill rotWithShape="1">
+              <a:blip r:embed="rId2">
+                <a:clrChange>
+                  <a:clrFrom>
+                    <a:srgbClr val="000000"/>
+                  </a:clrFrom>
+                  <a:clrTo>
+                    <a:srgbClr val="000000">
+                      <a:alpha val="0"/>
+                    </a:srgbClr>
+                  </a:clrTo>
+                </a:clrChange>
+                <a:extLst>
+                  <a:ext uri="{28A0092B-C50C-407E-A947-70E740481C1C}">
+                    <a14:useLocalDpi xmlns:a14="http://schemas.microsoft.com/office/drawing/2010/main" val="0"/>
+                  </a:ext>
+                </a:extLst>
+              </a:blip>
+              <a:srcRect l="39323" t="43581" r="59826" b="39566"/>
+              <a:stretch/>
+            </p:blipFill>
+            <p:spPr bwMode="auto">
+              <a:xfrm>
+                <a:off x="2500453" y="1274905"/>
+                <a:ext cx="36000" cy="367200"/>
+              </a:xfrm>
+              <a:prstGeom prst="rect">
+                <a:avLst/>
+              </a:prstGeom>
+              <a:noFill/>
+              <a:extLst>
+                <a:ext uri="{909E8E84-426E-40DD-AFC4-6F175D3DCCD1}">
+                  <a14:hiddenFill xmlns:a14="http://schemas.microsoft.com/office/drawing/2010/main">
+                    <a:solidFill>
+                      <a:srgbClr val="FFFFFF"/>
+                    </a:solidFill>
+                  </a14:hiddenFill>
+                </a:ext>
+              </a:extLst>
+            </p:spPr>
+          </p:pic>
+          <p:grpSp>
+            <p:nvGrpSpPr>
+              <p:cNvPr id="55" name="그룹 54">
+                <a:extLst>
+                  <a:ext uri="{FF2B5EF4-FFF2-40B4-BE49-F238E27FC236}">
+                    <a16:creationId xmlns:a16="http://schemas.microsoft.com/office/drawing/2014/main" id="{122B35C8-FDCC-1EDB-8825-0CEF998EDBF8}"/>
+                  </a:ext>
+                </a:extLst>
+              </p:cNvPr>
+              <p:cNvGrpSpPr/>
+              <p:nvPr/>
+            </p:nvGrpSpPr>
+            <p:grpSpPr>
+              <a:xfrm>
+                <a:off x="2536453" y="1287843"/>
+                <a:ext cx="2795662" cy="343894"/>
+                <a:chOff x="4774676" y="2919518"/>
+                <a:chExt cx="2734338" cy="336351"/>
+              </a:xfrm>
+            </p:grpSpPr>
+            <p:sp>
+              <p:nvSpPr>
+                <p:cNvPr id="57" name="직사각형 56">
+                  <a:extLst>
+                    <a:ext uri="{FF2B5EF4-FFF2-40B4-BE49-F238E27FC236}">
+                      <a16:creationId xmlns:a16="http://schemas.microsoft.com/office/drawing/2014/main" id="{487F4771-8758-E81D-4EDC-0EB9ABF8F414}"/>
+                    </a:ext>
+                  </a:extLst>
+                </p:cNvPr>
+                <p:cNvSpPr>
+                  <a:spLocks/>
+                </p:cNvSpPr>
+                <p:nvPr/>
+              </p:nvSpPr>
+              <p:spPr>
+                <a:xfrm>
+                  <a:off x="4774676" y="2919518"/>
+                  <a:ext cx="2734338" cy="336351"/>
+                </a:xfrm>
+                <a:prstGeom prst="rect">
+                  <a:avLst/>
+                </a:prstGeom>
+                <a:gradFill flip="none" rotWithShape="1">
+                  <a:gsLst>
+                    <a:gs pos="59000">
+                      <a:srgbClr val="1A1810">
+                        <a:alpha val="70000"/>
+                      </a:srgbClr>
+                    </a:gs>
+                    <a:gs pos="3000">
+                      <a:srgbClr val="1A1810">
+                        <a:alpha val="90000"/>
+                      </a:srgbClr>
+                    </a:gs>
+                    <a:gs pos="100000">
+                      <a:srgbClr val="1A1810">
+                        <a:alpha val="0"/>
+                      </a:srgbClr>
+                    </a:gs>
+                  </a:gsLst>
+                  <a:lin ang="0" scaled="1"/>
+                  <a:tileRect/>
+                </a:gradFill>
+                <a:ln>
+                  <a:noFill/>
+                </a:ln>
+                <a:effectLst/>
+              </p:spPr>
+              <p:style>
+                <a:lnRef idx="2">
+                  <a:schemeClr val="accent1">
+                    <a:shade val="15000"/>
+                  </a:schemeClr>
+                </a:lnRef>
+                <a:fillRef idx="1">
+                  <a:schemeClr val="accent1"/>
+                </a:fillRef>
+                <a:effectRef idx="0">
+                  <a:schemeClr val="accent1"/>
+                </a:effectRef>
+                <a:fontRef idx="minor">
+                  <a:schemeClr val="lt1"/>
+                </a:fontRef>
+              </p:style>
+              <p:txBody>
+                <a:bodyPr rtlCol="0" anchor="ctr"/>
+                <a:lstStyle/>
+                <a:p>
+                  <a:pPr algn="ctr"/>
+                  <a:endParaRPr lang="ko-KR" altLang="en-US" dirty="0"/>
+                </a:p>
+              </p:txBody>
+            </p:sp>
+            <p:cxnSp>
+              <p:nvCxnSpPr>
+                <p:cNvPr id="58" name="직선 연결선 57">
+                  <a:extLst>
+                    <a:ext uri="{FF2B5EF4-FFF2-40B4-BE49-F238E27FC236}">
+                      <a16:creationId xmlns:a16="http://schemas.microsoft.com/office/drawing/2014/main" id="{06AE5459-9B11-F70D-73A5-6A0006A7DF3E}"/>
+                    </a:ext>
+                  </a:extLst>
+                </p:cNvPr>
+                <p:cNvCxnSpPr>
+                  <a:cxnSpLocks/>
+                </p:cNvCxnSpPr>
+                <p:nvPr/>
+              </p:nvCxnSpPr>
+              <p:spPr>
+                <a:xfrm flipH="1">
+                  <a:off x="4774676" y="3255869"/>
+                  <a:ext cx="2734338" cy="0"/>
+                </a:xfrm>
+                <a:prstGeom prst="line">
+                  <a:avLst/>
+                </a:prstGeom>
+                <a:ln>
+                  <a:gradFill flip="none" rotWithShape="1">
+                    <a:gsLst>
+                      <a:gs pos="0">
+                        <a:srgbClr val="33332B"/>
+                      </a:gs>
+                      <a:gs pos="31000">
+                        <a:srgbClr val="33332B">
+                          <a:alpha val="70000"/>
+                        </a:srgbClr>
+                      </a:gs>
+                      <a:gs pos="54000">
+                        <a:srgbClr val="33332B">
+                          <a:alpha val="30000"/>
+                        </a:srgbClr>
+                      </a:gs>
+                      <a:gs pos="100000">
+                        <a:srgbClr val="33332B">
+                          <a:alpha val="0"/>
+                        </a:srgbClr>
+                      </a:gs>
+                    </a:gsLst>
+                    <a:lin ang="10800000" scaled="1"/>
+                    <a:tileRect/>
+                  </a:gradFill>
+                </a:ln>
+                <a:effectLst/>
+              </p:spPr>
+              <p:style>
+                <a:lnRef idx="2">
+                  <a:schemeClr val="accent1"/>
+                </a:lnRef>
+                <a:fillRef idx="0">
+                  <a:schemeClr val="accent1"/>
+                </a:fillRef>
+                <a:effectRef idx="1">
+                  <a:schemeClr val="accent1"/>
+                </a:effectRef>
+                <a:fontRef idx="minor">
+                  <a:schemeClr val="tx1"/>
+                </a:fontRef>
+              </p:style>
+            </p:cxnSp>
+            <p:cxnSp>
+              <p:nvCxnSpPr>
+                <p:cNvPr id="59" name="직선 연결선 58">
+                  <a:extLst>
+                    <a:ext uri="{FF2B5EF4-FFF2-40B4-BE49-F238E27FC236}">
+                      <a16:creationId xmlns:a16="http://schemas.microsoft.com/office/drawing/2014/main" id="{B0289C74-B4A7-5BB4-1E7C-9E4396226A75}"/>
+                    </a:ext>
+                  </a:extLst>
+                </p:cNvPr>
+                <p:cNvCxnSpPr>
+                  <a:cxnSpLocks/>
+                </p:cNvCxnSpPr>
+                <p:nvPr/>
+              </p:nvCxnSpPr>
+              <p:spPr>
+                <a:xfrm flipH="1">
+                  <a:off x="4774676" y="2919518"/>
+                  <a:ext cx="2734338" cy="0"/>
+                </a:xfrm>
+                <a:prstGeom prst="line">
+                  <a:avLst/>
+                </a:prstGeom>
+                <a:ln>
+                  <a:gradFill flip="none" rotWithShape="1">
+                    <a:gsLst>
+                      <a:gs pos="0">
+                        <a:srgbClr val="33332B"/>
+                      </a:gs>
+                      <a:gs pos="31000">
+                        <a:srgbClr val="33332B">
+                          <a:alpha val="70000"/>
+                        </a:srgbClr>
+                      </a:gs>
+                      <a:gs pos="54000">
+                        <a:srgbClr val="33332B">
+                          <a:alpha val="30000"/>
+                        </a:srgbClr>
+                      </a:gs>
+                      <a:gs pos="100000">
+                        <a:srgbClr val="33332B">
+                          <a:alpha val="0"/>
+                        </a:srgbClr>
+                      </a:gs>
+                    </a:gsLst>
+                    <a:lin ang="10800000" scaled="1"/>
+                    <a:tileRect/>
+                  </a:gradFill>
+                </a:ln>
+                <a:effectLst/>
+              </p:spPr>
+              <p:style>
+                <a:lnRef idx="2">
+                  <a:schemeClr val="accent1"/>
+                </a:lnRef>
+                <a:fillRef idx="0">
+                  <a:schemeClr val="accent1"/>
+                </a:fillRef>
+                <a:effectRef idx="1">
+                  <a:schemeClr val="accent1"/>
+                </a:effectRef>
+                <a:fontRef idx="minor">
+                  <a:schemeClr val="tx1"/>
+                </a:fontRef>
+              </p:style>
+            </p:cxnSp>
+          </p:grpSp>
+          <p:sp>
+            <p:nvSpPr>
+              <p:cNvPr id="56" name="TextBox 55">
+                <a:extLst>
+                  <a:ext uri="{FF2B5EF4-FFF2-40B4-BE49-F238E27FC236}">
+                    <a16:creationId xmlns:a16="http://schemas.microsoft.com/office/drawing/2014/main" id="{0C8632C6-909F-FCB0-C300-F4B50E03E3D3}"/>
+                  </a:ext>
+                </a:extLst>
+              </p:cNvPr>
+              <p:cNvSpPr txBox="1"/>
+              <p:nvPr/>
+            </p:nvSpPr>
+            <p:spPr>
+              <a:xfrm>
+                <a:off x="2554184" y="1328985"/>
+                <a:ext cx="1075936" cy="261610"/>
+              </a:xfrm>
+              <a:prstGeom prst="rect">
+                <a:avLst/>
+              </a:prstGeom>
+              <a:noFill/>
+            </p:spPr>
+            <p:txBody>
+              <a:bodyPr wrap="none" rtlCol="0">
+                <a:spAutoFit/>
+              </a:bodyPr>
+              <a:lstStyle/>
+              <a:p>
+                <a:r>
+                  <a:rPr lang="ko-KR" altLang="en-US" sz="1100" dirty="0">
+                    <a:solidFill>
+                      <a:schemeClr val="bg1"/>
+                    </a:solidFill>
+                    <a:effectLst>
+                      <a:glow rad="101600">
+                        <a:schemeClr val="tx1">
+                          <a:alpha val="60000"/>
+                        </a:schemeClr>
+                      </a:glow>
+                    </a:effectLst>
+                    <a:latin typeface="넥슨Lv1고딕 Bold" panose="00000800000000000000" pitchFamily="2" charset="-127"/>
+                    <a:ea typeface="넥슨Lv1고딕 Bold" panose="00000800000000000000" pitchFamily="2" charset="-127"/>
+                  </a:rPr>
+                  <a:t>전회 부여 방법</a:t>
+                </a:r>
+              </a:p>
+            </p:txBody>
+          </p:sp>
+        </p:grpSp>
+      </p:grpSp>
+      <p:grpSp>
+        <p:nvGrpSpPr>
+          <p:cNvPr id="60" name="그룹 59">
+            <a:extLst>
+              <a:ext uri="{FF2B5EF4-FFF2-40B4-BE49-F238E27FC236}">
+                <a16:creationId xmlns:a16="http://schemas.microsoft.com/office/drawing/2014/main" id="{A8E9B232-DE65-1B00-5428-8AB067BA509D}"/>
+              </a:ext>
+            </a:extLst>
+          </p:cNvPr>
+          <p:cNvGrpSpPr/>
+          <p:nvPr/>
+        </p:nvGrpSpPr>
+        <p:grpSpPr>
+          <a:xfrm>
+            <a:off x="1992916" y="3464868"/>
+            <a:ext cx="2831662" cy="746579"/>
+            <a:chOff x="1992916" y="954061"/>
+            <a:chExt cx="2831662" cy="746579"/>
+          </a:xfrm>
+        </p:grpSpPr>
+        <p:sp>
+          <p:nvSpPr>
+            <p:cNvPr id="61" name="TextBox 60">
+              <a:extLst>
+                <a:ext uri="{FF2B5EF4-FFF2-40B4-BE49-F238E27FC236}">
+                  <a16:creationId xmlns:a16="http://schemas.microsoft.com/office/drawing/2014/main" id="{974821D1-0637-F817-29A0-26FDC5B37341}"/>
+                </a:ext>
+              </a:extLst>
+            </p:cNvPr>
+            <p:cNvSpPr txBox="1"/>
+            <p:nvPr/>
+          </p:nvSpPr>
+          <p:spPr>
+            <a:xfrm>
+              <a:off x="2205525" y="1454419"/>
+              <a:ext cx="2499402" cy="246221"/>
+            </a:xfrm>
+            <a:prstGeom prst="rect">
+              <a:avLst/>
+            </a:prstGeom>
+            <a:noFill/>
+          </p:spPr>
+          <p:txBody>
+            <a:bodyPr wrap="none" rtlCol="0">
+              <a:spAutoFit/>
+            </a:bodyPr>
+            <a:lstStyle/>
+            <a:p>
+              <a:pPr marL="171450" indent="-171450">
+                <a:buFontTx/>
+                <a:buChar char="-"/>
+              </a:pPr>
+              <a:r>
+                <a:rPr lang="ko-KR" altLang="en-US" sz="1000" dirty="0">
+                  <a:solidFill>
+                    <a:schemeClr val="bg1"/>
+                  </a:solidFill>
+                  <a:latin typeface="넥슨Lv1고딕" panose="00000500000000000000" pitchFamily="2" charset="-127"/>
+                  <a:ea typeface="넥슨Lv1고딕" panose="00000500000000000000" pitchFamily="2" charset="-127"/>
+                </a:rPr>
+                <a:t>전회를 부여하는 방법은 두가지 입니다</a:t>
+              </a:r>
+              <a:r>
+                <a:rPr lang="en-US" altLang="ko-KR" sz="1000" dirty="0">
+                  <a:solidFill>
+                    <a:schemeClr val="bg1"/>
+                  </a:solidFill>
+                  <a:latin typeface="넥슨Lv1고딕" panose="00000500000000000000" pitchFamily="2" charset="-127"/>
+                  <a:ea typeface="넥슨Lv1고딕" panose="00000500000000000000" pitchFamily="2" charset="-127"/>
+                </a:rPr>
+                <a:t>.</a:t>
+              </a:r>
+            </a:p>
+          </p:txBody>
+        </p:sp>
+        <p:grpSp>
+          <p:nvGrpSpPr>
+            <p:cNvPr id="62" name="그룹 61">
+              <a:extLst>
+                <a:ext uri="{FF2B5EF4-FFF2-40B4-BE49-F238E27FC236}">
+                  <a16:creationId xmlns:a16="http://schemas.microsoft.com/office/drawing/2014/main" id="{B74ADCA0-A13A-5CF7-3CF3-4DA24462F4DB}"/>
+                </a:ext>
+              </a:extLst>
+            </p:cNvPr>
+            <p:cNvGrpSpPr/>
+            <p:nvPr/>
+          </p:nvGrpSpPr>
+          <p:grpSpPr>
+            <a:xfrm>
+              <a:off x="1992916" y="954061"/>
+              <a:ext cx="2831662" cy="367200"/>
+              <a:chOff x="2500453" y="1274905"/>
+              <a:chExt cx="2831662" cy="367200"/>
+            </a:xfrm>
+          </p:grpSpPr>
+          <p:pic>
+            <p:nvPicPr>
+              <p:cNvPr id="63" name="Picture 4">
+                <a:extLst>
+                  <a:ext uri="{FF2B5EF4-FFF2-40B4-BE49-F238E27FC236}">
+                    <a16:creationId xmlns:a16="http://schemas.microsoft.com/office/drawing/2014/main" id="{65E53637-36B3-5578-AC32-FAA3AD0AAA96}"/>
+                  </a:ext>
+                </a:extLst>
+              </p:cNvPr>
+              <p:cNvPicPr>
+                <a:picLocks noChangeArrowheads="1"/>
+              </p:cNvPicPr>
+              <p:nvPr/>
+            </p:nvPicPr>
+            <p:blipFill rotWithShape="1">
+              <a:blip r:embed="rId2">
+                <a:clrChange>
+                  <a:clrFrom>
+                    <a:srgbClr val="000000"/>
+                  </a:clrFrom>
+                  <a:clrTo>
+                    <a:srgbClr val="000000">
+                      <a:alpha val="0"/>
+                    </a:srgbClr>
+                  </a:clrTo>
+                </a:clrChange>
+                <a:extLst>
+                  <a:ext uri="{28A0092B-C50C-407E-A947-70E740481C1C}">
+                    <a14:useLocalDpi xmlns:a14="http://schemas.microsoft.com/office/drawing/2010/main" val="0"/>
+                  </a:ext>
+                </a:extLst>
+              </a:blip>
+              <a:srcRect l="39323" t="43581" r="59826" b="39566"/>
+              <a:stretch/>
+            </p:blipFill>
+            <p:spPr bwMode="auto">
+              <a:xfrm>
+                <a:off x="2500453" y="1274905"/>
+                <a:ext cx="36000" cy="367200"/>
+              </a:xfrm>
+              <a:prstGeom prst="rect">
+                <a:avLst/>
+              </a:prstGeom>
+              <a:noFill/>
+              <a:extLst>
+                <a:ext uri="{909E8E84-426E-40DD-AFC4-6F175D3DCCD1}">
+                  <a14:hiddenFill xmlns:a14="http://schemas.microsoft.com/office/drawing/2010/main">
+                    <a:solidFill>
+                      <a:srgbClr val="FFFFFF"/>
+                    </a:solidFill>
+                  </a14:hiddenFill>
+                </a:ext>
+              </a:extLst>
+            </p:spPr>
+          </p:pic>
+          <p:grpSp>
+            <p:nvGrpSpPr>
+              <p:cNvPr id="64" name="그룹 63">
+                <a:extLst>
+                  <a:ext uri="{FF2B5EF4-FFF2-40B4-BE49-F238E27FC236}">
+                    <a16:creationId xmlns:a16="http://schemas.microsoft.com/office/drawing/2014/main" id="{7F46D797-A06C-1E24-754F-471850BC7D51}"/>
+                  </a:ext>
+                </a:extLst>
+              </p:cNvPr>
+              <p:cNvGrpSpPr/>
+              <p:nvPr/>
+            </p:nvGrpSpPr>
+            <p:grpSpPr>
+              <a:xfrm>
+                <a:off x="2536453" y="1287843"/>
+                <a:ext cx="2795662" cy="343894"/>
+                <a:chOff x="4774676" y="2919518"/>
+                <a:chExt cx="2734338" cy="336351"/>
+              </a:xfrm>
+            </p:grpSpPr>
+            <p:sp>
+              <p:nvSpPr>
+                <p:cNvPr id="66" name="직사각형 65">
+                  <a:extLst>
+                    <a:ext uri="{FF2B5EF4-FFF2-40B4-BE49-F238E27FC236}">
+                      <a16:creationId xmlns:a16="http://schemas.microsoft.com/office/drawing/2014/main" id="{E4D01365-AE8A-AF9C-AEEF-4265AD49D4C7}"/>
+                    </a:ext>
+                  </a:extLst>
+                </p:cNvPr>
+                <p:cNvSpPr>
+                  <a:spLocks/>
+                </p:cNvSpPr>
+                <p:nvPr/>
+              </p:nvSpPr>
+              <p:spPr>
+                <a:xfrm>
+                  <a:off x="4774676" y="2919518"/>
+                  <a:ext cx="2734338" cy="336351"/>
+                </a:xfrm>
+                <a:prstGeom prst="rect">
+                  <a:avLst/>
+                </a:prstGeom>
+                <a:gradFill flip="none" rotWithShape="1">
+                  <a:gsLst>
+                    <a:gs pos="59000">
+                      <a:srgbClr val="1A1810">
+                        <a:alpha val="70000"/>
+                      </a:srgbClr>
+                    </a:gs>
+                    <a:gs pos="3000">
+                      <a:srgbClr val="1A1810">
+                        <a:alpha val="90000"/>
+                      </a:srgbClr>
+                    </a:gs>
+                    <a:gs pos="100000">
+                      <a:srgbClr val="1A1810">
+                        <a:alpha val="0"/>
+                      </a:srgbClr>
+                    </a:gs>
+                  </a:gsLst>
+                  <a:lin ang="0" scaled="1"/>
+                  <a:tileRect/>
+                </a:gradFill>
+                <a:ln>
+                  <a:noFill/>
+                </a:ln>
+                <a:effectLst/>
+              </p:spPr>
+              <p:style>
+                <a:lnRef idx="2">
+                  <a:schemeClr val="accent1">
+                    <a:shade val="15000"/>
+                  </a:schemeClr>
+                </a:lnRef>
+                <a:fillRef idx="1">
+                  <a:schemeClr val="accent1"/>
+                </a:fillRef>
+                <a:effectRef idx="0">
+                  <a:schemeClr val="accent1"/>
+                </a:effectRef>
+                <a:fontRef idx="minor">
+                  <a:schemeClr val="lt1"/>
+                </a:fontRef>
+              </p:style>
+              <p:txBody>
+                <a:bodyPr rtlCol="0" anchor="ctr"/>
+                <a:lstStyle/>
+                <a:p>
+                  <a:pPr algn="ctr"/>
+                  <a:endParaRPr lang="ko-KR" altLang="en-US" dirty="0"/>
+                </a:p>
+              </p:txBody>
+            </p:sp>
+            <p:cxnSp>
+              <p:nvCxnSpPr>
+                <p:cNvPr id="67" name="직선 연결선 66">
+                  <a:extLst>
+                    <a:ext uri="{FF2B5EF4-FFF2-40B4-BE49-F238E27FC236}">
+                      <a16:creationId xmlns:a16="http://schemas.microsoft.com/office/drawing/2014/main" id="{4E0DE7AB-985E-859C-EF72-FC230A613D1A}"/>
+                    </a:ext>
+                  </a:extLst>
+                </p:cNvPr>
+                <p:cNvCxnSpPr>
+                  <a:cxnSpLocks/>
+                </p:cNvCxnSpPr>
+                <p:nvPr/>
+              </p:nvCxnSpPr>
+              <p:spPr>
+                <a:xfrm flipH="1">
+                  <a:off x="4774676" y="3255869"/>
+                  <a:ext cx="2734338" cy="0"/>
+                </a:xfrm>
+                <a:prstGeom prst="line">
+                  <a:avLst/>
+                </a:prstGeom>
+                <a:ln>
+                  <a:gradFill flip="none" rotWithShape="1">
+                    <a:gsLst>
+                      <a:gs pos="0">
+                        <a:srgbClr val="33332B"/>
+                      </a:gs>
+                      <a:gs pos="31000">
+                        <a:srgbClr val="33332B">
+                          <a:alpha val="70000"/>
+                        </a:srgbClr>
+                      </a:gs>
+                      <a:gs pos="54000">
+                        <a:srgbClr val="33332B">
+                          <a:alpha val="30000"/>
+                        </a:srgbClr>
+                      </a:gs>
+                      <a:gs pos="100000">
+                        <a:srgbClr val="33332B">
+                          <a:alpha val="0"/>
+                        </a:srgbClr>
+                      </a:gs>
+                    </a:gsLst>
+                    <a:lin ang="10800000" scaled="1"/>
+                    <a:tileRect/>
+                  </a:gradFill>
+                </a:ln>
+                <a:effectLst/>
+              </p:spPr>
+              <p:style>
+                <a:lnRef idx="2">
+                  <a:schemeClr val="accent1"/>
+                </a:lnRef>
+                <a:fillRef idx="0">
+                  <a:schemeClr val="accent1"/>
+                </a:fillRef>
+                <a:effectRef idx="1">
+                  <a:schemeClr val="accent1"/>
+                </a:effectRef>
+                <a:fontRef idx="minor">
+                  <a:schemeClr val="tx1"/>
+                </a:fontRef>
+              </p:style>
+            </p:cxnSp>
+            <p:cxnSp>
+              <p:nvCxnSpPr>
+                <p:cNvPr id="68" name="직선 연결선 67">
+                  <a:extLst>
+                    <a:ext uri="{FF2B5EF4-FFF2-40B4-BE49-F238E27FC236}">
+                      <a16:creationId xmlns:a16="http://schemas.microsoft.com/office/drawing/2014/main" id="{26C2FDB4-4BB6-F48A-DD7D-9C5BA600F202}"/>
+                    </a:ext>
+                  </a:extLst>
+                </p:cNvPr>
+                <p:cNvCxnSpPr>
+                  <a:cxnSpLocks/>
+                </p:cNvCxnSpPr>
+                <p:nvPr/>
+              </p:nvCxnSpPr>
+              <p:spPr>
+                <a:xfrm flipH="1">
+                  <a:off x="4774676" y="2919518"/>
+                  <a:ext cx="2734338" cy="0"/>
+                </a:xfrm>
+                <a:prstGeom prst="line">
+                  <a:avLst/>
+                </a:prstGeom>
+                <a:ln>
+                  <a:gradFill flip="none" rotWithShape="1">
+                    <a:gsLst>
+                      <a:gs pos="0">
+                        <a:srgbClr val="33332B"/>
+                      </a:gs>
+                      <a:gs pos="31000">
+                        <a:srgbClr val="33332B">
+                          <a:alpha val="70000"/>
+                        </a:srgbClr>
+                      </a:gs>
+                      <a:gs pos="54000">
+                        <a:srgbClr val="33332B">
+                          <a:alpha val="30000"/>
+                        </a:srgbClr>
+                      </a:gs>
+                      <a:gs pos="100000">
+                        <a:srgbClr val="33332B">
+                          <a:alpha val="0"/>
+                        </a:srgbClr>
+                      </a:gs>
+                    </a:gsLst>
+                    <a:lin ang="10800000" scaled="1"/>
+                    <a:tileRect/>
+                  </a:gradFill>
+                </a:ln>
+                <a:effectLst/>
+              </p:spPr>
+              <p:style>
+                <a:lnRef idx="2">
+                  <a:schemeClr val="accent1"/>
+                </a:lnRef>
+                <a:fillRef idx="0">
+                  <a:schemeClr val="accent1"/>
+                </a:fillRef>
+                <a:effectRef idx="1">
+                  <a:schemeClr val="accent1"/>
+                </a:effectRef>
+                <a:fontRef idx="minor">
+                  <a:schemeClr val="tx1"/>
+                </a:fontRef>
+              </p:style>
+            </p:cxnSp>
+          </p:grpSp>
+          <p:sp>
+            <p:nvSpPr>
+              <p:cNvPr id="65" name="TextBox 64">
+                <a:extLst>
+                  <a:ext uri="{FF2B5EF4-FFF2-40B4-BE49-F238E27FC236}">
+                    <a16:creationId xmlns:a16="http://schemas.microsoft.com/office/drawing/2014/main" id="{3143F033-3F64-92DF-8E01-DF5AD8C2FC3B}"/>
+                  </a:ext>
+                </a:extLst>
+              </p:cNvPr>
+              <p:cNvSpPr txBox="1"/>
+              <p:nvPr/>
+            </p:nvSpPr>
+            <p:spPr>
+              <a:xfrm>
+                <a:off x="2554184" y="1328985"/>
+                <a:ext cx="1348446" cy="261610"/>
+              </a:xfrm>
+              <a:prstGeom prst="rect">
+                <a:avLst/>
+              </a:prstGeom>
+              <a:noFill/>
+            </p:spPr>
+            <p:txBody>
+              <a:bodyPr wrap="none" rtlCol="0">
+                <a:spAutoFit/>
+              </a:bodyPr>
+              <a:lstStyle/>
+              <a:p>
+                <a:r>
+                  <a:rPr lang="en-US" altLang="ko-KR" sz="1100" dirty="0">
+                    <a:solidFill>
+                      <a:schemeClr val="bg1"/>
+                    </a:solidFill>
+                    <a:effectLst>
+                      <a:glow rad="101600">
+                        <a:schemeClr val="tx1">
+                          <a:alpha val="60000"/>
+                        </a:schemeClr>
+                      </a:glow>
+                    </a:effectLst>
+                    <a:latin typeface="넥슨Lv1고딕 Bold" panose="00000800000000000000" pitchFamily="2" charset="-127"/>
+                    <a:ea typeface="넥슨Lv1고딕 Bold" panose="00000800000000000000" pitchFamily="2" charset="-127"/>
+                  </a:rPr>
+                  <a:t>[</a:t>
+                </a:r>
+                <a:r>
+                  <a:rPr lang="ko-KR" altLang="en-US" sz="1100" dirty="0">
+                    <a:solidFill>
+                      <a:schemeClr val="bg1"/>
+                    </a:solidFill>
+                    <a:effectLst>
+                      <a:glow rad="101600">
+                        <a:schemeClr val="tx1">
+                          <a:alpha val="60000"/>
+                        </a:schemeClr>
+                      </a:glow>
+                    </a:effectLst>
+                    <a:latin typeface="넥슨Lv1고딕 Bold" panose="00000800000000000000" pitchFamily="2" charset="-127"/>
+                    <a:ea typeface="넥슨Lv1고딕 Bold" panose="00000800000000000000" pitchFamily="2" charset="-127"/>
+                  </a:rPr>
+                  <a:t>부여 방법 </a:t>
+                </a:r>
+                <a:r>
+                  <a:rPr lang="en-US" altLang="ko-KR" sz="1100" dirty="0">
+                    <a:solidFill>
+                      <a:schemeClr val="bg1"/>
+                    </a:solidFill>
+                    <a:effectLst>
+                      <a:glow rad="101600">
+                        <a:schemeClr val="tx1">
+                          <a:alpha val="60000"/>
+                        </a:schemeClr>
+                      </a:glow>
+                    </a:effectLst>
+                    <a:latin typeface="넥슨Lv1고딕 Bold" panose="00000800000000000000" pitchFamily="2" charset="-127"/>
+                    <a:ea typeface="넥슨Lv1고딕 Bold" panose="00000800000000000000" pitchFamily="2" charset="-127"/>
+                  </a:rPr>
+                  <a:t>1] NPC</a:t>
+                </a:r>
+                <a:endParaRPr lang="ko-KR" altLang="en-US" sz="1100" dirty="0">
+                  <a:solidFill>
+                    <a:schemeClr val="bg1"/>
+                  </a:solidFill>
+                  <a:effectLst>
+                    <a:glow rad="101600">
+                      <a:schemeClr val="tx1">
+                        <a:alpha val="60000"/>
+                      </a:schemeClr>
+                    </a:glow>
+                  </a:effectLst>
+                  <a:latin typeface="넥슨Lv1고딕 Bold" panose="00000800000000000000" pitchFamily="2" charset="-127"/>
+                  <a:ea typeface="넥슨Lv1고딕 Bold" panose="00000800000000000000" pitchFamily="2" charset="-127"/>
+                </a:endParaRPr>
+              </a:p>
+            </p:txBody>
+          </p:sp>
+        </p:grpSp>
+      </p:grpSp>
     </p:spTree>
     <p:extLst>
       <p:ext uri="{BB962C8B-B14F-4D97-AF65-F5344CB8AC3E}">
@@ -16131,7 +18893,7 @@
           <p:cNvPr id="2" name="슬라이드 번호 개체 틀 1">
             <a:extLst>
               <a:ext uri="{FF2B5EF4-FFF2-40B4-BE49-F238E27FC236}">
-                <a16:creationId xmlns:a16="http://schemas.microsoft.com/office/drawing/2014/main" id="{A5B78E01-89DF-3758-C89A-F988A80DFFB2}"/>
+                <a16:creationId xmlns:a16="http://schemas.microsoft.com/office/drawing/2014/main" id="{C5BD0FF6-4671-AD96-A369-8F84840014F5}"/>
               </a:ext>
             </a:extLst>
           </p:cNvPr>
@@ -16164,10 +18926,245 @@
           </a:p>
         </p:txBody>
       </p:sp>
+      <p:grpSp>
+        <p:nvGrpSpPr>
+          <p:cNvPr id="16" name="그룹 15">
+            <a:extLst>
+              <a:ext uri="{FF2B5EF4-FFF2-40B4-BE49-F238E27FC236}">
+                <a16:creationId xmlns:a16="http://schemas.microsoft.com/office/drawing/2014/main" id="{16889DE5-4DA8-2285-D8A3-56238F48C3BA}"/>
+              </a:ext>
+            </a:extLst>
+          </p:cNvPr>
+          <p:cNvGrpSpPr/>
+          <p:nvPr/>
+        </p:nvGrpSpPr>
+        <p:grpSpPr>
+          <a:xfrm>
+            <a:off x="1704516" y="219855"/>
+            <a:ext cx="10487484" cy="392234"/>
+            <a:chOff x="1704516" y="219855"/>
+            <a:chExt cx="10487484" cy="392234"/>
+          </a:xfrm>
+        </p:grpSpPr>
+        <p:grpSp>
+          <p:nvGrpSpPr>
+            <p:cNvPr id="17" name="그룹 16">
+              <a:extLst>
+                <a:ext uri="{FF2B5EF4-FFF2-40B4-BE49-F238E27FC236}">
+                  <a16:creationId xmlns:a16="http://schemas.microsoft.com/office/drawing/2014/main" id="{C8335AE4-62A9-7FE4-8CAD-56CD45B2C1B7}"/>
+                </a:ext>
+              </a:extLst>
+            </p:cNvPr>
+            <p:cNvGrpSpPr/>
+            <p:nvPr/>
+          </p:nvGrpSpPr>
+          <p:grpSpPr>
+            <a:xfrm>
+              <a:off x="1704516" y="219855"/>
+              <a:ext cx="10487484" cy="392234"/>
+              <a:chOff x="1704516" y="219855"/>
+              <a:chExt cx="10487484" cy="392234"/>
+            </a:xfrm>
+          </p:grpSpPr>
+          <p:sp>
+            <p:nvSpPr>
+              <p:cNvPr id="19" name="직사각형 18">
+                <a:extLst>
+                  <a:ext uri="{FF2B5EF4-FFF2-40B4-BE49-F238E27FC236}">
+                    <a16:creationId xmlns:a16="http://schemas.microsoft.com/office/drawing/2014/main" id="{3134DD57-C796-4E9C-9567-CA0C465B73C0}"/>
+                  </a:ext>
+                </a:extLst>
+              </p:cNvPr>
+              <p:cNvSpPr>
+                <a:spLocks/>
+              </p:cNvSpPr>
+              <p:nvPr/>
+            </p:nvSpPr>
+            <p:spPr>
+              <a:xfrm>
+                <a:off x="1704516" y="219855"/>
+                <a:ext cx="10487484" cy="392234"/>
+              </a:xfrm>
+              <a:prstGeom prst="rect">
+                <a:avLst/>
+              </a:prstGeom>
+              <a:gradFill flip="none" rotWithShape="1">
+                <a:gsLst>
+                  <a:gs pos="58000">
+                    <a:srgbClr val="464437">
+                      <a:alpha val="70000"/>
+                    </a:srgbClr>
+                  </a:gs>
+                  <a:gs pos="2000">
+                    <a:srgbClr val="464437">
+                      <a:alpha val="80000"/>
+                    </a:srgbClr>
+                  </a:gs>
+                  <a:gs pos="100000">
+                    <a:srgbClr val="48443A">
+                      <a:alpha val="30000"/>
+                    </a:srgbClr>
+                  </a:gs>
+                </a:gsLst>
+                <a:lin ang="0" scaled="1"/>
+                <a:tileRect/>
+              </a:gradFill>
+              <a:ln>
+                <a:noFill/>
+              </a:ln>
+            </p:spPr>
+            <p:style>
+              <a:lnRef idx="2">
+                <a:schemeClr val="accent1">
+                  <a:shade val="15000"/>
+                </a:schemeClr>
+              </a:lnRef>
+              <a:fillRef idx="1">
+                <a:schemeClr val="accent1"/>
+              </a:fillRef>
+              <a:effectRef idx="0">
+                <a:schemeClr val="accent1"/>
+              </a:effectRef>
+              <a:fontRef idx="minor">
+                <a:schemeClr val="lt1"/>
+              </a:fontRef>
+            </p:style>
+            <p:txBody>
+              <a:bodyPr rtlCol="0" anchor="ctr"/>
+              <a:lstStyle/>
+              <a:p>
+                <a:pPr algn="ctr"/>
+                <a:endParaRPr lang="ko-KR" altLang="en-US" dirty="0"/>
+              </a:p>
+            </p:txBody>
+          </p:sp>
+          <p:cxnSp>
+            <p:nvCxnSpPr>
+              <p:cNvPr id="20" name="직선 연결선 19">
+                <a:extLst>
+                  <a:ext uri="{FF2B5EF4-FFF2-40B4-BE49-F238E27FC236}">
+                    <a16:creationId xmlns:a16="http://schemas.microsoft.com/office/drawing/2014/main" id="{B07D7A6D-8F8F-34E9-DB74-6CE713EA0589}"/>
+                  </a:ext>
+                </a:extLst>
+              </p:cNvPr>
+              <p:cNvCxnSpPr>
+                <a:cxnSpLocks/>
+              </p:cNvCxnSpPr>
+              <p:nvPr/>
+            </p:nvCxnSpPr>
+            <p:spPr>
+              <a:xfrm>
+                <a:off x="1992916" y="588667"/>
+                <a:ext cx="9829562" cy="0"/>
+              </a:xfrm>
+              <a:prstGeom prst="line">
+                <a:avLst/>
+              </a:prstGeom>
+              <a:ln w="28575">
+                <a:gradFill flip="none" rotWithShape="1">
+                  <a:gsLst>
+                    <a:gs pos="0">
+                      <a:srgbClr val="464437">
+                        <a:alpha val="70000"/>
+                      </a:srgbClr>
+                    </a:gs>
+                    <a:gs pos="47000">
+                      <a:srgbClr val="464437">
+                        <a:alpha val="50000"/>
+                      </a:srgbClr>
+                    </a:gs>
+                    <a:gs pos="83000">
+                      <a:srgbClr val="464437">
+                        <a:alpha val="50000"/>
+                      </a:srgbClr>
+                    </a:gs>
+                    <a:gs pos="100000">
+                      <a:srgbClr val="464437">
+                        <a:alpha val="0"/>
+                      </a:srgbClr>
+                    </a:gs>
+                  </a:gsLst>
+                  <a:path path="circle">
+                    <a:fillToRect l="50000" t="50000" r="50000" b="50000"/>
+                  </a:path>
+                  <a:tileRect/>
+                </a:gradFill>
+              </a:ln>
+            </p:spPr>
+            <p:style>
+              <a:lnRef idx="2">
+                <a:schemeClr val="accent1"/>
+              </a:lnRef>
+              <a:fillRef idx="0">
+                <a:schemeClr val="accent1"/>
+              </a:fillRef>
+              <a:effectRef idx="1">
+                <a:schemeClr val="accent1"/>
+              </a:effectRef>
+              <a:fontRef idx="minor">
+                <a:schemeClr val="tx1"/>
+              </a:fontRef>
+            </p:style>
+          </p:cxnSp>
+        </p:grpSp>
+        <p:sp>
+          <p:nvSpPr>
+            <p:cNvPr id="18" name="TextBox 17">
+              <a:extLst>
+                <a:ext uri="{FF2B5EF4-FFF2-40B4-BE49-F238E27FC236}">
+                  <a16:creationId xmlns:a16="http://schemas.microsoft.com/office/drawing/2014/main" id="{6872C446-03C0-448D-4918-E07A70D43C04}"/>
+                </a:ext>
+              </a:extLst>
+            </p:cNvPr>
+            <p:cNvSpPr txBox="1">
+              <a:spLocks/>
+            </p:cNvSpPr>
+            <p:nvPr/>
+          </p:nvSpPr>
+          <p:spPr>
+            <a:xfrm>
+              <a:off x="1704516" y="246695"/>
+              <a:ext cx="1051891" cy="338554"/>
+            </a:xfrm>
+            <a:prstGeom prst="rect">
+              <a:avLst/>
+            </a:prstGeom>
+            <a:noFill/>
+            <a:ln w="6350">
+              <a:noFill/>
+            </a:ln>
+          </p:spPr>
+          <p:txBody>
+            <a:bodyPr wrap="none" rtlCol="0">
+              <a:spAutoFit/>
+            </a:bodyPr>
+            <a:lstStyle/>
+            <a:p>
+              <a:r>
+                <a:rPr lang="ko-KR" altLang="en-US" sz="1600" dirty="0">
+                  <a:solidFill>
+                    <a:schemeClr val="bg1"/>
+                  </a:solidFill>
+                  <a:effectLst>
+                    <a:glow rad="101600">
+                      <a:schemeClr val="tx1">
+                        <a:alpha val="60000"/>
+                      </a:schemeClr>
+                    </a:glow>
+                  </a:effectLst>
+                  <a:latin typeface="빛의 계승자 Bold" panose="020B0600000101010101" pitchFamily="50" charset="-127"/>
+                  <a:ea typeface="빛의 계승자 Bold" panose="020B0600000101010101" pitchFamily="50" charset="-127"/>
+                </a:rPr>
+                <a:t>전회 복제</a:t>
+              </a:r>
+            </a:p>
+          </p:txBody>
+        </p:sp>
+      </p:grpSp>
     </p:spTree>
     <p:extLst>
       <p:ext uri="{BB962C8B-B14F-4D97-AF65-F5344CB8AC3E}">
-        <p14:creationId xmlns:p14="http://schemas.microsoft.com/office/powerpoint/2010/main" val="856074562"/>
+        <p14:creationId xmlns:p14="http://schemas.microsoft.com/office/powerpoint/2010/main" val="1885794038"/>
       </p:ext>
     </p:extLst>
   </p:cSld>
@@ -16199,7 +19196,7 @@
           <p:cNvPr id="2" name="슬라이드 번호 개체 틀 1">
             <a:extLst>
               <a:ext uri="{FF2B5EF4-FFF2-40B4-BE49-F238E27FC236}">
-                <a16:creationId xmlns:a16="http://schemas.microsoft.com/office/drawing/2014/main" id="{C1CAC341-4901-C77B-232D-39954FCF9790}"/>
+                <a16:creationId xmlns:a16="http://schemas.microsoft.com/office/drawing/2014/main" id="{C5BD0FF6-4671-AD96-A369-8F84840014F5}"/>
               </a:ext>
             </a:extLst>
           </p:cNvPr>
@@ -16232,10 +19229,245 @@
           </a:p>
         </p:txBody>
       </p:sp>
+      <p:grpSp>
+        <p:nvGrpSpPr>
+          <p:cNvPr id="16" name="그룹 15">
+            <a:extLst>
+              <a:ext uri="{FF2B5EF4-FFF2-40B4-BE49-F238E27FC236}">
+                <a16:creationId xmlns:a16="http://schemas.microsoft.com/office/drawing/2014/main" id="{16889DE5-4DA8-2285-D8A3-56238F48C3BA}"/>
+              </a:ext>
+            </a:extLst>
+          </p:cNvPr>
+          <p:cNvGrpSpPr/>
+          <p:nvPr/>
+        </p:nvGrpSpPr>
+        <p:grpSpPr>
+          <a:xfrm>
+            <a:off x="1704516" y="219855"/>
+            <a:ext cx="10487484" cy="392234"/>
+            <a:chOff x="1704516" y="219855"/>
+            <a:chExt cx="10487484" cy="392234"/>
+          </a:xfrm>
+        </p:grpSpPr>
+        <p:grpSp>
+          <p:nvGrpSpPr>
+            <p:cNvPr id="17" name="그룹 16">
+              <a:extLst>
+                <a:ext uri="{FF2B5EF4-FFF2-40B4-BE49-F238E27FC236}">
+                  <a16:creationId xmlns:a16="http://schemas.microsoft.com/office/drawing/2014/main" id="{C8335AE4-62A9-7FE4-8CAD-56CD45B2C1B7}"/>
+                </a:ext>
+              </a:extLst>
+            </p:cNvPr>
+            <p:cNvGrpSpPr/>
+            <p:nvPr/>
+          </p:nvGrpSpPr>
+          <p:grpSpPr>
+            <a:xfrm>
+              <a:off x="1704516" y="219855"/>
+              <a:ext cx="10487484" cy="392234"/>
+              <a:chOff x="1704516" y="219855"/>
+              <a:chExt cx="10487484" cy="392234"/>
+            </a:xfrm>
+          </p:grpSpPr>
+          <p:sp>
+            <p:nvSpPr>
+              <p:cNvPr id="19" name="직사각형 18">
+                <a:extLst>
+                  <a:ext uri="{FF2B5EF4-FFF2-40B4-BE49-F238E27FC236}">
+                    <a16:creationId xmlns:a16="http://schemas.microsoft.com/office/drawing/2014/main" id="{3134DD57-C796-4E9C-9567-CA0C465B73C0}"/>
+                  </a:ext>
+                </a:extLst>
+              </p:cNvPr>
+              <p:cNvSpPr>
+                <a:spLocks/>
+              </p:cNvSpPr>
+              <p:nvPr/>
+            </p:nvSpPr>
+            <p:spPr>
+              <a:xfrm>
+                <a:off x="1704516" y="219855"/>
+                <a:ext cx="10487484" cy="392234"/>
+              </a:xfrm>
+              <a:prstGeom prst="rect">
+                <a:avLst/>
+              </a:prstGeom>
+              <a:gradFill flip="none" rotWithShape="1">
+                <a:gsLst>
+                  <a:gs pos="58000">
+                    <a:srgbClr val="464437">
+                      <a:alpha val="70000"/>
+                    </a:srgbClr>
+                  </a:gs>
+                  <a:gs pos="2000">
+                    <a:srgbClr val="464437">
+                      <a:alpha val="80000"/>
+                    </a:srgbClr>
+                  </a:gs>
+                  <a:gs pos="100000">
+                    <a:srgbClr val="48443A">
+                      <a:alpha val="30000"/>
+                    </a:srgbClr>
+                  </a:gs>
+                </a:gsLst>
+                <a:lin ang="0" scaled="1"/>
+                <a:tileRect/>
+              </a:gradFill>
+              <a:ln>
+                <a:noFill/>
+              </a:ln>
+            </p:spPr>
+            <p:style>
+              <a:lnRef idx="2">
+                <a:schemeClr val="accent1">
+                  <a:shade val="15000"/>
+                </a:schemeClr>
+              </a:lnRef>
+              <a:fillRef idx="1">
+                <a:schemeClr val="accent1"/>
+              </a:fillRef>
+              <a:effectRef idx="0">
+                <a:schemeClr val="accent1"/>
+              </a:effectRef>
+              <a:fontRef idx="minor">
+                <a:schemeClr val="lt1"/>
+              </a:fontRef>
+            </p:style>
+            <p:txBody>
+              <a:bodyPr rtlCol="0" anchor="ctr"/>
+              <a:lstStyle/>
+              <a:p>
+                <a:pPr algn="ctr"/>
+                <a:endParaRPr lang="ko-KR" altLang="en-US" dirty="0"/>
+              </a:p>
+            </p:txBody>
+          </p:sp>
+          <p:cxnSp>
+            <p:nvCxnSpPr>
+              <p:cNvPr id="20" name="직선 연결선 19">
+                <a:extLst>
+                  <a:ext uri="{FF2B5EF4-FFF2-40B4-BE49-F238E27FC236}">
+                    <a16:creationId xmlns:a16="http://schemas.microsoft.com/office/drawing/2014/main" id="{B07D7A6D-8F8F-34E9-DB74-6CE713EA0589}"/>
+                  </a:ext>
+                </a:extLst>
+              </p:cNvPr>
+              <p:cNvCxnSpPr>
+                <a:cxnSpLocks/>
+              </p:cNvCxnSpPr>
+              <p:nvPr/>
+            </p:nvCxnSpPr>
+            <p:spPr>
+              <a:xfrm>
+                <a:off x="1992916" y="588667"/>
+                <a:ext cx="9829562" cy="0"/>
+              </a:xfrm>
+              <a:prstGeom prst="line">
+                <a:avLst/>
+              </a:prstGeom>
+              <a:ln w="28575">
+                <a:gradFill flip="none" rotWithShape="1">
+                  <a:gsLst>
+                    <a:gs pos="0">
+                      <a:srgbClr val="464437">
+                        <a:alpha val="70000"/>
+                      </a:srgbClr>
+                    </a:gs>
+                    <a:gs pos="47000">
+                      <a:srgbClr val="464437">
+                        <a:alpha val="50000"/>
+                      </a:srgbClr>
+                    </a:gs>
+                    <a:gs pos="83000">
+                      <a:srgbClr val="464437">
+                        <a:alpha val="50000"/>
+                      </a:srgbClr>
+                    </a:gs>
+                    <a:gs pos="100000">
+                      <a:srgbClr val="464437">
+                        <a:alpha val="0"/>
+                      </a:srgbClr>
+                    </a:gs>
+                  </a:gsLst>
+                  <a:path path="circle">
+                    <a:fillToRect l="50000" t="50000" r="50000" b="50000"/>
+                  </a:path>
+                  <a:tileRect/>
+                </a:gradFill>
+              </a:ln>
+            </p:spPr>
+            <p:style>
+              <a:lnRef idx="2">
+                <a:schemeClr val="accent1"/>
+              </a:lnRef>
+              <a:fillRef idx="0">
+                <a:schemeClr val="accent1"/>
+              </a:fillRef>
+              <a:effectRef idx="1">
+                <a:schemeClr val="accent1"/>
+              </a:effectRef>
+              <a:fontRef idx="minor">
+                <a:schemeClr val="tx1"/>
+              </a:fontRef>
+            </p:style>
+          </p:cxnSp>
+        </p:grpSp>
+        <p:sp>
+          <p:nvSpPr>
+            <p:cNvPr id="18" name="TextBox 17">
+              <a:extLst>
+                <a:ext uri="{FF2B5EF4-FFF2-40B4-BE49-F238E27FC236}">
+                  <a16:creationId xmlns:a16="http://schemas.microsoft.com/office/drawing/2014/main" id="{6872C446-03C0-448D-4918-E07A70D43C04}"/>
+                </a:ext>
+              </a:extLst>
+            </p:cNvPr>
+            <p:cNvSpPr txBox="1">
+              <a:spLocks/>
+            </p:cNvSpPr>
+            <p:nvPr/>
+          </p:nvSpPr>
+          <p:spPr>
+            <a:xfrm>
+              <a:off x="1704516" y="246695"/>
+              <a:ext cx="1255472" cy="338554"/>
+            </a:xfrm>
+            <a:prstGeom prst="rect">
+              <a:avLst/>
+            </a:prstGeom>
+            <a:noFill/>
+            <a:ln w="6350">
+              <a:noFill/>
+            </a:ln>
+          </p:spPr>
+          <p:txBody>
+            <a:bodyPr wrap="none" rtlCol="0">
+              <a:spAutoFit/>
+            </a:bodyPr>
+            <a:lstStyle/>
+            <a:p>
+              <a:r>
+                <a:rPr lang="ko-KR" altLang="en-US" sz="1600" dirty="0">
+                  <a:solidFill>
+                    <a:schemeClr val="bg1"/>
+                  </a:solidFill>
+                  <a:effectLst>
+                    <a:glow rad="101600">
+                      <a:schemeClr val="tx1">
+                        <a:alpha val="60000"/>
+                      </a:schemeClr>
+                    </a:glow>
+                  </a:effectLst>
+                  <a:latin typeface="빛의 계승자 Bold" panose="020B0600000101010101" pitchFamily="50" charset="-127"/>
+                  <a:ea typeface="빛의 계승자 Bold" panose="020B0600000101010101" pitchFamily="50" charset="-127"/>
+                </a:rPr>
+                <a:t>전회의 종류</a:t>
+              </a:r>
+            </a:p>
+          </p:txBody>
+        </p:sp>
+      </p:grpSp>
     </p:spTree>
     <p:extLst>
       <p:ext uri="{BB962C8B-B14F-4D97-AF65-F5344CB8AC3E}">
-        <p14:creationId xmlns:p14="http://schemas.microsoft.com/office/powerpoint/2010/main" val="345884417"/>
+        <p14:creationId xmlns:p14="http://schemas.microsoft.com/office/powerpoint/2010/main" val="4063470526"/>
       </p:ext>
     </p:extLst>
   </p:cSld>
@@ -16267,7 +19499,7 @@
           <p:cNvPr id="2" name="슬라이드 번호 개체 틀 1">
             <a:extLst>
               <a:ext uri="{FF2B5EF4-FFF2-40B4-BE49-F238E27FC236}">
-                <a16:creationId xmlns:a16="http://schemas.microsoft.com/office/drawing/2014/main" id="{B5B1BE3C-03E2-6C1F-241F-CCA5D5A08A86}"/>
+                <a16:creationId xmlns:a16="http://schemas.microsoft.com/office/drawing/2014/main" id="{C5BD0FF6-4671-AD96-A369-8F84840014F5}"/>
               </a:ext>
             </a:extLst>
           </p:cNvPr>
@@ -16300,370 +19532,245 @@
           </a:p>
         </p:txBody>
       </p:sp>
-      <p:sp>
-        <p:nvSpPr>
-          <p:cNvPr id="3" name="TextBox 2">
+      <p:grpSp>
+        <p:nvGrpSpPr>
+          <p:cNvPr id="16" name="그룹 15">
             <a:extLst>
               <a:ext uri="{FF2B5EF4-FFF2-40B4-BE49-F238E27FC236}">
-                <a16:creationId xmlns:a16="http://schemas.microsoft.com/office/drawing/2014/main" id="{96EABF16-B9A5-02A3-A205-7B4E2E78F7EC}"/>
+                <a16:creationId xmlns:a16="http://schemas.microsoft.com/office/drawing/2014/main" id="{16889DE5-4DA8-2285-D8A3-56238F48C3BA}"/>
               </a:ext>
             </a:extLst>
           </p:cNvPr>
-          <p:cNvSpPr txBox="1"/>
+          <p:cNvGrpSpPr/>
           <p:nvPr/>
-        </p:nvSpPr>
-        <p:spPr>
+        </p:nvGrpSpPr>
+        <p:grpSpPr>
           <a:xfrm>
-            <a:off x="2533919" y="2033155"/>
-            <a:ext cx="2840842" cy="2554545"/>
+            <a:off x="1704516" y="219855"/>
+            <a:ext cx="10487484" cy="392234"/>
+            <a:chOff x="1704516" y="219855"/>
+            <a:chExt cx="10487484" cy="392234"/>
           </a:xfrm>
-          <a:prstGeom prst="rect">
-            <a:avLst/>
-          </a:prstGeom>
-          <a:noFill/>
-        </p:spPr>
-        <p:txBody>
-          <a:bodyPr wrap="none" rtlCol="0">
-            <a:spAutoFit/>
-          </a:bodyPr>
-          <a:lstStyle/>
-          <a:p>
-            <a:r>
-              <a:rPr lang="ko-KR" altLang="en-US" sz="1000" dirty="0">
-                <a:solidFill>
-                  <a:schemeClr val="bg1"/>
-                </a:solidFill>
-                <a:latin typeface="나눔고딕" panose="020D0604000000000000" pitchFamily="50" charset="-127"/>
-                <a:ea typeface="나눔고딕" panose="020D0604000000000000" pitchFamily="50" charset="-127"/>
-              </a:rPr>
-              <a:t>현재 문제점</a:t>
-            </a:r>
-            <a:endParaRPr lang="en-US" altLang="ko-KR" sz="1000" dirty="0">
-              <a:solidFill>
-                <a:schemeClr val="bg1"/>
-              </a:solidFill>
-              <a:latin typeface="나눔고딕" panose="020D0604000000000000" pitchFamily="50" charset="-127"/>
-              <a:ea typeface="나눔고딕" panose="020D0604000000000000" pitchFamily="50" charset="-127"/>
-            </a:endParaRPr>
-          </a:p>
-          <a:p>
-            <a:r>
-              <a:rPr lang="en-US" altLang="ko-KR" sz="1000" dirty="0">
-                <a:solidFill>
-                  <a:schemeClr val="bg1"/>
-                </a:solidFill>
-                <a:latin typeface="나눔고딕" panose="020D0604000000000000" pitchFamily="50" charset="-127"/>
-                <a:ea typeface="나눔고딕" panose="020D0604000000000000" pitchFamily="50" charset="-127"/>
-              </a:rPr>
-              <a:t>1) </a:t>
-            </a:r>
-          </a:p>
-          <a:p>
-            <a:endParaRPr lang="en-US" altLang="ko-KR" sz="1000" dirty="0">
-              <a:solidFill>
-                <a:schemeClr val="bg1"/>
-              </a:solidFill>
-              <a:latin typeface="나눔고딕" panose="020D0604000000000000" pitchFamily="50" charset="-127"/>
-              <a:ea typeface="나눔고딕" panose="020D0604000000000000" pitchFamily="50" charset="-127"/>
-            </a:endParaRPr>
-          </a:p>
-          <a:p>
-            <a:r>
-              <a:rPr lang="ko-KR" altLang="en-US" sz="1000" dirty="0">
-                <a:solidFill>
-                  <a:schemeClr val="bg1"/>
-                </a:solidFill>
-                <a:latin typeface="나눔고딕" panose="020D0604000000000000" pitchFamily="50" charset="-127"/>
-                <a:ea typeface="나눔고딕" panose="020D0604000000000000" pitchFamily="50" charset="-127"/>
-              </a:rPr>
-              <a:t>개선 사항의 목적</a:t>
-            </a:r>
-            <a:endParaRPr lang="en-US" altLang="ko-KR" sz="1000" dirty="0">
-              <a:solidFill>
-                <a:schemeClr val="bg1"/>
-              </a:solidFill>
-              <a:latin typeface="나눔고딕" panose="020D0604000000000000" pitchFamily="50" charset="-127"/>
-              <a:ea typeface="나눔고딕" panose="020D0604000000000000" pitchFamily="50" charset="-127"/>
-            </a:endParaRPr>
-          </a:p>
-          <a:p>
-            <a:pPr marL="228600" indent="-228600">
-              <a:buAutoNum type="arabicParenR"/>
-            </a:pPr>
-            <a:r>
-              <a:rPr lang="ko-KR" altLang="en-US" sz="1000" dirty="0">
-                <a:solidFill>
-                  <a:schemeClr val="bg1"/>
-                </a:solidFill>
-                <a:latin typeface="나눔고딕" panose="020D0604000000000000" pitchFamily="50" charset="-127"/>
-                <a:ea typeface="나눔고딕" panose="020D0604000000000000" pitchFamily="50" charset="-127"/>
-              </a:rPr>
-              <a:t>적극적으로 전회를 바꿔가며 사용하도록 유도</a:t>
-            </a:r>
-            <a:endParaRPr lang="en-US" altLang="ko-KR" sz="1000" dirty="0">
-              <a:solidFill>
-                <a:schemeClr val="bg1"/>
-              </a:solidFill>
-              <a:latin typeface="나눔고딕" panose="020D0604000000000000" pitchFamily="50" charset="-127"/>
-              <a:ea typeface="나눔고딕" panose="020D0604000000000000" pitchFamily="50" charset="-127"/>
-            </a:endParaRPr>
-          </a:p>
-          <a:p>
-            <a:pPr marL="228600" indent="-228600">
-              <a:buAutoNum type="arabicParenR"/>
-            </a:pPr>
-            <a:r>
-              <a:rPr lang="ko-KR" altLang="en-US" sz="1000" dirty="0">
-                <a:solidFill>
-                  <a:schemeClr val="bg1"/>
-                </a:solidFill>
-                <a:latin typeface="나눔고딕" panose="020D0604000000000000" pitchFamily="50" charset="-127"/>
-                <a:ea typeface="나눔고딕" panose="020D0604000000000000" pitchFamily="50" charset="-127"/>
-              </a:rPr>
-              <a:t>전회를 많이 사용할 수록 </a:t>
-            </a:r>
-            <a:r>
-              <a:rPr lang="ko-KR" altLang="en-US" sz="1000" dirty="0" err="1">
-                <a:solidFill>
-                  <a:schemeClr val="bg1"/>
-                </a:solidFill>
-                <a:latin typeface="나눔고딕" panose="020D0604000000000000" pitchFamily="50" charset="-127"/>
-                <a:ea typeface="나눔고딕" panose="020D0604000000000000" pitchFamily="50" charset="-127"/>
-              </a:rPr>
-              <a:t>강해짐</a:t>
-            </a:r>
-            <a:r>
-              <a:rPr lang="en-US" altLang="ko-KR" sz="1000" dirty="0">
-                <a:solidFill>
-                  <a:schemeClr val="bg1"/>
-                </a:solidFill>
-                <a:latin typeface="나눔고딕" panose="020D0604000000000000" pitchFamily="50" charset="-127"/>
-                <a:ea typeface="나눔고딕" panose="020D0604000000000000" pitchFamily="50" charset="-127"/>
-              </a:rPr>
-              <a:t>.</a:t>
-            </a:r>
-          </a:p>
-          <a:p>
-            <a:pPr marL="228600" indent="-228600">
-              <a:buAutoNum type="arabicParenR"/>
-            </a:pPr>
-            <a:r>
-              <a:rPr lang="ko-KR" altLang="en-US" sz="1000" dirty="0">
-                <a:solidFill>
-                  <a:schemeClr val="bg1"/>
-                </a:solidFill>
-                <a:latin typeface="나눔고딕" panose="020D0604000000000000" pitchFamily="50" charset="-127"/>
-                <a:ea typeface="나눔고딕" panose="020D0604000000000000" pitchFamily="50" charset="-127"/>
-              </a:rPr>
-              <a:t>성취감 제공</a:t>
-            </a:r>
-            <a:endParaRPr lang="en-US" altLang="ko-KR" sz="1000" dirty="0">
-              <a:solidFill>
-                <a:schemeClr val="bg1"/>
-              </a:solidFill>
-              <a:latin typeface="나눔고딕" panose="020D0604000000000000" pitchFamily="50" charset="-127"/>
-              <a:ea typeface="나눔고딕" panose="020D0604000000000000" pitchFamily="50" charset="-127"/>
-            </a:endParaRPr>
-          </a:p>
-          <a:p>
-            <a:pPr marL="228600" indent="-228600">
-              <a:buAutoNum type="arabicParenR"/>
-            </a:pPr>
-            <a:endParaRPr lang="en-US" altLang="ko-KR" sz="1000" dirty="0">
-              <a:solidFill>
-                <a:schemeClr val="bg1"/>
-              </a:solidFill>
-              <a:latin typeface="나눔고딕" panose="020D0604000000000000" pitchFamily="50" charset="-127"/>
-              <a:ea typeface="나눔고딕" panose="020D0604000000000000" pitchFamily="50" charset="-127"/>
-            </a:endParaRPr>
-          </a:p>
-          <a:p>
-            <a:pPr marL="228600" indent="-228600">
-              <a:buAutoNum type="arabicParenR"/>
-            </a:pPr>
-            <a:endParaRPr lang="en-US" altLang="ko-KR" sz="1000" dirty="0">
-              <a:solidFill>
-                <a:schemeClr val="bg1"/>
-              </a:solidFill>
-              <a:latin typeface="나눔고딕" panose="020D0604000000000000" pitchFamily="50" charset="-127"/>
-              <a:ea typeface="나눔고딕" panose="020D0604000000000000" pitchFamily="50" charset="-127"/>
-            </a:endParaRPr>
-          </a:p>
-          <a:p>
-            <a:pPr marL="171450" indent="-171450">
-              <a:buFontTx/>
-              <a:buChar char="-"/>
-            </a:pPr>
-            <a:r>
-              <a:rPr lang="ko-KR" altLang="en-US" sz="1000" dirty="0">
-                <a:solidFill>
-                  <a:schemeClr val="bg1"/>
-                </a:solidFill>
-                <a:latin typeface="나눔고딕" panose="020D0604000000000000" pitchFamily="50" charset="-127"/>
-                <a:ea typeface="나눔고딕" panose="020D0604000000000000" pitchFamily="50" charset="-127"/>
-              </a:rPr>
-              <a:t>전회 사용에 대한 업적</a:t>
-            </a:r>
-            <a:r>
-              <a:rPr lang="en-US" altLang="ko-KR" sz="1000" dirty="0">
-                <a:solidFill>
-                  <a:schemeClr val="bg1"/>
-                </a:solidFill>
-                <a:latin typeface="나눔고딕" panose="020D0604000000000000" pitchFamily="50" charset="-127"/>
-                <a:ea typeface="나눔고딕" panose="020D0604000000000000" pitchFamily="50" charset="-127"/>
-              </a:rPr>
-              <a:t> </a:t>
-            </a:r>
-            <a:r>
-              <a:rPr lang="ko-KR" altLang="en-US" sz="1000" dirty="0">
-                <a:solidFill>
-                  <a:schemeClr val="bg1"/>
-                </a:solidFill>
-                <a:latin typeface="나눔고딕" panose="020D0604000000000000" pitchFamily="50" charset="-127"/>
-                <a:ea typeface="나눔고딕" panose="020D0604000000000000" pitchFamily="50" charset="-127"/>
-              </a:rPr>
-              <a:t>시스템</a:t>
-            </a:r>
-            <a:r>
-              <a:rPr lang="en-US" altLang="ko-KR" sz="1000" dirty="0">
-                <a:solidFill>
-                  <a:schemeClr val="bg1"/>
-                </a:solidFill>
-                <a:latin typeface="나눔고딕" panose="020D0604000000000000" pitchFamily="50" charset="-127"/>
-                <a:ea typeface="나눔고딕" panose="020D0604000000000000" pitchFamily="50" charset="-127"/>
-              </a:rPr>
-              <a:t>?</a:t>
-            </a:r>
-            <a:br>
-              <a:rPr lang="en-US" altLang="ko-KR" sz="1000" dirty="0">
-                <a:solidFill>
-                  <a:schemeClr val="bg1"/>
-                </a:solidFill>
-                <a:latin typeface="나눔고딕" panose="020D0604000000000000" pitchFamily="50" charset="-127"/>
-                <a:ea typeface="나눔고딕" panose="020D0604000000000000" pitchFamily="50" charset="-127"/>
-              </a:rPr>
-            </a:br>
-            <a:r>
-              <a:rPr lang="en-US" altLang="ko-KR" sz="1000" dirty="0">
-                <a:solidFill>
-                  <a:schemeClr val="bg1"/>
-                </a:solidFill>
-                <a:latin typeface="나눔고딕" panose="020D0604000000000000" pitchFamily="50" charset="-127"/>
-                <a:ea typeface="나눔고딕" panose="020D0604000000000000" pitchFamily="50" charset="-127"/>
-              </a:rPr>
-              <a:t>Ex) </a:t>
-            </a:r>
-            <a:r>
-              <a:rPr lang="ko-KR" altLang="en-US" sz="1000" dirty="0">
-                <a:solidFill>
-                  <a:schemeClr val="bg1"/>
-                </a:solidFill>
-                <a:latin typeface="나눔고딕" panose="020D0604000000000000" pitchFamily="50" charset="-127"/>
-                <a:ea typeface="나눔고딕" panose="020D0604000000000000" pitchFamily="50" charset="-127"/>
-              </a:rPr>
-              <a:t>어떤 전회를 사용하여 적 처치</a:t>
-            </a:r>
-            <a:endParaRPr lang="en-US" altLang="ko-KR" sz="1000" dirty="0">
-              <a:solidFill>
-                <a:schemeClr val="bg1"/>
-              </a:solidFill>
-              <a:latin typeface="나눔고딕" panose="020D0604000000000000" pitchFamily="50" charset="-127"/>
-              <a:ea typeface="나눔고딕" panose="020D0604000000000000" pitchFamily="50" charset="-127"/>
-            </a:endParaRPr>
-          </a:p>
-          <a:p>
-            <a:pPr marL="171450" indent="-171450">
-              <a:buFontTx/>
-              <a:buChar char="-"/>
-            </a:pPr>
-            <a:r>
-              <a:rPr lang="ko-KR" altLang="en-US" sz="1000" dirty="0">
-                <a:solidFill>
-                  <a:schemeClr val="bg1"/>
-                </a:solidFill>
-                <a:latin typeface="나눔고딕" panose="020D0604000000000000" pitchFamily="50" charset="-127"/>
-                <a:ea typeface="나눔고딕" panose="020D0604000000000000" pitchFamily="50" charset="-127"/>
-              </a:rPr>
-              <a:t>무기에 특정 전회 부여 시 특별한 능력 발동</a:t>
-            </a:r>
-            <a:r>
-              <a:rPr lang="en-US" altLang="ko-KR" sz="1000" dirty="0">
-                <a:solidFill>
-                  <a:schemeClr val="bg1"/>
-                </a:solidFill>
-                <a:latin typeface="나눔고딕" panose="020D0604000000000000" pitchFamily="50" charset="-127"/>
-                <a:ea typeface="나눔고딕" panose="020D0604000000000000" pitchFamily="50" charset="-127"/>
-              </a:rPr>
-              <a:t>?</a:t>
-            </a:r>
-          </a:p>
-          <a:p>
-            <a:pPr marL="171450" indent="-171450">
-              <a:buFontTx/>
-              <a:buChar char="-"/>
-            </a:pPr>
-            <a:r>
-              <a:rPr lang="ko-KR" altLang="en-US" sz="1000" dirty="0">
-                <a:solidFill>
-                  <a:schemeClr val="bg1"/>
-                </a:solidFill>
-                <a:latin typeface="나눔고딕" panose="020D0604000000000000" pitchFamily="50" charset="-127"/>
-                <a:ea typeface="나눔고딕" panose="020D0604000000000000" pitchFamily="50" charset="-127"/>
-              </a:rPr>
-              <a:t>전회 숙련도 도입</a:t>
-            </a:r>
-            <a:r>
-              <a:rPr lang="en-US" altLang="ko-KR" sz="1000" dirty="0">
-                <a:solidFill>
-                  <a:schemeClr val="bg1"/>
-                </a:solidFill>
-                <a:latin typeface="나눔고딕" panose="020D0604000000000000" pitchFamily="50" charset="-127"/>
-                <a:ea typeface="나눔고딕" panose="020D0604000000000000" pitchFamily="50" charset="-127"/>
-              </a:rPr>
-              <a:t>? </a:t>
-            </a:r>
-          </a:p>
-          <a:p>
-            <a:pPr marL="171450" indent="-171450">
-              <a:buFontTx/>
-              <a:buChar char="-"/>
-            </a:pPr>
-            <a:endParaRPr lang="en-US" altLang="ko-KR" sz="1000" dirty="0">
-              <a:solidFill>
-                <a:schemeClr val="bg1"/>
-              </a:solidFill>
-              <a:latin typeface="나눔고딕" panose="020D0604000000000000" pitchFamily="50" charset="-127"/>
-              <a:ea typeface="나눔고딕" panose="020D0604000000000000" pitchFamily="50" charset="-127"/>
-            </a:endParaRPr>
-          </a:p>
-          <a:p>
-            <a:endParaRPr lang="en-US" altLang="ko-KR" sz="1000" dirty="0">
-              <a:solidFill>
-                <a:schemeClr val="bg1"/>
-              </a:solidFill>
-              <a:latin typeface="나눔고딕" panose="020D0604000000000000" pitchFamily="50" charset="-127"/>
-              <a:ea typeface="나눔고딕" panose="020D0604000000000000" pitchFamily="50" charset="-127"/>
-            </a:endParaRPr>
-          </a:p>
-          <a:p>
-            <a:pPr marL="171450" indent="-171450">
-              <a:buFontTx/>
-              <a:buChar char="-"/>
-            </a:pPr>
-            <a:endParaRPr lang="en-US" altLang="ko-KR" sz="1000" dirty="0">
-              <a:solidFill>
-                <a:schemeClr val="bg1"/>
-              </a:solidFill>
-              <a:latin typeface="나눔고딕" panose="020D0604000000000000" pitchFamily="50" charset="-127"/>
-              <a:ea typeface="나눔고딕" panose="020D0604000000000000" pitchFamily="50" charset="-127"/>
-            </a:endParaRPr>
-          </a:p>
-        </p:txBody>
-      </p:sp>
+        </p:grpSpPr>
+        <p:grpSp>
+          <p:nvGrpSpPr>
+            <p:cNvPr id="17" name="그룹 16">
+              <a:extLst>
+                <a:ext uri="{FF2B5EF4-FFF2-40B4-BE49-F238E27FC236}">
+                  <a16:creationId xmlns:a16="http://schemas.microsoft.com/office/drawing/2014/main" id="{C8335AE4-62A9-7FE4-8CAD-56CD45B2C1B7}"/>
+                </a:ext>
+              </a:extLst>
+            </p:cNvPr>
+            <p:cNvGrpSpPr/>
+            <p:nvPr/>
+          </p:nvGrpSpPr>
+          <p:grpSpPr>
+            <a:xfrm>
+              <a:off x="1704516" y="219855"/>
+              <a:ext cx="10487484" cy="392234"/>
+              <a:chOff x="1704516" y="219855"/>
+              <a:chExt cx="10487484" cy="392234"/>
+            </a:xfrm>
+          </p:grpSpPr>
+          <p:sp>
+            <p:nvSpPr>
+              <p:cNvPr id="19" name="직사각형 18">
+                <a:extLst>
+                  <a:ext uri="{FF2B5EF4-FFF2-40B4-BE49-F238E27FC236}">
+                    <a16:creationId xmlns:a16="http://schemas.microsoft.com/office/drawing/2014/main" id="{3134DD57-C796-4E9C-9567-CA0C465B73C0}"/>
+                  </a:ext>
+                </a:extLst>
+              </p:cNvPr>
+              <p:cNvSpPr>
+                <a:spLocks/>
+              </p:cNvSpPr>
+              <p:nvPr/>
+            </p:nvSpPr>
+            <p:spPr>
+              <a:xfrm>
+                <a:off x="1704516" y="219855"/>
+                <a:ext cx="10487484" cy="392234"/>
+              </a:xfrm>
+              <a:prstGeom prst="rect">
+                <a:avLst/>
+              </a:prstGeom>
+              <a:gradFill flip="none" rotWithShape="1">
+                <a:gsLst>
+                  <a:gs pos="58000">
+                    <a:srgbClr val="464437">
+                      <a:alpha val="70000"/>
+                    </a:srgbClr>
+                  </a:gs>
+                  <a:gs pos="2000">
+                    <a:srgbClr val="464437">
+                      <a:alpha val="80000"/>
+                    </a:srgbClr>
+                  </a:gs>
+                  <a:gs pos="100000">
+                    <a:srgbClr val="48443A">
+                      <a:alpha val="30000"/>
+                    </a:srgbClr>
+                  </a:gs>
+                </a:gsLst>
+                <a:lin ang="0" scaled="1"/>
+                <a:tileRect/>
+              </a:gradFill>
+              <a:ln>
+                <a:noFill/>
+              </a:ln>
+            </p:spPr>
+            <p:style>
+              <a:lnRef idx="2">
+                <a:schemeClr val="accent1">
+                  <a:shade val="15000"/>
+                </a:schemeClr>
+              </a:lnRef>
+              <a:fillRef idx="1">
+                <a:schemeClr val="accent1"/>
+              </a:fillRef>
+              <a:effectRef idx="0">
+                <a:schemeClr val="accent1"/>
+              </a:effectRef>
+              <a:fontRef idx="minor">
+                <a:schemeClr val="lt1"/>
+              </a:fontRef>
+            </p:style>
+            <p:txBody>
+              <a:bodyPr rtlCol="0" anchor="ctr"/>
+              <a:lstStyle/>
+              <a:p>
+                <a:pPr algn="ctr"/>
+                <a:endParaRPr lang="ko-KR" altLang="en-US" dirty="0"/>
+              </a:p>
+            </p:txBody>
+          </p:sp>
+          <p:cxnSp>
+            <p:nvCxnSpPr>
+              <p:cNvPr id="20" name="직선 연결선 19">
+                <a:extLst>
+                  <a:ext uri="{FF2B5EF4-FFF2-40B4-BE49-F238E27FC236}">
+                    <a16:creationId xmlns:a16="http://schemas.microsoft.com/office/drawing/2014/main" id="{B07D7A6D-8F8F-34E9-DB74-6CE713EA0589}"/>
+                  </a:ext>
+                </a:extLst>
+              </p:cNvPr>
+              <p:cNvCxnSpPr>
+                <a:cxnSpLocks/>
+              </p:cNvCxnSpPr>
+              <p:nvPr/>
+            </p:nvCxnSpPr>
+            <p:spPr>
+              <a:xfrm>
+                <a:off x="1992916" y="588667"/>
+                <a:ext cx="9829562" cy="0"/>
+              </a:xfrm>
+              <a:prstGeom prst="line">
+                <a:avLst/>
+              </a:prstGeom>
+              <a:ln w="28575">
+                <a:gradFill flip="none" rotWithShape="1">
+                  <a:gsLst>
+                    <a:gs pos="0">
+                      <a:srgbClr val="464437">
+                        <a:alpha val="70000"/>
+                      </a:srgbClr>
+                    </a:gs>
+                    <a:gs pos="47000">
+                      <a:srgbClr val="464437">
+                        <a:alpha val="50000"/>
+                      </a:srgbClr>
+                    </a:gs>
+                    <a:gs pos="83000">
+                      <a:srgbClr val="464437">
+                        <a:alpha val="50000"/>
+                      </a:srgbClr>
+                    </a:gs>
+                    <a:gs pos="100000">
+                      <a:srgbClr val="464437">
+                        <a:alpha val="0"/>
+                      </a:srgbClr>
+                    </a:gs>
+                  </a:gsLst>
+                  <a:path path="circle">
+                    <a:fillToRect l="50000" t="50000" r="50000" b="50000"/>
+                  </a:path>
+                  <a:tileRect/>
+                </a:gradFill>
+              </a:ln>
+            </p:spPr>
+            <p:style>
+              <a:lnRef idx="2">
+                <a:schemeClr val="accent1"/>
+              </a:lnRef>
+              <a:fillRef idx="0">
+                <a:schemeClr val="accent1"/>
+              </a:fillRef>
+              <a:effectRef idx="1">
+                <a:schemeClr val="accent1"/>
+              </a:effectRef>
+              <a:fontRef idx="minor">
+                <a:schemeClr val="tx1"/>
+              </a:fontRef>
+            </p:style>
+          </p:cxnSp>
+        </p:grpSp>
+        <p:sp>
+          <p:nvSpPr>
+            <p:cNvPr id="18" name="TextBox 17">
+              <a:extLst>
+                <a:ext uri="{FF2B5EF4-FFF2-40B4-BE49-F238E27FC236}">
+                  <a16:creationId xmlns:a16="http://schemas.microsoft.com/office/drawing/2014/main" id="{6872C446-03C0-448D-4918-E07A70D43C04}"/>
+                </a:ext>
+              </a:extLst>
+            </p:cNvPr>
+            <p:cNvSpPr txBox="1">
+              <a:spLocks/>
+            </p:cNvSpPr>
+            <p:nvPr/>
+          </p:nvSpPr>
+          <p:spPr>
+            <a:xfrm>
+              <a:off x="1704516" y="246695"/>
+              <a:ext cx="1511952" cy="338554"/>
+            </a:xfrm>
+            <a:prstGeom prst="rect">
+              <a:avLst/>
+            </a:prstGeom>
+            <a:noFill/>
+            <a:ln w="6350">
+              <a:noFill/>
+            </a:ln>
+          </p:spPr>
+          <p:txBody>
+            <a:bodyPr wrap="none" rtlCol="0">
+              <a:spAutoFit/>
+            </a:bodyPr>
+            <a:lstStyle/>
+            <a:p>
+              <a:r>
+                <a:rPr lang="ko-KR" altLang="en-US" sz="1600" dirty="0">
+                  <a:solidFill>
+                    <a:schemeClr val="bg1"/>
+                  </a:solidFill>
+                  <a:effectLst>
+                    <a:glow rad="101600">
+                      <a:schemeClr val="tx1">
+                        <a:alpha val="60000"/>
+                      </a:schemeClr>
+                    </a:glow>
+                  </a:effectLst>
+                  <a:latin typeface="빛의 계승자 Bold" panose="020B0600000101010101" pitchFamily="50" charset="-127"/>
+                  <a:ea typeface="빛의 계승자 Bold" panose="020B0600000101010101" pitchFamily="50" charset="-127"/>
+                </a:rPr>
+                <a:t>전회 획득 방법</a:t>
+              </a:r>
+            </a:p>
+          </p:txBody>
+        </p:sp>
+      </p:grpSp>
     </p:spTree>
     <p:extLst>
       <p:ext uri="{BB962C8B-B14F-4D97-AF65-F5344CB8AC3E}">
-        <p14:creationId xmlns:p14="http://schemas.microsoft.com/office/powerpoint/2010/main" val="1240905001"/>
+        <p14:creationId xmlns:p14="http://schemas.microsoft.com/office/powerpoint/2010/main" val="1201652620"/>
       </p:ext>
     </p:extLst>
   </p:cSld>
@@ -16690,262 +19797,48 @@
           <a:chExt cx="0" cy="0"/>
         </a:xfrm>
       </p:grpSpPr>
-      <p:grpSp>
-        <p:nvGrpSpPr>
-          <p:cNvPr id="13" name="그룹 12">
+      <p:sp>
+        <p:nvSpPr>
+          <p:cNvPr id="2" name="슬라이드 번호 개체 틀 1">
             <a:extLst>
               <a:ext uri="{FF2B5EF4-FFF2-40B4-BE49-F238E27FC236}">
-                <a16:creationId xmlns:a16="http://schemas.microsoft.com/office/drawing/2014/main" id="{13271B4B-C487-7F2C-9A2C-7DBE0AA185CC}"/>
+                <a16:creationId xmlns:a16="http://schemas.microsoft.com/office/drawing/2014/main" id="{A5B78E01-89DF-3758-C89A-F988A80DFFB2}"/>
               </a:ext>
             </a:extLst>
           </p:cNvPr>
-          <p:cNvGrpSpPr/>
-          <p:nvPr/>
-        </p:nvGrpSpPr>
-        <p:grpSpPr>
-          <a:xfrm>
-            <a:off x="811698" y="2926414"/>
-            <a:ext cx="10568605" cy="1134058"/>
-            <a:chOff x="917880" y="2926414"/>
-            <a:chExt cx="10568605" cy="1134058"/>
-          </a:xfrm>
-        </p:grpSpPr>
-        <p:sp>
-          <p:nvSpPr>
-            <p:cNvPr id="5" name="직사각형 4">
-              <a:extLst>
-                <a:ext uri="{FF2B5EF4-FFF2-40B4-BE49-F238E27FC236}">
-                  <a16:creationId xmlns:a16="http://schemas.microsoft.com/office/drawing/2014/main" id="{A1FF7143-4FD2-6778-721A-1127EBA36C1D}"/>
-                </a:ext>
-              </a:extLst>
-            </p:cNvPr>
-            <p:cNvSpPr/>
-            <p:nvPr/>
-          </p:nvSpPr>
-          <p:spPr>
-            <a:xfrm>
-              <a:off x="958440" y="2926414"/>
-              <a:ext cx="10487484" cy="1015664"/>
-            </a:xfrm>
-            <a:prstGeom prst="rect">
-              <a:avLst/>
-            </a:prstGeom>
-            <a:gradFill flip="none" rotWithShape="1">
-              <a:gsLst>
-                <a:gs pos="75000">
-                  <a:srgbClr val="464437">
-                    <a:alpha val="50000"/>
-                  </a:srgbClr>
-                </a:gs>
-                <a:gs pos="13000">
-                  <a:srgbClr val="464437">
-                    <a:alpha val="40000"/>
-                  </a:srgbClr>
-                </a:gs>
-                <a:gs pos="50000">
-                  <a:srgbClr val="464437">
-                    <a:alpha val="50000"/>
-                  </a:srgbClr>
-                </a:gs>
-                <a:gs pos="25000">
-                  <a:srgbClr val="464437">
-                    <a:alpha val="50000"/>
-                  </a:srgbClr>
-                </a:gs>
-                <a:gs pos="0">
-                  <a:srgbClr val="464437">
-                    <a:alpha val="0"/>
-                  </a:srgbClr>
-                </a:gs>
-                <a:gs pos="2000">
-                  <a:srgbClr val="464437">
-                    <a:alpha val="10000"/>
-                  </a:srgbClr>
-                </a:gs>
-                <a:gs pos="87000">
-                  <a:srgbClr val="474438">
-                    <a:alpha val="40000"/>
-                  </a:srgbClr>
-                </a:gs>
-                <a:gs pos="100000">
-                  <a:srgbClr val="484439">
-                    <a:alpha val="0"/>
-                  </a:srgbClr>
-                </a:gs>
-                <a:gs pos="98000">
-                  <a:srgbClr val="48443A">
-                    <a:alpha val="10000"/>
-                  </a:srgbClr>
-                </a:gs>
-              </a:gsLst>
-              <a:lin ang="0" scaled="1"/>
-              <a:tileRect/>
-            </a:gradFill>
-            <a:ln>
-              <a:noFill/>
-            </a:ln>
-          </p:spPr>
-          <p:style>
-            <a:lnRef idx="2">
-              <a:schemeClr val="accent1">
-                <a:shade val="15000"/>
-              </a:schemeClr>
-            </a:lnRef>
-            <a:fillRef idx="1">
-              <a:schemeClr val="accent1"/>
-            </a:fillRef>
-            <a:effectRef idx="0">
-              <a:schemeClr val="accent1"/>
-            </a:effectRef>
-            <a:fontRef idx="minor">
-              <a:schemeClr val="lt1"/>
-            </a:fontRef>
-          </p:style>
-          <p:txBody>
-            <a:bodyPr rtlCol="0" anchor="ctr"/>
-            <a:lstStyle/>
-            <a:p>
-              <a:pPr algn="ctr"/>
-              <a:endParaRPr lang="ko-KR" altLang="en-US"/>
-            </a:p>
-          </p:txBody>
-        </p:sp>
-        <p:sp>
-          <p:nvSpPr>
-            <p:cNvPr id="27" name="TextBox 26">
-              <a:extLst>
-                <a:ext uri="{FF2B5EF4-FFF2-40B4-BE49-F238E27FC236}">
-                  <a16:creationId xmlns:a16="http://schemas.microsoft.com/office/drawing/2014/main" id="{B19CCC01-3141-AE1B-433D-6D12C88ECA2B}"/>
-                </a:ext>
-              </a:extLst>
-            </p:cNvPr>
-            <p:cNvSpPr txBox="1"/>
-            <p:nvPr/>
-          </p:nvSpPr>
-          <p:spPr>
-            <a:xfrm>
-              <a:off x="2809266" y="3044809"/>
-              <a:ext cx="6785832" cy="1015663"/>
-            </a:xfrm>
-            <a:prstGeom prst="rect">
-              <a:avLst/>
-            </a:prstGeom>
-            <a:noFill/>
-          </p:spPr>
-          <p:txBody>
-            <a:bodyPr wrap="none" rtlCol="0">
-              <a:spAutoFit/>
-            </a:bodyPr>
-            <a:lstStyle/>
-            <a:p>
-              <a:pPr algn="ctr"/>
-              <a:r>
-                <a:rPr lang="en-US" altLang="ko-KR" sz="6000" b="1" dirty="0">
-                  <a:solidFill>
-                    <a:schemeClr val="bg1"/>
-                  </a:solidFill>
-                  <a:effectLst>
-                    <a:glow rad="101600">
-                      <a:schemeClr val="tx1">
-                        <a:alpha val="60000"/>
-                      </a:schemeClr>
-                    </a:glow>
-                  </a:effectLst>
-                  <a:latin typeface="빛의 계승자 Regular" panose="020B0600000101010101" pitchFamily="50" charset="-127"/>
-                  <a:ea typeface="빛의 계승자 Regular" panose="020B0600000101010101" pitchFamily="50" charset="-127"/>
-                </a:rPr>
-                <a:t>End Of Document</a:t>
-              </a:r>
-              <a:endParaRPr lang="ko-KR" altLang="en-US" sz="6000" b="1" dirty="0">
-                <a:solidFill>
-                  <a:schemeClr val="bg1"/>
-                </a:solidFill>
-                <a:effectLst>
-                  <a:glow rad="101600">
-                    <a:schemeClr val="tx1">
-                      <a:alpha val="60000"/>
-                    </a:schemeClr>
-                  </a:glow>
-                </a:effectLst>
-                <a:latin typeface="빛의 계승자 Regular" panose="020B0600000101010101" pitchFamily="50" charset="-127"/>
-                <a:ea typeface="빛의 계승자 Regular" panose="020B0600000101010101" pitchFamily="50" charset="-127"/>
-              </a:endParaRPr>
-            </a:p>
-          </p:txBody>
-        </p:sp>
-        <p:cxnSp>
-          <p:nvCxnSpPr>
-            <p:cNvPr id="6" name="직선 연결선 5">
-              <a:extLst>
-                <a:ext uri="{FF2B5EF4-FFF2-40B4-BE49-F238E27FC236}">
-                  <a16:creationId xmlns:a16="http://schemas.microsoft.com/office/drawing/2014/main" id="{7E5034E6-0444-8EA3-06D8-BF99AB1E0BEB}"/>
-                </a:ext>
-              </a:extLst>
-            </p:cNvPr>
-            <p:cNvCxnSpPr>
-              <a:cxnSpLocks/>
-            </p:cNvCxnSpPr>
-            <p:nvPr/>
-          </p:nvCxnSpPr>
-          <p:spPr>
-            <a:xfrm flipV="1">
-              <a:off x="917880" y="3920553"/>
-              <a:ext cx="10568605" cy="0"/>
-            </a:xfrm>
-            <a:prstGeom prst="line">
-              <a:avLst/>
-            </a:prstGeom>
-            <a:ln w="28575">
-              <a:gradFill flip="none" rotWithShape="1">
-                <a:gsLst>
-                  <a:gs pos="0">
-                    <a:srgbClr val="464437">
-                      <a:alpha val="70000"/>
-                    </a:srgbClr>
-                  </a:gs>
-                  <a:gs pos="47000">
-                    <a:srgbClr val="464437">
-                      <a:alpha val="50000"/>
-                    </a:srgbClr>
-                  </a:gs>
-                  <a:gs pos="83000">
-                    <a:srgbClr val="464437">
-                      <a:alpha val="50000"/>
-                    </a:srgbClr>
-                  </a:gs>
-                  <a:gs pos="100000">
-                    <a:srgbClr val="464437">
-                      <a:alpha val="0"/>
-                    </a:srgbClr>
-                  </a:gs>
-                </a:gsLst>
-                <a:path path="circle">
-                  <a:fillToRect l="50000" t="50000" r="50000" b="50000"/>
-                </a:path>
-                <a:tileRect/>
-              </a:gradFill>
-            </a:ln>
-          </p:spPr>
-          <p:style>
-            <a:lnRef idx="2">
-              <a:schemeClr val="accent1"/>
-            </a:lnRef>
-            <a:fillRef idx="0">
-              <a:schemeClr val="accent1"/>
-            </a:fillRef>
-            <a:effectRef idx="1">
-              <a:schemeClr val="accent1"/>
-            </a:effectRef>
-            <a:fontRef idx="minor">
-              <a:schemeClr val="tx1"/>
-            </a:fontRef>
-          </p:style>
-        </p:cxnSp>
-      </p:grpSp>
+          <p:cNvSpPr>
+            <a:spLocks noGrp="1"/>
+          </p:cNvSpPr>
+          <p:nvPr>
+            <p:ph type="sldNum" sz="quarter" idx="4"/>
+          </p:nvPr>
+        </p:nvSpPr>
+        <p:spPr/>
+        <p:txBody>
+          <a:bodyPr/>
+          <a:lstStyle/>
+          <a:p>
+            <a:r>
+              <a:rPr lang="en-US" altLang="ko-KR"/>
+              <a:t>p. </a:t>
+            </a:r>
+            <a:fld id="{1F335F12-2F84-4C53-9DF5-2927535D2C2D}" type="slidenum">
+              <a:rPr lang="ko-KR" altLang="en-US" smtClean="0"/>
+              <a:pPr/>
+              <a:t>9</a:t>
+            </a:fld>
+            <a:r>
+              <a:rPr lang="en-US" altLang="ko-KR"/>
+              <a:t>/20</a:t>
+            </a:r>
+            <a:endParaRPr lang="ko-KR" altLang="en-US" dirty="0"/>
+          </a:p>
+        </p:txBody>
+      </p:sp>
     </p:spTree>
     <p:extLst>
       <p:ext uri="{BB962C8B-B14F-4D97-AF65-F5344CB8AC3E}">
-        <p14:creationId xmlns:p14="http://schemas.microsoft.com/office/powerpoint/2010/main" val="626421955"/>
+        <p14:creationId xmlns:p14="http://schemas.microsoft.com/office/powerpoint/2010/main" val="856074562"/>
       </p:ext>
     </p:extLst>
   </p:cSld>
